--- a/doc/mpegts-introduction.pptx
+++ b/doc/mpegts-introduction.pptx
@@ -235,7 +235,7 @@
           <a:p>
             <a:fld id="{C55B0BA7-B0E2-4C07-8528-84B7AE1BAF72}" type="datetimeFigureOut">
               <a:rPr lang="en-US" smtClean="0"/>
-              <a:t>2018-03-22</a:t>
+              <a:t>2018-05-14</a:t>
             </a:fld>
             <a:endParaRPr lang="en-US"/>
           </a:p>
@@ -401,7 +401,7 @@
           <a:p>
             <a:fld id="{66F6DD61-880C-4F33-96A2-51E92479021F}" type="datetimeFigureOut">
               <a:rPr lang="en-US" smtClean="0"/>
-              <a:t>2018-03-22</a:t>
+              <a:t>2018-05-14</a:t>
             </a:fld>
             <a:endParaRPr lang="en-US" dirty="0"/>
           </a:p>
@@ -2380,8 +2380,8 @@
         </p:nvSpPr>
         <p:spPr>
           <a:xfrm>
-            <a:off x="7836242" y="4868166"/>
-            <a:ext cx="1304165" cy="273844"/>
+            <a:off x="8244408" y="4868166"/>
+            <a:ext cx="895999" cy="273844"/>
           </a:xfrm>
           <a:prstGeom prst="rect">
             <a:avLst/>
@@ -2495,7 +2495,7 @@
                   <a:srgbClr val="27AE60"/>
                 </a:solidFill>
               </a:rPr>
-              <a:t>tsduck.github.io</a:t>
+              <a:t>tsduck.io</a:t>
             </a:r>
             <a:endParaRPr lang="en-US" sz="1000" b="1" i="0" dirty="0">
               <a:solidFill>
@@ -3317,11 +3317,7 @@
             </a:r>
             <a:r>
               <a:rPr lang="en-US" sz="1100" dirty="0" smtClean="0"/>
-              <a:t> </a:t>
-            </a:r>
-            <a:r>
-              <a:rPr lang="en-US" sz="1100" dirty="0" smtClean="0"/>
-              <a:t>184 bytes</a:t>
+              <a:t> 184 bytes</a:t>
             </a:r>
             <a:endParaRPr lang="en-US" sz="1100" dirty="0"/>
           </a:p>
@@ -3620,11 +3616,7 @@
             <a:pPr algn="ctr"/>
             <a:r>
               <a:rPr lang="en-US" sz="1100" dirty="0" smtClean="0"/>
-              <a:t>payload </a:t>
-            </a:r>
-            <a:r>
-              <a:rPr lang="en-US" sz="1100" dirty="0" smtClean="0"/>
-              <a:t>&lt; 184 bytes</a:t>
+              <a:t>payload &lt; 184 bytes</a:t>
             </a:r>
             <a:endParaRPr lang="en-US" sz="1100" dirty="0"/>
           </a:p>
@@ -3812,11 +3804,7 @@
             </a:r>
             <a:r>
               <a:rPr lang="en-US" sz="1100" dirty="0" smtClean="0"/>
-              <a:t>daptation </a:t>
-            </a:r>
-            <a:r>
-              <a:rPr lang="en-US" sz="1100" dirty="0" smtClean="0"/>
-              <a:t>field</a:t>
+              <a:t>daptation field</a:t>
             </a:r>
             <a:endParaRPr lang="en-US" sz="1100" dirty="0"/>
           </a:p>
@@ -4243,11 +4231,7 @@
             <a:pPr algn="ctr"/>
             <a:r>
               <a:rPr lang="en-US" sz="1100" dirty="0" smtClean="0"/>
-              <a:t>payload </a:t>
-            </a:r>
-            <a:r>
-              <a:rPr lang="en-US" sz="1100" dirty="0" smtClean="0"/>
-              <a:t>&lt; 184 bytes</a:t>
+              <a:t>payload &lt; 184 bytes</a:t>
             </a:r>
             <a:endParaRPr lang="en-US" sz="1100" dirty="0"/>
           </a:p>
@@ -4431,11 +4415,7 @@
             <a:pPr algn="ctr"/>
             <a:r>
               <a:rPr lang="en-US" sz="1100" dirty="0" smtClean="0"/>
-              <a:t>adaptation </a:t>
-            </a:r>
-            <a:r>
-              <a:rPr lang="en-US" sz="1100" dirty="0" smtClean="0"/>
-              <a:t>field</a:t>
+              <a:t>adaptation field</a:t>
             </a:r>
           </a:p>
           <a:p>
@@ -5025,15 +5005,7 @@
             </a:br>
             <a:r>
               <a:rPr lang="en-US" sz="900" dirty="0" smtClean="0"/>
-              <a:t>e</a:t>
-            </a:r>
-            <a:r>
-              <a:rPr lang="en-US" sz="900" dirty="0" smtClean="0"/>
-              <a:t>nd </a:t>
-            </a:r>
-            <a:r>
-              <a:rPr lang="en-US" sz="900" dirty="0" smtClean="0"/>
-              <a:t>of PES packet matches end of TS packet</a:t>
+              <a:t>end of PES packet matches end of TS packet</a:t>
             </a:r>
             <a:endParaRPr lang="en-US" sz="900" dirty="0"/>
           </a:p>
@@ -6411,11 +6383,7 @@
             <a:pPr algn="ctr"/>
             <a:r>
               <a:rPr lang="en-US" sz="1100" dirty="0" smtClean="0"/>
-              <a:t>header </a:t>
-            </a:r>
-            <a:r>
-              <a:rPr lang="en-US" sz="1100" dirty="0" smtClean="0"/>
-              <a:t>: 4 bytes</a:t>
+              <a:t>header : 4 bytes</a:t>
             </a:r>
             <a:endParaRPr lang="en-US" sz="1100" dirty="0"/>
           </a:p>
@@ -6457,11 +6425,7 @@
             </a:r>
             <a:r>
               <a:rPr lang="en-US" sz="1100" dirty="0" smtClean="0"/>
-              <a:t> </a:t>
-            </a:r>
-            <a:r>
-              <a:rPr lang="en-US" sz="1100" dirty="0" smtClean="0"/>
-              <a:t>184 bytes</a:t>
+              <a:t> 184 bytes</a:t>
             </a:r>
             <a:endParaRPr lang="en-US" sz="1100" dirty="0"/>
           </a:p>
@@ -6976,11 +6940,7 @@
             </a:r>
             <a:r>
               <a:rPr lang="en-US" sz="1100" dirty="0" smtClean="0"/>
-              <a:t>eader </a:t>
-            </a:r>
-            <a:r>
-              <a:rPr lang="en-US" sz="1100" dirty="0" smtClean="0"/>
-              <a:t>: 4 bytes</a:t>
+              <a:t>eader : 4 bytes</a:t>
             </a:r>
             <a:endParaRPr lang="en-US" sz="1100" dirty="0"/>
           </a:p>
@@ -7022,11 +6982,7 @@
             </a:r>
             <a:r>
               <a:rPr lang="en-US" sz="1100" dirty="0" smtClean="0"/>
-              <a:t> </a:t>
-            </a:r>
-            <a:r>
-              <a:rPr lang="en-US" sz="1100" dirty="0" smtClean="0"/>
-              <a:t>184 bytes</a:t>
+              <a:t> 184 bytes</a:t>
             </a:r>
             <a:endParaRPr lang="en-US" sz="1100" dirty="0"/>
           </a:p>
@@ -7276,11 +7232,7 @@
             <a:pPr algn="ctr"/>
             <a:r>
               <a:rPr lang="en-US" sz="900" dirty="0" smtClean="0"/>
-              <a:t>pointer </a:t>
-            </a:r>
-            <a:r>
-              <a:rPr lang="en-US" sz="900" dirty="0" smtClean="0"/>
-              <a:t>field (to first start of section)</a:t>
+              <a:t>pointer field (to first start of section)</a:t>
             </a:r>
             <a:endParaRPr lang="en-US" sz="900" dirty="0"/>
           </a:p>
@@ -7582,11 +7534,7 @@
             </a:r>
             <a:r>
               <a:rPr lang="en-US" sz="1100" dirty="0" smtClean="0"/>
-              <a:t>eader </a:t>
-            </a:r>
-            <a:r>
-              <a:rPr lang="en-US" sz="1100" dirty="0" smtClean="0"/>
-              <a:t>: 4 bytes</a:t>
+              <a:t>eader : 4 bytes</a:t>
             </a:r>
             <a:endParaRPr lang="en-US" sz="1100" dirty="0"/>
           </a:p>
@@ -7628,11 +7576,7 @@
             </a:r>
             <a:r>
               <a:rPr lang="en-US" sz="1100" dirty="0" smtClean="0"/>
-              <a:t> </a:t>
-            </a:r>
-            <a:r>
-              <a:rPr lang="en-US" sz="1100" dirty="0" smtClean="0"/>
-              <a:t>184 bytes</a:t>
+              <a:t> 184 bytes</a:t>
             </a:r>
             <a:endParaRPr lang="en-US" sz="1100" dirty="0"/>
           </a:p>
@@ -7786,11 +7730,7 @@
             </a:r>
             <a:r>
               <a:rPr lang="en-US" sz="900" dirty="0" smtClean="0"/>
-              <a:t>ointer </a:t>
-            </a:r>
-            <a:r>
-              <a:rPr lang="en-US" sz="900" dirty="0" smtClean="0"/>
-              <a:t>field</a:t>
+              <a:t>ointer field</a:t>
             </a:r>
             <a:endParaRPr lang="en-US" sz="900" dirty="0"/>
           </a:p>
@@ -8292,11 +8232,7 @@
           <a:p>
             <a:r>
               <a:rPr lang="en-US" sz="900" dirty="0" smtClean="0"/>
-              <a:t>table </a:t>
-            </a:r>
-            <a:r>
-              <a:rPr lang="en-US" sz="900" dirty="0" smtClean="0"/>
-              <a:t>id</a:t>
+              <a:t>table id</a:t>
             </a:r>
             <a:endParaRPr lang="en-US" sz="900" dirty="0"/>
           </a:p>
@@ -8333,11 +8269,7 @@
             </a:r>
             <a:r>
               <a:rPr lang="en-US" sz="900" dirty="0" smtClean="0"/>
-              <a:t>ection </a:t>
-            </a:r>
-            <a:r>
-              <a:rPr lang="en-US" sz="900" dirty="0" smtClean="0"/>
-              <a:t>size</a:t>
+              <a:t>ection size</a:t>
             </a:r>
             <a:endParaRPr lang="en-US" sz="900" dirty="0"/>
           </a:p>
@@ -8374,11 +8306,7 @@
             </a:r>
             <a:r>
               <a:rPr lang="en-US" sz="900" dirty="0" smtClean="0"/>
-              <a:t>able </a:t>
-            </a:r>
-            <a:r>
-              <a:rPr lang="en-US" sz="900" dirty="0" smtClean="0"/>
-              <a:t>id</a:t>
+              <a:t>able id</a:t>
             </a:r>
             <a:endParaRPr lang="en-US" sz="900" dirty="0"/>
           </a:p>
@@ -8487,11 +8415,7 @@
           <a:p>
             <a:r>
               <a:rPr lang="en-US" sz="900" dirty="0" smtClean="0"/>
-              <a:t>section </a:t>
-            </a:r>
-            <a:r>
-              <a:rPr lang="en-US" sz="900" dirty="0" smtClean="0"/>
-              <a:t>size</a:t>
+              <a:t>section size</a:t>
             </a:r>
             <a:endParaRPr lang="en-US" sz="900" dirty="0"/>
           </a:p>
@@ -8618,11 +8542,7 @@
             </a:r>
             <a:r>
               <a:rPr lang="en-US" sz="900" dirty="0" smtClean="0"/>
-              <a:t>able </a:t>
-            </a:r>
-            <a:r>
-              <a:rPr lang="en-US" sz="900" dirty="0" smtClean="0"/>
-              <a:t>id</a:t>
+              <a:t>able id</a:t>
             </a:r>
             <a:endParaRPr lang="en-US" sz="900" dirty="0"/>
           </a:p>
@@ -8692,11 +8612,7 @@
           <a:p>
             <a:r>
               <a:rPr lang="en-US" sz="900" dirty="0" smtClean="0"/>
-              <a:t>section </a:t>
-            </a:r>
-            <a:r>
-              <a:rPr lang="en-US" sz="900" dirty="0" smtClean="0"/>
-              <a:t>size</a:t>
+              <a:t>section size</a:t>
             </a:r>
             <a:endParaRPr lang="en-US" sz="900" dirty="0"/>
           </a:p>
@@ -10281,11 +10197,7 @@
             </a:r>
             <a:r>
               <a:rPr lang="en-US" sz="1200" dirty="0" smtClean="0"/>
-              <a:t>rivate </a:t>
-            </a:r>
-            <a:r>
-              <a:rPr lang="en-US" sz="1200" dirty="0" smtClean="0"/>
-              <a:t>sections in MPEG terms</a:t>
+              <a:t>rivate sections in MPEG terms</a:t>
             </a:r>
             <a:endParaRPr lang="en-US" sz="1200" dirty="0"/>
           </a:p>
@@ -14624,11 +14536,7 @@
           <a:p>
             <a:r>
               <a:rPr lang="en-US" dirty="0" smtClean="0"/>
-              <a:t>Transport </a:t>
-            </a:r>
-            <a:r>
-              <a:rPr lang="en-US" dirty="0" smtClean="0"/>
-              <a:t>streams</a:t>
+              <a:t>Transport streams</a:t>
             </a:r>
           </a:p>
           <a:p>
@@ -14646,11 +14554,7 @@
           <a:p>
             <a:r>
               <a:rPr lang="en-US" dirty="0" smtClean="0"/>
-              <a:t>DVB </a:t>
-            </a:r>
-            <a:r>
-              <a:rPr lang="en-US" dirty="0" smtClean="0"/>
-              <a:t>SimulCrypt</a:t>
+              <a:t>DVB SimulCrypt</a:t>
             </a:r>
           </a:p>
           <a:p>
@@ -14659,7 +14563,6 @@
               <a:rPr lang="en-US" dirty="0" smtClean="0"/>
               <a:t>architecture, synchronization, ECM, EMM, scrambling</a:t>
             </a:r>
-            <a:endParaRPr lang="en-US" dirty="0" smtClean="0"/>
           </a:p>
           <a:p>
             <a:r>
@@ -17284,11 +17187,6 @@
               </a:rPr>
               <a:t>MUX / Scrambler</a:t>
             </a:r>
-            <a:endParaRPr lang="en-US" sz="1400" b="1" dirty="0">
-              <a:solidFill>
-                <a:schemeClr val="tx1"/>
-              </a:solidFill>
-            </a:endParaRPr>
           </a:p>
         </p:txBody>
       </p:sp>
@@ -18172,31 +18070,7 @@
                 <a:latin typeface="Arial" pitchFamily="34" charset="0"/>
                 <a:cs typeface="Arial" pitchFamily="34" charset="0"/>
               </a:rPr>
-              <a:t> </a:t>
-            </a:r>
-            <a:r>
-              <a:rPr lang="en-US" sz="1050" b="1" dirty="0" smtClean="0">
-                <a:solidFill>
-                  <a:schemeClr val="bg1">
-                    <a:lumMod val="50000"/>
-                  </a:schemeClr>
-                </a:solidFill>
-                <a:latin typeface="Arial" pitchFamily="34" charset="0"/>
-                <a:cs typeface="Arial" pitchFamily="34" charset="0"/>
-              </a:rPr>
-              <a:t>=   </a:t>
-            </a:r>
-            <a:r>
-              <a:rPr lang="en-US" sz="1050" b="1" dirty="0" smtClean="0">
-                <a:solidFill>
-                  <a:schemeClr val="bg1">
-                    <a:lumMod val="50000"/>
-                  </a:schemeClr>
-                </a:solidFill>
-                <a:latin typeface="Arial" pitchFamily="34" charset="0"/>
-                <a:cs typeface="Arial" pitchFamily="34" charset="0"/>
-              </a:rPr>
-              <a:t>165</a:t>
+              <a:t> =   165</a:t>
             </a:r>
             <a:br>
               <a:rPr lang="en-US" sz="1050" b="1" dirty="0" smtClean="0">
@@ -18244,31 +18118,7 @@
                 <a:latin typeface="Arial" pitchFamily="34" charset="0"/>
                 <a:cs typeface="Arial" pitchFamily="34" charset="0"/>
               </a:rPr>
-              <a:t>CP num = </a:t>
-            </a:r>
-            <a:r>
-              <a:rPr lang="en-US" sz="1050" b="1" dirty="0" smtClean="0">
-                <a:solidFill>
-                  <a:schemeClr val="bg1">
-                    <a:lumMod val="50000"/>
-                  </a:schemeClr>
-                </a:solidFill>
-                <a:latin typeface="Arial" pitchFamily="34" charset="0"/>
-                <a:cs typeface="Arial" pitchFamily="34" charset="0"/>
-              </a:rPr>
-              <a:t>  </a:t>
-            </a:r>
-            <a:r>
-              <a:rPr lang="en-US" sz="1050" b="1" dirty="0" smtClean="0">
-                <a:solidFill>
-                  <a:schemeClr val="bg1">
-                    <a:lumMod val="50000"/>
-                  </a:schemeClr>
-                </a:solidFill>
-                <a:latin typeface="Arial" pitchFamily="34" charset="0"/>
-                <a:cs typeface="Arial" pitchFamily="34" charset="0"/>
-              </a:rPr>
-              <a:t>166</a:t>
+              <a:t>CP num =   166</a:t>
             </a:r>
             <a:br>
               <a:rPr lang="en-US" sz="1050" b="1" dirty="0" smtClean="0">
@@ -18351,15 +18201,6 @@
               </a:rPr>
               <a:t>essage</a:t>
             </a:r>
-            <a:endParaRPr lang="en-US" sz="1050" b="1" u="sng" dirty="0" smtClean="0">
-              <a:solidFill>
-                <a:schemeClr val="bg1">
-                  <a:lumMod val="50000"/>
-                </a:schemeClr>
-              </a:solidFill>
-              <a:latin typeface="Arial" pitchFamily="34" charset="0"/>
-              <a:cs typeface="Arial" pitchFamily="34" charset="0"/>
-            </a:endParaRPr>
           </a:p>
           <a:p>
             <a:r>
@@ -18384,19 +18225,7 @@
                 <a:latin typeface="Arial" pitchFamily="34" charset="0"/>
                 <a:cs typeface="Arial" pitchFamily="34" charset="0"/>
               </a:rPr>
-              <a:t>arity </a:t>
-            </a:r>
-            <a:r>
-              <a:rPr lang="en-US" sz="1050" b="1" dirty="0" smtClean="0">
-                <a:solidFill>
-                  <a:schemeClr val="bg1">
-                    <a:lumMod val="50000"/>
-                  </a:schemeClr>
-                </a:solidFill>
-                <a:latin typeface="Arial" pitchFamily="34" charset="0"/>
-                <a:cs typeface="Arial" pitchFamily="34" charset="0"/>
-              </a:rPr>
-              <a:t>= odd</a:t>
+              <a:t>arity = odd</a:t>
             </a:r>
             <a:br>
               <a:rPr lang="en-US" sz="1050" b="1" dirty="0" smtClean="0">
@@ -18643,11 +18472,6 @@
               </a:rPr>
               <a:t>CWG</a:t>
             </a:r>
-            <a:endParaRPr lang="en-US" sz="1400" b="1" dirty="0">
-              <a:solidFill>
-                <a:schemeClr val="tx1"/>
-              </a:solidFill>
-            </a:endParaRPr>
           </a:p>
         </p:txBody>
       </p:sp>
@@ -18761,15 +18585,6 @@
               </a:rPr>
               <a:t>stream</a:t>
             </a:r>
-            <a:endParaRPr lang="en-US" sz="1050" b="1" u="sng" dirty="0" smtClean="0">
-              <a:solidFill>
-                <a:schemeClr val="bg1">
-                  <a:lumMod val="50000"/>
-                </a:schemeClr>
-              </a:solidFill>
-              <a:latin typeface="Arial" pitchFamily="34" charset="0"/>
-              <a:cs typeface="Arial" pitchFamily="34" charset="0"/>
-            </a:endParaRPr>
           </a:p>
           <a:p>
             <a:pPr algn="ctr"/>
@@ -18783,32 +18598,11 @@
                 <a:latin typeface="Arial" pitchFamily="34" charset="0"/>
                 <a:cs typeface="Arial" pitchFamily="34" charset="0"/>
               </a:rPr>
-              <a:t> </a:t>
-            </a:r>
-            <a:r>
-              <a:rPr lang="en-US" sz="1050" b="1" dirty="0" smtClean="0">
-                <a:solidFill>
-                  <a:schemeClr val="bg1">
-                    <a:lumMod val="50000"/>
-                  </a:schemeClr>
-                </a:solidFill>
-                <a:latin typeface="Arial" pitchFamily="34" charset="0"/>
-                <a:cs typeface="Arial" pitchFamily="34" charset="0"/>
-              </a:rPr>
-              <a:t>AA </a:t>
-            </a:r>
-            <a:r>
-              <a:rPr lang="en-US" sz="1050" b="1" dirty="0" smtClean="0">
-                <a:solidFill>
-                  <a:schemeClr val="bg1">
-                    <a:lumMod val="50000"/>
-                  </a:schemeClr>
-                </a:solidFill>
-                <a:latin typeface="Arial" pitchFamily="34" charset="0"/>
-                <a:cs typeface="Arial" pitchFamily="34" charset="0"/>
-              </a:rPr>
-              <a:t>.. </a:t>
-            </a:r>
+              <a:t> AA ..   .. AA</a:t>
+            </a:r>
+          </a:p>
+          <a:p>
+            <a:pPr algn="ctr"/>
             <a:r>
               <a:rPr lang="en-US" sz="1050" b="1" dirty="0" smtClean="0">
                 <a:solidFill>
@@ -18822,45 +18616,6 @@
               <a:t>  </a:t>
             </a:r>
             <a:r>
-              <a:rPr lang="en-US" sz="1050" b="1" dirty="0" smtClean="0">
-                <a:solidFill>
-                  <a:schemeClr val="bg1">
-                    <a:lumMod val="50000"/>
-                  </a:schemeClr>
-                </a:solidFill>
-                <a:latin typeface="Arial" pitchFamily="34" charset="0"/>
-                <a:cs typeface="Arial" pitchFamily="34" charset="0"/>
-              </a:rPr>
-              <a:t>.. </a:t>
-            </a:r>
-            <a:r>
-              <a:rPr lang="en-US" sz="1050" b="1" dirty="0" smtClean="0">
-                <a:solidFill>
-                  <a:schemeClr val="bg1">
-                    <a:lumMod val="50000"/>
-                  </a:schemeClr>
-                </a:solidFill>
-                <a:latin typeface="Arial" pitchFamily="34" charset="0"/>
-                <a:cs typeface="Arial" pitchFamily="34" charset="0"/>
-              </a:rPr>
-              <a:t>AA</a:t>
-            </a:r>
-          </a:p>
-          <a:p>
-            <a:pPr algn="ctr"/>
-            <a:r>
-              <a:rPr lang="en-US" sz="1050" b="1" dirty="0" smtClean="0">
-                <a:solidFill>
-                  <a:schemeClr val="bg1">
-                    <a:lumMod val="50000"/>
-                  </a:schemeClr>
-                </a:solidFill>
-                <a:latin typeface="Arial" pitchFamily="34" charset="0"/>
-                <a:cs typeface="Arial" pitchFamily="34" charset="0"/>
-              </a:rPr>
-              <a:t>  </a:t>
-            </a:r>
-            <a:r>
               <a:rPr lang="en-US" sz="1050" b="1" dirty="0">
                 <a:solidFill>
                   <a:schemeClr val="bg1">
@@ -18882,43 +18637,7 @@
                 <a:latin typeface="Arial" pitchFamily="34" charset="0"/>
                 <a:cs typeface="Arial" pitchFamily="34" charset="0"/>
               </a:rPr>
-              <a:t>B </a:t>
-            </a:r>
-            <a:r>
-              <a:rPr lang="en-US" sz="1050" b="1" dirty="0" smtClean="0">
-                <a:solidFill>
-                  <a:schemeClr val="bg1">
-                    <a:lumMod val="50000"/>
-                  </a:schemeClr>
-                </a:solidFill>
-                <a:latin typeface="Arial" pitchFamily="34" charset="0"/>
-                <a:cs typeface="Arial" pitchFamily="34" charset="0"/>
-              </a:rPr>
-              <a:t>..  </a:t>
-            </a:r>
-            <a:r>
-              <a:rPr lang="en-US" sz="1050" b="1" dirty="0" smtClean="0">
-                <a:solidFill>
-                  <a:schemeClr val="bg1">
-                    <a:lumMod val="50000"/>
-                  </a:schemeClr>
-                </a:solidFill>
-                <a:latin typeface="Arial" pitchFamily="34" charset="0"/>
-                <a:cs typeface="Arial" pitchFamily="34" charset="0"/>
-              </a:rPr>
-              <a:t> .. </a:t>
-            </a:r>
-            <a:r>
-              <a:rPr lang="en-US" sz="1050" b="1" dirty="0" smtClean="0">
-                <a:solidFill>
-                  <a:schemeClr val="bg1">
-                    <a:lumMod val="50000"/>
-                  </a:schemeClr>
-                </a:solidFill>
-                <a:latin typeface="Arial" pitchFamily="34" charset="0"/>
-                <a:cs typeface="Arial" pitchFamily="34" charset="0"/>
-              </a:rPr>
-              <a:t>BB</a:t>
+              <a:t>B ..   .. BB</a:t>
             </a:r>
             <a:endParaRPr lang="en-US" sz="1050" b="1" dirty="0">
               <a:solidFill>
@@ -19059,11 +18778,6 @@
               </a:rPr>
               <a:t>SCS</a:t>
             </a:r>
-            <a:endParaRPr lang="en-US" sz="1400" b="1" dirty="0">
-              <a:solidFill>
-                <a:schemeClr val="tx1"/>
-              </a:solidFill>
-            </a:endParaRPr>
           </a:p>
         </p:txBody>
       </p:sp>
@@ -19224,29 +18938,8 @@
                 <a:latin typeface="Arial" pitchFamily="34" charset="0"/>
                 <a:cs typeface="Arial" pitchFamily="34" charset="0"/>
               </a:rPr>
-              <a:t>About </a:t>
-            </a:r>
-            <a:r>
-              <a:rPr lang="en-US" sz="1050" b="1" dirty="0" smtClean="0">
-                <a:solidFill>
-                  <a:schemeClr val="bg1">
-                    <a:lumMod val="50000"/>
-                  </a:schemeClr>
-                </a:solidFill>
-                <a:latin typeface="Arial" pitchFamily="34" charset="0"/>
-                <a:cs typeface="Arial" pitchFamily="34" charset="0"/>
-              </a:rPr>
-              <a:t>to start</a:t>
-            </a:r>
-            <a:endParaRPr lang="en-US" sz="1050" b="1" dirty="0" smtClean="0">
-              <a:solidFill>
-                <a:schemeClr val="bg1">
-                  <a:lumMod val="50000"/>
-                </a:schemeClr>
-              </a:solidFill>
-              <a:latin typeface="Arial" pitchFamily="34" charset="0"/>
-              <a:cs typeface="Arial" pitchFamily="34" charset="0"/>
-            </a:endParaRPr>
+              <a:t>About to start</a:t>
+            </a:r>
           </a:p>
           <a:p>
             <a:pPr algn="ctr"/>
@@ -26244,11 +25937,7 @@
             </a:r>
             <a:r>
               <a:rPr lang="en-US" dirty="0" err="1" smtClean="0"/>
-              <a:t>b</a:t>
-            </a:r>
-            <a:r>
-              <a:rPr lang="en-US" dirty="0" err="1" smtClean="0"/>
-              <a:t>lu-ray</a:t>
+              <a:t>blu-ray</a:t>
             </a:r>
             <a:r>
               <a:rPr lang="en-US" dirty="0" smtClean="0"/>
@@ -26489,26 +26178,18 @@
             <a:pPr lvl="1"/>
             <a:r>
               <a:rPr lang="en-US" dirty="0" smtClean="0"/>
-              <a:t>direct </a:t>
-            </a:r>
+              <a:t>direct search : </a:t>
+            </a:r>
+            <a:r>
+              <a:rPr lang="en-US" dirty="0"/>
+              <a:t>http://www.etsi.org/standards-search </a:t>
+            </a:r>
+          </a:p>
+          <a:p>
+            <a:pPr lvl="1"/>
             <a:r>
               <a:rPr lang="en-US" dirty="0" smtClean="0"/>
-              <a:t>search : </a:t>
-            </a:r>
-            <a:r>
-              <a:rPr lang="en-US" dirty="0"/>
-              <a:t>http://www.etsi.org/standards-search </a:t>
-            </a:r>
-          </a:p>
-          <a:p>
-            <a:pPr lvl="1"/>
-            <a:r>
-              <a:rPr lang="en-US" dirty="0" smtClean="0"/>
-              <a:t>allocated </a:t>
-            </a:r>
-            <a:r>
-              <a:rPr lang="en-US" dirty="0" smtClean="0"/>
-              <a:t>identifiers : </a:t>
+              <a:t>allocated identifiers : </a:t>
             </a:r>
             <a:r>
               <a:rPr lang="en-US" dirty="0"/>
@@ -31196,11 +30877,7 @@
             </a:r>
             <a:r>
               <a:rPr lang="en-US" sz="1100" dirty="0" smtClean="0"/>
-              <a:t>eader </a:t>
-            </a:r>
-            <a:r>
-              <a:rPr lang="en-US" sz="1100" dirty="0" smtClean="0"/>
-              <a:t>: 4 bytes</a:t>
+              <a:t>eader : 4 bytes</a:t>
             </a:r>
             <a:endParaRPr lang="en-US" sz="1100" dirty="0"/>
           </a:p>
@@ -31238,11 +30915,7 @@
             </a:r>
             <a:r>
               <a:rPr lang="en-US" sz="1100" dirty="0" smtClean="0"/>
-              <a:t>ayload = </a:t>
-            </a:r>
-            <a:r>
-              <a:rPr lang="en-US" sz="1100" dirty="0" smtClean="0"/>
-              <a:t>184 bytes</a:t>
+              <a:t>ayload = 184 bytes</a:t>
             </a:r>
             <a:endParaRPr lang="en-US" sz="1100" dirty="0"/>
           </a:p>
@@ -31624,11 +31297,7 @@
             <a:pPr algn="ctr"/>
             <a:r>
               <a:rPr lang="en-US" sz="1100" dirty="0" smtClean="0"/>
-              <a:t>header </a:t>
-            </a:r>
-            <a:r>
-              <a:rPr lang="en-US" sz="1100" dirty="0" smtClean="0"/>
-              <a:t>: 4 bytes</a:t>
+              <a:t>header : 4 bytes</a:t>
             </a:r>
             <a:endParaRPr lang="en-US" sz="1100" dirty="0"/>
           </a:p>
@@ -31662,11 +31331,7 @@
             <a:pPr algn="ctr"/>
             <a:r>
               <a:rPr lang="en-US" sz="1100" dirty="0" smtClean="0"/>
-              <a:t>payload </a:t>
-            </a:r>
-            <a:r>
-              <a:rPr lang="en-US" sz="1100" dirty="0" smtClean="0"/>
-              <a:t>&lt; 184 bytes</a:t>
+              <a:t>payload &lt; 184 bytes</a:t>
             </a:r>
             <a:endParaRPr lang="en-US" sz="1100" dirty="0"/>
           </a:p>
@@ -31846,11 +31511,7 @@
             </a:r>
             <a:r>
               <a:rPr lang="en-US" sz="1100" dirty="0" smtClean="0"/>
-              <a:t>daptation </a:t>
-            </a:r>
-            <a:r>
-              <a:rPr lang="en-US" sz="1100" dirty="0" smtClean="0"/>
-              <a:t>field</a:t>
+              <a:t>daptation field</a:t>
             </a:r>
             <a:endParaRPr lang="en-US" sz="1100" dirty="0"/>
           </a:p>
@@ -31992,11 +31653,7 @@
             </a:r>
             <a:r>
               <a:rPr lang="en-US" sz="900" dirty="0" smtClean="0"/>
-              <a:t>daptation </a:t>
-            </a:r>
-            <a:r>
-              <a:rPr lang="en-US" sz="900" dirty="0" smtClean="0"/>
-              <a:t>field size</a:t>
+              <a:t>daptation field size</a:t>
             </a:r>
             <a:endParaRPr lang="en-US" sz="900" dirty="0"/>
           </a:p>

--- a/doc/mpegts-introduction.pptx
+++ b/doc/mpegts-introduction.pptx
@@ -235,7 +235,7 @@
           <a:p>
             <a:fld id="{C55B0BA7-B0E2-4C07-8528-84B7AE1BAF72}" type="datetimeFigureOut">
               <a:rPr lang="en-US" smtClean="0"/>
-              <a:t>2018-05-14</a:t>
+              <a:t>2018-09-28</a:t>
             </a:fld>
             <a:endParaRPr lang="en-US"/>
           </a:p>
@@ -401,7 +401,7 @@
           <a:p>
             <a:fld id="{66F6DD61-880C-4F33-96A2-51E92479021F}" type="datetimeFigureOut">
               <a:rPr lang="en-US" smtClean="0"/>
-              <a:t>2018-05-14</a:t>
+              <a:t>2018-09-28</a:t>
             </a:fld>
             <a:endParaRPr lang="en-US" dirty="0"/>
           </a:p>
@@ -26612,14 +26612,14 @@
             <p:ph idx="1"/>
             <p:extLst>
               <p:ext uri="{D42A27DB-BD31-4B8C-83A1-F6EECF244321}">
-                <p14:modId xmlns:p14="http://schemas.microsoft.com/office/powerpoint/2010/main" val="4218841364"/>
+                <p14:modId xmlns:p14="http://schemas.microsoft.com/office/powerpoint/2010/main" val="2988952449"/>
               </p:ext>
             </p:extLst>
           </p:nvPr>
         </p:nvGraphicFramePr>
         <p:xfrm>
-          <a:off x="611560" y="921504"/>
-          <a:ext cx="7344816" cy="4026510"/>
+          <a:off x="611560" y="921505"/>
+          <a:ext cx="7632848" cy="4026509"/>
         </p:xfrm>
         <a:graphic>
           <a:graphicData uri="http://schemas.openxmlformats.org/drawingml/2006/table">
@@ -26628,23 +26628,23 @@
                 <a:tableStyleId>{EB344D84-9AFB-497E-A393-DC336BA19D2E}</a:tableStyleId>
               </a:tblPr>
               <a:tblGrid>
-                <a:gridCol w="1358823"/>
-                <a:gridCol w="771195"/>
-                <a:gridCol w="1028260"/>
-                <a:gridCol w="771195"/>
-                <a:gridCol w="3415343"/>
+                <a:gridCol w="1412110"/>
+                <a:gridCol w="801438"/>
+                <a:gridCol w="1068584"/>
+                <a:gridCol w="801438"/>
+                <a:gridCol w="3549278"/>
               </a:tblGrid>
-              <a:tr h="344739">
+              <a:tr h="317551">
                 <a:tc>
                   <a:txBody>
                     <a:bodyPr/>
                     <a:lstStyle/>
                     <a:p>
                       <a:r>
-                        <a:rPr lang="en-US" sz="1600" noProof="0" dirty="0" smtClean="0"/>
-                        <a:t>Class</a:t>
+                        <a:rPr lang="en-US" sz="1400" noProof="0" dirty="0" smtClean="0"/>
+                        <a:t>Origin</a:t>
                       </a:r>
-                      <a:endParaRPr lang="en-US" sz="1600" noProof="0" dirty="0"/>
+                      <a:endParaRPr lang="en-US" sz="1400" noProof="0" dirty="0"/>
                     </a:p>
                   </a:txBody>
                   <a:tcPr>
@@ -26679,10 +26679,10 @@
                     <a:lstStyle/>
                     <a:p>
                       <a:r>
-                        <a:rPr lang="en-US" sz="1600" noProof="0" dirty="0" smtClean="0"/>
+                        <a:rPr lang="en-US" sz="1400" noProof="0" dirty="0" smtClean="0"/>
                         <a:t>Type</a:t>
                       </a:r>
-                      <a:endParaRPr lang="en-US" sz="1600" noProof="0" dirty="0"/>
+                      <a:endParaRPr lang="en-US" sz="1400" noProof="0" dirty="0"/>
                     </a:p>
                   </a:txBody>
                   <a:tcPr>
@@ -26734,7 +26734,7 @@
                         <a:defRPr/>
                       </a:pPr>
                       <a:r>
-                        <a:rPr lang="en-US" sz="1600" noProof="0" dirty="0" smtClean="0"/>
+                        <a:rPr lang="en-US" sz="1400" noProof="0" dirty="0" smtClean="0"/>
                         <a:t>ISO / IEC</a:t>
                       </a:r>
                     </a:p>
@@ -26771,10 +26771,10 @@
                     <a:lstStyle/>
                     <a:p>
                       <a:r>
-                        <a:rPr lang="en-US" sz="1600" noProof="0" dirty="0" smtClean="0"/>
+                        <a:rPr lang="en-US" sz="1400" noProof="0" dirty="0" smtClean="0"/>
                         <a:t>ITU-T</a:t>
                       </a:r>
-                      <a:endParaRPr lang="en-US" sz="1600" noProof="0" dirty="0"/>
+                      <a:endParaRPr lang="en-US" sz="1400" noProof="0" dirty="0"/>
                     </a:p>
                   </a:txBody>
                   <a:tcPr>
@@ -26809,10 +26809,10 @@
                     <a:lstStyle/>
                     <a:p>
                       <a:r>
-                        <a:rPr lang="en-US" sz="1600" noProof="0" dirty="0" smtClean="0"/>
+                        <a:rPr lang="en-US" sz="1400" noProof="0" dirty="0" smtClean="0"/>
                         <a:t>Nicknames</a:t>
                       </a:r>
-                      <a:endParaRPr lang="en-US" sz="1600" noProof="0" dirty="0"/>
+                      <a:endParaRPr lang="en-US" sz="1400" noProof="0" dirty="0"/>
                     </a:p>
                   </a:txBody>
                   <a:tcPr>
@@ -26842,17 +26842,17 @@
                   </a:tcPr>
                 </a:tc>
               </a:tr>
-              <a:tr h="344739">
+              <a:tr h="317551">
                 <a:tc>
                   <a:txBody>
                     <a:bodyPr/>
                     <a:lstStyle/>
                     <a:p>
                       <a:r>
-                        <a:rPr lang="en-US" sz="1600" noProof="0" dirty="0" smtClean="0"/>
+                        <a:rPr lang="en-US" sz="1400" noProof="0" dirty="0" smtClean="0"/>
                         <a:t>MPEG-1</a:t>
                       </a:r>
-                      <a:endParaRPr lang="en-US" sz="1600" noProof="0" dirty="0"/>
+                      <a:endParaRPr lang="en-US" sz="1400" noProof="0" dirty="0"/>
                     </a:p>
                   </a:txBody>
                   <a:tcPr>
@@ -26884,10 +26884,10 @@
                     <a:lstStyle/>
                     <a:p>
                       <a:r>
-                        <a:rPr lang="en-US" sz="1600" noProof="0" dirty="0" smtClean="0"/>
+                        <a:rPr lang="en-US" sz="1400" noProof="0" dirty="0" smtClean="0"/>
                         <a:t>Video</a:t>
                       </a:r>
-                      <a:endParaRPr lang="en-US" sz="1600" noProof="0" dirty="0"/>
+                      <a:endParaRPr lang="en-US" sz="1400" noProof="0" dirty="0"/>
                     </a:p>
                   </a:txBody>
                   <a:tcPr>
@@ -26919,10 +26919,10 @@
                     <a:lstStyle/>
                     <a:p>
                       <a:r>
-                        <a:rPr lang="en-US" sz="1600" noProof="0" dirty="0" smtClean="0"/>
+                        <a:rPr lang="en-US" sz="1400" noProof="0" dirty="0" smtClean="0"/>
                         <a:t>11172-2</a:t>
                       </a:r>
-                      <a:endParaRPr lang="en-US" sz="1600" noProof="0" dirty="0"/>
+                      <a:endParaRPr lang="en-US" sz="1400" noProof="0" dirty="0"/>
                     </a:p>
                   </a:txBody>
                   <a:tcPr>
@@ -26954,10 +26954,10 @@
                     <a:lstStyle/>
                     <a:p>
                       <a:r>
-                        <a:rPr lang="en-US" sz="1600" noProof="0" dirty="0" smtClean="0"/>
+                        <a:rPr lang="en-US" sz="1400" noProof="0" dirty="0" smtClean="0"/>
                         <a:t>H.261</a:t>
                       </a:r>
-                      <a:endParaRPr lang="en-US" sz="1600" noProof="0" dirty="0"/>
+                      <a:endParaRPr lang="en-US" sz="1400" noProof="0" dirty="0"/>
                     </a:p>
                   </a:txBody>
                   <a:tcPr>
@@ -27006,7 +27006,7 @@
                         <a:defRPr/>
                       </a:pPr>
                       <a:r>
-                        <a:rPr lang="en-US" sz="1600" noProof="0" dirty="0" smtClean="0"/>
+                        <a:rPr lang="en-US" sz="1400" noProof="0" dirty="0" smtClean="0"/>
                         <a:t>MPEG-1 video</a:t>
                       </a:r>
                     </a:p>
@@ -27035,17 +27035,17 @@
                   </a:tcPr>
                 </a:tc>
               </a:tr>
-              <a:tr h="344739">
+              <a:tr h="317551">
                 <a:tc>
                   <a:txBody>
                     <a:bodyPr/>
                     <a:lstStyle/>
                     <a:p>
                       <a:r>
-                        <a:rPr lang="en-US" sz="1600" noProof="0" dirty="0" smtClean="0"/>
+                        <a:rPr lang="en-US" sz="1400" noProof="0" dirty="0" smtClean="0"/>
                         <a:t>MPEG-1</a:t>
                       </a:r>
-                      <a:endParaRPr lang="en-US" sz="1600" noProof="0" dirty="0"/>
+                      <a:endParaRPr lang="en-US" sz="1400" noProof="0" dirty="0"/>
                     </a:p>
                   </a:txBody>
                   <a:tcPr>
@@ -27077,10 +27077,10 @@
                     <a:lstStyle/>
                     <a:p>
                       <a:r>
-                        <a:rPr lang="en-US" sz="1600" noProof="0" dirty="0" smtClean="0"/>
+                        <a:rPr lang="en-US" sz="1400" noProof="0" dirty="0" smtClean="0"/>
                         <a:t>Audio</a:t>
                       </a:r>
-                      <a:endParaRPr lang="en-US" sz="1600" noProof="0" dirty="0"/>
+                      <a:endParaRPr lang="en-US" sz="1400" noProof="0" dirty="0"/>
                     </a:p>
                   </a:txBody>
                   <a:tcPr>
@@ -27112,10 +27112,10 @@
                     <a:lstStyle/>
                     <a:p>
                       <a:r>
-                        <a:rPr lang="en-US" sz="1600" noProof="0" dirty="0" smtClean="0"/>
+                        <a:rPr lang="en-US" sz="1400" noProof="0" dirty="0" smtClean="0"/>
                         <a:t>11172-3</a:t>
                       </a:r>
-                      <a:endParaRPr lang="en-US" sz="1600" noProof="0" dirty="0"/>
+                      <a:endParaRPr lang="en-US" sz="1400" noProof="0" dirty="0"/>
                     </a:p>
                   </a:txBody>
                   <a:tcPr>
@@ -27146,7 +27146,7 @@
                     <a:bodyPr/>
                     <a:lstStyle/>
                     <a:p>
-                      <a:endParaRPr lang="en-US" sz="1600" noProof="0" dirty="0"/>
+                      <a:endParaRPr lang="en-US" sz="1400" noProof="0" dirty="0"/>
                     </a:p>
                   </a:txBody>
                   <a:tcPr>
@@ -27178,14 +27178,14 @@
                     <a:lstStyle/>
                     <a:p>
                       <a:r>
-                        <a:rPr lang="en-US" sz="1600" noProof="0" dirty="0" smtClean="0"/>
+                        <a:rPr lang="en-US" sz="1400" noProof="0" dirty="0" smtClean="0"/>
                         <a:t>MPEG audio layer</a:t>
                       </a:r>
                       <a:r>
-                        <a:rPr lang="en-US" sz="1600" baseline="0" noProof="0" dirty="0" smtClean="0"/>
+                        <a:rPr lang="en-US" sz="1400" baseline="0" noProof="0" dirty="0" smtClean="0"/>
                         <a:t> 1</a:t>
                       </a:r>
-                      <a:endParaRPr lang="en-US" sz="1600" noProof="0" dirty="0"/>
+                      <a:endParaRPr lang="en-US" sz="1400" noProof="0" dirty="0"/>
                     </a:p>
                   </a:txBody>
                   <a:tcPr>
@@ -27212,17 +27212,17 @@
                   </a:tcPr>
                 </a:tc>
               </a:tr>
-              <a:tr h="344739">
+              <a:tr h="317551">
                 <a:tc>
                   <a:txBody>
                     <a:bodyPr/>
                     <a:lstStyle/>
                     <a:p>
                       <a:r>
-                        <a:rPr lang="en-US" sz="1600" noProof="0" dirty="0" smtClean="0"/>
+                        <a:rPr lang="en-US" sz="1400" noProof="0" dirty="0" smtClean="0"/>
                         <a:t>MPEG-2</a:t>
                       </a:r>
-                      <a:endParaRPr lang="en-US" sz="1600" noProof="0" dirty="0"/>
+                      <a:endParaRPr lang="en-US" sz="1400" noProof="0" dirty="0"/>
                     </a:p>
                   </a:txBody>
                   <a:tcPr>
@@ -27254,10 +27254,10 @@
                     <a:lstStyle/>
                     <a:p>
                       <a:r>
-                        <a:rPr lang="en-US" sz="1600" noProof="0" dirty="0" smtClean="0"/>
+                        <a:rPr lang="en-US" sz="1400" noProof="0" dirty="0" smtClean="0"/>
                         <a:t>Video</a:t>
                       </a:r>
-                      <a:endParaRPr lang="en-US" sz="1600" noProof="0" dirty="0"/>
+                      <a:endParaRPr lang="en-US" sz="1400" noProof="0" dirty="0"/>
                     </a:p>
                   </a:txBody>
                   <a:tcPr>
@@ -27289,10 +27289,10 @@
                     <a:lstStyle/>
                     <a:p>
                       <a:r>
-                        <a:rPr lang="en-US" sz="1600" noProof="0" dirty="0" smtClean="0"/>
+                        <a:rPr lang="en-US" sz="1400" noProof="0" dirty="0" smtClean="0"/>
                         <a:t>13818-2</a:t>
                       </a:r>
-                      <a:endParaRPr lang="en-US" sz="1600" noProof="0" dirty="0"/>
+                      <a:endParaRPr lang="en-US" sz="1400" noProof="0" dirty="0"/>
                     </a:p>
                   </a:txBody>
                   <a:tcPr>
@@ -27324,10 +27324,10 @@
                     <a:lstStyle/>
                     <a:p>
                       <a:r>
-                        <a:rPr lang="en-US" sz="1600" noProof="0" dirty="0" smtClean="0"/>
+                        <a:rPr lang="en-US" sz="1400" noProof="0" dirty="0" smtClean="0"/>
                         <a:t>H.262</a:t>
                       </a:r>
-                      <a:endParaRPr lang="en-US" sz="1600" noProof="0" dirty="0"/>
+                      <a:endParaRPr lang="en-US" sz="1400" noProof="0" dirty="0"/>
                     </a:p>
                   </a:txBody>
                   <a:tcPr>
@@ -27359,10 +27359,10 @@
                     <a:lstStyle/>
                     <a:p>
                       <a:r>
-                        <a:rPr lang="en-US" sz="1600" noProof="0" dirty="0" smtClean="0"/>
+                        <a:rPr lang="en-US" sz="1400" noProof="0" dirty="0" smtClean="0"/>
                         <a:t>MPEG-2 video</a:t>
                       </a:r>
-                      <a:endParaRPr lang="en-US" sz="1600" noProof="0" dirty="0"/>
+                      <a:endParaRPr lang="en-US" sz="1400" noProof="0" dirty="0"/>
                     </a:p>
                   </a:txBody>
                   <a:tcPr>
@@ -27389,17 +27389,17 @@
                   </a:tcPr>
                 </a:tc>
               </a:tr>
-              <a:tr h="556483">
+              <a:tr h="533448">
                 <a:tc>
                   <a:txBody>
                     <a:bodyPr/>
                     <a:lstStyle/>
                     <a:p>
                       <a:r>
-                        <a:rPr lang="en-US" sz="1600" noProof="0" dirty="0" smtClean="0"/>
+                        <a:rPr lang="en-US" sz="1400" noProof="0" dirty="0" smtClean="0"/>
                         <a:t>MPEG-2</a:t>
                       </a:r>
-                      <a:endParaRPr lang="en-US" sz="1600" noProof="0" dirty="0"/>
+                      <a:endParaRPr lang="en-US" sz="1400" noProof="0" dirty="0"/>
                     </a:p>
                   </a:txBody>
                   <a:tcPr>
@@ -27431,10 +27431,10 @@
                     <a:lstStyle/>
                     <a:p>
                       <a:r>
-                        <a:rPr lang="en-US" sz="1600" noProof="0" dirty="0" smtClean="0"/>
+                        <a:rPr lang="en-US" sz="1400" noProof="0" dirty="0" smtClean="0"/>
                         <a:t>Audio</a:t>
                       </a:r>
-                      <a:endParaRPr lang="en-US" sz="1600" noProof="0" dirty="0"/>
+                      <a:endParaRPr lang="en-US" sz="1400" noProof="0" dirty="0"/>
                     </a:p>
                   </a:txBody>
                   <a:tcPr>
@@ -27466,10 +27466,10 @@
                     <a:lstStyle/>
                     <a:p>
                       <a:r>
-                        <a:rPr lang="en-US" sz="1600" noProof="0" dirty="0" smtClean="0"/>
+                        <a:rPr lang="en-US" sz="1400" noProof="0" dirty="0" smtClean="0"/>
                         <a:t>13818-3</a:t>
                       </a:r>
-                      <a:endParaRPr lang="en-US" sz="1600" noProof="0" dirty="0"/>
+                      <a:endParaRPr lang="en-US" sz="1400" noProof="0" dirty="0"/>
                     </a:p>
                   </a:txBody>
                   <a:tcPr>
@@ -27500,7 +27500,7 @@
                     <a:bodyPr/>
                     <a:lstStyle/>
                     <a:p>
-                      <a:endParaRPr lang="en-US" sz="1600" noProof="0" dirty="0"/>
+                      <a:endParaRPr lang="en-US" sz="1400" noProof="0" dirty="0"/>
                     </a:p>
                   </a:txBody>
                   <a:tcPr>
@@ -27532,20 +27532,20 @@
                     <a:lstStyle/>
                     <a:p>
                       <a:r>
-                        <a:rPr lang="en-US" sz="1600" noProof="0" dirty="0" smtClean="0"/>
+                        <a:rPr lang="en-US" sz="1400" noProof="0" dirty="0" smtClean="0"/>
                         <a:t>Layer 2:</a:t>
                       </a:r>
                       <a:r>
-                        <a:rPr lang="en-US" sz="1600" baseline="0" noProof="0" dirty="0" smtClean="0"/>
+                        <a:rPr lang="en-US" sz="1400" baseline="0" noProof="0" dirty="0" smtClean="0"/>
                         <a:t> MPEG audio layer 2</a:t>
                       </a:r>
                     </a:p>
                     <a:p>
                       <a:r>
-                        <a:rPr lang="en-US" sz="1600" baseline="0" noProof="0" dirty="0" smtClean="0"/>
+                        <a:rPr lang="en-US" sz="1400" baseline="0" noProof="0" dirty="0" smtClean="0"/>
                         <a:t>Layer 3: MP3</a:t>
                       </a:r>
-                      <a:endParaRPr lang="en-US" sz="1600" noProof="0" dirty="0"/>
+                      <a:endParaRPr lang="en-US" sz="1400" noProof="0" dirty="0"/>
                     </a:p>
                   </a:txBody>
                   <a:tcPr>
@@ -27572,17 +27572,17 @@
                   </a:tcPr>
                 </a:tc>
               </a:tr>
-              <a:tr h="344739">
+              <a:tr h="317551">
                 <a:tc>
                   <a:txBody>
                     <a:bodyPr/>
                     <a:lstStyle/>
                     <a:p>
                       <a:r>
-                        <a:rPr lang="en-US" sz="1600" noProof="0" dirty="0" smtClean="0"/>
+                        <a:rPr lang="en-US" sz="1400" noProof="0" dirty="0" smtClean="0"/>
                         <a:t>MPEG-2</a:t>
                       </a:r>
-                      <a:endParaRPr lang="en-US" sz="1600" noProof="0" dirty="0"/>
+                      <a:endParaRPr lang="en-US" sz="1400" noProof="0" dirty="0"/>
                     </a:p>
                   </a:txBody>
                   <a:tcPr>
@@ -27614,10 +27614,10 @@
                     <a:lstStyle/>
                     <a:p>
                       <a:r>
-                        <a:rPr lang="en-US" sz="1600" noProof="0" dirty="0" smtClean="0"/>
+                        <a:rPr lang="en-US" sz="1400" noProof="0" dirty="0" smtClean="0"/>
                         <a:t>Audio</a:t>
                       </a:r>
-                      <a:endParaRPr lang="en-US" sz="1600" noProof="0" dirty="0"/>
+                      <a:endParaRPr lang="en-US" sz="1400" noProof="0" dirty="0"/>
                     </a:p>
                   </a:txBody>
                   <a:tcPr>
@@ -27649,10 +27649,10 @@
                     <a:lstStyle/>
                     <a:p>
                       <a:r>
-                        <a:rPr lang="en-US" sz="1600" noProof="0" dirty="0" smtClean="0"/>
+                        <a:rPr lang="en-US" sz="1400" noProof="0" dirty="0" smtClean="0"/>
                         <a:t>13818-7</a:t>
                       </a:r>
-                      <a:endParaRPr lang="en-US" sz="1600" noProof="0" dirty="0"/>
+                      <a:endParaRPr lang="en-US" sz="1400" noProof="0" dirty="0"/>
                     </a:p>
                   </a:txBody>
                   <a:tcPr>
@@ -27683,7 +27683,7 @@
                     <a:bodyPr/>
                     <a:lstStyle/>
                     <a:p>
-                      <a:endParaRPr lang="en-US" sz="1600" noProof="0" dirty="0"/>
+                      <a:endParaRPr lang="en-US" sz="1400" noProof="0" dirty="0"/>
                     </a:p>
                   </a:txBody>
                   <a:tcPr>
@@ -27715,10 +27715,10 @@
                     <a:lstStyle/>
                     <a:p>
                       <a:r>
-                        <a:rPr lang="en-US" sz="1600" noProof="0" dirty="0" smtClean="0"/>
-                        <a:t>AAC</a:t>
+                        <a:rPr lang="en-US" sz="1400" noProof="0" dirty="0" smtClean="0"/>
+                        <a:t>AAC (Advanced Audio Coding)</a:t>
                       </a:r>
-                      <a:endParaRPr lang="en-US" sz="1600" noProof="0" dirty="0"/>
+                      <a:endParaRPr lang="en-US" sz="1400" noProof="0" dirty="0"/>
                     </a:p>
                   </a:txBody>
                   <a:tcPr>
@@ -27745,17 +27745,17 @@
                   </a:tcPr>
                 </a:tc>
               </a:tr>
-              <a:tr h="344739">
+              <a:tr h="317551">
                 <a:tc>
                   <a:txBody>
                     <a:bodyPr/>
                     <a:lstStyle/>
                     <a:p>
                       <a:r>
-                        <a:rPr lang="en-US" sz="1600" noProof="0" dirty="0" smtClean="0"/>
+                        <a:rPr lang="en-US" sz="1400" noProof="0" dirty="0" smtClean="0"/>
                         <a:t>Dolby Digital</a:t>
                       </a:r>
-                      <a:endParaRPr lang="en-US" sz="1600" noProof="0" dirty="0"/>
+                      <a:endParaRPr lang="en-US" sz="1400" noProof="0" dirty="0"/>
                     </a:p>
                   </a:txBody>
                   <a:tcPr>
@@ -27787,10 +27787,10 @@
                     <a:lstStyle/>
                     <a:p>
                       <a:r>
-                        <a:rPr lang="en-US" sz="1600" noProof="0" dirty="0" smtClean="0"/>
+                        <a:rPr lang="en-US" sz="1400" noProof="0" dirty="0" smtClean="0"/>
                         <a:t>Audio</a:t>
                       </a:r>
-                      <a:endParaRPr lang="en-US" sz="1600" noProof="0" dirty="0"/>
+                      <a:endParaRPr lang="en-US" sz="1400" noProof="0" dirty="0"/>
                     </a:p>
                   </a:txBody>
                   <a:tcPr>
@@ -27821,7 +27821,7 @@
                     <a:bodyPr/>
                     <a:lstStyle/>
                     <a:p>
-                      <a:endParaRPr lang="en-US" sz="1600" noProof="0" dirty="0"/>
+                      <a:endParaRPr lang="en-US" sz="1400" noProof="0" dirty="0"/>
                     </a:p>
                   </a:txBody>
                   <a:tcPr>
@@ -27852,7 +27852,7 @@
                     <a:bodyPr/>
                     <a:lstStyle/>
                     <a:p>
-                      <a:endParaRPr lang="en-US" sz="1600" noProof="0" dirty="0"/>
+                      <a:endParaRPr lang="en-US" sz="1400" noProof="0" dirty="0"/>
                     </a:p>
                   </a:txBody>
                   <a:tcPr>
@@ -27884,10 +27884,14 @@
                     <a:lstStyle/>
                     <a:p>
                       <a:r>
-                        <a:rPr lang="en-US" sz="1600" noProof="0" dirty="0" smtClean="0"/>
-                        <a:t>AC-3</a:t>
+                        <a:rPr lang="en-US" sz="1400" noProof="0" dirty="0" smtClean="0"/>
+                        <a:t>AC-3 (Audio</a:t>
                       </a:r>
-                      <a:endParaRPr lang="en-US" sz="1600" noProof="0" dirty="0"/>
+                      <a:r>
+                        <a:rPr lang="en-US" sz="1400" baseline="0" noProof="0" dirty="0" smtClean="0"/>
+                        <a:t> Coding 3)</a:t>
+                      </a:r>
+                      <a:endParaRPr lang="en-US" sz="1400" noProof="0" dirty="0"/>
                     </a:p>
                   </a:txBody>
                   <a:tcPr>
@@ -27914,17 +27918,17 @@
                   </a:tcPr>
                 </a:tc>
               </a:tr>
-              <a:tr h="344739">
+              <a:tr h="317551">
                 <a:tc>
                   <a:txBody>
                     <a:bodyPr/>
                     <a:lstStyle/>
                     <a:p>
                       <a:r>
-                        <a:rPr lang="en-US" sz="1600" noProof="0" dirty="0" smtClean="0"/>
+                        <a:rPr lang="en-US" sz="1400" noProof="0" dirty="0" smtClean="0"/>
                         <a:t>MPEG-4</a:t>
                       </a:r>
-                      <a:endParaRPr lang="en-US" sz="1600" noProof="0" dirty="0"/>
+                      <a:endParaRPr lang="en-US" sz="1400" noProof="0" dirty="0"/>
                     </a:p>
                   </a:txBody>
                   <a:tcPr>
@@ -27956,10 +27960,10 @@
                     <a:lstStyle/>
                     <a:p>
                       <a:r>
-                        <a:rPr lang="en-US" sz="1600" noProof="0" dirty="0" smtClean="0"/>
+                        <a:rPr lang="en-US" sz="1400" noProof="0" dirty="0" smtClean="0"/>
                         <a:t>Video</a:t>
                       </a:r>
-                      <a:endParaRPr lang="en-US" sz="1600" noProof="0" dirty="0"/>
+                      <a:endParaRPr lang="en-US" sz="1400" noProof="0" dirty="0"/>
                     </a:p>
                   </a:txBody>
                   <a:tcPr>
@@ -27991,10 +27995,10 @@
                     <a:lstStyle/>
                     <a:p>
                       <a:r>
-                        <a:rPr lang="en-US" sz="1600" noProof="0" dirty="0" smtClean="0"/>
+                        <a:rPr lang="en-US" sz="1400" noProof="0" dirty="0" smtClean="0"/>
                         <a:t>14496-2</a:t>
                       </a:r>
-                      <a:endParaRPr lang="en-US" sz="1600" noProof="0" dirty="0"/>
+                      <a:endParaRPr lang="en-US" sz="1400" noProof="0" dirty="0"/>
                     </a:p>
                   </a:txBody>
                   <a:tcPr>
@@ -28026,10 +28030,10 @@
                     <a:lstStyle/>
                     <a:p>
                       <a:r>
-                        <a:rPr lang="en-US" sz="1600" noProof="0" dirty="0" smtClean="0"/>
+                        <a:rPr lang="en-US" sz="1400" noProof="0" dirty="0" smtClean="0"/>
                         <a:t>H.263</a:t>
                       </a:r>
-                      <a:endParaRPr lang="en-US" sz="1600" noProof="0" dirty="0"/>
+                      <a:endParaRPr lang="en-US" sz="1400" noProof="0" dirty="0"/>
                     </a:p>
                   </a:txBody>
                   <a:tcPr>
@@ -28061,10 +28065,10 @@
                     <a:lstStyle/>
                     <a:p>
                       <a:r>
-                        <a:rPr lang="en-US" sz="1600" noProof="0" dirty="0" smtClean="0"/>
+                        <a:rPr lang="en-US" sz="1400" noProof="0" dirty="0" smtClean="0"/>
                         <a:t>DivX, Xvid (codecs)</a:t>
                       </a:r>
-                      <a:endParaRPr lang="en-US" sz="1600" noProof="0" dirty="0"/>
+                      <a:endParaRPr lang="en-US" sz="1400" noProof="0" dirty="0"/>
                     </a:p>
                   </a:txBody>
                   <a:tcPr>
@@ -28091,17 +28095,17 @@
                   </a:tcPr>
                 </a:tc>
               </a:tr>
-              <a:tr h="344739">
+              <a:tr h="317551">
                 <a:tc>
                   <a:txBody>
                     <a:bodyPr/>
                     <a:lstStyle/>
                     <a:p>
                       <a:r>
-                        <a:rPr lang="en-US" sz="1600" noProof="0" dirty="0" smtClean="0"/>
+                        <a:rPr lang="en-US" sz="1400" noProof="0" dirty="0" smtClean="0"/>
                         <a:t>MPEG-4</a:t>
                       </a:r>
-                      <a:endParaRPr lang="en-US" sz="1600" noProof="0" dirty="0"/>
+                      <a:endParaRPr lang="en-US" sz="1400" noProof="0" dirty="0"/>
                     </a:p>
                   </a:txBody>
                   <a:tcPr>
@@ -28133,10 +28137,10 @@
                     <a:lstStyle/>
                     <a:p>
                       <a:r>
-                        <a:rPr lang="en-US" sz="1600" noProof="0" dirty="0" smtClean="0"/>
+                        <a:rPr lang="en-US" sz="1400" noProof="0" dirty="0" smtClean="0"/>
                         <a:t>Audio</a:t>
                       </a:r>
-                      <a:endParaRPr lang="en-US" sz="1600" noProof="0" dirty="0"/>
+                      <a:endParaRPr lang="en-US" sz="1400" noProof="0" dirty="0"/>
                     </a:p>
                   </a:txBody>
                   <a:tcPr>
@@ -28168,10 +28172,10 @@
                     <a:lstStyle/>
                     <a:p>
                       <a:r>
-                        <a:rPr lang="en-US" sz="1600" noProof="0" dirty="0" smtClean="0"/>
+                        <a:rPr lang="en-US" sz="1400" noProof="0" dirty="0" smtClean="0"/>
                         <a:t>14496-3</a:t>
                       </a:r>
-                      <a:endParaRPr lang="en-US" sz="1600" noProof="0" dirty="0"/>
+                      <a:endParaRPr lang="en-US" sz="1400" noProof="0" dirty="0"/>
                     </a:p>
                   </a:txBody>
                   <a:tcPr>
@@ -28202,7 +28206,7 @@
                     <a:bodyPr/>
                     <a:lstStyle/>
                     <a:p>
-                      <a:endParaRPr lang="en-US" sz="1600" noProof="0" dirty="0"/>
+                      <a:endParaRPr lang="en-US" sz="1400" noProof="0" dirty="0"/>
                     </a:p>
                   </a:txBody>
                   <a:tcPr>
@@ -28234,10 +28238,14 @@
                     <a:lstStyle/>
                     <a:p>
                       <a:r>
-                        <a:rPr lang="en-US" sz="1600" noProof="0" dirty="0" smtClean="0"/>
-                        <a:t>HE-AAC, EAAC</a:t>
+                        <a:rPr lang="en-US" sz="1400" noProof="0" dirty="0" smtClean="0"/>
+                        <a:t>HE-AAC, </a:t>
                       </a:r>
-                      <a:endParaRPr lang="en-US" sz="1600" noProof="0" dirty="0"/>
+                      <a:r>
+                        <a:rPr lang="en-US" sz="1400" noProof="0" dirty="0" smtClean="0"/>
+                        <a:t>EAAC (High Efficiency, Enhanced AAC)</a:t>
+                      </a:r>
+                      <a:endParaRPr lang="en-US" sz="1400" noProof="0" dirty="0"/>
                     </a:p>
                   </a:txBody>
                   <a:tcPr>
@@ -28264,17 +28272,17 @@
                   </a:tcPr>
                 </a:tc>
               </a:tr>
-              <a:tr h="344739">
+              <a:tr h="317551">
                 <a:tc>
                   <a:txBody>
                     <a:bodyPr/>
                     <a:lstStyle/>
                     <a:p>
                       <a:r>
-                        <a:rPr lang="en-US" sz="1600" noProof="0" dirty="0" smtClean="0"/>
+                        <a:rPr lang="en-US" sz="1400" noProof="0" dirty="0" smtClean="0"/>
                         <a:t>MPEG-4</a:t>
                       </a:r>
-                      <a:endParaRPr lang="en-US" sz="1600" noProof="0" dirty="0"/>
+                      <a:endParaRPr lang="en-US" sz="1400" noProof="0" dirty="0"/>
                     </a:p>
                   </a:txBody>
                   <a:tcPr>
@@ -28306,10 +28314,10 @@
                     <a:lstStyle/>
                     <a:p>
                       <a:r>
-                        <a:rPr lang="en-US" sz="1600" noProof="0" dirty="0" smtClean="0"/>
+                        <a:rPr lang="en-US" sz="1400" noProof="0" dirty="0" smtClean="0"/>
                         <a:t>Video</a:t>
                       </a:r>
-                      <a:endParaRPr lang="en-US" sz="1600" noProof="0" dirty="0"/>
+                      <a:endParaRPr lang="en-US" sz="1400" noProof="0" dirty="0"/>
                     </a:p>
                   </a:txBody>
                   <a:tcPr>
@@ -28341,10 +28349,10 @@
                     <a:lstStyle/>
                     <a:p>
                       <a:r>
-                        <a:rPr lang="en-US" sz="1600" noProof="0" dirty="0" smtClean="0"/>
-                        <a:t>14469-10</a:t>
+                        <a:rPr lang="en-US" sz="1400" noProof="0" dirty="0" smtClean="0"/>
+                        <a:t>14496-10</a:t>
                       </a:r>
-                      <a:endParaRPr lang="en-US" sz="1600" noProof="0" dirty="0"/>
+                      <a:endParaRPr lang="en-US" sz="1400" noProof="0" dirty="0"/>
                     </a:p>
                   </a:txBody>
                   <a:tcPr>
@@ -28376,10 +28384,10 @@
                     <a:lstStyle/>
                     <a:p>
                       <a:r>
-                        <a:rPr lang="en-US" sz="1600" noProof="0" dirty="0" smtClean="0"/>
+                        <a:rPr lang="en-US" sz="1400" noProof="0" dirty="0" smtClean="0"/>
                         <a:t>H.264</a:t>
                       </a:r>
-                      <a:endParaRPr lang="en-US" sz="1600" noProof="0" dirty="0"/>
+                      <a:endParaRPr lang="en-US" sz="1400" noProof="0" dirty="0"/>
                     </a:p>
                   </a:txBody>
                   <a:tcPr>
@@ -28411,10 +28419,10 @@
                     <a:lstStyle/>
                     <a:p>
                       <a:r>
-                        <a:rPr lang="en-US" sz="1600" noProof="0" dirty="0" smtClean="0"/>
-                        <a:t>AVC</a:t>
+                        <a:rPr lang="en-US" sz="1400" noProof="0" dirty="0" smtClean="0"/>
+                        <a:t>AVC (Advanced Video Coding)</a:t>
                       </a:r>
-                      <a:endParaRPr lang="en-US" sz="1600" noProof="0" dirty="0"/>
+                      <a:endParaRPr lang="en-US" sz="1400" noProof="0" dirty="0"/>
                     </a:p>
                   </a:txBody>
                   <a:tcPr>
@@ -28441,17 +28449,17 @@
                   </a:tcPr>
                 </a:tc>
               </a:tr>
-              <a:tr h="344739">
+              <a:tr h="317551">
                 <a:tc>
                   <a:txBody>
                     <a:bodyPr/>
                     <a:lstStyle/>
                     <a:p>
                       <a:r>
-                        <a:rPr lang="en-US" sz="1600" noProof="0" dirty="0" smtClean="0"/>
+                        <a:rPr lang="en-US" sz="1400" noProof="0" dirty="0" smtClean="0"/>
                         <a:t>MPEG-H</a:t>
                       </a:r>
-                      <a:endParaRPr lang="en-US" sz="1600" noProof="0" dirty="0"/>
+                      <a:endParaRPr lang="en-US" sz="1400" noProof="0" dirty="0"/>
                     </a:p>
                   </a:txBody>
                   <a:tcPr>
@@ -28483,10 +28491,10 @@
                     <a:lstStyle/>
                     <a:p>
                       <a:r>
-                        <a:rPr lang="en-US" sz="1600" noProof="0" dirty="0" smtClean="0"/>
+                        <a:rPr lang="en-US" sz="1400" noProof="0" dirty="0" smtClean="0"/>
                         <a:t>Video</a:t>
                       </a:r>
-                      <a:endParaRPr lang="en-US" sz="1600" noProof="0" dirty="0"/>
+                      <a:endParaRPr lang="en-US" sz="1400" noProof="0" dirty="0"/>
                     </a:p>
                   </a:txBody>
                   <a:tcPr>
@@ -28518,10 +28526,10 @@
                     <a:lstStyle/>
                     <a:p>
                       <a:r>
-                        <a:rPr lang="en-US" sz="1600" noProof="0" dirty="0" smtClean="0"/>
+                        <a:rPr lang="en-US" sz="1400" noProof="0" dirty="0" smtClean="0"/>
                         <a:t>23008-2</a:t>
                       </a:r>
-                      <a:endParaRPr lang="en-US" sz="1600" noProof="0" dirty="0"/>
+                      <a:endParaRPr lang="en-US" sz="1400" noProof="0" dirty="0"/>
                     </a:p>
                   </a:txBody>
                   <a:tcPr>
@@ -28553,10 +28561,99 @@
                     <a:lstStyle/>
                     <a:p>
                       <a:r>
-                        <a:rPr lang="en-US" sz="1600" noProof="0" dirty="0" smtClean="0"/>
+                        <a:rPr lang="en-US" sz="1400" noProof="0" dirty="0" smtClean="0"/>
                         <a:t>H.265</a:t>
                       </a:r>
-                      <a:endParaRPr lang="en-US" sz="1600" noProof="0" dirty="0"/>
+                      <a:endParaRPr lang="en-US" sz="1400" noProof="0" dirty="0"/>
+                    </a:p>
+                  </a:txBody>
+                  <a:tcPr>
+                    <a:lnL>
+                      <a:noFill/>
+                    </a:lnL>
+                    <a:lnR>
+                      <a:noFill/>
+                    </a:lnR>
+                    <a:lnT>
+                      <a:noFill/>
+                    </a:lnT>
+                    <a:lnB w="25400" cmpd="sng">
+                      <a:noFill/>
+                    </a:lnB>
+                    <a:lnTlToBr w="12700" cmpd="sng">
+                      <a:noFill/>
+                      <a:prstDash val="solid"/>
+                    </a:lnTlToBr>
+                    <a:lnBlToTr w="12700" cmpd="sng">
+                      <a:noFill/>
+                      <a:prstDash val="solid"/>
+                    </a:lnBlToTr>
+                  </a:tcPr>
+                </a:tc>
+                <a:tc>
+                  <a:txBody>
+                    <a:bodyPr/>
+                    <a:lstStyle/>
+                    <a:p>
+                      <a:pPr marL="0" marR="0" indent="0" algn="l" defTabSz="914400" rtl="0" eaLnBrk="1" fontAlgn="auto" latinLnBrk="0" hangingPunct="1">
+                        <a:lnSpc>
+                          <a:spcPct val="100000"/>
+                        </a:lnSpc>
+                        <a:spcBef>
+                          <a:spcPts val="0"/>
+                        </a:spcBef>
+                        <a:spcAft>
+                          <a:spcPts val="0"/>
+                        </a:spcAft>
+                        <a:buClrTx/>
+                        <a:buSzTx/>
+                        <a:buFontTx/>
+                        <a:buNone/>
+                        <a:tabLst/>
+                        <a:defRPr/>
+                      </a:pPr>
+                      <a:r>
+                        <a:rPr lang="en-US" sz="1400" noProof="0" dirty="0" smtClean="0"/>
+                        <a:t>HEVC (High Efficiency Video Coding)</a:t>
+                      </a:r>
+                      <a:endParaRPr lang="en-US" sz="1400" noProof="0" dirty="0"/>
+                    </a:p>
+                  </a:txBody>
+                  <a:tcPr>
+                    <a:lnL>
+                      <a:noFill/>
+                    </a:lnL>
+                    <a:lnR>
+                      <a:noFill/>
+                    </a:lnR>
+                    <a:lnT>
+                      <a:noFill/>
+                    </a:lnT>
+                    <a:lnB w="25400" cmpd="sng">
+                      <a:noFill/>
+                    </a:lnB>
+                    <a:lnTlToBr w="12700" cmpd="sng">
+                      <a:noFill/>
+                      <a:prstDash val="solid"/>
+                    </a:lnTlToBr>
+                    <a:lnBlToTr w="12700" cmpd="sng">
+                      <a:noFill/>
+                      <a:prstDash val="solid"/>
+                    </a:lnBlToTr>
+                  </a:tcPr>
+                </a:tc>
+              </a:tr>
+              <a:tr h="317551">
+                <a:tc>
+                  <a:txBody>
+                    <a:bodyPr/>
+                    <a:lstStyle/>
+                    <a:p>
+                      <a:r>
+                        <a:rPr lang="en-US" sz="1400" noProof="0" dirty="0" smtClean="0"/>
+                        <a:t>Dolby Digital</a:t>
+                      </a:r>
+                      <a:endParaRPr lang="en-US" sz="1400" noProof="0" dirty="0"/>
                     </a:p>
                   </a:txBody>
                   <a:tcPr>
@@ -28588,10 +28685,107 @@
                     <a:lstStyle/>
                     <a:p>
                       <a:r>
-                        <a:rPr lang="en-US" sz="1600" noProof="0" dirty="0" smtClean="0"/>
-                        <a:t>HEVC</a:t>
+                        <a:rPr lang="en-US" sz="1400" noProof="0" dirty="0" smtClean="0"/>
+                        <a:t>Audio</a:t>
                       </a:r>
-                      <a:endParaRPr lang="en-US" sz="1600" noProof="0" dirty="0"/>
+                      <a:endParaRPr lang="en-US" sz="1400" noProof="0" dirty="0"/>
+                    </a:p>
+                  </a:txBody>
+                  <a:tcPr>
+                    <a:lnL>
+                      <a:noFill/>
+                    </a:lnL>
+                    <a:lnR>
+                      <a:noFill/>
+                    </a:lnR>
+                    <a:lnT>
+                      <a:noFill/>
+                    </a:lnT>
+                    <a:lnB w="25400" cmpd="sng">
+                      <a:noFill/>
+                    </a:lnB>
+                    <a:lnTlToBr w="12700" cmpd="sng">
+                      <a:noFill/>
+                      <a:prstDash val="solid"/>
+                    </a:lnTlToBr>
+                    <a:lnBlToTr w="12700" cmpd="sng">
+                      <a:noFill/>
+                      <a:prstDash val="solid"/>
+                    </a:lnBlToTr>
+                  </a:tcPr>
+                </a:tc>
+                <a:tc>
+                  <a:txBody>
+                    <a:bodyPr/>
+                    <a:lstStyle/>
+                    <a:p>
+                      <a:endParaRPr lang="en-US" sz="1400" noProof="0" dirty="0"/>
+                    </a:p>
+                  </a:txBody>
+                  <a:tcPr>
+                    <a:lnL>
+                      <a:noFill/>
+                    </a:lnL>
+                    <a:lnR>
+                      <a:noFill/>
+                    </a:lnR>
+                    <a:lnT>
+                      <a:noFill/>
+                    </a:lnT>
+                    <a:lnB w="25400" cmpd="sng">
+                      <a:noFill/>
+                    </a:lnB>
+                    <a:lnTlToBr w="12700" cmpd="sng">
+                      <a:noFill/>
+                      <a:prstDash val="solid"/>
+                    </a:lnTlToBr>
+                    <a:lnBlToTr w="12700" cmpd="sng">
+                      <a:noFill/>
+                      <a:prstDash val="solid"/>
+                    </a:lnBlToTr>
+                  </a:tcPr>
+                </a:tc>
+                <a:tc>
+                  <a:txBody>
+                    <a:bodyPr/>
+                    <a:lstStyle/>
+                    <a:p>
+                      <a:endParaRPr lang="en-US" sz="1400" noProof="0" dirty="0"/>
+                    </a:p>
+                  </a:txBody>
+                  <a:tcPr>
+                    <a:lnL>
+                      <a:noFill/>
+                    </a:lnL>
+                    <a:lnR>
+                      <a:noFill/>
+                    </a:lnR>
+                    <a:lnT>
+                      <a:noFill/>
+                    </a:lnT>
+                    <a:lnB w="25400" cmpd="sng">
+                      <a:noFill/>
+                    </a:lnB>
+                    <a:lnTlToBr w="12700" cmpd="sng">
+                      <a:noFill/>
+                      <a:prstDash val="solid"/>
+                    </a:lnTlToBr>
+                    <a:lnBlToTr w="12700" cmpd="sng">
+                      <a:noFill/>
+                      <a:prstDash val="solid"/>
+                    </a:lnBlToTr>
+                  </a:tcPr>
+                </a:tc>
+                <a:tc>
+                  <a:txBody>
+                    <a:bodyPr/>
+                    <a:lstStyle/>
+                    <a:p>
+                      <a:r>
+                        <a:rPr lang="en-US" sz="1400" noProof="0" dirty="0" smtClean="0"/>
+                        <a:t>AC-4</a:t>
+                      </a:r>
+                      <a:endParaRPr lang="en-US" sz="1400" noProof="0" dirty="0"/>
                     </a:p>
                   </a:txBody>
                   <a:tcPr>

--- a/doc/mpegts-introduction.pptx
+++ b/doc/mpegts-introduction.pptx
@@ -5,10 +5,10 @@
     <p:sldMasterId id="2147483660" r:id="rId1"/>
   </p:sldMasterIdLst>
   <p:notesMasterIdLst>
-    <p:notesMasterId r:id="rId43"/>
+    <p:notesMasterId r:id="rId44"/>
   </p:notesMasterIdLst>
   <p:handoutMasterIdLst>
-    <p:handoutMasterId r:id="rId44"/>
+    <p:handoutMasterId r:id="rId45"/>
   </p:handoutMasterIdLst>
   <p:sldIdLst>
     <p:sldId id="256" r:id="rId2"/>
@@ -41,17 +41,18 @@
     <p:sldId id="317" r:id="rId29"/>
     <p:sldId id="318" r:id="rId30"/>
     <p:sldId id="319" r:id="rId31"/>
-    <p:sldId id="320" r:id="rId32"/>
-    <p:sldId id="321" r:id="rId33"/>
-    <p:sldId id="322" r:id="rId34"/>
-    <p:sldId id="323" r:id="rId35"/>
-    <p:sldId id="324" r:id="rId36"/>
-    <p:sldId id="325" r:id="rId37"/>
-    <p:sldId id="293" r:id="rId38"/>
-    <p:sldId id="291" r:id="rId39"/>
-    <p:sldId id="290" r:id="rId40"/>
-    <p:sldId id="301" r:id="rId41"/>
-    <p:sldId id="258" r:id="rId42"/>
+    <p:sldId id="327" r:id="rId32"/>
+    <p:sldId id="320" r:id="rId33"/>
+    <p:sldId id="321" r:id="rId34"/>
+    <p:sldId id="322" r:id="rId35"/>
+    <p:sldId id="323" r:id="rId36"/>
+    <p:sldId id="324" r:id="rId37"/>
+    <p:sldId id="325" r:id="rId38"/>
+    <p:sldId id="293" r:id="rId39"/>
+    <p:sldId id="291" r:id="rId40"/>
+    <p:sldId id="290" r:id="rId41"/>
+    <p:sldId id="301" r:id="rId42"/>
+    <p:sldId id="258" r:id="rId43"/>
   </p:sldIdLst>
   <p:sldSz cx="9144000" cy="5143500" type="screen16x9"/>
   <p:notesSz cx="6858000" cy="9144000"/>
@@ -150,6 +151,22 @@
       </a:defRPr>
     </a:lvl9pPr>
   </p:defaultTextStyle>
+  <p:extLst>
+    <p:ext uri="{EFAFB233-063F-42B5-8137-9DF3F51BA10A}">
+      <p15:sldGuideLst xmlns:p15="http://schemas.microsoft.com/office/powerpoint/2012/main">
+        <p15:guide id="1" orient="horz" pos="1620">
+          <p15:clr>
+            <a:srgbClr val="A4A3A4"/>
+          </p15:clr>
+        </p15:guide>
+        <p15:guide id="2" pos="2880">
+          <p15:clr>
+            <a:srgbClr val="A4A3A4"/>
+          </p15:clr>
+        </p15:guide>
+      </p15:sldGuideLst>
+    </p:ext>
+  </p:extLst>
 </p:presentation>
 </file>
 
@@ -235,7 +252,7 @@
           <a:p>
             <a:fld id="{C55B0BA7-B0E2-4C07-8528-84B7AE1BAF72}" type="datetimeFigureOut">
               <a:rPr lang="en-US" smtClean="0"/>
-              <a:t>2018-09-28</a:t>
+              <a:t>2020-11-06</a:t>
             </a:fld>
             <a:endParaRPr lang="en-US"/>
           </a:p>
@@ -301,7 +318,7 @@
           <a:p>
             <a:fld id="{8F4736AB-9531-4DE9-95AE-ED444B940965}" type="slidenum">
               <a:rPr lang="en-US" smtClean="0"/>
-              <a:t>‹N°›</a:t>
+              <a:t>‹#›</a:t>
             </a:fld>
             <a:endParaRPr lang="en-US"/>
           </a:p>
@@ -401,7 +418,7 @@
           <a:p>
             <a:fld id="{66F6DD61-880C-4F33-96A2-51E92479021F}" type="datetimeFigureOut">
               <a:rPr lang="en-US" smtClean="0"/>
-              <a:t>2018-09-28</a:t>
+              <a:t>2020-11-06</a:t>
             </a:fld>
             <a:endParaRPr lang="en-US" dirty="0"/>
           </a:p>
@@ -560,7 +577,7 @@
           <a:p>
             <a:fld id="{C9210C38-A4D4-4515-9CA7-8160947F5FEA}" type="slidenum">
               <a:rPr lang="en-US" smtClean="0"/>
-              <a:t>‹N°›</a:t>
+              <a:t>‹#›</a:t>
             </a:fld>
             <a:endParaRPr lang="en-US" dirty="0"/>
           </a:p>
@@ -987,7 +1004,7 @@
           <a:p>
             <a:fld id="{C9210C38-A4D4-4515-9CA7-8160947F5FEA}" type="slidenum">
               <a:rPr lang="en-US" smtClean="0"/>
-              <a:t>41</a:t>
+              <a:t>42</a:t>
             </a:fld>
             <a:endParaRPr lang="en-US" dirty="0"/>
           </a:p>
@@ -16942,8 +16959,13 @@
           <a:p>
             <a:r>
               <a:rPr lang="en-US" dirty="0"/>
-              <a:t>Scrambling synchronization (1/3)</a:t>
-            </a:r>
+              <a:t>Scrambling synchronization (</a:t>
+            </a:r>
+            <a:r>
+              <a:rPr lang="en-US" dirty="0" smtClean="0"/>
+              <a:t>1/4)</a:t>
+            </a:r>
+            <a:endParaRPr lang="en-US" dirty="0"/>
           </a:p>
         </p:txBody>
       </p:sp>
@@ -17084,8 +17106,13 @@
           <a:p>
             <a:r>
               <a:rPr lang="en-US" dirty="0"/>
-              <a:t>Scrambling synchronization (2/3)</a:t>
-            </a:r>
+              <a:t>Scrambling synchronization (</a:t>
+            </a:r>
+            <a:r>
+              <a:rPr lang="en-US" dirty="0" smtClean="0"/>
+              <a:t>2/4)</a:t>
+            </a:r>
+            <a:endParaRPr lang="en-US" dirty="0"/>
           </a:p>
         </p:txBody>
       </p:sp>
@@ -20622,8 +20649,13 @@
           <a:p>
             <a:r>
               <a:rPr lang="en-US" dirty="0"/>
-              <a:t>Scrambling synchronization (3/3)</a:t>
-            </a:r>
+              <a:t>Scrambling synchronization (</a:t>
+            </a:r>
+            <a:r>
+              <a:rPr lang="en-US" dirty="0" smtClean="0"/>
+              <a:t>3/4)</a:t>
+            </a:r>
+            <a:endParaRPr lang="en-US" dirty="0"/>
           </a:p>
         </p:txBody>
       </p:sp>
@@ -20636,13 +20668,13 @@
           <p:nvPr>
             <p:extLst>
               <p:ext uri="{D42A27DB-BD31-4B8C-83A1-F6EECF244321}">
-                <p14:modId xmlns:p14="http://schemas.microsoft.com/office/powerpoint/2010/main" val="56140546"/>
+                <p14:modId xmlns:p14="http://schemas.microsoft.com/office/powerpoint/2010/main" val="1390538714"/>
               </p:ext>
             </p:extLst>
           </p:nvPr>
         </p:nvGraphicFramePr>
         <p:xfrm>
-          <a:off x="740719" y="1681762"/>
+          <a:off x="740719" y="1465738"/>
           <a:ext cx="7920880" cy="3129973"/>
         </p:xfrm>
         <a:graphic>
@@ -20652,10 +20684,34 @@
                 <a:tableStyleId>{5C22544A-7EE6-4342-B048-85BDC9FD1C3A}</a:tableStyleId>
               </a:tblPr>
               <a:tblGrid>
-                <a:gridCol w="1944215"/>
-                <a:gridCol w="1949867"/>
-                <a:gridCol w="1976792"/>
-                <a:gridCol w="2050006"/>
+                <a:gridCol w="1944215">
+                  <a:extLst>
+                    <a:ext uri="{9D8B030D-6E8A-4147-A177-3AD203B41FA5}">
+                      <a16:colId xmlns:a16="http://schemas.microsoft.com/office/drawing/2014/main" val="20000"/>
+                    </a:ext>
+                  </a:extLst>
+                </a:gridCol>
+                <a:gridCol w="1949867">
+                  <a:extLst>
+                    <a:ext uri="{9D8B030D-6E8A-4147-A177-3AD203B41FA5}">
+                      <a16:colId xmlns:a16="http://schemas.microsoft.com/office/drawing/2014/main" val="20001"/>
+                    </a:ext>
+                  </a:extLst>
+                </a:gridCol>
+                <a:gridCol w="1976792">
+                  <a:extLst>
+                    <a:ext uri="{9D8B030D-6E8A-4147-A177-3AD203B41FA5}">
+                      <a16:colId xmlns:a16="http://schemas.microsoft.com/office/drawing/2014/main" val="20002"/>
+                    </a:ext>
+                  </a:extLst>
+                </a:gridCol>
+                <a:gridCol w="2050006">
+                  <a:extLst>
+                    <a:ext uri="{9D8B030D-6E8A-4147-A177-3AD203B41FA5}">
+                      <a16:colId xmlns:a16="http://schemas.microsoft.com/office/drawing/2014/main" val="20003"/>
+                    </a:ext>
+                  </a:extLst>
+                </a:gridCol>
               </a:tblGrid>
               <a:tr h="378184">
                 <a:tc>
@@ -20908,6 +20964,11 @@
                     <a:noFill/>
                   </a:tcPr>
                 </a:tc>
+                <a:extLst>
+                  <a:ext uri="{0D108BD9-81ED-4DB2-BD59-A6C34878D82A}">
+                    <a16:rowId xmlns:a16="http://schemas.microsoft.com/office/drawing/2014/main" val="10000"/>
+                  </a:ext>
+                </a:extLst>
               </a:tr>
               <a:tr h="378184">
                 <a:tc>
@@ -21216,6 +21277,11 @@
                     <a:noFill/>
                   </a:tcPr>
                 </a:tc>
+                <a:extLst>
+                  <a:ext uri="{0D108BD9-81ED-4DB2-BD59-A6C34878D82A}">
+                    <a16:rowId xmlns:a16="http://schemas.microsoft.com/office/drawing/2014/main" val="10001"/>
+                  </a:ext>
+                </a:extLst>
               </a:tr>
               <a:tr h="378184">
                 <a:tc>
@@ -21537,6 +21603,11 @@
                     <a:noFill/>
                   </a:tcPr>
                 </a:tc>
+                <a:extLst>
+                  <a:ext uri="{0D108BD9-81ED-4DB2-BD59-A6C34878D82A}">
+                    <a16:rowId xmlns:a16="http://schemas.microsoft.com/office/drawing/2014/main" val="10002"/>
+                  </a:ext>
+                </a:extLst>
               </a:tr>
               <a:tr h="590590">
                 <a:tc>
@@ -21922,6 +21993,11 @@
                     <a:noFill/>
                   </a:tcPr>
                 </a:tc>
+                <a:extLst>
+                  <a:ext uri="{0D108BD9-81ED-4DB2-BD59-A6C34878D82A}">
+                    <a16:rowId xmlns:a16="http://schemas.microsoft.com/office/drawing/2014/main" val="10003"/>
+                  </a:ext>
+                </a:extLst>
               </a:tr>
               <a:tr h="378184">
                 <a:tc>
@@ -22238,6 +22314,11 @@
                     <a:noFill/>
                   </a:tcPr>
                 </a:tc>
+                <a:extLst>
+                  <a:ext uri="{0D108BD9-81ED-4DB2-BD59-A6C34878D82A}">
+                    <a16:rowId xmlns:a16="http://schemas.microsoft.com/office/drawing/2014/main" val="10004"/>
+                  </a:ext>
+                </a:extLst>
               </a:tr>
               <a:tr h="378184">
                 <a:tc>
@@ -22554,6 +22635,11 @@
                     <a:noFill/>
                   </a:tcPr>
                 </a:tc>
+                <a:extLst>
+                  <a:ext uri="{0D108BD9-81ED-4DB2-BD59-A6C34878D82A}">
+                    <a16:rowId xmlns:a16="http://schemas.microsoft.com/office/drawing/2014/main" val="10005"/>
+                  </a:ext>
+                </a:extLst>
               </a:tr>
               <a:tr h="648463">
                 <a:tc>
@@ -22823,6 +22909,11 @@
                     <a:noFill/>
                   </a:tcPr>
                 </a:tc>
+                <a:extLst>
+                  <a:ext uri="{0D108BD9-81ED-4DB2-BD59-A6C34878D82A}">
+                    <a16:rowId xmlns:a16="http://schemas.microsoft.com/office/drawing/2014/main" val="10006"/>
+                  </a:ext>
+                </a:extLst>
               </a:tr>
             </a:tbl>
           </a:graphicData>
@@ -22836,7 +22927,7 @@
         </p:nvSpPr>
         <p:spPr>
           <a:xfrm>
-            <a:off x="2770212" y="4227934"/>
+            <a:off x="2770212" y="4011910"/>
             <a:ext cx="864096" cy="288032"/>
           </a:xfrm>
           <a:prstGeom prst="rect">
@@ -22894,7 +22985,7 @@
         </p:nvSpPr>
         <p:spPr>
           <a:xfrm>
-            <a:off x="3635896" y="4227934"/>
+            <a:off x="3635896" y="4011910"/>
             <a:ext cx="864096" cy="288032"/>
           </a:xfrm>
           <a:prstGeom prst="rect">
@@ -22952,7 +23043,7 @@
         </p:nvSpPr>
         <p:spPr>
           <a:xfrm>
-            <a:off x="2779055" y="4476185"/>
+            <a:off x="2779055" y="4260161"/>
             <a:ext cx="855253" cy="261610"/>
           </a:xfrm>
           <a:prstGeom prst="rect">
@@ -22996,7 +23087,7 @@
         </p:nvSpPr>
         <p:spPr>
           <a:xfrm>
-            <a:off x="3643151" y="4476185"/>
+            <a:off x="3643151" y="4260161"/>
             <a:ext cx="855253" cy="261610"/>
           </a:xfrm>
           <a:prstGeom prst="rect">
@@ -23040,7 +23131,7 @@
         </p:nvSpPr>
         <p:spPr>
           <a:xfrm>
-            <a:off x="4756619" y="4227934"/>
+            <a:off x="4756619" y="4011910"/>
             <a:ext cx="864096" cy="288032"/>
           </a:xfrm>
           <a:prstGeom prst="rect">
@@ -23098,7 +23189,7 @@
         </p:nvSpPr>
         <p:spPr>
           <a:xfrm>
-            <a:off x="5622303" y="4227934"/>
+            <a:off x="5622303" y="4011910"/>
             <a:ext cx="864096" cy="288032"/>
           </a:xfrm>
           <a:prstGeom prst="rect">
@@ -23156,7 +23247,7 @@
         </p:nvSpPr>
         <p:spPr>
           <a:xfrm>
-            <a:off x="4765462" y="4476185"/>
+            <a:off x="4765462" y="4260161"/>
             <a:ext cx="855253" cy="261610"/>
           </a:xfrm>
           <a:prstGeom prst="rect">
@@ -23200,7 +23291,7 @@
         </p:nvSpPr>
         <p:spPr>
           <a:xfrm>
-            <a:off x="5629558" y="4476185"/>
+            <a:off x="5629558" y="4260161"/>
             <a:ext cx="855253" cy="261610"/>
           </a:xfrm>
           <a:prstGeom prst="rect">
@@ -23244,7 +23335,7 @@
         </p:nvSpPr>
         <p:spPr>
           <a:xfrm>
-            <a:off x="6730652" y="4237873"/>
+            <a:off x="6730652" y="4021849"/>
             <a:ext cx="864096" cy="288032"/>
           </a:xfrm>
           <a:prstGeom prst="rect">
@@ -23302,7 +23393,7 @@
         </p:nvSpPr>
         <p:spPr>
           <a:xfrm>
-            <a:off x="7596336" y="4237873"/>
+            <a:off x="7596336" y="4021849"/>
             <a:ext cx="864096" cy="288032"/>
           </a:xfrm>
           <a:prstGeom prst="rect">
@@ -23360,7 +23451,7 @@
         </p:nvSpPr>
         <p:spPr>
           <a:xfrm>
-            <a:off x="6739495" y="4486124"/>
+            <a:off x="6739495" y="4270100"/>
             <a:ext cx="855253" cy="261610"/>
           </a:xfrm>
           <a:prstGeom prst="rect">
@@ -23404,7 +23495,7 @@
         </p:nvSpPr>
         <p:spPr>
           <a:xfrm>
-            <a:off x="7603591" y="4486124"/>
+            <a:off x="7603591" y="4270100"/>
             <a:ext cx="855253" cy="261610"/>
           </a:xfrm>
           <a:prstGeom prst="rect">
@@ -23448,7 +23539,7 @@
         </p:nvCxnSpPr>
         <p:spPr>
           <a:xfrm>
-            <a:off x="2699792" y="2067694"/>
+            <a:off x="2699792" y="1851670"/>
             <a:ext cx="1944216" cy="0"/>
           </a:xfrm>
           <a:prstGeom prst="straightConnector1">
@@ -23485,7 +23576,7 @@
         </p:nvSpPr>
         <p:spPr>
           <a:xfrm>
-            <a:off x="2987824" y="1779662"/>
+            <a:off x="2987824" y="1563638"/>
             <a:ext cx="1440159" cy="276999"/>
           </a:xfrm>
           <a:prstGeom prst="rect">
@@ -23529,7 +23620,7 @@
         </p:nvCxnSpPr>
         <p:spPr>
           <a:xfrm flipV="1">
-            <a:off x="2699792" y="1563637"/>
+            <a:off x="2699792" y="4731989"/>
             <a:ext cx="5917952" cy="1"/>
           </a:xfrm>
           <a:prstGeom prst="straightConnector1">
@@ -23566,7 +23657,7 @@
         </p:nvSpPr>
         <p:spPr>
           <a:xfrm>
-            <a:off x="4865019" y="1255860"/>
+            <a:off x="4865019" y="4712245"/>
             <a:ext cx="1440159" cy="307777"/>
           </a:xfrm>
           <a:prstGeom prst="rect">
@@ -23651,6 +23742,120 @@
           <a:chExt cx="0" cy="0"/>
         </a:xfrm>
       </p:grpSpPr>
+      <p:cxnSp>
+        <p:nvCxnSpPr>
+          <p:cNvPr id="57" name="Straight Connector 56"/>
+          <p:cNvCxnSpPr/>
+          <p:nvPr/>
+        </p:nvCxnSpPr>
+        <p:spPr>
+          <a:xfrm flipH="1">
+            <a:off x="2445130" y="2322602"/>
+            <a:ext cx="17383" cy="2265372"/>
+          </a:xfrm>
+          <a:prstGeom prst="line">
+            <a:avLst/>
+          </a:prstGeom>
+          <a:ln w="19050">
+            <a:solidFill>
+              <a:schemeClr val="bg1">
+                <a:lumMod val="50000"/>
+              </a:schemeClr>
+            </a:solidFill>
+            <a:prstDash val="dash"/>
+          </a:ln>
+        </p:spPr>
+        <p:style>
+          <a:lnRef idx="1">
+            <a:schemeClr val="accent1"/>
+          </a:lnRef>
+          <a:fillRef idx="0">
+            <a:schemeClr val="accent1"/>
+          </a:fillRef>
+          <a:effectRef idx="0">
+            <a:schemeClr val="accent1"/>
+          </a:effectRef>
+          <a:fontRef idx="minor">
+            <a:schemeClr val="tx1"/>
+          </a:fontRef>
+        </p:style>
+      </p:cxnSp>
+      <p:cxnSp>
+        <p:nvCxnSpPr>
+          <p:cNvPr id="60" name="Straight Connector 59"/>
+          <p:cNvCxnSpPr/>
+          <p:nvPr/>
+        </p:nvCxnSpPr>
+        <p:spPr>
+          <a:xfrm flipH="1">
+            <a:off x="5052962" y="2322602"/>
+            <a:ext cx="17383" cy="2265372"/>
+          </a:xfrm>
+          <a:prstGeom prst="line">
+            <a:avLst/>
+          </a:prstGeom>
+          <a:ln w="19050">
+            <a:solidFill>
+              <a:schemeClr val="bg1">
+                <a:lumMod val="50000"/>
+              </a:schemeClr>
+            </a:solidFill>
+            <a:prstDash val="dash"/>
+          </a:ln>
+        </p:spPr>
+        <p:style>
+          <a:lnRef idx="1">
+            <a:schemeClr val="accent1"/>
+          </a:lnRef>
+          <a:fillRef idx="0">
+            <a:schemeClr val="accent1"/>
+          </a:fillRef>
+          <a:effectRef idx="0">
+            <a:schemeClr val="accent1"/>
+          </a:effectRef>
+          <a:fontRef idx="minor">
+            <a:schemeClr val="tx1"/>
+          </a:fontRef>
+        </p:style>
+      </p:cxnSp>
+      <p:cxnSp>
+        <p:nvCxnSpPr>
+          <p:cNvPr id="73" name="Straight Connector 72"/>
+          <p:cNvCxnSpPr/>
+          <p:nvPr/>
+        </p:nvCxnSpPr>
+        <p:spPr>
+          <a:xfrm flipH="1">
+            <a:off x="7650928" y="2322602"/>
+            <a:ext cx="17383" cy="2265372"/>
+          </a:xfrm>
+          <a:prstGeom prst="line">
+            <a:avLst/>
+          </a:prstGeom>
+          <a:ln w="19050">
+            <a:solidFill>
+              <a:schemeClr val="bg1">
+                <a:lumMod val="50000"/>
+              </a:schemeClr>
+            </a:solidFill>
+            <a:prstDash val="dash"/>
+          </a:ln>
+        </p:spPr>
+        <p:style>
+          <a:lnRef idx="1">
+            <a:schemeClr val="accent1"/>
+          </a:lnRef>
+          <a:fillRef idx="0">
+            <a:schemeClr val="accent1"/>
+          </a:fillRef>
+          <a:effectRef idx="0">
+            <a:schemeClr val="accent1"/>
+          </a:effectRef>
+          <a:fontRef idx="minor">
+            <a:schemeClr val="tx1"/>
+          </a:fontRef>
+        </p:style>
+      </p:cxnSp>
       <p:sp>
         <p:nvSpPr>
           <p:cNvPr id="2" name="Espace réservé du contenu 1"/>
@@ -23661,161 +23866,44 @@
             <p:ph idx="1"/>
           </p:nvPr>
         </p:nvSpPr>
-        <p:spPr/>
+        <p:spPr>
+          <a:xfrm>
+            <a:off x="556071" y="1001779"/>
+            <a:ext cx="8305800" cy="1075671"/>
+          </a:xfrm>
+        </p:spPr>
         <p:txBody>
           <a:bodyPr>
-            <a:normAutofit fontScale="70000" lnSpcReduction="20000"/>
+            <a:normAutofit fontScale="85000" lnSpcReduction="20000"/>
           </a:bodyPr>
           <a:lstStyle/>
           <a:p>
             <a:r>
-              <a:rPr lang="en-US" dirty="0"/>
-              <a:t>ISO 13818-1 defines two possible levels of scrambling</a:t>
+              <a:rPr lang="en-US" dirty="0" smtClean="0"/>
+              <a:t>Loose synchronization</a:t>
             </a:r>
           </a:p>
           <a:p>
             <a:pPr lvl="1"/>
             <a:r>
-              <a:rPr lang="en-US" dirty="0"/>
-              <a:t>TS level</a:t>
-            </a:r>
-          </a:p>
-          <a:p>
-            <a:pPr lvl="2"/>
-            <a:r>
-              <a:rPr lang="en-US" dirty="0" smtClean="0"/>
-              <a:t>each </a:t>
-            </a:r>
-            <a:r>
-              <a:rPr lang="en-US" dirty="0"/>
-              <a:t>TS packet is scrambled individually</a:t>
-            </a:r>
-          </a:p>
-          <a:p>
-            <a:pPr lvl="2"/>
-            <a:r>
-              <a:rPr lang="en-US" dirty="0" smtClean="0"/>
-              <a:t>clear </a:t>
-            </a:r>
-            <a:r>
-              <a:rPr lang="en-US" dirty="0"/>
-              <a:t>TS header and adaptation field, scrambled TS payload</a:t>
+              <a:rPr lang="en-US" sz="1900" dirty="0" smtClean="0"/>
+              <a:t>ECM’s may be missed</a:t>
             </a:r>
           </a:p>
           <a:p>
             <a:pPr lvl="1"/>
             <a:r>
-              <a:rPr lang="en-US" dirty="0"/>
-              <a:t>PES level</a:t>
-            </a:r>
-          </a:p>
-          <a:p>
-            <a:pPr lvl="2"/>
-            <a:r>
-              <a:rPr lang="en-US" dirty="0" smtClean="0"/>
-              <a:t>each </a:t>
-            </a:r>
-            <a:r>
-              <a:rPr lang="en-US" dirty="0" err="1"/>
-              <a:t>demuxed</a:t>
-            </a:r>
-            <a:r>
-              <a:rPr lang="en-US" dirty="0"/>
-              <a:t> PES packet is scrambled individually</a:t>
-            </a:r>
-          </a:p>
-          <a:p>
-            <a:pPr lvl="2"/>
-            <a:r>
-              <a:rPr lang="en-US" dirty="0"/>
-              <a:t>TS packet header marked as clear</a:t>
-            </a:r>
-          </a:p>
-          <a:p>
-            <a:pPr lvl="2"/>
-            <a:r>
-              <a:rPr lang="en-US" dirty="0"/>
-              <a:t>PES packet header contains similar 2-bit </a:t>
-            </a:r>
-            <a:r>
-              <a:rPr lang="en-US" i="1" dirty="0" err="1"/>
-              <a:t>PES_scrambling_control</a:t>
-            </a:r>
-            <a:endParaRPr lang="en-US" i="1" dirty="0"/>
-          </a:p>
-          <a:p>
-            <a:pPr lvl="2"/>
-            <a:r>
-              <a:rPr lang="en-US" dirty="0" smtClean="0"/>
-              <a:t>clear </a:t>
-            </a:r>
-            <a:r>
-              <a:rPr lang="en-US" dirty="0"/>
-              <a:t>PES header, scrambled PES payload</a:t>
-            </a:r>
-            <a:endParaRPr lang="en-US" i="1" dirty="0"/>
-          </a:p>
-          <a:p>
-            <a:r>
-              <a:rPr lang="en-US" dirty="0"/>
-              <a:t>In practice, only TS-level scrambling is used</a:t>
+              <a:rPr lang="en-US" sz="1900" dirty="0" smtClean="0"/>
+              <a:t>CW transition is blurry (video &amp; audio PID’s)</a:t>
             </a:r>
           </a:p>
           <a:p>
             <a:pPr lvl="1"/>
             <a:r>
-              <a:rPr lang="en-US" dirty="0"/>
-              <a:t>PES-level scrambling is technically much more difficult</a:t>
-            </a:r>
-          </a:p>
-          <a:p>
-            <a:pPr lvl="2"/>
-            <a:r>
-              <a:rPr lang="en-US" dirty="0" smtClean="0"/>
-              <a:t>scrambling </a:t>
-            </a:r>
-            <a:r>
-              <a:rPr lang="en-US" dirty="0"/>
-              <a:t>is performed on multiplexed TS</a:t>
-            </a:r>
-          </a:p>
-          <a:p>
-            <a:pPr lvl="2"/>
-            <a:r>
-              <a:rPr lang="en-US" dirty="0"/>
-              <a:t>ETR 289 specifies sub-scrambling of 184-byte super-blocks</a:t>
-            </a:r>
-          </a:p>
-          <a:p>
-            <a:pPr lvl="2"/>
-            <a:r>
-              <a:rPr lang="en-US" dirty="0"/>
-              <a:t>PES packet boundaries not aligned on crypto-period boundaries</a:t>
-            </a:r>
-          </a:p>
-          <a:p>
-            <a:pPr lvl="1"/>
-            <a:r>
-              <a:rPr lang="en-US" dirty="0" smtClean="0"/>
-              <a:t>PES-level </a:t>
-            </a:r>
-            <a:r>
-              <a:rPr lang="en-US" dirty="0"/>
-              <a:t>scrambling is </a:t>
-            </a:r>
-            <a:r>
-              <a:rPr lang="en-US" dirty="0" smtClean="0"/>
-              <a:t>never used </a:t>
-            </a:r>
-            <a:r>
-              <a:rPr lang="en-US" dirty="0"/>
-              <a:t>in </a:t>
-            </a:r>
-            <a:r>
-              <a:rPr lang="en-US" dirty="0" smtClean="0"/>
-              <a:t>practice</a:t>
-            </a:r>
-            <a:endParaRPr lang="en-US" dirty="0"/>
+              <a:rPr lang="en-US" sz="1900" dirty="0" smtClean="0"/>
+              <a:t>No explicit synchronization between ECM’s and video/audio crypto-periods</a:t>
+            </a:r>
+            <a:endParaRPr lang="en-US" sz="1900" dirty="0"/>
           </a:p>
         </p:txBody>
       </p:sp>
@@ -23836,15 +23924,5105 @@
           <a:p>
             <a:r>
               <a:rPr lang="en-US" dirty="0"/>
-              <a:t>TS vs. PES scrambling</a:t>
-            </a:r>
+              <a:t>Scrambling synchronization </a:t>
+            </a:r>
+            <a:r>
+              <a:rPr lang="en-US" dirty="0" smtClean="0"/>
+              <a:t>(4/4)</a:t>
+            </a:r>
+            <a:endParaRPr lang="en-US" dirty="0"/>
+          </a:p>
+        </p:txBody>
+      </p:sp>
+      <p:sp>
+        <p:nvSpPr>
+          <p:cNvPr id="5" name="Rectangle 4"/>
+          <p:cNvSpPr/>
+          <p:nvPr/>
+        </p:nvSpPr>
+        <p:spPr>
+          <a:xfrm>
+            <a:off x="2842220" y="2796631"/>
+            <a:ext cx="864096" cy="288032"/>
+          </a:xfrm>
+          <a:prstGeom prst="rect">
+            <a:avLst/>
+          </a:prstGeom>
+          <a:noFill/>
+          <a:ln w="12700"/>
+        </p:spPr>
+        <p:style>
+          <a:lnRef idx="2">
+            <a:schemeClr val="accent1">
+              <a:shade val="50000"/>
+            </a:schemeClr>
+          </a:lnRef>
+          <a:fillRef idx="1">
+            <a:schemeClr val="accent1"/>
+          </a:fillRef>
+          <a:effectRef idx="0">
+            <a:schemeClr val="accent1"/>
+          </a:effectRef>
+          <a:fontRef idx="minor">
+            <a:schemeClr val="lt1"/>
+          </a:fontRef>
+        </p:style>
+        <p:txBody>
+          <a:bodyPr lIns="0" rIns="0" rtlCol="0" anchor="ctr"/>
+          <a:lstStyle/>
+          <a:p>
+            <a:pPr algn="ctr"/>
+            <a:r>
+              <a:rPr lang="en-US" sz="1400" dirty="0" smtClean="0">
+                <a:solidFill>
+                  <a:schemeClr val="bg1">
+                    <a:lumMod val="50000"/>
+                  </a:schemeClr>
+                </a:solidFill>
+              </a:rPr>
+              <a:t>BB..BB</a:t>
+            </a:r>
+            <a:endParaRPr lang="en-US" sz="1400" dirty="0">
+              <a:solidFill>
+                <a:schemeClr val="bg1">
+                  <a:lumMod val="50000"/>
+                </a:schemeClr>
+              </a:solidFill>
+            </a:endParaRPr>
+          </a:p>
+        </p:txBody>
+      </p:sp>
+      <p:sp>
+        <p:nvSpPr>
+          <p:cNvPr id="6" name="Rectangle 5"/>
+          <p:cNvSpPr/>
+          <p:nvPr/>
+        </p:nvSpPr>
+        <p:spPr>
+          <a:xfrm>
+            <a:off x="3707904" y="2796631"/>
+            <a:ext cx="864096" cy="288032"/>
+          </a:xfrm>
+          <a:prstGeom prst="rect">
+            <a:avLst/>
+          </a:prstGeom>
+          <a:noFill/>
+          <a:ln w="12700"/>
+        </p:spPr>
+        <p:style>
+          <a:lnRef idx="2">
+            <a:schemeClr val="accent1">
+              <a:shade val="50000"/>
+            </a:schemeClr>
+          </a:lnRef>
+          <a:fillRef idx="1">
+            <a:schemeClr val="accent1"/>
+          </a:fillRef>
+          <a:effectRef idx="0">
+            <a:schemeClr val="accent1"/>
+          </a:effectRef>
+          <a:fontRef idx="minor">
+            <a:schemeClr val="lt1"/>
+          </a:fontRef>
+        </p:style>
+        <p:txBody>
+          <a:bodyPr lIns="0" rIns="0" rtlCol="0" anchor="ctr"/>
+          <a:lstStyle/>
+          <a:p>
+            <a:pPr algn="ctr"/>
+            <a:r>
+              <a:rPr lang="en-US" sz="1400" dirty="0" smtClean="0">
+                <a:solidFill>
+                  <a:schemeClr val="bg1">
+                    <a:lumMod val="50000"/>
+                  </a:schemeClr>
+                </a:solidFill>
+              </a:rPr>
+              <a:t>AA..AA</a:t>
+            </a:r>
+            <a:endParaRPr lang="en-US" sz="1400" dirty="0">
+              <a:solidFill>
+                <a:schemeClr val="bg1">
+                  <a:lumMod val="50000"/>
+                </a:schemeClr>
+              </a:solidFill>
+            </a:endParaRPr>
+          </a:p>
+        </p:txBody>
+      </p:sp>
+      <p:sp>
+        <p:nvSpPr>
+          <p:cNvPr id="7" name="TextBox 36"/>
+          <p:cNvSpPr txBox="1"/>
+          <p:nvPr/>
+        </p:nvSpPr>
+        <p:spPr>
+          <a:xfrm>
+            <a:off x="2851063" y="3044882"/>
+            <a:ext cx="855253" cy="261610"/>
+          </a:xfrm>
+          <a:prstGeom prst="rect">
+            <a:avLst/>
+          </a:prstGeom>
+          <a:noFill/>
+        </p:spPr>
+        <p:txBody>
+          <a:bodyPr wrap="square" rtlCol="0">
+            <a:spAutoFit/>
+          </a:bodyPr>
+          <a:lstStyle/>
+          <a:p>
+            <a:pPr algn="ctr"/>
+            <a:r>
+              <a:rPr lang="en-US" sz="1100" i="1" dirty="0" smtClean="0">
+                <a:solidFill>
+                  <a:schemeClr val="bg1">
+                    <a:lumMod val="50000"/>
+                  </a:schemeClr>
+                </a:solidFill>
+                <a:sym typeface="Wingdings" panose="05000000000000000000" pitchFamily="2" charset="2"/>
+              </a:rPr>
+              <a:t>even</a:t>
+            </a:r>
+            <a:endParaRPr lang="en-US" sz="1100" i="1" dirty="0">
+              <a:solidFill>
+                <a:schemeClr val="bg1">
+                  <a:lumMod val="50000"/>
+                </a:schemeClr>
+              </a:solidFill>
+            </a:endParaRPr>
+          </a:p>
+        </p:txBody>
+      </p:sp>
+      <p:sp>
+        <p:nvSpPr>
+          <p:cNvPr id="8" name="TextBox 37"/>
+          <p:cNvSpPr txBox="1"/>
+          <p:nvPr/>
+        </p:nvSpPr>
+        <p:spPr>
+          <a:xfrm>
+            <a:off x="3715159" y="3044882"/>
+            <a:ext cx="855253" cy="261610"/>
+          </a:xfrm>
+          <a:prstGeom prst="rect">
+            <a:avLst/>
+          </a:prstGeom>
+          <a:noFill/>
+        </p:spPr>
+        <p:txBody>
+          <a:bodyPr wrap="square" rtlCol="0">
+            <a:spAutoFit/>
+          </a:bodyPr>
+          <a:lstStyle/>
+          <a:p>
+            <a:pPr algn="ctr"/>
+            <a:r>
+              <a:rPr lang="en-US" sz="1100" i="1" dirty="0" smtClean="0">
+                <a:solidFill>
+                  <a:schemeClr val="bg1">
+                    <a:lumMod val="50000"/>
+                  </a:schemeClr>
+                </a:solidFill>
+                <a:sym typeface="Wingdings" panose="05000000000000000000" pitchFamily="2" charset="2"/>
+              </a:rPr>
+              <a:t>odd</a:t>
+            </a:r>
+            <a:endParaRPr lang="en-US" sz="1100" i="1" dirty="0">
+              <a:solidFill>
+                <a:schemeClr val="bg1">
+                  <a:lumMod val="50000"/>
+                </a:schemeClr>
+              </a:solidFill>
+            </a:endParaRPr>
+          </a:p>
+        </p:txBody>
+      </p:sp>
+      <p:sp>
+        <p:nvSpPr>
+          <p:cNvPr id="9" name="Rectangle 8"/>
+          <p:cNvSpPr/>
+          <p:nvPr/>
+        </p:nvSpPr>
+        <p:spPr>
+          <a:xfrm>
+            <a:off x="5508104" y="2796631"/>
+            <a:ext cx="864096" cy="288032"/>
+          </a:xfrm>
+          <a:prstGeom prst="rect">
+            <a:avLst/>
+          </a:prstGeom>
+          <a:noFill/>
+          <a:ln w="12700"/>
+        </p:spPr>
+        <p:style>
+          <a:lnRef idx="2">
+            <a:schemeClr val="accent1">
+              <a:shade val="50000"/>
+            </a:schemeClr>
+          </a:lnRef>
+          <a:fillRef idx="1">
+            <a:schemeClr val="accent1"/>
+          </a:fillRef>
+          <a:effectRef idx="0">
+            <a:schemeClr val="accent1"/>
+          </a:effectRef>
+          <a:fontRef idx="minor">
+            <a:schemeClr val="lt1"/>
+          </a:fontRef>
+        </p:style>
+        <p:txBody>
+          <a:bodyPr lIns="0" rIns="0" rtlCol="0" anchor="ctr"/>
+          <a:lstStyle/>
+          <a:p>
+            <a:pPr algn="ctr"/>
+            <a:r>
+              <a:rPr lang="en-US" sz="1400" dirty="0" smtClean="0">
+                <a:solidFill>
+                  <a:schemeClr val="bg1">
+                    <a:lumMod val="50000"/>
+                  </a:schemeClr>
+                </a:solidFill>
+              </a:rPr>
+              <a:t>BB..BB</a:t>
+            </a:r>
+            <a:endParaRPr lang="en-US" sz="1400" dirty="0">
+              <a:solidFill>
+                <a:schemeClr val="bg1">
+                  <a:lumMod val="50000"/>
+                </a:schemeClr>
+              </a:solidFill>
+            </a:endParaRPr>
+          </a:p>
+        </p:txBody>
+      </p:sp>
+      <p:sp>
+        <p:nvSpPr>
+          <p:cNvPr id="10" name="Rectangle 9"/>
+          <p:cNvSpPr/>
+          <p:nvPr/>
+        </p:nvSpPr>
+        <p:spPr>
+          <a:xfrm>
+            <a:off x="6373788" y="2796631"/>
+            <a:ext cx="864096" cy="288032"/>
+          </a:xfrm>
+          <a:prstGeom prst="rect">
+            <a:avLst/>
+          </a:prstGeom>
+          <a:noFill/>
+          <a:ln w="12700"/>
+        </p:spPr>
+        <p:style>
+          <a:lnRef idx="2">
+            <a:schemeClr val="accent1">
+              <a:shade val="50000"/>
+            </a:schemeClr>
+          </a:lnRef>
+          <a:fillRef idx="1">
+            <a:schemeClr val="accent1"/>
+          </a:fillRef>
+          <a:effectRef idx="0">
+            <a:schemeClr val="accent1"/>
+          </a:effectRef>
+          <a:fontRef idx="minor">
+            <a:schemeClr val="lt1"/>
+          </a:fontRef>
+        </p:style>
+        <p:txBody>
+          <a:bodyPr lIns="0" rIns="0" rtlCol="0" anchor="ctr"/>
+          <a:lstStyle/>
+          <a:p>
+            <a:pPr algn="ctr"/>
+            <a:r>
+              <a:rPr lang="en-US" sz="1400" dirty="0" smtClean="0">
+                <a:solidFill>
+                  <a:schemeClr val="bg1">
+                    <a:lumMod val="50000"/>
+                  </a:schemeClr>
+                </a:solidFill>
+              </a:rPr>
+              <a:t>CC..CC</a:t>
+            </a:r>
+            <a:endParaRPr lang="en-US" sz="1400" dirty="0">
+              <a:solidFill>
+                <a:schemeClr val="bg1">
+                  <a:lumMod val="50000"/>
+                </a:schemeClr>
+              </a:solidFill>
+            </a:endParaRPr>
+          </a:p>
+        </p:txBody>
+      </p:sp>
+      <p:sp>
+        <p:nvSpPr>
+          <p:cNvPr id="11" name="TextBox 49"/>
+          <p:cNvSpPr txBox="1"/>
+          <p:nvPr/>
+        </p:nvSpPr>
+        <p:spPr>
+          <a:xfrm>
+            <a:off x="5516947" y="3044882"/>
+            <a:ext cx="855253" cy="261610"/>
+          </a:xfrm>
+          <a:prstGeom prst="rect">
+            <a:avLst/>
+          </a:prstGeom>
+          <a:noFill/>
+        </p:spPr>
+        <p:txBody>
+          <a:bodyPr wrap="square" rtlCol="0">
+            <a:spAutoFit/>
+          </a:bodyPr>
+          <a:lstStyle/>
+          <a:p>
+            <a:pPr algn="ctr"/>
+            <a:r>
+              <a:rPr lang="en-US" sz="1100" i="1" dirty="0" smtClean="0">
+                <a:solidFill>
+                  <a:schemeClr val="bg1">
+                    <a:lumMod val="50000"/>
+                  </a:schemeClr>
+                </a:solidFill>
+                <a:sym typeface="Wingdings" panose="05000000000000000000" pitchFamily="2" charset="2"/>
+              </a:rPr>
+              <a:t>even</a:t>
+            </a:r>
+            <a:endParaRPr lang="en-US" sz="1100" i="1" dirty="0">
+              <a:solidFill>
+                <a:schemeClr val="bg1">
+                  <a:lumMod val="50000"/>
+                </a:schemeClr>
+              </a:solidFill>
+            </a:endParaRPr>
+          </a:p>
+        </p:txBody>
+      </p:sp>
+      <p:sp>
+        <p:nvSpPr>
+          <p:cNvPr id="12" name="TextBox 52"/>
+          <p:cNvSpPr txBox="1"/>
+          <p:nvPr/>
+        </p:nvSpPr>
+        <p:spPr>
+          <a:xfrm>
+            <a:off x="6381043" y="3044882"/>
+            <a:ext cx="855253" cy="261610"/>
+          </a:xfrm>
+          <a:prstGeom prst="rect">
+            <a:avLst/>
+          </a:prstGeom>
+          <a:noFill/>
+        </p:spPr>
+        <p:txBody>
+          <a:bodyPr wrap="square" rtlCol="0">
+            <a:spAutoFit/>
+          </a:bodyPr>
+          <a:lstStyle/>
+          <a:p>
+            <a:pPr algn="ctr"/>
+            <a:r>
+              <a:rPr lang="en-US" sz="1100" i="1" dirty="0" smtClean="0">
+                <a:solidFill>
+                  <a:schemeClr val="bg1">
+                    <a:lumMod val="50000"/>
+                  </a:schemeClr>
+                </a:solidFill>
+                <a:sym typeface="Wingdings" panose="05000000000000000000" pitchFamily="2" charset="2"/>
+              </a:rPr>
+              <a:t>odd</a:t>
+            </a:r>
+            <a:endParaRPr lang="en-US" sz="1100" i="1" dirty="0">
+              <a:solidFill>
+                <a:schemeClr val="bg1">
+                  <a:lumMod val="50000"/>
+                </a:schemeClr>
+              </a:solidFill>
+            </a:endParaRPr>
+          </a:p>
+        </p:txBody>
+      </p:sp>
+      <p:cxnSp>
+        <p:nvCxnSpPr>
+          <p:cNvPr id="19" name="Straight Arrow Connector 59"/>
+          <p:cNvCxnSpPr/>
+          <p:nvPr/>
+        </p:nvCxnSpPr>
+        <p:spPr>
+          <a:xfrm flipV="1">
+            <a:off x="2243958" y="4287063"/>
+            <a:ext cx="5825722" cy="1"/>
+          </a:xfrm>
+          <a:prstGeom prst="straightConnector1">
+            <a:avLst/>
+          </a:prstGeom>
+          <a:ln w="19050">
+            <a:solidFill>
+              <a:srgbClr val="27AE60"/>
+            </a:solidFill>
+            <a:headEnd type="none"/>
+            <a:tailEnd type="triangle"/>
+          </a:ln>
+        </p:spPr>
+        <p:style>
+          <a:lnRef idx="1">
+            <a:schemeClr val="accent1"/>
+          </a:lnRef>
+          <a:fillRef idx="0">
+            <a:schemeClr val="accent1"/>
+          </a:fillRef>
+          <a:effectRef idx="0">
+            <a:schemeClr val="accent1"/>
+          </a:effectRef>
+          <a:fontRef idx="minor">
+            <a:schemeClr val="tx1"/>
+          </a:fontRef>
+        </p:style>
+      </p:cxnSp>
+      <p:sp>
+        <p:nvSpPr>
+          <p:cNvPr id="20" name="TextBox 60"/>
+          <p:cNvSpPr txBox="1"/>
+          <p:nvPr/>
+        </p:nvSpPr>
+        <p:spPr>
+          <a:xfrm>
+            <a:off x="7641648" y="4269999"/>
+            <a:ext cx="445955" cy="261610"/>
+          </a:xfrm>
+          <a:prstGeom prst="rect">
+            <a:avLst/>
+          </a:prstGeom>
+          <a:noFill/>
+        </p:spPr>
+        <p:txBody>
+          <a:bodyPr wrap="none" rtlCol="0">
+            <a:spAutoFit/>
+          </a:bodyPr>
+          <a:lstStyle/>
+          <a:p>
+            <a:pPr algn="ctr"/>
+            <a:r>
+              <a:rPr lang="en-US" sz="1100" dirty="0" smtClean="0">
+                <a:solidFill>
+                  <a:schemeClr val="bg1">
+                    <a:lumMod val="50000"/>
+                  </a:schemeClr>
+                </a:solidFill>
+                <a:sym typeface="Wingdings" panose="05000000000000000000" pitchFamily="2" charset="2"/>
+              </a:rPr>
+              <a:t>time</a:t>
+            </a:r>
+            <a:endParaRPr lang="en-US" sz="1100" i="1" dirty="0">
+              <a:solidFill>
+                <a:schemeClr val="bg1">
+                  <a:lumMod val="50000"/>
+                </a:schemeClr>
+              </a:solidFill>
+            </a:endParaRPr>
+          </a:p>
+        </p:txBody>
+      </p:sp>
+      <p:sp>
+        <p:nvSpPr>
+          <p:cNvPr id="25" name="Rounded Rectangle 24"/>
+          <p:cNvSpPr/>
+          <p:nvPr/>
+        </p:nvSpPr>
+        <p:spPr>
+          <a:xfrm>
+            <a:off x="2501125" y="3385657"/>
+            <a:ext cx="2595464" cy="184613"/>
+          </a:xfrm>
+          <a:prstGeom prst="roundRect">
+            <a:avLst>
+              <a:gd name="adj" fmla="val 50000"/>
+            </a:avLst>
+          </a:prstGeom>
+          <a:noFill/>
+        </p:spPr>
+        <p:style>
+          <a:lnRef idx="2">
+            <a:schemeClr val="accent1">
+              <a:shade val="50000"/>
+            </a:schemeClr>
+          </a:lnRef>
+          <a:fillRef idx="1">
+            <a:schemeClr val="accent1"/>
+          </a:fillRef>
+          <a:effectRef idx="0">
+            <a:schemeClr val="accent1"/>
+          </a:effectRef>
+          <a:fontRef idx="minor">
+            <a:schemeClr val="lt1"/>
+          </a:fontRef>
+        </p:style>
+        <p:txBody>
+          <a:bodyPr rtlCol="0" anchor="ctr"/>
+          <a:lstStyle/>
+          <a:p>
+            <a:pPr algn="ctr"/>
+            <a:r>
+              <a:rPr lang="fr-FR" sz="1200" b="1" dirty="0" smtClean="0">
+                <a:solidFill>
+                  <a:schemeClr val="bg1">
+                    <a:lumMod val="50000"/>
+                  </a:schemeClr>
+                </a:solidFill>
+              </a:rPr>
+              <a:t>AA..AA</a:t>
+            </a:r>
+            <a:endParaRPr lang="en-US" sz="1200" b="1" dirty="0">
+              <a:solidFill>
+                <a:schemeClr val="bg1">
+                  <a:lumMod val="50000"/>
+                </a:schemeClr>
+              </a:solidFill>
+            </a:endParaRPr>
+          </a:p>
+        </p:txBody>
+      </p:sp>
+      <p:sp>
+        <p:nvSpPr>
+          <p:cNvPr id="26" name="Rounded Rectangle 25"/>
+          <p:cNvSpPr/>
+          <p:nvPr/>
+        </p:nvSpPr>
+        <p:spPr>
+          <a:xfrm>
+            <a:off x="5096589" y="3385657"/>
+            <a:ext cx="2595464" cy="184613"/>
+          </a:xfrm>
+          <a:prstGeom prst="roundRect">
+            <a:avLst>
+              <a:gd name="adj" fmla="val 50000"/>
+            </a:avLst>
+          </a:prstGeom>
+          <a:noFill/>
+        </p:spPr>
+        <p:style>
+          <a:lnRef idx="2">
+            <a:schemeClr val="accent1">
+              <a:shade val="50000"/>
+            </a:schemeClr>
+          </a:lnRef>
+          <a:fillRef idx="1">
+            <a:schemeClr val="accent1"/>
+          </a:fillRef>
+          <a:effectRef idx="0">
+            <a:schemeClr val="accent1"/>
+          </a:effectRef>
+          <a:fontRef idx="minor">
+            <a:schemeClr val="lt1"/>
+          </a:fontRef>
+        </p:style>
+        <p:txBody>
+          <a:bodyPr rtlCol="0" anchor="ctr"/>
+          <a:lstStyle/>
+          <a:p>
+            <a:pPr algn="ctr"/>
+            <a:r>
+              <a:rPr lang="fr-FR" sz="1200" b="1" dirty="0" smtClean="0">
+                <a:solidFill>
+                  <a:schemeClr val="bg1">
+                    <a:lumMod val="50000"/>
+                  </a:schemeClr>
+                </a:solidFill>
+              </a:rPr>
+              <a:t>BB..BB</a:t>
+            </a:r>
+            <a:endParaRPr lang="en-US" sz="1200" b="1" dirty="0">
+              <a:solidFill>
+                <a:schemeClr val="bg1">
+                  <a:lumMod val="50000"/>
+                </a:schemeClr>
+              </a:solidFill>
+            </a:endParaRPr>
+          </a:p>
+        </p:txBody>
+      </p:sp>
+      <p:grpSp>
+        <p:nvGrpSpPr>
+          <p:cNvPr id="29" name="Group 28"/>
+          <p:cNvGrpSpPr/>
+          <p:nvPr/>
+        </p:nvGrpSpPr>
+        <p:grpSpPr>
+          <a:xfrm>
+            <a:off x="1979712" y="3348413"/>
+            <a:ext cx="504030" cy="259101"/>
+            <a:chOff x="5004048" y="3248753"/>
+            <a:chExt cx="504030" cy="259101"/>
+          </a:xfrm>
+        </p:grpSpPr>
+        <p:sp>
+          <p:nvSpPr>
+            <p:cNvPr id="27" name="Rounded Rectangle 26"/>
+            <p:cNvSpPr/>
+            <p:nvPr/>
+          </p:nvSpPr>
+          <p:spPr>
+            <a:xfrm>
+              <a:off x="5076056" y="3285997"/>
+              <a:ext cx="432022" cy="184613"/>
+            </a:xfrm>
+            <a:prstGeom prst="roundRect">
+              <a:avLst>
+                <a:gd name="adj" fmla="val 50000"/>
+              </a:avLst>
+            </a:prstGeom>
+            <a:noFill/>
+          </p:spPr>
+          <p:style>
+            <a:lnRef idx="2">
+              <a:schemeClr val="accent1">
+                <a:shade val="50000"/>
+              </a:schemeClr>
+            </a:lnRef>
+            <a:fillRef idx="1">
+              <a:schemeClr val="accent1"/>
+            </a:fillRef>
+            <a:effectRef idx="0">
+              <a:schemeClr val="accent1"/>
+            </a:effectRef>
+            <a:fontRef idx="minor">
+              <a:schemeClr val="lt1"/>
+            </a:fontRef>
+          </p:style>
+          <p:txBody>
+            <a:bodyPr rtlCol="0" anchor="ctr"/>
+            <a:lstStyle/>
+            <a:p>
+              <a:pPr algn="ctr"/>
+              <a:endParaRPr lang="en-US" sz="1200" b="1" dirty="0">
+                <a:solidFill>
+                  <a:schemeClr val="bg1">
+                    <a:lumMod val="50000"/>
+                  </a:schemeClr>
+                </a:solidFill>
+              </a:endParaRPr>
+            </a:p>
+          </p:txBody>
+        </p:sp>
+        <p:sp>
+          <p:nvSpPr>
+            <p:cNvPr id="28" name="Rectangle 27"/>
+            <p:cNvSpPr/>
+            <p:nvPr/>
+          </p:nvSpPr>
+          <p:spPr>
+            <a:xfrm>
+              <a:off x="5004048" y="3248753"/>
+              <a:ext cx="288032" cy="259101"/>
+            </a:xfrm>
+            <a:prstGeom prst="rect">
+              <a:avLst/>
+            </a:prstGeom>
+            <a:solidFill>
+              <a:schemeClr val="bg1"/>
+            </a:solidFill>
+            <a:ln>
+              <a:noFill/>
+            </a:ln>
+          </p:spPr>
+          <p:style>
+            <a:lnRef idx="2">
+              <a:schemeClr val="accent1">
+                <a:shade val="50000"/>
+              </a:schemeClr>
+            </a:lnRef>
+            <a:fillRef idx="1">
+              <a:schemeClr val="accent1"/>
+            </a:fillRef>
+            <a:effectRef idx="0">
+              <a:schemeClr val="accent1"/>
+            </a:effectRef>
+            <a:fontRef idx="minor">
+              <a:schemeClr val="lt1"/>
+            </a:fontRef>
+          </p:style>
+          <p:txBody>
+            <a:bodyPr rtlCol="0" anchor="ctr"/>
+            <a:lstStyle/>
+            <a:p>
+              <a:pPr algn="ctr"/>
+              <a:endParaRPr lang="en-US"/>
+            </a:p>
+          </p:txBody>
+        </p:sp>
+      </p:grpSp>
+      <p:sp>
+        <p:nvSpPr>
+          <p:cNvPr id="31" name="Rounded Rectangle 30"/>
+          <p:cNvSpPr/>
+          <p:nvPr/>
+        </p:nvSpPr>
+        <p:spPr>
+          <a:xfrm flipH="1">
+            <a:off x="7695326" y="3385657"/>
+            <a:ext cx="432022" cy="184613"/>
+          </a:xfrm>
+          <a:prstGeom prst="roundRect">
+            <a:avLst>
+              <a:gd name="adj" fmla="val 50000"/>
+            </a:avLst>
+          </a:prstGeom>
+          <a:noFill/>
+        </p:spPr>
+        <p:style>
+          <a:lnRef idx="2">
+            <a:schemeClr val="accent1">
+              <a:shade val="50000"/>
+            </a:schemeClr>
+          </a:lnRef>
+          <a:fillRef idx="1">
+            <a:schemeClr val="accent1"/>
+          </a:fillRef>
+          <a:effectRef idx="0">
+            <a:schemeClr val="accent1"/>
+          </a:effectRef>
+          <a:fontRef idx="minor">
+            <a:schemeClr val="lt1"/>
+          </a:fontRef>
+        </p:style>
+        <p:txBody>
+          <a:bodyPr rtlCol="0" anchor="ctr"/>
+          <a:lstStyle/>
+          <a:p>
+            <a:pPr algn="ctr"/>
+            <a:endParaRPr lang="en-US" sz="1200" b="1" dirty="0">
+              <a:solidFill>
+                <a:schemeClr val="bg1">
+                  <a:lumMod val="50000"/>
+                </a:schemeClr>
+              </a:solidFill>
+            </a:endParaRPr>
+          </a:p>
+        </p:txBody>
+      </p:sp>
+      <p:sp>
+        <p:nvSpPr>
+          <p:cNvPr id="32" name="Rectangle 31"/>
+          <p:cNvSpPr/>
+          <p:nvPr/>
+        </p:nvSpPr>
+        <p:spPr>
+          <a:xfrm flipH="1">
+            <a:off x="7855565" y="3348413"/>
+            <a:ext cx="316835" cy="259101"/>
+          </a:xfrm>
+          <a:prstGeom prst="rect">
+            <a:avLst/>
+          </a:prstGeom>
+          <a:solidFill>
+            <a:schemeClr val="bg1"/>
+          </a:solidFill>
+          <a:ln>
+            <a:noFill/>
+          </a:ln>
+        </p:spPr>
+        <p:style>
+          <a:lnRef idx="2">
+            <a:schemeClr val="accent1">
+              <a:shade val="50000"/>
+            </a:schemeClr>
+          </a:lnRef>
+          <a:fillRef idx="1">
+            <a:schemeClr val="accent1"/>
+          </a:fillRef>
+          <a:effectRef idx="0">
+            <a:schemeClr val="accent1"/>
+          </a:effectRef>
+          <a:fontRef idx="minor">
+            <a:schemeClr val="lt1"/>
+          </a:fontRef>
+        </p:style>
+        <p:txBody>
+          <a:bodyPr rtlCol="0" anchor="ctr"/>
+          <a:lstStyle/>
+          <a:p>
+            <a:pPr algn="ctr"/>
+            <a:endParaRPr lang="en-US"/>
+          </a:p>
+        </p:txBody>
+      </p:sp>
+      <p:sp>
+        <p:nvSpPr>
+          <p:cNvPr id="33" name="Rounded Rectangle 32"/>
+          <p:cNvSpPr/>
+          <p:nvPr/>
+        </p:nvSpPr>
+        <p:spPr>
+          <a:xfrm>
+            <a:off x="2429117" y="3653478"/>
+            <a:ext cx="2595464" cy="184613"/>
+          </a:xfrm>
+          <a:prstGeom prst="roundRect">
+            <a:avLst>
+              <a:gd name="adj" fmla="val 50000"/>
+            </a:avLst>
+          </a:prstGeom>
+          <a:noFill/>
+        </p:spPr>
+        <p:style>
+          <a:lnRef idx="2">
+            <a:schemeClr val="accent1">
+              <a:shade val="50000"/>
+            </a:schemeClr>
+          </a:lnRef>
+          <a:fillRef idx="1">
+            <a:schemeClr val="accent1"/>
+          </a:fillRef>
+          <a:effectRef idx="0">
+            <a:schemeClr val="accent1"/>
+          </a:effectRef>
+          <a:fontRef idx="minor">
+            <a:schemeClr val="lt1"/>
+          </a:fontRef>
+        </p:style>
+        <p:txBody>
+          <a:bodyPr rtlCol="0" anchor="ctr"/>
+          <a:lstStyle/>
+          <a:p>
+            <a:pPr algn="ctr"/>
+            <a:r>
+              <a:rPr lang="fr-FR" sz="1200" b="1" dirty="0" smtClean="0">
+                <a:solidFill>
+                  <a:schemeClr val="bg1">
+                    <a:lumMod val="50000"/>
+                  </a:schemeClr>
+                </a:solidFill>
+              </a:rPr>
+              <a:t>AA..AA</a:t>
+            </a:r>
+            <a:endParaRPr lang="en-US" sz="1200" b="1" dirty="0">
+              <a:solidFill>
+                <a:schemeClr val="bg1">
+                  <a:lumMod val="50000"/>
+                </a:schemeClr>
+              </a:solidFill>
+            </a:endParaRPr>
+          </a:p>
+        </p:txBody>
+      </p:sp>
+      <p:sp>
+        <p:nvSpPr>
+          <p:cNvPr id="34" name="Rounded Rectangle 33"/>
+          <p:cNvSpPr/>
+          <p:nvPr/>
+        </p:nvSpPr>
+        <p:spPr>
+          <a:xfrm>
+            <a:off x="5024581" y="3653478"/>
+            <a:ext cx="2595464" cy="184613"/>
+          </a:xfrm>
+          <a:prstGeom prst="roundRect">
+            <a:avLst>
+              <a:gd name="adj" fmla="val 50000"/>
+            </a:avLst>
+          </a:prstGeom>
+          <a:noFill/>
+        </p:spPr>
+        <p:style>
+          <a:lnRef idx="2">
+            <a:schemeClr val="accent1">
+              <a:shade val="50000"/>
+            </a:schemeClr>
+          </a:lnRef>
+          <a:fillRef idx="1">
+            <a:schemeClr val="accent1"/>
+          </a:fillRef>
+          <a:effectRef idx="0">
+            <a:schemeClr val="accent1"/>
+          </a:effectRef>
+          <a:fontRef idx="minor">
+            <a:schemeClr val="lt1"/>
+          </a:fontRef>
+        </p:style>
+        <p:txBody>
+          <a:bodyPr rtlCol="0" anchor="ctr"/>
+          <a:lstStyle/>
+          <a:p>
+            <a:pPr algn="ctr"/>
+            <a:r>
+              <a:rPr lang="fr-FR" sz="1200" b="1" dirty="0" smtClean="0">
+                <a:solidFill>
+                  <a:schemeClr val="bg1">
+                    <a:lumMod val="50000"/>
+                  </a:schemeClr>
+                </a:solidFill>
+              </a:rPr>
+              <a:t>BB..BB</a:t>
+            </a:r>
+            <a:endParaRPr lang="en-US" sz="1200" b="1" dirty="0">
+              <a:solidFill>
+                <a:schemeClr val="bg1">
+                  <a:lumMod val="50000"/>
+                </a:schemeClr>
+              </a:solidFill>
+            </a:endParaRPr>
+          </a:p>
+        </p:txBody>
+      </p:sp>
+      <p:sp>
+        <p:nvSpPr>
+          <p:cNvPr id="36" name="Rounded Rectangle 35"/>
+          <p:cNvSpPr/>
+          <p:nvPr/>
+        </p:nvSpPr>
+        <p:spPr>
+          <a:xfrm>
+            <a:off x="1979712" y="3653478"/>
+            <a:ext cx="432022" cy="184613"/>
+          </a:xfrm>
+          <a:prstGeom prst="roundRect">
+            <a:avLst>
+              <a:gd name="adj" fmla="val 50000"/>
+            </a:avLst>
+          </a:prstGeom>
+          <a:noFill/>
+        </p:spPr>
+        <p:style>
+          <a:lnRef idx="2">
+            <a:schemeClr val="accent1">
+              <a:shade val="50000"/>
+            </a:schemeClr>
+          </a:lnRef>
+          <a:fillRef idx="1">
+            <a:schemeClr val="accent1"/>
+          </a:fillRef>
+          <a:effectRef idx="0">
+            <a:schemeClr val="accent1"/>
+          </a:effectRef>
+          <a:fontRef idx="minor">
+            <a:schemeClr val="lt1"/>
+          </a:fontRef>
+        </p:style>
+        <p:txBody>
+          <a:bodyPr rtlCol="0" anchor="ctr"/>
+          <a:lstStyle/>
+          <a:p>
+            <a:pPr algn="ctr"/>
+            <a:endParaRPr lang="en-US" sz="1200" b="1" dirty="0">
+              <a:solidFill>
+                <a:schemeClr val="bg1">
+                  <a:lumMod val="50000"/>
+                </a:schemeClr>
+              </a:solidFill>
+            </a:endParaRPr>
+          </a:p>
+        </p:txBody>
+      </p:sp>
+      <p:sp>
+        <p:nvSpPr>
+          <p:cNvPr id="37" name="Rectangle 36"/>
+          <p:cNvSpPr/>
+          <p:nvPr/>
+        </p:nvSpPr>
+        <p:spPr>
+          <a:xfrm>
+            <a:off x="1941074" y="3616234"/>
+            <a:ext cx="316835" cy="259101"/>
+          </a:xfrm>
+          <a:prstGeom prst="rect">
+            <a:avLst/>
+          </a:prstGeom>
+          <a:solidFill>
+            <a:schemeClr val="bg1"/>
+          </a:solidFill>
+          <a:ln>
+            <a:noFill/>
+          </a:ln>
+        </p:spPr>
+        <p:style>
+          <a:lnRef idx="2">
+            <a:schemeClr val="accent1">
+              <a:shade val="50000"/>
+            </a:schemeClr>
+          </a:lnRef>
+          <a:fillRef idx="1">
+            <a:schemeClr val="accent1"/>
+          </a:fillRef>
+          <a:effectRef idx="0">
+            <a:schemeClr val="accent1"/>
+          </a:effectRef>
+          <a:fontRef idx="minor">
+            <a:schemeClr val="lt1"/>
+          </a:fontRef>
+        </p:style>
+        <p:txBody>
+          <a:bodyPr rtlCol="0" anchor="ctr"/>
+          <a:lstStyle/>
+          <a:p>
+            <a:pPr algn="ctr"/>
+            <a:endParaRPr lang="en-US"/>
+          </a:p>
+        </p:txBody>
+      </p:sp>
+      <p:grpSp>
+        <p:nvGrpSpPr>
+          <p:cNvPr id="38" name="Group 37"/>
+          <p:cNvGrpSpPr/>
+          <p:nvPr/>
+        </p:nvGrpSpPr>
+        <p:grpSpPr>
+          <a:xfrm flipH="1">
+            <a:off x="7623318" y="3616234"/>
+            <a:ext cx="504030" cy="259101"/>
+            <a:chOff x="5004048" y="3248753"/>
+            <a:chExt cx="504030" cy="259101"/>
+          </a:xfrm>
+        </p:grpSpPr>
+        <p:sp>
+          <p:nvSpPr>
+            <p:cNvPr id="39" name="Rounded Rectangle 38"/>
+            <p:cNvSpPr/>
+            <p:nvPr/>
+          </p:nvSpPr>
+          <p:spPr>
+            <a:xfrm>
+              <a:off x="5076056" y="3285997"/>
+              <a:ext cx="432022" cy="184613"/>
+            </a:xfrm>
+            <a:prstGeom prst="roundRect">
+              <a:avLst>
+                <a:gd name="adj" fmla="val 50000"/>
+              </a:avLst>
+            </a:prstGeom>
+            <a:noFill/>
+          </p:spPr>
+          <p:style>
+            <a:lnRef idx="2">
+              <a:schemeClr val="accent1">
+                <a:shade val="50000"/>
+              </a:schemeClr>
+            </a:lnRef>
+            <a:fillRef idx="1">
+              <a:schemeClr val="accent1"/>
+            </a:fillRef>
+            <a:effectRef idx="0">
+              <a:schemeClr val="accent1"/>
+            </a:effectRef>
+            <a:fontRef idx="minor">
+              <a:schemeClr val="lt1"/>
+            </a:fontRef>
+          </p:style>
+          <p:txBody>
+            <a:bodyPr rtlCol="0" anchor="ctr"/>
+            <a:lstStyle/>
+            <a:p>
+              <a:pPr algn="ctr"/>
+              <a:endParaRPr lang="en-US" sz="1200" b="1" dirty="0">
+                <a:solidFill>
+                  <a:schemeClr val="bg1">
+                    <a:lumMod val="50000"/>
+                  </a:schemeClr>
+                </a:solidFill>
+              </a:endParaRPr>
+            </a:p>
+          </p:txBody>
+        </p:sp>
+        <p:sp>
+          <p:nvSpPr>
+            <p:cNvPr id="40" name="Rectangle 39"/>
+            <p:cNvSpPr/>
+            <p:nvPr/>
+          </p:nvSpPr>
+          <p:spPr>
+            <a:xfrm>
+              <a:off x="5004048" y="3248753"/>
+              <a:ext cx="288032" cy="259101"/>
+            </a:xfrm>
+            <a:prstGeom prst="rect">
+              <a:avLst/>
+            </a:prstGeom>
+            <a:solidFill>
+              <a:schemeClr val="bg1"/>
+            </a:solidFill>
+            <a:ln>
+              <a:noFill/>
+            </a:ln>
+          </p:spPr>
+          <p:style>
+            <a:lnRef idx="2">
+              <a:schemeClr val="accent1">
+                <a:shade val="50000"/>
+              </a:schemeClr>
+            </a:lnRef>
+            <a:fillRef idx="1">
+              <a:schemeClr val="accent1"/>
+            </a:fillRef>
+            <a:effectRef idx="0">
+              <a:schemeClr val="accent1"/>
+            </a:effectRef>
+            <a:fontRef idx="minor">
+              <a:schemeClr val="lt1"/>
+            </a:fontRef>
+          </p:style>
+          <p:txBody>
+            <a:bodyPr rtlCol="0" anchor="ctr"/>
+            <a:lstStyle/>
+            <a:p>
+              <a:pPr algn="ctr"/>
+              <a:endParaRPr lang="en-US"/>
+            </a:p>
+          </p:txBody>
+        </p:sp>
+      </p:grpSp>
+      <p:sp>
+        <p:nvSpPr>
+          <p:cNvPr id="41" name="TextBox 40"/>
+          <p:cNvSpPr txBox="1"/>
+          <p:nvPr/>
+        </p:nvSpPr>
+        <p:spPr>
+          <a:xfrm>
+            <a:off x="683568" y="3322719"/>
+            <a:ext cx="1338764" cy="307777"/>
+          </a:xfrm>
+          <a:prstGeom prst="rect">
+            <a:avLst/>
+          </a:prstGeom>
+          <a:noFill/>
+        </p:spPr>
+        <p:txBody>
+          <a:bodyPr wrap="none" rtlCol="0">
+            <a:spAutoFit/>
+          </a:bodyPr>
+          <a:lstStyle/>
+          <a:p>
+            <a:r>
+              <a:rPr lang="en-US" sz="1400" dirty="0" smtClean="0">
+                <a:solidFill>
+                  <a:schemeClr val="bg1">
+                    <a:lumMod val="50000"/>
+                  </a:schemeClr>
+                </a:solidFill>
+                <a:latin typeface="Arial" pitchFamily="34" charset="0"/>
+                <a:cs typeface="Arial" pitchFamily="34" charset="0"/>
+              </a:rPr>
+              <a:t>Video PID CW</a:t>
+            </a:r>
+            <a:endParaRPr lang="en-US" sz="1400" dirty="0">
+              <a:solidFill>
+                <a:schemeClr val="bg1">
+                  <a:lumMod val="50000"/>
+                </a:schemeClr>
+              </a:solidFill>
+              <a:latin typeface="Arial" pitchFamily="34" charset="0"/>
+              <a:cs typeface="Arial" pitchFamily="34" charset="0"/>
+            </a:endParaRPr>
+          </a:p>
+        </p:txBody>
+      </p:sp>
+      <p:sp>
+        <p:nvSpPr>
+          <p:cNvPr id="42" name="TextBox 41"/>
+          <p:cNvSpPr txBox="1"/>
+          <p:nvPr/>
+        </p:nvSpPr>
+        <p:spPr>
+          <a:xfrm>
+            <a:off x="683568" y="2786758"/>
+            <a:ext cx="1758009" cy="307777"/>
+          </a:xfrm>
+          <a:prstGeom prst="rect">
+            <a:avLst/>
+          </a:prstGeom>
+          <a:noFill/>
+        </p:spPr>
+        <p:txBody>
+          <a:bodyPr wrap="square" rtlCol="0">
+            <a:spAutoFit/>
+          </a:bodyPr>
+          <a:lstStyle/>
+          <a:p>
+            <a:r>
+              <a:rPr lang="en-US" sz="1400" dirty="0">
+                <a:solidFill>
+                  <a:schemeClr val="bg1">
+                    <a:lumMod val="50000"/>
+                  </a:schemeClr>
+                </a:solidFill>
+                <a:latin typeface="Arial" pitchFamily="34" charset="0"/>
+                <a:cs typeface="Arial" pitchFamily="34" charset="0"/>
+              </a:rPr>
+              <a:t>ECM </a:t>
+            </a:r>
+            <a:r>
+              <a:rPr lang="en-US" sz="1400" dirty="0" smtClean="0">
+                <a:solidFill>
+                  <a:schemeClr val="bg1">
+                    <a:lumMod val="50000"/>
+                  </a:schemeClr>
+                </a:solidFill>
+                <a:latin typeface="Arial" pitchFamily="34" charset="0"/>
+                <a:cs typeface="Arial" pitchFamily="34" charset="0"/>
+              </a:rPr>
+              <a:t>content</a:t>
+            </a:r>
+            <a:endParaRPr lang="en-US" sz="1400" dirty="0">
+              <a:solidFill>
+                <a:schemeClr val="bg1">
+                  <a:lumMod val="50000"/>
+                </a:schemeClr>
+              </a:solidFill>
+              <a:latin typeface="Arial" pitchFamily="34" charset="0"/>
+              <a:cs typeface="Arial" pitchFamily="34" charset="0"/>
+            </a:endParaRPr>
+          </a:p>
+        </p:txBody>
+      </p:sp>
+      <p:sp>
+        <p:nvSpPr>
+          <p:cNvPr id="43" name="TextBox 42"/>
+          <p:cNvSpPr txBox="1"/>
+          <p:nvPr/>
+        </p:nvSpPr>
+        <p:spPr>
+          <a:xfrm>
+            <a:off x="683568" y="2346626"/>
+            <a:ext cx="1758009" cy="307777"/>
+          </a:xfrm>
+          <a:prstGeom prst="rect">
+            <a:avLst/>
+          </a:prstGeom>
+          <a:noFill/>
+        </p:spPr>
+        <p:txBody>
+          <a:bodyPr wrap="square" rtlCol="0">
+            <a:spAutoFit/>
+          </a:bodyPr>
+          <a:lstStyle/>
+          <a:p>
+            <a:r>
+              <a:rPr lang="en-US" sz="1400" dirty="0" smtClean="0">
+                <a:solidFill>
+                  <a:schemeClr val="bg1">
+                    <a:lumMod val="50000"/>
+                  </a:schemeClr>
+                </a:solidFill>
+                <a:latin typeface="Arial" pitchFamily="34" charset="0"/>
+                <a:cs typeface="Arial" pitchFamily="34" charset="0"/>
+              </a:rPr>
+              <a:t>Current CP number</a:t>
+            </a:r>
+            <a:endParaRPr lang="en-US" sz="1400" dirty="0">
+              <a:solidFill>
+                <a:schemeClr val="bg1">
+                  <a:lumMod val="50000"/>
+                </a:schemeClr>
+              </a:solidFill>
+              <a:latin typeface="Arial" pitchFamily="34" charset="0"/>
+              <a:cs typeface="Arial" pitchFamily="34" charset="0"/>
+            </a:endParaRPr>
+          </a:p>
+        </p:txBody>
+      </p:sp>
+      <p:sp>
+        <p:nvSpPr>
+          <p:cNvPr id="44" name="TextBox 43"/>
+          <p:cNvSpPr txBox="1"/>
+          <p:nvPr/>
+        </p:nvSpPr>
+        <p:spPr>
+          <a:xfrm>
+            <a:off x="3252199" y="2346626"/>
+            <a:ext cx="949299" cy="307777"/>
+          </a:xfrm>
+          <a:prstGeom prst="rect">
+            <a:avLst/>
+          </a:prstGeom>
+          <a:noFill/>
+        </p:spPr>
+        <p:txBody>
+          <a:bodyPr wrap="none" rtlCol="0">
+            <a:spAutoFit/>
+          </a:bodyPr>
+          <a:lstStyle/>
+          <a:p>
+            <a:r>
+              <a:rPr lang="en-US" sz="1400" dirty="0">
+                <a:solidFill>
+                  <a:schemeClr val="bg1">
+                    <a:lumMod val="50000"/>
+                  </a:schemeClr>
+                </a:solidFill>
+                <a:latin typeface="Arial" pitchFamily="34" charset="0"/>
+                <a:cs typeface="Arial" pitchFamily="34" charset="0"/>
+              </a:rPr>
+              <a:t>165 (odd</a:t>
+            </a:r>
+            <a:r>
+              <a:rPr lang="en-US" sz="1400" dirty="0" smtClean="0">
+                <a:solidFill>
+                  <a:schemeClr val="bg1">
+                    <a:lumMod val="50000"/>
+                  </a:schemeClr>
+                </a:solidFill>
+                <a:latin typeface="Arial" pitchFamily="34" charset="0"/>
+                <a:cs typeface="Arial" pitchFamily="34" charset="0"/>
+              </a:rPr>
+              <a:t>)</a:t>
+            </a:r>
+            <a:endParaRPr lang="en-US" sz="1400" dirty="0">
+              <a:solidFill>
+                <a:schemeClr val="bg1">
+                  <a:lumMod val="50000"/>
+                </a:schemeClr>
+              </a:solidFill>
+              <a:latin typeface="Arial" pitchFamily="34" charset="0"/>
+              <a:cs typeface="Arial" pitchFamily="34" charset="0"/>
+            </a:endParaRPr>
+          </a:p>
+        </p:txBody>
+      </p:sp>
+      <p:sp>
+        <p:nvSpPr>
+          <p:cNvPr id="45" name="TextBox 44"/>
+          <p:cNvSpPr txBox="1"/>
+          <p:nvPr/>
+        </p:nvSpPr>
+        <p:spPr>
+          <a:xfrm>
+            <a:off x="5929690" y="2346626"/>
+            <a:ext cx="1039067" cy="307777"/>
+          </a:xfrm>
+          <a:prstGeom prst="rect">
+            <a:avLst/>
+          </a:prstGeom>
+          <a:noFill/>
+        </p:spPr>
+        <p:txBody>
+          <a:bodyPr wrap="none" rtlCol="0">
+            <a:spAutoFit/>
+          </a:bodyPr>
+          <a:lstStyle/>
+          <a:p>
+            <a:r>
+              <a:rPr lang="en-US" sz="1400" dirty="0" smtClean="0">
+                <a:solidFill>
+                  <a:schemeClr val="bg1">
+                    <a:lumMod val="50000"/>
+                  </a:schemeClr>
+                </a:solidFill>
+                <a:latin typeface="Arial" pitchFamily="34" charset="0"/>
+                <a:cs typeface="Arial" pitchFamily="34" charset="0"/>
+              </a:rPr>
+              <a:t>166 (even)</a:t>
+            </a:r>
+            <a:endParaRPr lang="en-US" sz="1400" dirty="0">
+              <a:solidFill>
+                <a:schemeClr val="bg1">
+                  <a:lumMod val="50000"/>
+                </a:schemeClr>
+              </a:solidFill>
+              <a:latin typeface="Arial" pitchFamily="34" charset="0"/>
+              <a:cs typeface="Arial" pitchFamily="34" charset="0"/>
+            </a:endParaRPr>
+          </a:p>
+        </p:txBody>
+      </p:sp>
+      <p:sp>
+        <p:nvSpPr>
+          <p:cNvPr id="55" name="TextBox 54"/>
+          <p:cNvSpPr txBox="1"/>
+          <p:nvPr/>
+        </p:nvSpPr>
+        <p:spPr>
+          <a:xfrm>
+            <a:off x="683568" y="3591895"/>
+            <a:ext cx="1342034" cy="307777"/>
+          </a:xfrm>
+          <a:prstGeom prst="rect">
+            <a:avLst/>
+          </a:prstGeom>
+          <a:noFill/>
+        </p:spPr>
+        <p:txBody>
+          <a:bodyPr wrap="none" rtlCol="0">
+            <a:spAutoFit/>
+          </a:bodyPr>
+          <a:lstStyle/>
+          <a:p>
+            <a:r>
+              <a:rPr lang="en-US" sz="1400" dirty="0" smtClean="0">
+                <a:solidFill>
+                  <a:schemeClr val="bg1">
+                    <a:lumMod val="50000"/>
+                  </a:schemeClr>
+                </a:solidFill>
+                <a:latin typeface="Arial" pitchFamily="34" charset="0"/>
+                <a:cs typeface="Arial" pitchFamily="34" charset="0"/>
+              </a:rPr>
+              <a:t>Audio PID CW</a:t>
+            </a:r>
+            <a:endParaRPr lang="en-US" sz="1400" dirty="0">
+              <a:solidFill>
+                <a:schemeClr val="bg1">
+                  <a:lumMod val="50000"/>
+                </a:schemeClr>
+              </a:solidFill>
+              <a:latin typeface="Arial" pitchFamily="34" charset="0"/>
+              <a:cs typeface="Arial" pitchFamily="34" charset="0"/>
+            </a:endParaRPr>
+          </a:p>
+        </p:txBody>
+      </p:sp>
+      <p:sp>
+        <p:nvSpPr>
+          <p:cNvPr id="58" name="TextBox 57"/>
+          <p:cNvSpPr txBox="1"/>
+          <p:nvPr/>
+        </p:nvSpPr>
+        <p:spPr>
+          <a:xfrm>
+            <a:off x="683568" y="4078139"/>
+            <a:ext cx="1758009" cy="307777"/>
+          </a:xfrm>
+          <a:prstGeom prst="rect">
+            <a:avLst/>
+          </a:prstGeom>
+          <a:noFill/>
+        </p:spPr>
+        <p:txBody>
+          <a:bodyPr wrap="square" rtlCol="0">
+            <a:spAutoFit/>
+          </a:bodyPr>
+          <a:lstStyle/>
+          <a:p>
+            <a:r>
+              <a:rPr lang="en-US" sz="1400" dirty="0">
+                <a:solidFill>
+                  <a:schemeClr val="bg1">
+                    <a:lumMod val="50000"/>
+                  </a:schemeClr>
+                </a:solidFill>
+                <a:latin typeface="Arial" pitchFamily="34" charset="0"/>
+                <a:cs typeface="Arial" pitchFamily="34" charset="0"/>
+              </a:rPr>
+              <a:t>ECM </a:t>
+            </a:r>
+            <a:r>
+              <a:rPr lang="en-US" sz="1400" dirty="0" smtClean="0">
+                <a:solidFill>
+                  <a:schemeClr val="bg1">
+                    <a:lumMod val="50000"/>
+                  </a:schemeClr>
+                </a:solidFill>
+                <a:latin typeface="Arial" pitchFamily="34" charset="0"/>
+                <a:cs typeface="Arial" pitchFamily="34" charset="0"/>
+              </a:rPr>
+              <a:t>reception</a:t>
+            </a:r>
+            <a:endParaRPr lang="en-US" sz="1400" dirty="0">
+              <a:solidFill>
+                <a:schemeClr val="bg1">
+                  <a:lumMod val="50000"/>
+                </a:schemeClr>
+              </a:solidFill>
+              <a:latin typeface="Arial" pitchFamily="34" charset="0"/>
+              <a:cs typeface="Arial" pitchFamily="34" charset="0"/>
+            </a:endParaRPr>
+          </a:p>
+        </p:txBody>
+      </p:sp>
+      <p:sp>
+        <p:nvSpPr>
+          <p:cNvPr id="59" name="Down Arrow 58"/>
+          <p:cNvSpPr/>
+          <p:nvPr/>
+        </p:nvSpPr>
+        <p:spPr>
+          <a:xfrm>
+            <a:off x="2629569" y="3999032"/>
+            <a:ext cx="156605" cy="288032"/>
+          </a:xfrm>
+          <a:prstGeom prst="downArrow">
+            <a:avLst/>
+          </a:prstGeom>
+          <a:solidFill>
+            <a:srgbClr val="27AE60"/>
+          </a:solidFill>
+          <a:ln>
+            <a:noFill/>
+          </a:ln>
+        </p:spPr>
+        <p:style>
+          <a:lnRef idx="2">
+            <a:schemeClr val="accent1">
+              <a:shade val="50000"/>
+            </a:schemeClr>
+          </a:lnRef>
+          <a:fillRef idx="1">
+            <a:schemeClr val="accent1"/>
+          </a:fillRef>
+          <a:effectRef idx="0">
+            <a:schemeClr val="accent1"/>
+          </a:effectRef>
+          <a:fontRef idx="minor">
+            <a:schemeClr val="lt1"/>
+          </a:fontRef>
+        </p:style>
+        <p:txBody>
+          <a:bodyPr rtlCol="0" anchor="ctr"/>
+          <a:lstStyle/>
+          <a:p>
+            <a:pPr algn="ctr"/>
+            <a:endParaRPr lang="en-US"/>
+          </a:p>
+        </p:txBody>
+      </p:sp>
+      <p:sp>
+        <p:nvSpPr>
+          <p:cNvPr id="61" name="Down Arrow 60"/>
+          <p:cNvSpPr/>
+          <p:nvPr/>
+        </p:nvSpPr>
+        <p:spPr>
+          <a:xfrm>
+            <a:off x="2915315" y="4083516"/>
+            <a:ext cx="136363" cy="203548"/>
+          </a:xfrm>
+          <a:prstGeom prst="downArrow">
+            <a:avLst/>
+          </a:prstGeom>
+          <a:gradFill flip="none" rotWithShape="1">
+            <a:gsLst>
+              <a:gs pos="0">
+                <a:srgbClr val="27AE60">
+                  <a:tint val="66000"/>
+                  <a:satMod val="160000"/>
+                </a:srgbClr>
+              </a:gs>
+              <a:gs pos="50000">
+                <a:srgbClr val="27AE60">
+                  <a:tint val="44500"/>
+                  <a:satMod val="160000"/>
+                </a:srgbClr>
+              </a:gs>
+              <a:gs pos="100000">
+                <a:srgbClr val="27AE60">
+                  <a:tint val="23500"/>
+                  <a:satMod val="160000"/>
+                </a:srgbClr>
+              </a:gs>
+            </a:gsLst>
+            <a:path path="circle">
+              <a:fillToRect l="100000" t="100000"/>
+            </a:path>
+            <a:tileRect r="-100000" b="-100000"/>
+          </a:gradFill>
+          <a:ln>
+            <a:noFill/>
+          </a:ln>
+        </p:spPr>
+        <p:style>
+          <a:lnRef idx="2">
+            <a:schemeClr val="accent1">
+              <a:shade val="50000"/>
+            </a:schemeClr>
+          </a:lnRef>
+          <a:fillRef idx="1">
+            <a:schemeClr val="accent1"/>
+          </a:fillRef>
+          <a:effectRef idx="0">
+            <a:schemeClr val="accent1"/>
+          </a:effectRef>
+          <a:fontRef idx="minor">
+            <a:schemeClr val="lt1"/>
+          </a:fontRef>
+        </p:style>
+        <p:txBody>
+          <a:bodyPr rtlCol="0" anchor="ctr"/>
+          <a:lstStyle/>
+          <a:p>
+            <a:pPr algn="ctr"/>
+            <a:endParaRPr lang="en-US"/>
+          </a:p>
+        </p:txBody>
+      </p:sp>
+      <p:sp>
+        <p:nvSpPr>
+          <p:cNvPr id="63" name="Down Arrow 62"/>
+          <p:cNvSpPr/>
+          <p:nvPr/>
+        </p:nvSpPr>
+        <p:spPr>
+          <a:xfrm>
+            <a:off x="3180819" y="4083516"/>
+            <a:ext cx="136363" cy="203548"/>
+          </a:xfrm>
+          <a:prstGeom prst="downArrow">
+            <a:avLst/>
+          </a:prstGeom>
+          <a:gradFill flip="none" rotWithShape="1">
+            <a:gsLst>
+              <a:gs pos="0">
+                <a:srgbClr val="27AE60">
+                  <a:tint val="66000"/>
+                  <a:satMod val="160000"/>
+                </a:srgbClr>
+              </a:gs>
+              <a:gs pos="50000">
+                <a:srgbClr val="27AE60">
+                  <a:tint val="44500"/>
+                  <a:satMod val="160000"/>
+                </a:srgbClr>
+              </a:gs>
+              <a:gs pos="100000">
+                <a:srgbClr val="27AE60">
+                  <a:tint val="23500"/>
+                  <a:satMod val="160000"/>
+                </a:srgbClr>
+              </a:gs>
+            </a:gsLst>
+            <a:path path="circle">
+              <a:fillToRect l="100000" t="100000"/>
+            </a:path>
+            <a:tileRect r="-100000" b="-100000"/>
+          </a:gradFill>
+          <a:ln>
+            <a:noFill/>
+          </a:ln>
+        </p:spPr>
+        <p:style>
+          <a:lnRef idx="2">
+            <a:schemeClr val="accent1">
+              <a:shade val="50000"/>
+            </a:schemeClr>
+          </a:lnRef>
+          <a:fillRef idx="1">
+            <a:schemeClr val="accent1"/>
+          </a:fillRef>
+          <a:effectRef idx="0">
+            <a:schemeClr val="accent1"/>
+          </a:effectRef>
+          <a:fontRef idx="minor">
+            <a:schemeClr val="lt1"/>
+          </a:fontRef>
+        </p:style>
+        <p:txBody>
+          <a:bodyPr rtlCol="0" anchor="ctr"/>
+          <a:lstStyle/>
+          <a:p>
+            <a:pPr algn="ctr"/>
+            <a:endParaRPr lang="en-US"/>
+          </a:p>
+        </p:txBody>
+      </p:sp>
+      <p:sp>
+        <p:nvSpPr>
+          <p:cNvPr id="65" name="Down Arrow 64"/>
+          <p:cNvSpPr/>
+          <p:nvPr/>
+        </p:nvSpPr>
+        <p:spPr>
+          <a:xfrm>
+            <a:off x="3446323" y="4083516"/>
+            <a:ext cx="136363" cy="203548"/>
+          </a:xfrm>
+          <a:prstGeom prst="downArrow">
+            <a:avLst/>
+          </a:prstGeom>
+          <a:gradFill flip="none" rotWithShape="1">
+            <a:gsLst>
+              <a:gs pos="0">
+                <a:srgbClr val="27AE60">
+                  <a:tint val="66000"/>
+                  <a:satMod val="160000"/>
+                </a:srgbClr>
+              </a:gs>
+              <a:gs pos="50000">
+                <a:srgbClr val="27AE60">
+                  <a:tint val="44500"/>
+                  <a:satMod val="160000"/>
+                </a:srgbClr>
+              </a:gs>
+              <a:gs pos="100000">
+                <a:srgbClr val="27AE60">
+                  <a:tint val="23500"/>
+                  <a:satMod val="160000"/>
+                </a:srgbClr>
+              </a:gs>
+            </a:gsLst>
+            <a:path path="circle">
+              <a:fillToRect l="100000" t="100000"/>
+            </a:path>
+            <a:tileRect r="-100000" b="-100000"/>
+          </a:gradFill>
+          <a:ln>
+            <a:noFill/>
+          </a:ln>
+        </p:spPr>
+        <p:style>
+          <a:lnRef idx="2">
+            <a:schemeClr val="accent1">
+              <a:shade val="50000"/>
+            </a:schemeClr>
+          </a:lnRef>
+          <a:fillRef idx="1">
+            <a:schemeClr val="accent1"/>
+          </a:fillRef>
+          <a:effectRef idx="0">
+            <a:schemeClr val="accent1"/>
+          </a:effectRef>
+          <a:fontRef idx="minor">
+            <a:schemeClr val="lt1"/>
+          </a:fontRef>
+        </p:style>
+        <p:txBody>
+          <a:bodyPr rtlCol="0" anchor="ctr"/>
+          <a:lstStyle/>
+          <a:p>
+            <a:pPr algn="ctr"/>
+            <a:endParaRPr lang="en-US"/>
+          </a:p>
+        </p:txBody>
+      </p:sp>
+      <p:sp>
+        <p:nvSpPr>
+          <p:cNvPr id="67" name="Down Arrow 66"/>
+          <p:cNvSpPr/>
+          <p:nvPr/>
+        </p:nvSpPr>
+        <p:spPr>
+          <a:xfrm>
+            <a:off x="3711827" y="4083516"/>
+            <a:ext cx="136363" cy="203548"/>
+          </a:xfrm>
+          <a:prstGeom prst="downArrow">
+            <a:avLst/>
+          </a:prstGeom>
+          <a:pattFill prst="pct60">
+            <a:fgClr>
+              <a:srgbClr val="FF0000"/>
+            </a:fgClr>
+            <a:bgClr>
+              <a:schemeClr val="bg1"/>
+            </a:bgClr>
+          </a:pattFill>
+          <a:ln>
+            <a:noFill/>
+          </a:ln>
+        </p:spPr>
+        <p:style>
+          <a:lnRef idx="2">
+            <a:schemeClr val="accent1">
+              <a:shade val="50000"/>
+            </a:schemeClr>
+          </a:lnRef>
+          <a:fillRef idx="1">
+            <a:schemeClr val="accent1"/>
+          </a:fillRef>
+          <a:effectRef idx="0">
+            <a:schemeClr val="accent1"/>
+          </a:effectRef>
+          <a:fontRef idx="minor">
+            <a:schemeClr val="lt1"/>
+          </a:fontRef>
+        </p:style>
+        <p:txBody>
+          <a:bodyPr rtlCol="0" anchor="ctr"/>
+          <a:lstStyle/>
+          <a:p>
+            <a:pPr algn="ctr"/>
+            <a:endParaRPr lang="en-US"/>
+          </a:p>
+        </p:txBody>
+      </p:sp>
+      <p:sp>
+        <p:nvSpPr>
+          <p:cNvPr id="68" name="Down Arrow 67"/>
+          <p:cNvSpPr/>
+          <p:nvPr/>
+        </p:nvSpPr>
+        <p:spPr>
+          <a:xfrm>
+            <a:off x="3977331" y="4083516"/>
+            <a:ext cx="136363" cy="203548"/>
+          </a:xfrm>
+          <a:prstGeom prst="downArrow">
+            <a:avLst/>
+          </a:prstGeom>
+          <a:gradFill flip="none" rotWithShape="1">
+            <a:gsLst>
+              <a:gs pos="0">
+                <a:srgbClr val="27AE60">
+                  <a:tint val="66000"/>
+                  <a:satMod val="160000"/>
+                </a:srgbClr>
+              </a:gs>
+              <a:gs pos="50000">
+                <a:srgbClr val="27AE60">
+                  <a:tint val="44500"/>
+                  <a:satMod val="160000"/>
+                </a:srgbClr>
+              </a:gs>
+              <a:gs pos="100000">
+                <a:srgbClr val="27AE60">
+                  <a:tint val="23500"/>
+                  <a:satMod val="160000"/>
+                </a:srgbClr>
+              </a:gs>
+            </a:gsLst>
+            <a:path path="circle">
+              <a:fillToRect l="100000" t="100000"/>
+            </a:path>
+            <a:tileRect r="-100000" b="-100000"/>
+          </a:gradFill>
+          <a:ln>
+            <a:noFill/>
+          </a:ln>
+        </p:spPr>
+        <p:style>
+          <a:lnRef idx="2">
+            <a:schemeClr val="accent1">
+              <a:shade val="50000"/>
+            </a:schemeClr>
+          </a:lnRef>
+          <a:fillRef idx="1">
+            <a:schemeClr val="accent1"/>
+          </a:fillRef>
+          <a:effectRef idx="0">
+            <a:schemeClr val="accent1"/>
+          </a:effectRef>
+          <a:fontRef idx="minor">
+            <a:schemeClr val="lt1"/>
+          </a:fontRef>
+        </p:style>
+        <p:txBody>
+          <a:bodyPr rtlCol="0" anchor="ctr"/>
+          <a:lstStyle/>
+          <a:p>
+            <a:pPr algn="ctr"/>
+            <a:endParaRPr lang="en-US"/>
+          </a:p>
+        </p:txBody>
+      </p:sp>
+      <p:sp>
+        <p:nvSpPr>
+          <p:cNvPr id="69" name="Down Arrow 68"/>
+          <p:cNvSpPr/>
+          <p:nvPr/>
+        </p:nvSpPr>
+        <p:spPr>
+          <a:xfrm>
+            <a:off x="5039347" y="4083516"/>
+            <a:ext cx="136363" cy="203548"/>
+          </a:xfrm>
+          <a:prstGeom prst="downArrow">
+            <a:avLst/>
+          </a:prstGeom>
+          <a:gradFill flip="none" rotWithShape="1">
+            <a:gsLst>
+              <a:gs pos="0">
+                <a:srgbClr val="27AE60">
+                  <a:tint val="66000"/>
+                  <a:satMod val="160000"/>
+                </a:srgbClr>
+              </a:gs>
+              <a:gs pos="50000">
+                <a:srgbClr val="27AE60">
+                  <a:tint val="44500"/>
+                  <a:satMod val="160000"/>
+                </a:srgbClr>
+              </a:gs>
+              <a:gs pos="100000">
+                <a:srgbClr val="27AE60">
+                  <a:tint val="23500"/>
+                  <a:satMod val="160000"/>
+                </a:srgbClr>
+              </a:gs>
+            </a:gsLst>
+            <a:path path="circle">
+              <a:fillToRect l="100000" t="100000"/>
+            </a:path>
+            <a:tileRect r="-100000" b="-100000"/>
+          </a:gradFill>
+          <a:ln>
+            <a:noFill/>
+          </a:ln>
+        </p:spPr>
+        <p:style>
+          <a:lnRef idx="2">
+            <a:schemeClr val="accent1">
+              <a:shade val="50000"/>
+            </a:schemeClr>
+          </a:lnRef>
+          <a:fillRef idx="1">
+            <a:schemeClr val="accent1"/>
+          </a:fillRef>
+          <a:effectRef idx="0">
+            <a:schemeClr val="accent1"/>
+          </a:effectRef>
+          <a:fontRef idx="minor">
+            <a:schemeClr val="lt1"/>
+          </a:fontRef>
+        </p:style>
+        <p:txBody>
+          <a:bodyPr rtlCol="0" anchor="ctr"/>
+          <a:lstStyle/>
+          <a:p>
+            <a:pPr algn="ctr"/>
+            <a:endParaRPr lang="en-US"/>
+          </a:p>
+        </p:txBody>
+      </p:sp>
+      <p:sp>
+        <p:nvSpPr>
+          <p:cNvPr id="70" name="Down Arrow 69"/>
+          <p:cNvSpPr/>
+          <p:nvPr/>
+        </p:nvSpPr>
+        <p:spPr>
+          <a:xfrm>
+            <a:off x="4773843" y="4083516"/>
+            <a:ext cx="136363" cy="203548"/>
+          </a:xfrm>
+          <a:prstGeom prst="downArrow">
+            <a:avLst/>
+          </a:prstGeom>
+          <a:gradFill flip="none" rotWithShape="1">
+            <a:gsLst>
+              <a:gs pos="0">
+                <a:srgbClr val="27AE60">
+                  <a:tint val="66000"/>
+                  <a:satMod val="160000"/>
+                </a:srgbClr>
+              </a:gs>
+              <a:gs pos="50000">
+                <a:srgbClr val="27AE60">
+                  <a:tint val="44500"/>
+                  <a:satMod val="160000"/>
+                </a:srgbClr>
+              </a:gs>
+              <a:gs pos="100000">
+                <a:srgbClr val="27AE60">
+                  <a:tint val="23500"/>
+                  <a:satMod val="160000"/>
+                </a:srgbClr>
+              </a:gs>
+            </a:gsLst>
+            <a:path path="circle">
+              <a:fillToRect l="100000" t="100000"/>
+            </a:path>
+            <a:tileRect r="-100000" b="-100000"/>
+          </a:gradFill>
+          <a:ln>
+            <a:noFill/>
+          </a:ln>
+        </p:spPr>
+        <p:style>
+          <a:lnRef idx="2">
+            <a:schemeClr val="accent1">
+              <a:shade val="50000"/>
+            </a:schemeClr>
+          </a:lnRef>
+          <a:fillRef idx="1">
+            <a:schemeClr val="accent1"/>
+          </a:fillRef>
+          <a:effectRef idx="0">
+            <a:schemeClr val="accent1"/>
+          </a:effectRef>
+          <a:fontRef idx="minor">
+            <a:schemeClr val="lt1"/>
+          </a:fontRef>
+        </p:style>
+        <p:txBody>
+          <a:bodyPr rtlCol="0" anchor="ctr"/>
+          <a:lstStyle/>
+          <a:p>
+            <a:pPr algn="ctr"/>
+            <a:endParaRPr lang="en-US"/>
+          </a:p>
+        </p:txBody>
+      </p:sp>
+      <p:sp>
+        <p:nvSpPr>
+          <p:cNvPr id="71" name="Down Arrow 70"/>
+          <p:cNvSpPr/>
+          <p:nvPr/>
+        </p:nvSpPr>
+        <p:spPr>
+          <a:xfrm>
+            <a:off x="4242835" y="4083516"/>
+            <a:ext cx="136363" cy="203548"/>
+          </a:xfrm>
+          <a:prstGeom prst="downArrow">
+            <a:avLst/>
+          </a:prstGeom>
+          <a:gradFill flip="none" rotWithShape="1">
+            <a:gsLst>
+              <a:gs pos="0">
+                <a:srgbClr val="27AE60">
+                  <a:tint val="66000"/>
+                  <a:satMod val="160000"/>
+                </a:srgbClr>
+              </a:gs>
+              <a:gs pos="50000">
+                <a:srgbClr val="27AE60">
+                  <a:tint val="44500"/>
+                  <a:satMod val="160000"/>
+                </a:srgbClr>
+              </a:gs>
+              <a:gs pos="100000">
+                <a:srgbClr val="27AE60">
+                  <a:tint val="23500"/>
+                  <a:satMod val="160000"/>
+                </a:srgbClr>
+              </a:gs>
+            </a:gsLst>
+            <a:path path="circle">
+              <a:fillToRect l="100000" t="100000"/>
+            </a:path>
+            <a:tileRect r="-100000" b="-100000"/>
+          </a:gradFill>
+          <a:ln>
+            <a:noFill/>
+          </a:ln>
+        </p:spPr>
+        <p:style>
+          <a:lnRef idx="2">
+            <a:schemeClr val="accent1">
+              <a:shade val="50000"/>
+            </a:schemeClr>
+          </a:lnRef>
+          <a:fillRef idx="1">
+            <a:schemeClr val="accent1"/>
+          </a:fillRef>
+          <a:effectRef idx="0">
+            <a:schemeClr val="accent1"/>
+          </a:effectRef>
+          <a:fontRef idx="minor">
+            <a:schemeClr val="lt1"/>
+          </a:fontRef>
+        </p:style>
+        <p:txBody>
+          <a:bodyPr rtlCol="0" anchor="ctr"/>
+          <a:lstStyle/>
+          <a:p>
+            <a:pPr algn="ctr"/>
+            <a:endParaRPr lang="en-US"/>
+          </a:p>
+        </p:txBody>
+      </p:sp>
+      <p:sp>
+        <p:nvSpPr>
+          <p:cNvPr id="72" name="Down Arrow 71"/>
+          <p:cNvSpPr/>
+          <p:nvPr/>
+        </p:nvSpPr>
+        <p:spPr>
+          <a:xfrm>
+            <a:off x="4508339" y="4083516"/>
+            <a:ext cx="136363" cy="203548"/>
+          </a:xfrm>
+          <a:prstGeom prst="downArrow">
+            <a:avLst/>
+          </a:prstGeom>
+          <a:gradFill flip="none" rotWithShape="1">
+            <a:gsLst>
+              <a:gs pos="0">
+                <a:srgbClr val="27AE60">
+                  <a:tint val="66000"/>
+                  <a:satMod val="160000"/>
+                </a:srgbClr>
+              </a:gs>
+              <a:gs pos="50000">
+                <a:srgbClr val="27AE60">
+                  <a:tint val="44500"/>
+                  <a:satMod val="160000"/>
+                </a:srgbClr>
+              </a:gs>
+              <a:gs pos="100000">
+                <a:srgbClr val="27AE60">
+                  <a:tint val="23500"/>
+                  <a:satMod val="160000"/>
+                </a:srgbClr>
+              </a:gs>
+            </a:gsLst>
+            <a:path path="circle">
+              <a:fillToRect l="100000" t="100000"/>
+            </a:path>
+            <a:tileRect r="-100000" b="-100000"/>
+          </a:gradFill>
+          <a:ln>
+            <a:noFill/>
+          </a:ln>
+        </p:spPr>
+        <p:style>
+          <a:lnRef idx="2">
+            <a:schemeClr val="accent1">
+              <a:shade val="50000"/>
+            </a:schemeClr>
+          </a:lnRef>
+          <a:fillRef idx="1">
+            <a:schemeClr val="accent1"/>
+          </a:fillRef>
+          <a:effectRef idx="0">
+            <a:schemeClr val="accent1"/>
+          </a:effectRef>
+          <a:fontRef idx="minor">
+            <a:schemeClr val="lt1"/>
+          </a:fontRef>
+        </p:style>
+        <p:txBody>
+          <a:bodyPr rtlCol="0" anchor="ctr"/>
+          <a:lstStyle/>
+          <a:p>
+            <a:pPr algn="ctr"/>
+            <a:endParaRPr lang="en-US"/>
+          </a:p>
+        </p:txBody>
+      </p:sp>
+      <p:sp>
+        <p:nvSpPr>
+          <p:cNvPr id="74" name="Down Arrow 73"/>
+          <p:cNvSpPr/>
+          <p:nvPr/>
+        </p:nvSpPr>
+        <p:spPr>
+          <a:xfrm>
+            <a:off x="5304851" y="3999032"/>
+            <a:ext cx="156605" cy="288032"/>
+          </a:xfrm>
+          <a:prstGeom prst="downArrow">
+            <a:avLst/>
+          </a:prstGeom>
+          <a:pattFill prst="pct60">
+            <a:fgClr>
+              <a:srgbClr val="FF0000"/>
+            </a:fgClr>
+            <a:bgClr>
+              <a:schemeClr val="bg1"/>
+            </a:bgClr>
+          </a:pattFill>
+          <a:ln>
+            <a:noFill/>
+          </a:ln>
+        </p:spPr>
+        <p:style>
+          <a:lnRef idx="2">
+            <a:schemeClr val="accent1">
+              <a:shade val="50000"/>
+            </a:schemeClr>
+          </a:lnRef>
+          <a:fillRef idx="1">
+            <a:schemeClr val="accent1"/>
+          </a:fillRef>
+          <a:effectRef idx="0">
+            <a:schemeClr val="accent1"/>
+          </a:effectRef>
+          <a:fontRef idx="minor">
+            <a:schemeClr val="lt1"/>
+          </a:fontRef>
+        </p:style>
+        <p:txBody>
+          <a:bodyPr rtlCol="0" anchor="ctr"/>
+          <a:lstStyle/>
+          <a:p>
+            <a:pPr algn="ctr"/>
+            <a:endParaRPr lang="en-US"/>
+          </a:p>
+        </p:txBody>
+      </p:sp>
+      <p:sp>
+        <p:nvSpPr>
+          <p:cNvPr id="76" name="Down Arrow 75"/>
+          <p:cNvSpPr/>
+          <p:nvPr/>
+        </p:nvSpPr>
+        <p:spPr>
+          <a:xfrm>
+            <a:off x="5856101" y="4083516"/>
+            <a:ext cx="136363" cy="203548"/>
+          </a:xfrm>
+          <a:prstGeom prst="downArrow">
+            <a:avLst/>
+          </a:prstGeom>
+          <a:gradFill flip="none" rotWithShape="1">
+            <a:gsLst>
+              <a:gs pos="0">
+                <a:srgbClr val="27AE60">
+                  <a:tint val="66000"/>
+                  <a:satMod val="160000"/>
+                </a:srgbClr>
+              </a:gs>
+              <a:gs pos="50000">
+                <a:srgbClr val="27AE60">
+                  <a:tint val="44500"/>
+                  <a:satMod val="160000"/>
+                </a:srgbClr>
+              </a:gs>
+              <a:gs pos="100000">
+                <a:srgbClr val="27AE60">
+                  <a:tint val="23500"/>
+                  <a:satMod val="160000"/>
+                </a:srgbClr>
+              </a:gs>
+            </a:gsLst>
+            <a:path path="circle">
+              <a:fillToRect l="100000" t="100000"/>
+            </a:path>
+            <a:tileRect r="-100000" b="-100000"/>
+          </a:gradFill>
+          <a:ln>
+            <a:noFill/>
+          </a:ln>
+        </p:spPr>
+        <p:style>
+          <a:lnRef idx="2">
+            <a:schemeClr val="accent1">
+              <a:shade val="50000"/>
+            </a:schemeClr>
+          </a:lnRef>
+          <a:fillRef idx="1">
+            <a:schemeClr val="accent1"/>
+          </a:fillRef>
+          <a:effectRef idx="0">
+            <a:schemeClr val="accent1"/>
+          </a:effectRef>
+          <a:fontRef idx="minor">
+            <a:schemeClr val="lt1"/>
+          </a:fontRef>
+        </p:style>
+        <p:txBody>
+          <a:bodyPr rtlCol="0" anchor="ctr"/>
+          <a:lstStyle/>
+          <a:p>
+            <a:pPr algn="ctr"/>
+            <a:endParaRPr lang="en-US"/>
+          </a:p>
+        </p:txBody>
+      </p:sp>
+      <p:sp>
+        <p:nvSpPr>
+          <p:cNvPr id="77" name="Down Arrow 76"/>
+          <p:cNvSpPr/>
+          <p:nvPr/>
+        </p:nvSpPr>
+        <p:spPr>
+          <a:xfrm>
+            <a:off x="6121605" y="4083516"/>
+            <a:ext cx="136363" cy="203548"/>
+          </a:xfrm>
+          <a:prstGeom prst="downArrow">
+            <a:avLst/>
+          </a:prstGeom>
+          <a:gradFill flip="none" rotWithShape="1">
+            <a:gsLst>
+              <a:gs pos="0">
+                <a:srgbClr val="27AE60">
+                  <a:tint val="66000"/>
+                  <a:satMod val="160000"/>
+                </a:srgbClr>
+              </a:gs>
+              <a:gs pos="50000">
+                <a:srgbClr val="27AE60">
+                  <a:tint val="44500"/>
+                  <a:satMod val="160000"/>
+                </a:srgbClr>
+              </a:gs>
+              <a:gs pos="100000">
+                <a:srgbClr val="27AE60">
+                  <a:tint val="23500"/>
+                  <a:satMod val="160000"/>
+                </a:srgbClr>
+              </a:gs>
+            </a:gsLst>
+            <a:path path="circle">
+              <a:fillToRect l="100000" t="100000"/>
+            </a:path>
+            <a:tileRect r="-100000" b="-100000"/>
+          </a:gradFill>
+          <a:ln>
+            <a:noFill/>
+          </a:ln>
+        </p:spPr>
+        <p:style>
+          <a:lnRef idx="2">
+            <a:schemeClr val="accent1">
+              <a:shade val="50000"/>
+            </a:schemeClr>
+          </a:lnRef>
+          <a:fillRef idx="1">
+            <a:schemeClr val="accent1"/>
+          </a:fillRef>
+          <a:effectRef idx="0">
+            <a:schemeClr val="accent1"/>
+          </a:effectRef>
+          <a:fontRef idx="minor">
+            <a:schemeClr val="lt1"/>
+          </a:fontRef>
+        </p:style>
+        <p:txBody>
+          <a:bodyPr rtlCol="0" anchor="ctr"/>
+          <a:lstStyle/>
+          <a:p>
+            <a:pPr algn="ctr"/>
+            <a:endParaRPr lang="en-US"/>
+          </a:p>
+        </p:txBody>
+      </p:sp>
+      <p:sp>
+        <p:nvSpPr>
+          <p:cNvPr id="78" name="Down Arrow 77"/>
+          <p:cNvSpPr/>
+          <p:nvPr/>
+        </p:nvSpPr>
+        <p:spPr>
+          <a:xfrm>
+            <a:off x="6387109" y="4083516"/>
+            <a:ext cx="136363" cy="203548"/>
+          </a:xfrm>
+          <a:prstGeom prst="downArrow">
+            <a:avLst/>
+          </a:prstGeom>
+          <a:gradFill flip="none" rotWithShape="1">
+            <a:gsLst>
+              <a:gs pos="0">
+                <a:srgbClr val="27AE60">
+                  <a:tint val="66000"/>
+                  <a:satMod val="160000"/>
+                </a:srgbClr>
+              </a:gs>
+              <a:gs pos="50000">
+                <a:srgbClr val="27AE60">
+                  <a:tint val="44500"/>
+                  <a:satMod val="160000"/>
+                </a:srgbClr>
+              </a:gs>
+              <a:gs pos="100000">
+                <a:srgbClr val="27AE60">
+                  <a:tint val="23500"/>
+                  <a:satMod val="160000"/>
+                </a:srgbClr>
+              </a:gs>
+            </a:gsLst>
+            <a:path path="circle">
+              <a:fillToRect l="100000" t="100000"/>
+            </a:path>
+            <a:tileRect r="-100000" b="-100000"/>
+          </a:gradFill>
+          <a:ln>
+            <a:noFill/>
+          </a:ln>
+        </p:spPr>
+        <p:style>
+          <a:lnRef idx="2">
+            <a:schemeClr val="accent1">
+              <a:shade val="50000"/>
+            </a:schemeClr>
+          </a:lnRef>
+          <a:fillRef idx="1">
+            <a:schemeClr val="accent1"/>
+          </a:fillRef>
+          <a:effectRef idx="0">
+            <a:schemeClr val="accent1"/>
+          </a:effectRef>
+          <a:fontRef idx="minor">
+            <a:schemeClr val="lt1"/>
+          </a:fontRef>
+        </p:style>
+        <p:txBody>
+          <a:bodyPr rtlCol="0" anchor="ctr"/>
+          <a:lstStyle/>
+          <a:p>
+            <a:pPr algn="ctr"/>
+            <a:endParaRPr lang="en-US"/>
+          </a:p>
+        </p:txBody>
+      </p:sp>
+      <p:sp>
+        <p:nvSpPr>
+          <p:cNvPr id="79" name="Down Arrow 78"/>
+          <p:cNvSpPr/>
+          <p:nvPr/>
+        </p:nvSpPr>
+        <p:spPr>
+          <a:xfrm>
+            <a:off x="6652613" y="4083516"/>
+            <a:ext cx="136363" cy="203548"/>
+          </a:xfrm>
+          <a:prstGeom prst="downArrow">
+            <a:avLst/>
+          </a:prstGeom>
+          <a:gradFill flip="none" rotWithShape="1">
+            <a:gsLst>
+              <a:gs pos="0">
+                <a:srgbClr val="27AE60">
+                  <a:tint val="66000"/>
+                  <a:satMod val="160000"/>
+                </a:srgbClr>
+              </a:gs>
+              <a:gs pos="50000">
+                <a:srgbClr val="27AE60">
+                  <a:tint val="44500"/>
+                  <a:satMod val="160000"/>
+                </a:srgbClr>
+              </a:gs>
+              <a:gs pos="100000">
+                <a:srgbClr val="27AE60">
+                  <a:tint val="23500"/>
+                  <a:satMod val="160000"/>
+                </a:srgbClr>
+              </a:gs>
+            </a:gsLst>
+            <a:path path="circle">
+              <a:fillToRect l="100000" t="100000"/>
+            </a:path>
+            <a:tileRect r="-100000" b="-100000"/>
+          </a:gradFill>
+          <a:ln>
+            <a:noFill/>
+          </a:ln>
+        </p:spPr>
+        <p:style>
+          <a:lnRef idx="2">
+            <a:schemeClr val="accent1">
+              <a:shade val="50000"/>
+            </a:schemeClr>
+          </a:lnRef>
+          <a:fillRef idx="1">
+            <a:schemeClr val="accent1"/>
+          </a:fillRef>
+          <a:effectRef idx="0">
+            <a:schemeClr val="accent1"/>
+          </a:effectRef>
+          <a:fontRef idx="minor">
+            <a:schemeClr val="lt1"/>
+          </a:fontRef>
+        </p:style>
+        <p:txBody>
+          <a:bodyPr rtlCol="0" anchor="ctr"/>
+          <a:lstStyle/>
+          <a:p>
+            <a:pPr algn="ctr"/>
+            <a:endParaRPr lang="en-US"/>
+          </a:p>
+        </p:txBody>
+      </p:sp>
+      <p:sp>
+        <p:nvSpPr>
+          <p:cNvPr id="80" name="Down Arrow 79"/>
+          <p:cNvSpPr/>
+          <p:nvPr/>
+        </p:nvSpPr>
+        <p:spPr>
+          <a:xfrm>
+            <a:off x="7714635" y="4083516"/>
+            <a:ext cx="136363" cy="203548"/>
+          </a:xfrm>
+          <a:prstGeom prst="downArrow">
+            <a:avLst/>
+          </a:prstGeom>
+          <a:gradFill flip="none" rotWithShape="1">
+            <a:gsLst>
+              <a:gs pos="0">
+                <a:srgbClr val="27AE60">
+                  <a:tint val="66000"/>
+                  <a:satMod val="160000"/>
+                </a:srgbClr>
+              </a:gs>
+              <a:gs pos="50000">
+                <a:srgbClr val="27AE60">
+                  <a:tint val="44500"/>
+                  <a:satMod val="160000"/>
+                </a:srgbClr>
+              </a:gs>
+              <a:gs pos="100000">
+                <a:srgbClr val="27AE60">
+                  <a:tint val="23500"/>
+                  <a:satMod val="160000"/>
+                </a:srgbClr>
+              </a:gs>
+            </a:gsLst>
+            <a:path path="circle">
+              <a:fillToRect l="100000" t="100000"/>
+            </a:path>
+            <a:tileRect r="-100000" b="-100000"/>
+          </a:gradFill>
+          <a:ln>
+            <a:noFill/>
+          </a:ln>
+        </p:spPr>
+        <p:style>
+          <a:lnRef idx="2">
+            <a:schemeClr val="accent1">
+              <a:shade val="50000"/>
+            </a:schemeClr>
+          </a:lnRef>
+          <a:fillRef idx="1">
+            <a:schemeClr val="accent1"/>
+          </a:fillRef>
+          <a:effectRef idx="0">
+            <a:schemeClr val="accent1"/>
+          </a:effectRef>
+          <a:fontRef idx="minor">
+            <a:schemeClr val="lt1"/>
+          </a:fontRef>
+        </p:style>
+        <p:txBody>
+          <a:bodyPr rtlCol="0" anchor="ctr"/>
+          <a:lstStyle/>
+          <a:p>
+            <a:pPr algn="ctr"/>
+            <a:endParaRPr lang="en-US"/>
+          </a:p>
+        </p:txBody>
+      </p:sp>
+      <p:sp>
+        <p:nvSpPr>
+          <p:cNvPr id="81" name="Down Arrow 80"/>
+          <p:cNvSpPr/>
+          <p:nvPr/>
+        </p:nvSpPr>
+        <p:spPr>
+          <a:xfrm>
+            <a:off x="7449125" y="4083516"/>
+            <a:ext cx="136363" cy="203548"/>
+          </a:xfrm>
+          <a:prstGeom prst="downArrow">
+            <a:avLst/>
+          </a:prstGeom>
+          <a:gradFill flip="none" rotWithShape="1">
+            <a:gsLst>
+              <a:gs pos="0">
+                <a:srgbClr val="27AE60">
+                  <a:tint val="66000"/>
+                  <a:satMod val="160000"/>
+                </a:srgbClr>
+              </a:gs>
+              <a:gs pos="50000">
+                <a:srgbClr val="27AE60">
+                  <a:tint val="44500"/>
+                  <a:satMod val="160000"/>
+                </a:srgbClr>
+              </a:gs>
+              <a:gs pos="100000">
+                <a:srgbClr val="27AE60">
+                  <a:tint val="23500"/>
+                  <a:satMod val="160000"/>
+                </a:srgbClr>
+              </a:gs>
+            </a:gsLst>
+            <a:path path="circle">
+              <a:fillToRect l="100000" t="100000"/>
+            </a:path>
+            <a:tileRect r="-100000" b="-100000"/>
+          </a:gradFill>
+          <a:ln>
+            <a:noFill/>
+          </a:ln>
+        </p:spPr>
+        <p:style>
+          <a:lnRef idx="2">
+            <a:schemeClr val="accent1">
+              <a:shade val="50000"/>
+            </a:schemeClr>
+          </a:lnRef>
+          <a:fillRef idx="1">
+            <a:schemeClr val="accent1"/>
+          </a:fillRef>
+          <a:effectRef idx="0">
+            <a:schemeClr val="accent1"/>
+          </a:effectRef>
+          <a:fontRef idx="minor">
+            <a:schemeClr val="lt1"/>
+          </a:fontRef>
+        </p:style>
+        <p:txBody>
+          <a:bodyPr rtlCol="0" anchor="ctr"/>
+          <a:lstStyle/>
+          <a:p>
+            <a:pPr algn="ctr"/>
+            <a:endParaRPr lang="en-US"/>
+          </a:p>
+        </p:txBody>
+      </p:sp>
+      <p:sp>
+        <p:nvSpPr>
+          <p:cNvPr id="82" name="Down Arrow 81"/>
+          <p:cNvSpPr/>
+          <p:nvPr/>
+        </p:nvSpPr>
+        <p:spPr>
+          <a:xfrm>
+            <a:off x="6918117" y="4083516"/>
+            <a:ext cx="136363" cy="203548"/>
+          </a:xfrm>
+          <a:prstGeom prst="downArrow">
+            <a:avLst/>
+          </a:prstGeom>
+          <a:gradFill flip="none" rotWithShape="1">
+            <a:gsLst>
+              <a:gs pos="0">
+                <a:srgbClr val="27AE60">
+                  <a:tint val="66000"/>
+                  <a:satMod val="160000"/>
+                </a:srgbClr>
+              </a:gs>
+              <a:gs pos="50000">
+                <a:srgbClr val="27AE60">
+                  <a:tint val="44500"/>
+                  <a:satMod val="160000"/>
+                </a:srgbClr>
+              </a:gs>
+              <a:gs pos="100000">
+                <a:srgbClr val="27AE60">
+                  <a:tint val="23500"/>
+                  <a:satMod val="160000"/>
+                </a:srgbClr>
+              </a:gs>
+            </a:gsLst>
+            <a:path path="circle">
+              <a:fillToRect l="100000" t="100000"/>
+            </a:path>
+            <a:tileRect r="-100000" b="-100000"/>
+          </a:gradFill>
+          <a:ln>
+            <a:noFill/>
+          </a:ln>
+        </p:spPr>
+        <p:style>
+          <a:lnRef idx="2">
+            <a:schemeClr val="accent1">
+              <a:shade val="50000"/>
+            </a:schemeClr>
+          </a:lnRef>
+          <a:fillRef idx="1">
+            <a:schemeClr val="accent1"/>
+          </a:fillRef>
+          <a:effectRef idx="0">
+            <a:schemeClr val="accent1"/>
+          </a:effectRef>
+          <a:fontRef idx="minor">
+            <a:schemeClr val="lt1"/>
+          </a:fontRef>
+        </p:style>
+        <p:txBody>
+          <a:bodyPr rtlCol="0" anchor="ctr"/>
+          <a:lstStyle/>
+          <a:p>
+            <a:pPr algn="ctr"/>
+            <a:endParaRPr lang="en-US"/>
+          </a:p>
+        </p:txBody>
+      </p:sp>
+      <p:sp>
+        <p:nvSpPr>
+          <p:cNvPr id="83" name="Down Arrow 82"/>
+          <p:cNvSpPr/>
+          <p:nvPr/>
+        </p:nvSpPr>
+        <p:spPr>
+          <a:xfrm>
+            <a:off x="7183621" y="4083516"/>
+            <a:ext cx="136363" cy="203548"/>
+          </a:xfrm>
+          <a:prstGeom prst="downArrow">
+            <a:avLst/>
+          </a:prstGeom>
+          <a:pattFill prst="pct60">
+            <a:fgClr>
+              <a:srgbClr val="FF0000"/>
+            </a:fgClr>
+            <a:bgClr>
+              <a:schemeClr val="bg1"/>
+            </a:bgClr>
+          </a:pattFill>
+          <a:ln>
+            <a:noFill/>
+          </a:ln>
+        </p:spPr>
+        <p:style>
+          <a:lnRef idx="2">
+            <a:schemeClr val="accent1">
+              <a:shade val="50000"/>
+            </a:schemeClr>
+          </a:lnRef>
+          <a:fillRef idx="1">
+            <a:schemeClr val="accent1"/>
+          </a:fillRef>
+          <a:effectRef idx="0">
+            <a:schemeClr val="accent1"/>
+          </a:effectRef>
+          <a:fontRef idx="minor">
+            <a:schemeClr val="lt1"/>
+          </a:fontRef>
+        </p:style>
+        <p:txBody>
+          <a:bodyPr rtlCol="0" anchor="ctr"/>
+          <a:lstStyle/>
+          <a:p>
+            <a:pPr algn="ctr"/>
+            <a:endParaRPr lang="en-US"/>
+          </a:p>
+        </p:txBody>
+      </p:sp>
+      <p:sp>
+        <p:nvSpPr>
+          <p:cNvPr id="84" name="Down Arrow 83"/>
+          <p:cNvSpPr/>
+          <p:nvPr/>
+        </p:nvSpPr>
+        <p:spPr>
+          <a:xfrm>
+            <a:off x="2364065" y="4083516"/>
+            <a:ext cx="136363" cy="203548"/>
+          </a:xfrm>
+          <a:prstGeom prst="downArrow">
+            <a:avLst/>
+          </a:prstGeom>
+          <a:gradFill flip="none" rotWithShape="1">
+            <a:gsLst>
+              <a:gs pos="0">
+                <a:srgbClr val="27AE60">
+                  <a:tint val="66000"/>
+                  <a:satMod val="160000"/>
+                </a:srgbClr>
+              </a:gs>
+              <a:gs pos="50000">
+                <a:srgbClr val="27AE60">
+                  <a:tint val="44500"/>
+                  <a:satMod val="160000"/>
+                </a:srgbClr>
+              </a:gs>
+              <a:gs pos="100000">
+                <a:srgbClr val="27AE60">
+                  <a:tint val="23500"/>
+                  <a:satMod val="160000"/>
+                </a:srgbClr>
+              </a:gs>
+            </a:gsLst>
+            <a:path path="circle">
+              <a:fillToRect l="100000" t="100000"/>
+            </a:path>
+            <a:tileRect r="-100000" b="-100000"/>
+          </a:gradFill>
+          <a:ln>
+            <a:noFill/>
+          </a:ln>
+        </p:spPr>
+        <p:style>
+          <a:lnRef idx="2">
+            <a:schemeClr val="accent1">
+              <a:shade val="50000"/>
+            </a:schemeClr>
+          </a:lnRef>
+          <a:fillRef idx="1">
+            <a:schemeClr val="accent1"/>
+          </a:fillRef>
+          <a:effectRef idx="0">
+            <a:schemeClr val="accent1"/>
+          </a:effectRef>
+          <a:fontRef idx="minor">
+            <a:schemeClr val="lt1"/>
+          </a:fontRef>
+        </p:style>
+        <p:txBody>
+          <a:bodyPr rtlCol="0" anchor="ctr"/>
+          <a:lstStyle/>
+          <a:p>
+            <a:pPr algn="ctr"/>
+            <a:endParaRPr lang="en-US"/>
+          </a:p>
+        </p:txBody>
+      </p:sp>
+      <p:sp>
+        <p:nvSpPr>
+          <p:cNvPr id="85" name="Down Arrow 84"/>
+          <p:cNvSpPr/>
+          <p:nvPr/>
+        </p:nvSpPr>
+        <p:spPr>
+          <a:xfrm>
+            <a:off x="5587504" y="3995315"/>
+            <a:ext cx="156605" cy="288032"/>
+          </a:xfrm>
+          <a:prstGeom prst="downArrow">
+            <a:avLst/>
+          </a:prstGeom>
+          <a:solidFill>
+            <a:srgbClr val="27AE60"/>
+          </a:solidFill>
+          <a:ln>
+            <a:noFill/>
+          </a:ln>
+        </p:spPr>
+        <p:style>
+          <a:lnRef idx="2">
+            <a:schemeClr val="accent1">
+              <a:shade val="50000"/>
+            </a:schemeClr>
+          </a:lnRef>
+          <a:fillRef idx="1">
+            <a:schemeClr val="accent1"/>
+          </a:fillRef>
+          <a:effectRef idx="0">
+            <a:schemeClr val="accent1"/>
+          </a:effectRef>
+          <a:fontRef idx="minor">
+            <a:schemeClr val="lt1"/>
+          </a:fontRef>
+        </p:style>
+        <p:txBody>
+          <a:bodyPr rtlCol="0" anchor="ctr"/>
+          <a:lstStyle/>
+          <a:p>
+            <a:pPr algn="ctr"/>
+            <a:endParaRPr lang="en-US"/>
+          </a:p>
+        </p:txBody>
+      </p:sp>
+      <p:sp>
+        <p:nvSpPr>
+          <p:cNvPr id="86" name="Down Arrow 85"/>
+          <p:cNvSpPr/>
+          <p:nvPr/>
+        </p:nvSpPr>
+        <p:spPr>
+          <a:xfrm>
+            <a:off x="8172400" y="3651870"/>
+            <a:ext cx="156605" cy="288032"/>
+          </a:xfrm>
+          <a:prstGeom prst="downArrow">
+            <a:avLst/>
+          </a:prstGeom>
+          <a:solidFill>
+            <a:srgbClr val="27AE60"/>
+          </a:solidFill>
+          <a:ln>
+            <a:noFill/>
+          </a:ln>
+        </p:spPr>
+        <p:style>
+          <a:lnRef idx="2">
+            <a:schemeClr val="accent1">
+              <a:shade val="50000"/>
+            </a:schemeClr>
+          </a:lnRef>
+          <a:fillRef idx="1">
+            <a:schemeClr val="accent1"/>
+          </a:fillRef>
+          <a:effectRef idx="0">
+            <a:schemeClr val="accent1"/>
+          </a:effectRef>
+          <a:fontRef idx="minor">
+            <a:schemeClr val="lt1"/>
+          </a:fontRef>
+        </p:style>
+        <p:txBody>
+          <a:bodyPr rtlCol="0" anchor="ctr"/>
+          <a:lstStyle/>
+          <a:p>
+            <a:pPr algn="ctr"/>
+            <a:endParaRPr lang="en-US"/>
+          </a:p>
+        </p:txBody>
+      </p:sp>
+      <p:sp>
+        <p:nvSpPr>
+          <p:cNvPr id="87" name="Down Arrow 86"/>
+          <p:cNvSpPr/>
+          <p:nvPr/>
+        </p:nvSpPr>
+        <p:spPr>
+          <a:xfrm>
+            <a:off x="8172400" y="4371950"/>
+            <a:ext cx="156605" cy="288032"/>
+          </a:xfrm>
+          <a:prstGeom prst="downArrow">
+            <a:avLst/>
+          </a:prstGeom>
+          <a:pattFill prst="pct60">
+            <a:fgClr>
+              <a:srgbClr val="FF0000"/>
+            </a:fgClr>
+            <a:bgClr>
+              <a:schemeClr val="bg1"/>
+            </a:bgClr>
+          </a:pattFill>
+          <a:ln>
+            <a:noFill/>
+          </a:ln>
+        </p:spPr>
+        <p:style>
+          <a:lnRef idx="2">
+            <a:schemeClr val="accent1">
+              <a:shade val="50000"/>
+            </a:schemeClr>
+          </a:lnRef>
+          <a:fillRef idx="1">
+            <a:schemeClr val="accent1"/>
+          </a:fillRef>
+          <a:effectRef idx="0">
+            <a:schemeClr val="accent1"/>
+          </a:effectRef>
+          <a:fontRef idx="minor">
+            <a:schemeClr val="lt1"/>
+          </a:fontRef>
+        </p:style>
+        <p:txBody>
+          <a:bodyPr rtlCol="0" anchor="ctr"/>
+          <a:lstStyle/>
+          <a:p>
+            <a:pPr algn="ctr"/>
+            <a:endParaRPr lang="en-US"/>
+          </a:p>
+        </p:txBody>
+      </p:sp>
+      <p:sp>
+        <p:nvSpPr>
+          <p:cNvPr id="88" name="Down Arrow 87"/>
+          <p:cNvSpPr/>
+          <p:nvPr/>
+        </p:nvSpPr>
+        <p:spPr>
+          <a:xfrm>
+            <a:off x="8182521" y="4057222"/>
+            <a:ext cx="136363" cy="203548"/>
+          </a:xfrm>
+          <a:prstGeom prst="downArrow">
+            <a:avLst/>
+          </a:prstGeom>
+          <a:gradFill flip="none" rotWithShape="1">
+            <a:gsLst>
+              <a:gs pos="0">
+                <a:srgbClr val="27AE60">
+                  <a:tint val="66000"/>
+                  <a:satMod val="160000"/>
+                </a:srgbClr>
+              </a:gs>
+              <a:gs pos="50000">
+                <a:srgbClr val="27AE60">
+                  <a:tint val="44500"/>
+                  <a:satMod val="160000"/>
+                </a:srgbClr>
+              </a:gs>
+              <a:gs pos="100000">
+                <a:srgbClr val="27AE60">
+                  <a:tint val="23500"/>
+                  <a:satMod val="160000"/>
+                </a:srgbClr>
+              </a:gs>
+            </a:gsLst>
+            <a:path path="circle">
+              <a:fillToRect l="100000" t="100000"/>
+            </a:path>
+            <a:tileRect r="-100000" b="-100000"/>
+          </a:gradFill>
+          <a:ln>
+            <a:noFill/>
+          </a:ln>
+        </p:spPr>
+        <p:style>
+          <a:lnRef idx="2">
+            <a:schemeClr val="accent1">
+              <a:shade val="50000"/>
+            </a:schemeClr>
+          </a:lnRef>
+          <a:fillRef idx="1">
+            <a:schemeClr val="accent1"/>
+          </a:fillRef>
+          <a:effectRef idx="0">
+            <a:schemeClr val="accent1"/>
+          </a:effectRef>
+          <a:fontRef idx="minor">
+            <a:schemeClr val="lt1"/>
+          </a:fontRef>
+        </p:style>
+        <p:txBody>
+          <a:bodyPr rtlCol="0" anchor="ctr"/>
+          <a:lstStyle/>
+          <a:p>
+            <a:pPr algn="ctr"/>
+            <a:endParaRPr lang="en-US"/>
+          </a:p>
+        </p:txBody>
+      </p:sp>
+      <p:cxnSp>
+        <p:nvCxnSpPr>
+          <p:cNvPr id="89" name="Straight Arrow Connector 59"/>
+          <p:cNvCxnSpPr/>
+          <p:nvPr/>
+        </p:nvCxnSpPr>
+        <p:spPr>
+          <a:xfrm flipV="1">
+            <a:off x="2452435" y="4440571"/>
+            <a:ext cx="251619" cy="3717"/>
+          </a:xfrm>
+          <a:prstGeom prst="straightConnector1">
+            <a:avLst/>
+          </a:prstGeom>
+          <a:ln w="19050">
+            <a:solidFill>
+              <a:srgbClr val="27AE60"/>
+            </a:solidFill>
+            <a:headEnd type="none"/>
+            <a:tailEnd type="triangle"/>
+          </a:ln>
+        </p:spPr>
+        <p:style>
+          <a:lnRef idx="1">
+            <a:schemeClr val="accent1"/>
+          </a:lnRef>
+          <a:fillRef idx="0">
+            <a:schemeClr val="accent1"/>
+          </a:fillRef>
+          <a:effectRef idx="0">
+            <a:schemeClr val="accent1"/>
+          </a:effectRef>
+          <a:fontRef idx="minor">
+            <a:schemeClr val="tx1"/>
+          </a:fontRef>
+        </p:style>
+      </p:cxnSp>
+      <p:sp>
+        <p:nvSpPr>
+          <p:cNvPr id="92" name="TextBox 91"/>
+          <p:cNvSpPr txBox="1"/>
+          <p:nvPr/>
+        </p:nvSpPr>
+        <p:spPr>
+          <a:xfrm>
+            <a:off x="8241332" y="3478491"/>
+            <a:ext cx="667170" cy="400110"/>
+          </a:xfrm>
+          <a:prstGeom prst="rect">
+            <a:avLst/>
+          </a:prstGeom>
+          <a:noFill/>
+        </p:spPr>
+        <p:txBody>
+          <a:bodyPr wrap="none" rtlCol="0">
+            <a:spAutoFit/>
+          </a:bodyPr>
+          <a:lstStyle/>
+          <a:p>
+            <a:r>
+              <a:rPr lang="en-US" sz="1000" dirty="0" smtClean="0">
+                <a:solidFill>
+                  <a:schemeClr val="bg1">
+                    <a:lumMod val="50000"/>
+                  </a:schemeClr>
+                </a:solidFill>
+                <a:latin typeface="Arial" pitchFamily="34" charset="0"/>
+                <a:cs typeface="Arial" pitchFamily="34" charset="0"/>
+              </a:rPr>
+              <a:t>ECM</a:t>
+            </a:r>
+            <a:br>
+              <a:rPr lang="en-US" sz="1000" dirty="0" smtClean="0">
+                <a:solidFill>
+                  <a:schemeClr val="bg1">
+                    <a:lumMod val="50000"/>
+                  </a:schemeClr>
+                </a:solidFill>
+                <a:latin typeface="Arial" pitchFamily="34" charset="0"/>
+                <a:cs typeface="Arial" pitchFamily="34" charset="0"/>
+              </a:rPr>
+            </a:br>
+            <a:r>
+              <a:rPr lang="en-US" sz="1000" dirty="0" smtClean="0">
+                <a:solidFill>
+                  <a:schemeClr val="bg1">
+                    <a:lumMod val="50000"/>
+                  </a:schemeClr>
+                </a:solidFill>
+                <a:latin typeface="Arial" pitchFamily="34" charset="0"/>
+                <a:cs typeface="Arial" pitchFamily="34" charset="0"/>
+              </a:rPr>
+              <a:t>received</a:t>
+            </a:r>
+            <a:endParaRPr lang="en-US" sz="1000" dirty="0">
+              <a:solidFill>
+                <a:schemeClr val="bg1">
+                  <a:lumMod val="50000"/>
+                </a:schemeClr>
+              </a:solidFill>
+              <a:latin typeface="Arial" pitchFamily="34" charset="0"/>
+              <a:cs typeface="Arial" pitchFamily="34" charset="0"/>
+            </a:endParaRPr>
+          </a:p>
+        </p:txBody>
+      </p:sp>
+      <p:sp>
+        <p:nvSpPr>
+          <p:cNvPr id="93" name="TextBox 92"/>
+          <p:cNvSpPr txBox="1"/>
+          <p:nvPr/>
+        </p:nvSpPr>
+        <p:spPr>
+          <a:xfrm>
+            <a:off x="8234456" y="4338395"/>
+            <a:ext cx="590226" cy="246221"/>
+          </a:xfrm>
+          <a:prstGeom prst="rect">
+            <a:avLst/>
+          </a:prstGeom>
+          <a:noFill/>
+        </p:spPr>
+        <p:txBody>
+          <a:bodyPr wrap="none" rtlCol="0">
+            <a:spAutoFit/>
+          </a:bodyPr>
+          <a:lstStyle/>
+          <a:p>
+            <a:r>
+              <a:rPr lang="en-US" sz="1000" dirty="0" smtClean="0">
+                <a:solidFill>
+                  <a:schemeClr val="bg1">
+                    <a:lumMod val="50000"/>
+                  </a:schemeClr>
+                </a:solidFill>
+                <a:latin typeface="Arial" pitchFamily="34" charset="0"/>
+                <a:cs typeface="Arial" pitchFamily="34" charset="0"/>
+              </a:rPr>
+              <a:t>missed</a:t>
+            </a:r>
+            <a:endParaRPr lang="en-US" sz="1000" dirty="0">
+              <a:solidFill>
+                <a:schemeClr val="bg1">
+                  <a:lumMod val="50000"/>
+                </a:schemeClr>
+              </a:solidFill>
+              <a:latin typeface="Arial" pitchFamily="34" charset="0"/>
+              <a:cs typeface="Arial" pitchFamily="34" charset="0"/>
+            </a:endParaRPr>
+          </a:p>
+        </p:txBody>
+      </p:sp>
+      <p:sp>
+        <p:nvSpPr>
+          <p:cNvPr id="94" name="TextBox 93"/>
+          <p:cNvSpPr txBox="1"/>
+          <p:nvPr/>
+        </p:nvSpPr>
+        <p:spPr>
+          <a:xfrm>
+            <a:off x="8241332" y="3939902"/>
+            <a:ext cx="843501" cy="400110"/>
+          </a:xfrm>
+          <a:prstGeom prst="rect">
+            <a:avLst/>
+          </a:prstGeom>
+          <a:noFill/>
+        </p:spPr>
+        <p:txBody>
+          <a:bodyPr wrap="none" rtlCol="0">
+            <a:spAutoFit/>
+          </a:bodyPr>
+          <a:lstStyle/>
+          <a:p>
+            <a:r>
+              <a:rPr lang="en-US" sz="1000" dirty="0">
+                <a:solidFill>
+                  <a:schemeClr val="bg1">
+                    <a:lumMod val="50000"/>
+                  </a:schemeClr>
+                </a:solidFill>
+                <a:latin typeface="Arial" pitchFamily="34" charset="0"/>
+                <a:cs typeface="Arial" pitchFamily="34" charset="0"/>
+              </a:rPr>
+              <a:t>i</a:t>
+            </a:r>
+            <a:r>
+              <a:rPr lang="en-US" sz="1000" dirty="0" smtClean="0">
+                <a:solidFill>
+                  <a:schemeClr val="bg1">
+                    <a:lumMod val="50000"/>
+                  </a:schemeClr>
+                </a:solidFill>
+                <a:latin typeface="Arial" pitchFamily="34" charset="0"/>
+                <a:cs typeface="Arial" pitchFamily="34" charset="0"/>
+              </a:rPr>
+              <a:t>gnored</a:t>
+            </a:r>
+          </a:p>
+          <a:p>
+            <a:r>
+              <a:rPr lang="en-US" sz="1000" dirty="0" smtClean="0">
+                <a:solidFill>
+                  <a:schemeClr val="bg1">
+                    <a:lumMod val="50000"/>
+                  </a:schemeClr>
+                </a:solidFill>
+                <a:latin typeface="Arial" pitchFamily="34" charset="0"/>
+                <a:cs typeface="Arial" pitchFamily="34" charset="0"/>
+              </a:rPr>
+              <a:t>(redundant)</a:t>
+            </a:r>
+            <a:endParaRPr lang="en-US" sz="1000" dirty="0">
+              <a:solidFill>
+                <a:schemeClr val="bg1">
+                  <a:lumMod val="50000"/>
+                </a:schemeClr>
+              </a:solidFill>
+              <a:latin typeface="Arial" pitchFamily="34" charset="0"/>
+              <a:cs typeface="Arial" pitchFamily="34" charset="0"/>
+            </a:endParaRPr>
+          </a:p>
+        </p:txBody>
+      </p:sp>
+      <p:cxnSp>
+        <p:nvCxnSpPr>
+          <p:cNvPr id="96" name="Straight Connector 95"/>
+          <p:cNvCxnSpPr/>
+          <p:nvPr/>
+        </p:nvCxnSpPr>
+        <p:spPr>
+          <a:xfrm flipV="1">
+            <a:off x="2701197" y="4290124"/>
+            <a:ext cx="0" cy="293197"/>
+          </a:xfrm>
+          <a:prstGeom prst="line">
+            <a:avLst/>
+          </a:prstGeom>
+          <a:ln w="12700">
+            <a:solidFill>
+              <a:schemeClr val="bg1">
+                <a:lumMod val="50000"/>
+              </a:schemeClr>
+            </a:solidFill>
+            <a:prstDash val="sysDot"/>
+          </a:ln>
+        </p:spPr>
+        <p:style>
+          <a:lnRef idx="1">
+            <a:schemeClr val="accent1"/>
+          </a:lnRef>
+          <a:fillRef idx="0">
+            <a:schemeClr val="accent1"/>
+          </a:fillRef>
+          <a:effectRef idx="0">
+            <a:schemeClr val="accent1"/>
+          </a:effectRef>
+          <a:fontRef idx="minor">
+            <a:schemeClr val="tx1"/>
+          </a:fontRef>
+        </p:style>
+      </p:cxnSp>
+      <p:cxnSp>
+        <p:nvCxnSpPr>
+          <p:cNvPr id="97" name="Straight Connector 96"/>
+          <p:cNvCxnSpPr/>
+          <p:nvPr/>
+        </p:nvCxnSpPr>
+        <p:spPr>
+          <a:xfrm flipV="1">
+            <a:off x="2981150" y="4290124"/>
+            <a:ext cx="0" cy="293197"/>
+          </a:xfrm>
+          <a:prstGeom prst="line">
+            <a:avLst/>
+          </a:prstGeom>
+          <a:ln w="12700">
+            <a:solidFill>
+              <a:schemeClr val="bg1">
+                <a:lumMod val="50000"/>
+              </a:schemeClr>
+            </a:solidFill>
+            <a:prstDash val="sysDot"/>
+          </a:ln>
+        </p:spPr>
+        <p:style>
+          <a:lnRef idx="1">
+            <a:schemeClr val="accent1"/>
+          </a:lnRef>
+          <a:fillRef idx="0">
+            <a:schemeClr val="accent1"/>
+          </a:fillRef>
+          <a:effectRef idx="0">
+            <a:schemeClr val="accent1"/>
+          </a:effectRef>
+          <a:fontRef idx="minor">
+            <a:schemeClr val="tx1"/>
+          </a:fontRef>
+        </p:style>
+      </p:cxnSp>
+      <p:cxnSp>
+        <p:nvCxnSpPr>
+          <p:cNvPr id="98" name="Straight Connector 97"/>
+          <p:cNvCxnSpPr/>
+          <p:nvPr/>
+        </p:nvCxnSpPr>
+        <p:spPr>
+          <a:xfrm flipV="1">
+            <a:off x="3247755" y="4290124"/>
+            <a:ext cx="0" cy="293197"/>
+          </a:xfrm>
+          <a:prstGeom prst="line">
+            <a:avLst/>
+          </a:prstGeom>
+          <a:ln w="12700">
+            <a:solidFill>
+              <a:schemeClr val="bg1">
+                <a:lumMod val="50000"/>
+              </a:schemeClr>
+            </a:solidFill>
+            <a:prstDash val="sysDot"/>
+          </a:ln>
+        </p:spPr>
+        <p:style>
+          <a:lnRef idx="1">
+            <a:schemeClr val="accent1"/>
+          </a:lnRef>
+          <a:fillRef idx="0">
+            <a:schemeClr val="accent1"/>
+          </a:fillRef>
+          <a:effectRef idx="0">
+            <a:schemeClr val="accent1"/>
+          </a:effectRef>
+          <a:fontRef idx="minor">
+            <a:schemeClr val="tx1"/>
+          </a:fontRef>
+        </p:style>
+      </p:cxnSp>
+      <p:cxnSp>
+        <p:nvCxnSpPr>
+          <p:cNvPr id="99" name="Straight Connector 98"/>
+          <p:cNvCxnSpPr/>
+          <p:nvPr/>
+        </p:nvCxnSpPr>
+        <p:spPr>
+          <a:xfrm flipV="1">
+            <a:off x="3514504" y="4290124"/>
+            <a:ext cx="0" cy="293197"/>
+          </a:xfrm>
+          <a:prstGeom prst="line">
+            <a:avLst/>
+          </a:prstGeom>
+          <a:ln w="12700">
+            <a:solidFill>
+              <a:schemeClr val="bg1">
+                <a:lumMod val="50000"/>
+              </a:schemeClr>
+            </a:solidFill>
+            <a:prstDash val="sysDot"/>
+          </a:ln>
+        </p:spPr>
+        <p:style>
+          <a:lnRef idx="1">
+            <a:schemeClr val="accent1"/>
+          </a:lnRef>
+          <a:fillRef idx="0">
+            <a:schemeClr val="accent1"/>
+          </a:fillRef>
+          <a:effectRef idx="0">
+            <a:schemeClr val="accent1"/>
+          </a:effectRef>
+          <a:fontRef idx="minor">
+            <a:schemeClr val="tx1"/>
+          </a:fontRef>
+        </p:style>
+      </p:cxnSp>
+      <p:cxnSp>
+        <p:nvCxnSpPr>
+          <p:cNvPr id="100" name="Straight Connector 99"/>
+          <p:cNvCxnSpPr/>
+          <p:nvPr/>
+        </p:nvCxnSpPr>
+        <p:spPr>
+          <a:xfrm flipV="1">
+            <a:off x="3781253" y="4290124"/>
+            <a:ext cx="0" cy="293197"/>
+          </a:xfrm>
+          <a:prstGeom prst="line">
+            <a:avLst/>
+          </a:prstGeom>
+          <a:ln w="12700">
+            <a:solidFill>
+              <a:schemeClr val="bg1">
+                <a:lumMod val="50000"/>
+              </a:schemeClr>
+            </a:solidFill>
+            <a:prstDash val="sysDot"/>
+          </a:ln>
+        </p:spPr>
+        <p:style>
+          <a:lnRef idx="1">
+            <a:schemeClr val="accent1"/>
+          </a:lnRef>
+          <a:fillRef idx="0">
+            <a:schemeClr val="accent1"/>
+          </a:fillRef>
+          <a:effectRef idx="0">
+            <a:schemeClr val="accent1"/>
+          </a:effectRef>
+          <a:fontRef idx="minor">
+            <a:schemeClr val="tx1"/>
+          </a:fontRef>
+        </p:style>
+      </p:cxnSp>
+      <p:cxnSp>
+        <p:nvCxnSpPr>
+          <p:cNvPr id="101" name="Straight Connector 100"/>
+          <p:cNvCxnSpPr/>
+          <p:nvPr/>
+        </p:nvCxnSpPr>
+        <p:spPr>
+          <a:xfrm flipV="1">
+            <a:off x="4045512" y="4290124"/>
+            <a:ext cx="0" cy="293197"/>
+          </a:xfrm>
+          <a:prstGeom prst="line">
+            <a:avLst/>
+          </a:prstGeom>
+          <a:ln w="12700">
+            <a:solidFill>
+              <a:schemeClr val="bg1">
+                <a:lumMod val="50000"/>
+              </a:schemeClr>
+            </a:solidFill>
+            <a:prstDash val="sysDot"/>
+          </a:ln>
+        </p:spPr>
+        <p:style>
+          <a:lnRef idx="1">
+            <a:schemeClr val="accent1"/>
+          </a:lnRef>
+          <a:fillRef idx="0">
+            <a:schemeClr val="accent1"/>
+          </a:fillRef>
+          <a:effectRef idx="0">
+            <a:schemeClr val="accent1"/>
+          </a:effectRef>
+          <a:fontRef idx="minor">
+            <a:schemeClr val="tx1"/>
+          </a:fontRef>
+        </p:style>
+      </p:cxnSp>
+      <p:cxnSp>
+        <p:nvCxnSpPr>
+          <p:cNvPr id="102" name="Straight Connector 101"/>
+          <p:cNvCxnSpPr/>
+          <p:nvPr/>
+        </p:nvCxnSpPr>
+        <p:spPr>
+          <a:xfrm flipV="1">
+            <a:off x="4309771" y="4290124"/>
+            <a:ext cx="0" cy="293197"/>
+          </a:xfrm>
+          <a:prstGeom prst="line">
+            <a:avLst/>
+          </a:prstGeom>
+          <a:ln w="12700">
+            <a:solidFill>
+              <a:schemeClr val="bg1">
+                <a:lumMod val="50000"/>
+              </a:schemeClr>
+            </a:solidFill>
+            <a:prstDash val="sysDot"/>
+          </a:ln>
+        </p:spPr>
+        <p:style>
+          <a:lnRef idx="1">
+            <a:schemeClr val="accent1"/>
+          </a:lnRef>
+          <a:fillRef idx="0">
+            <a:schemeClr val="accent1"/>
+          </a:fillRef>
+          <a:effectRef idx="0">
+            <a:schemeClr val="accent1"/>
+          </a:effectRef>
+          <a:fontRef idx="minor">
+            <a:schemeClr val="tx1"/>
+          </a:fontRef>
+        </p:style>
+      </p:cxnSp>
+      <p:cxnSp>
+        <p:nvCxnSpPr>
+          <p:cNvPr id="103" name="Straight Connector 102"/>
+          <p:cNvCxnSpPr/>
+          <p:nvPr/>
+        </p:nvCxnSpPr>
+        <p:spPr>
+          <a:xfrm flipV="1">
+            <a:off x="4574030" y="4290124"/>
+            <a:ext cx="0" cy="293197"/>
+          </a:xfrm>
+          <a:prstGeom prst="line">
+            <a:avLst/>
+          </a:prstGeom>
+          <a:ln w="12700">
+            <a:solidFill>
+              <a:schemeClr val="bg1">
+                <a:lumMod val="50000"/>
+              </a:schemeClr>
+            </a:solidFill>
+            <a:prstDash val="sysDot"/>
+          </a:ln>
+        </p:spPr>
+        <p:style>
+          <a:lnRef idx="1">
+            <a:schemeClr val="accent1"/>
+          </a:lnRef>
+          <a:fillRef idx="0">
+            <a:schemeClr val="accent1"/>
+          </a:fillRef>
+          <a:effectRef idx="0">
+            <a:schemeClr val="accent1"/>
+          </a:effectRef>
+          <a:fontRef idx="minor">
+            <a:schemeClr val="tx1"/>
+          </a:fontRef>
+        </p:style>
+      </p:cxnSp>
+      <p:cxnSp>
+        <p:nvCxnSpPr>
+          <p:cNvPr id="104" name="Straight Connector 103"/>
+          <p:cNvCxnSpPr/>
+          <p:nvPr/>
+        </p:nvCxnSpPr>
+        <p:spPr>
+          <a:xfrm flipV="1">
+            <a:off x="4838289" y="4290124"/>
+            <a:ext cx="0" cy="293197"/>
+          </a:xfrm>
+          <a:prstGeom prst="line">
+            <a:avLst/>
+          </a:prstGeom>
+          <a:ln w="12700">
+            <a:solidFill>
+              <a:schemeClr val="bg1">
+                <a:lumMod val="50000"/>
+              </a:schemeClr>
+            </a:solidFill>
+            <a:prstDash val="sysDot"/>
+          </a:ln>
+        </p:spPr>
+        <p:style>
+          <a:lnRef idx="1">
+            <a:schemeClr val="accent1"/>
+          </a:lnRef>
+          <a:fillRef idx="0">
+            <a:schemeClr val="accent1"/>
+          </a:fillRef>
+          <a:effectRef idx="0">
+            <a:schemeClr val="accent1"/>
+          </a:effectRef>
+          <a:fontRef idx="minor">
+            <a:schemeClr val="tx1"/>
+          </a:fontRef>
+        </p:style>
+      </p:cxnSp>
+      <p:cxnSp>
+        <p:nvCxnSpPr>
+          <p:cNvPr id="105" name="Straight Connector 104"/>
+          <p:cNvCxnSpPr/>
+          <p:nvPr/>
+        </p:nvCxnSpPr>
+        <p:spPr>
+          <a:xfrm flipV="1">
+            <a:off x="5102548" y="4290124"/>
+            <a:ext cx="0" cy="293197"/>
+          </a:xfrm>
+          <a:prstGeom prst="line">
+            <a:avLst/>
+          </a:prstGeom>
+          <a:ln w="12700">
+            <a:solidFill>
+              <a:schemeClr val="bg1">
+                <a:lumMod val="50000"/>
+              </a:schemeClr>
+            </a:solidFill>
+            <a:prstDash val="sysDot"/>
+          </a:ln>
+        </p:spPr>
+        <p:style>
+          <a:lnRef idx="1">
+            <a:schemeClr val="accent1"/>
+          </a:lnRef>
+          <a:fillRef idx="0">
+            <a:schemeClr val="accent1"/>
+          </a:fillRef>
+          <a:effectRef idx="0">
+            <a:schemeClr val="accent1"/>
+          </a:effectRef>
+          <a:fontRef idx="minor">
+            <a:schemeClr val="tx1"/>
+          </a:fontRef>
+        </p:style>
+      </p:cxnSp>
+      <p:cxnSp>
+        <p:nvCxnSpPr>
+          <p:cNvPr id="106" name="Straight Connector 105"/>
+          <p:cNvCxnSpPr/>
+          <p:nvPr/>
+        </p:nvCxnSpPr>
+        <p:spPr>
+          <a:xfrm flipV="1">
+            <a:off x="5392816" y="4290124"/>
+            <a:ext cx="0" cy="293197"/>
+          </a:xfrm>
+          <a:prstGeom prst="line">
+            <a:avLst/>
+          </a:prstGeom>
+          <a:ln w="12700">
+            <a:solidFill>
+              <a:schemeClr val="bg1">
+                <a:lumMod val="50000"/>
+              </a:schemeClr>
+            </a:solidFill>
+            <a:prstDash val="sysDot"/>
+          </a:ln>
+        </p:spPr>
+        <p:style>
+          <a:lnRef idx="1">
+            <a:schemeClr val="accent1"/>
+          </a:lnRef>
+          <a:fillRef idx="0">
+            <a:schemeClr val="accent1"/>
+          </a:fillRef>
+          <a:effectRef idx="0">
+            <a:schemeClr val="accent1"/>
+          </a:effectRef>
+          <a:fontRef idx="minor">
+            <a:schemeClr val="tx1"/>
+          </a:fontRef>
+        </p:style>
+      </p:cxnSp>
+      <p:cxnSp>
+        <p:nvCxnSpPr>
+          <p:cNvPr id="107" name="Straight Connector 106"/>
+          <p:cNvCxnSpPr/>
+          <p:nvPr/>
+        </p:nvCxnSpPr>
+        <p:spPr>
+          <a:xfrm flipV="1">
+            <a:off x="5665806" y="4290124"/>
+            <a:ext cx="0" cy="293197"/>
+          </a:xfrm>
+          <a:prstGeom prst="line">
+            <a:avLst/>
+          </a:prstGeom>
+          <a:ln w="12700">
+            <a:solidFill>
+              <a:schemeClr val="bg1">
+                <a:lumMod val="50000"/>
+              </a:schemeClr>
+            </a:solidFill>
+            <a:prstDash val="sysDot"/>
+          </a:ln>
+        </p:spPr>
+        <p:style>
+          <a:lnRef idx="1">
+            <a:schemeClr val="accent1"/>
+          </a:lnRef>
+          <a:fillRef idx="0">
+            <a:schemeClr val="accent1"/>
+          </a:fillRef>
+          <a:effectRef idx="0">
+            <a:schemeClr val="accent1"/>
+          </a:effectRef>
+          <a:fontRef idx="minor">
+            <a:schemeClr val="tx1"/>
+          </a:fontRef>
+        </p:style>
+      </p:cxnSp>
+      <p:cxnSp>
+        <p:nvCxnSpPr>
+          <p:cNvPr id="108" name="Straight Connector 107"/>
+          <p:cNvCxnSpPr/>
+          <p:nvPr/>
+        </p:nvCxnSpPr>
+        <p:spPr>
+          <a:xfrm flipV="1">
+            <a:off x="5925448" y="4290124"/>
+            <a:ext cx="0" cy="293197"/>
+          </a:xfrm>
+          <a:prstGeom prst="line">
+            <a:avLst/>
+          </a:prstGeom>
+          <a:ln w="12700">
+            <a:solidFill>
+              <a:schemeClr val="bg1">
+                <a:lumMod val="50000"/>
+              </a:schemeClr>
+            </a:solidFill>
+            <a:prstDash val="sysDot"/>
+          </a:ln>
+        </p:spPr>
+        <p:style>
+          <a:lnRef idx="1">
+            <a:schemeClr val="accent1"/>
+          </a:lnRef>
+          <a:fillRef idx="0">
+            <a:schemeClr val="accent1"/>
+          </a:fillRef>
+          <a:effectRef idx="0">
+            <a:schemeClr val="accent1"/>
+          </a:effectRef>
+          <a:fontRef idx="minor">
+            <a:schemeClr val="tx1"/>
+          </a:fontRef>
+        </p:style>
+      </p:cxnSp>
+      <p:cxnSp>
+        <p:nvCxnSpPr>
+          <p:cNvPr id="109" name="Straight Connector 108"/>
+          <p:cNvCxnSpPr/>
+          <p:nvPr/>
+        </p:nvCxnSpPr>
+        <p:spPr>
+          <a:xfrm flipV="1">
+            <a:off x="6191764" y="4290124"/>
+            <a:ext cx="0" cy="293197"/>
+          </a:xfrm>
+          <a:prstGeom prst="line">
+            <a:avLst/>
+          </a:prstGeom>
+          <a:ln w="12700">
+            <a:solidFill>
+              <a:schemeClr val="bg1">
+                <a:lumMod val="50000"/>
+              </a:schemeClr>
+            </a:solidFill>
+            <a:prstDash val="sysDot"/>
+          </a:ln>
+        </p:spPr>
+        <p:style>
+          <a:lnRef idx="1">
+            <a:schemeClr val="accent1"/>
+          </a:lnRef>
+          <a:fillRef idx="0">
+            <a:schemeClr val="accent1"/>
+          </a:fillRef>
+          <a:effectRef idx="0">
+            <a:schemeClr val="accent1"/>
+          </a:effectRef>
+          <a:fontRef idx="minor">
+            <a:schemeClr val="tx1"/>
+          </a:fontRef>
+        </p:style>
+      </p:cxnSp>
+      <p:cxnSp>
+        <p:nvCxnSpPr>
+          <p:cNvPr id="110" name="Straight Connector 109"/>
+          <p:cNvCxnSpPr/>
+          <p:nvPr/>
+        </p:nvCxnSpPr>
+        <p:spPr>
+          <a:xfrm flipV="1">
+            <a:off x="6451406" y="4290124"/>
+            <a:ext cx="0" cy="293197"/>
+          </a:xfrm>
+          <a:prstGeom prst="line">
+            <a:avLst/>
+          </a:prstGeom>
+          <a:ln w="12700">
+            <a:solidFill>
+              <a:schemeClr val="bg1">
+                <a:lumMod val="50000"/>
+              </a:schemeClr>
+            </a:solidFill>
+            <a:prstDash val="sysDot"/>
+          </a:ln>
+        </p:spPr>
+        <p:style>
+          <a:lnRef idx="1">
+            <a:schemeClr val="accent1"/>
+          </a:lnRef>
+          <a:fillRef idx="0">
+            <a:schemeClr val="accent1"/>
+          </a:fillRef>
+          <a:effectRef idx="0">
+            <a:schemeClr val="accent1"/>
+          </a:effectRef>
+          <a:fontRef idx="minor">
+            <a:schemeClr val="tx1"/>
+          </a:fontRef>
+        </p:style>
+      </p:cxnSp>
+      <p:cxnSp>
+        <p:nvCxnSpPr>
+          <p:cNvPr id="111" name="Straight Connector 110"/>
+          <p:cNvCxnSpPr/>
+          <p:nvPr/>
+        </p:nvCxnSpPr>
+        <p:spPr>
+          <a:xfrm flipV="1">
+            <a:off x="6717722" y="4290124"/>
+            <a:ext cx="0" cy="293197"/>
+          </a:xfrm>
+          <a:prstGeom prst="line">
+            <a:avLst/>
+          </a:prstGeom>
+          <a:ln w="12700">
+            <a:solidFill>
+              <a:schemeClr val="bg1">
+                <a:lumMod val="50000"/>
+              </a:schemeClr>
+            </a:solidFill>
+            <a:prstDash val="sysDot"/>
+          </a:ln>
+        </p:spPr>
+        <p:style>
+          <a:lnRef idx="1">
+            <a:schemeClr val="accent1"/>
+          </a:lnRef>
+          <a:fillRef idx="0">
+            <a:schemeClr val="accent1"/>
+          </a:fillRef>
+          <a:effectRef idx="0">
+            <a:schemeClr val="accent1"/>
+          </a:effectRef>
+          <a:fontRef idx="minor">
+            <a:schemeClr val="tx1"/>
+          </a:fontRef>
+        </p:style>
+      </p:cxnSp>
+      <p:cxnSp>
+        <p:nvCxnSpPr>
+          <p:cNvPr id="112" name="Straight Connector 111"/>
+          <p:cNvCxnSpPr/>
+          <p:nvPr/>
+        </p:nvCxnSpPr>
+        <p:spPr>
+          <a:xfrm flipV="1">
+            <a:off x="6977364" y="4290124"/>
+            <a:ext cx="0" cy="293197"/>
+          </a:xfrm>
+          <a:prstGeom prst="line">
+            <a:avLst/>
+          </a:prstGeom>
+          <a:ln w="12700">
+            <a:solidFill>
+              <a:schemeClr val="bg1">
+                <a:lumMod val="50000"/>
+              </a:schemeClr>
+            </a:solidFill>
+            <a:prstDash val="sysDot"/>
+          </a:ln>
+        </p:spPr>
+        <p:style>
+          <a:lnRef idx="1">
+            <a:schemeClr val="accent1"/>
+          </a:lnRef>
+          <a:fillRef idx="0">
+            <a:schemeClr val="accent1"/>
+          </a:fillRef>
+          <a:effectRef idx="0">
+            <a:schemeClr val="accent1"/>
+          </a:effectRef>
+          <a:fontRef idx="minor">
+            <a:schemeClr val="tx1"/>
+          </a:fontRef>
+        </p:style>
+      </p:cxnSp>
+      <p:cxnSp>
+        <p:nvCxnSpPr>
+          <p:cNvPr id="113" name="Straight Connector 112"/>
+          <p:cNvCxnSpPr/>
+          <p:nvPr/>
+        </p:nvCxnSpPr>
+        <p:spPr>
+          <a:xfrm flipV="1">
+            <a:off x="7250354" y="4290124"/>
+            <a:ext cx="0" cy="293197"/>
+          </a:xfrm>
+          <a:prstGeom prst="line">
+            <a:avLst/>
+          </a:prstGeom>
+          <a:ln w="12700">
+            <a:solidFill>
+              <a:schemeClr val="bg1">
+                <a:lumMod val="50000"/>
+              </a:schemeClr>
+            </a:solidFill>
+            <a:prstDash val="sysDot"/>
+          </a:ln>
+        </p:spPr>
+        <p:style>
+          <a:lnRef idx="1">
+            <a:schemeClr val="accent1"/>
+          </a:lnRef>
+          <a:fillRef idx="0">
+            <a:schemeClr val="accent1"/>
+          </a:fillRef>
+          <a:effectRef idx="0">
+            <a:schemeClr val="accent1"/>
+          </a:effectRef>
+          <a:fontRef idx="minor">
+            <a:schemeClr val="tx1"/>
+          </a:fontRef>
+        </p:style>
+      </p:cxnSp>
+      <p:cxnSp>
+        <p:nvCxnSpPr>
+          <p:cNvPr id="114" name="Straight Connector 113"/>
+          <p:cNvCxnSpPr/>
+          <p:nvPr/>
+        </p:nvCxnSpPr>
+        <p:spPr>
+          <a:xfrm flipV="1">
+            <a:off x="7516670" y="4290124"/>
+            <a:ext cx="0" cy="293197"/>
+          </a:xfrm>
+          <a:prstGeom prst="line">
+            <a:avLst/>
+          </a:prstGeom>
+          <a:ln w="12700">
+            <a:solidFill>
+              <a:schemeClr val="bg1">
+                <a:lumMod val="50000"/>
+              </a:schemeClr>
+            </a:solidFill>
+            <a:prstDash val="sysDot"/>
+          </a:ln>
+        </p:spPr>
+        <p:style>
+          <a:lnRef idx="1">
+            <a:schemeClr val="accent1"/>
+          </a:lnRef>
+          <a:fillRef idx="0">
+            <a:schemeClr val="accent1"/>
+          </a:fillRef>
+          <a:effectRef idx="0">
+            <a:schemeClr val="accent1"/>
+          </a:effectRef>
+          <a:fontRef idx="minor">
+            <a:schemeClr val="tx1"/>
+          </a:fontRef>
+        </p:style>
+      </p:cxnSp>
+      <p:sp>
+        <p:nvSpPr>
+          <p:cNvPr id="129" name="TextBox 128"/>
+          <p:cNvSpPr txBox="1"/>
+          <p:nvPr/>
+        </p:nvSpPr>
+        <p:spPr>
+          <a:xfrm>
+            <a:off x="2563584" y="4546918"/>
+            <a:ext cx="276038" cy="261610"/>
+          </a:xfrm>
+          <a:prstGeom prst="rect">
+            <a:avLst/>
+          </a:prstGeom>
+          <a:noFill/>
+        </p:spPr>
+        <p:txBody>
+          <a:bodyPr wrap="none" rtlCol="0">
+            <a:spAutoFit/>
+          </a:bodyPr>
+          <a:lstStyle/>
+          <a:p>
+            <a:r>
+              <a:rPr lang="en-US" sz="1100" dirty="0" smtClean="0">
+                <a:solidFill>
+                  <a:schemeClr val="bg1">
+                    <a:lumMod val="50000"/>
+                  </a:schemeClr>
+                </a:solidFill>
+                <a:latin typeface="Arial" pitchFamily="34" charset="0"/>
+                <a:cs typeface="Arial" pitchFamily="34" charset="0"/>
+              </a:rPr>
+              <a:t>t</a:t>
+            </a:r>
+            <a:r>
+              <a:rPr lang="en-US" sz="1100" baseline="-25000" dirty="0" smtClean="0">
+                <a:solidFill>
+                  <a:schemeClr val="bg1">
+                    <a:lumMod val="50000"/>
+                  </a:schemeClr>
+                </a:solidFill>
+                <a:latin typeface="Arial" pitchFamily="34" charset="0"/>
+                <a:cs typeface="Arial" pitchFamily="34" charset="0"/>
+              </a:rPr>
+              <a:t>0</a:t>
+            </a:r>
+            <a:endParaRPr lang="en-US" sz="1100" baseline="-25000" dirty="0">
+              <a:solidFill>
+                <a:schemeClr val="bg1">
+                  <a:lumMod val="50000"/>
+                </a:schemeClr>
+              </a:solidFill>
+              <a:latin typeface="Arial" pitchFamily="34" charset="0"/>
+              <a:cs typeface="Arial" pitchFamily="34" charset="0"/>
+            </a:endParaRPr>
+          </a:p>
+        </p:txBody>
+      </p:sp>
+      <p:sp>
+        <p:nvSpPr>
+          <p:cNvPr id="130" name="TextBox 129"/>
+          <p:cNvSpPr txBox="1"/>
+          <p:nvPr/>
+        </p:nvSpPr>
+        <p:spPr>
+          <a:xfrm>
+            <a:off x="2849363" y="4546918"/>
+            <a:ext cx="276038" cy="261610"/>
+          </a:xfrm>
+          <a:prstGeom prst="rect">
+            <a:avLst/>
+          </a:prstGeom>
+          <a:noFill/>
+        </p:spPr>
+        <p:txBody>
+          <a:bodyPr wrap="none" rtlCol="0">
+            <a:spAutoFit/>
+          </a:bodyPr>
+          <a:lstStyle/>
+          <a:p>
+            <a:r>
+              <a:rPr lang="en-US" sz="1100" dirty="0" smtClean="0">
+                <a:solidFill>
+                  <a:schemeClr val="bg1">
+                    <a:lumMod val="50000"/>
+                  </a:schemeClr>
+                </a:solidFill>
+                <a:latin typeface="Arial" pitchFamily="34" charset="0"/>
+                <a:cs typeface="Arial" pitchFamily="34" charset="0"/>
+              </a:rPr>
+              <a:t>t</a:t>
+            </a:r>
+            <a:r>
+              <a:rPr lang="en-US" sz="1100" baseline="-25000" dirty="0" smtClean="0">
+                <a:solidFill>
+                  <a:schemeClr val="bg1">
+                    <a:lumMod val="50000"/>
+                  </a:schemeClr>
+                </a:solidFill>
+                <a:latin typeface="Arial" pitchFamily="34" charset="0"/>
+                <a:cs typeface="Arial" pitchFamily="34" charset="0"/>
+              </a:rPr>
+              <a:t>1</a:t>
+            </a:r>
+            <a:endParaRPr lang="en-US" sz="1100" baseline="-25000" dirty="0">
+              <a:solidFill>
+                <a:schemeClr val="bg1">
+                  <a:lumMod val="50000"/>
+                </a:schemeClr>
+              </a:solidFill>
+              <a:latin typeface="Arial" pitchFamily="34" charset="0"/>
+              <a:cs typeface="Arial" pitchFamily="34" charset="0"/>
+            </a:endParaRPr>
+          </a:p>
+        </p:txBody>
+      </p:sp>
+      <p:sp>
+        <p:nvSpPr>
+          <p:cNvPr id="131" name="TextBox 130"/>
+          <p:cNvSpPr txBox="1"/>
+          <p:nvPr/>
+        </p:nvSpPr>
+        <p:spPr>
+          <a:xfrm>
+            <a:off x="3128468" y="4546918"/>
+            <a:ext cx="276038" cy="261610"/>
+          </a:xfrm>
+          <a:prstGeom prst="rect">
+            <a:avLst/>
+          </a:prstGeom>
+          <a:noFill/>
+        </p:spPr>
+        <p:txBody>
+          <a:bodyPr wrap="none" rtlCol="0">
+            <a:spAutoFit/>
+          </a:bodyPr>
+          <a:lstStyle/>
+          <a:p>
+            <a:r>
+              <a:rPr lang="en-US" sz="1100" dirty="0" smtClean="0">
+                <a:solidFill>
+                  <a:schemeClr val="bg1">
+                    <a:lumMod val="50000"/>
+                  </a:schemeClr>
+                </a:solidFill>
+                <a:latin typeface="Arial" pitchFamily="34" charset="0"/>
+                <a:cs typeface="Arial" pitchFamily="34" charset="0"/>
+              </a:rPr>
+              <a:t>t</a:t>
+            </a:r>
+            <a:r>
+              <a:rPr lang="en-US" sz="1100" baseline="-25000" dirty="0">
+                <a:solidFill>
+                  <a:schemeClr val="bg1">
+                    <a:lumMod val="50000"/>
+                  </a:schemeClr>
+                </a:solidFill>
+                <a:latin typeface="Arial" pitchFamily="34" charset="0"/>
+                <a:cs typeface="Arial" pitchFamily="34" charset="0"/>
+              </a:rPr>
+              <a:t>2</a:t>
+            </a:r>
+          </a:p>
+        </p:txBody>
+      </p:sp>
+      <p:sp>
+        <p:nvSpPr>
+          <p:cNvPr id="132" name="TextBox 131"/>
+          <p:cNvSpPr txBox="1"/>
+          <p:nvPr/>
+        </p:nvSpPr>
+        <p:spPr>
+          <a:xfrm>
+            <a:off x="3394225" y="4546918"/>
+            <a:ext cx="276038" cy="261610"/>
+          </a:xfrm>
+          <a:prstGeom prst="rect">
+            <a:avLst/>
+          </a:prstGeom>
+          <a:noFill/>
+        </p:spPr>
+        <p:txBody>
+          <a:bodyPr wrap="none" rtlCol="0">
+            <a:spAutoFit/>
+          </a:bodyPr>
+          <a:lstStyle/>
+          <a:p>
+            <a:r>
+              <a:rPr lang="en-US" sz="1100" dirty="0" smtClean="0">
+                <a:solidFill>
+                  <a:schemeClr val="bg1">
+                    <a:lumMod val="50000"/>
+                  </a:schemeClr>
+                </a:solidFill>
+                <a:latin typeface="Arial" pitchFamily="34" charset="0"/>
+                <a:cs typeface="Arial" pitchFamily="34" charset="0"/>
+              </a:rPr>
+              <a:t>t</a:t>
+            </a:r>
+            <a:r>
+              <a:rPr lang="en-US" sz="1100" baseline="-25000" dirty="0" smtClean="0">
+                <a:solidFill>
+                  <a:schemeClr val="bg1">
+                    <a:lumMod val="50000"/>
+                  </a:schemeClr>
+                </a:solidFill>
+                <a:latin typeface="Arial" pitchFamily="34" charset="0"/>
+                <a:cs typeface="Arial" pitchFamily="34" charset="0"/>
+              </a:rPr>
+              <a:t>3</a:t>
+            </a:r>
+            <a:endParaRPr lang="en-US" sz="1100" baseline="-25000" dirty="0">
+              <a:solidFill>
+                <a:schemeClr val="bg1">
+                  <a:lumMod val="50000"/>
+                </a:schemeClr>
+              </a:solidFill>
+              <a:latin typeface="Arial" pitchFamily="34" charset="0"/>
+              <a:cs typeface="Arial" pitchFamily="34" charset="0"/>
+            </a:endParaRPr>
+          </a:p>
+        </p:txBody>
+      </p:sp>
+      <p:sp>
+        <p:nvSpPr>
+          <p:cNvPr id="133" name="TextBox 132"/>
+          <p:cNvSpPr txBox="1"/>
+          <p:nvPr/>
+        </p:nvSpPr>
+        <p:spPr>
+          <a:xfrm>
+            <a:off x="3653308" y="4546918"/>
+            <a:ext cx="276038" cy="261610"/>
+          </a:xfrm>
+          <a:prstGeom prst="rect">
+            <a:avLst/>
+          </a:prstGeom>
+          <a:noFill/>
+        </p:spPr>
+        <p:txBody>
+          <a:bodyPr wrap="none" rtlCol="0">
+            <a:spAutoFit/>
+          </a:bodyPr>
+          <a:lstStyle/>
+          <a:p>
+            <a:r>
+              <a:rPr lang="en-US" sz="1100" dirty="0" smtClean="0">
+                <a:solidFill>
+                  <a:schemeClr val="bg1">
+                    <a:lumMod val="50000"/>
+                  </a:schemeClr>
+                </a:solidFill>
+                <a:latin typeface="Arial" pitchFamily="34" charset="0"/>
+                <a:cs typeface="Arial" pitchFamily="34" charset="0"/>
+              </a:rPr>
+              <a:t>t</a:t>
+            </a:r>
+            <a:r>
+              <a:rPr lang="en-US" sz="1100" baseline="-25000" dirty="0">
+                <a:solidFill>
+                  <a:schemeClr val="bg1">
+                    <a:lumMod val="50000"/>
+                  </a:schemeClr>
+                </a:solidFill>
+                <a:latin typeface="Arial" pitchFamily="34" charset="0"/>
+                <a:cs typeface="Arial" pitchFamily="34" charset="0"/>
+              </a:rPr>
+              <a:t>4</a:t>
+            </a:r>
+          </a:p>
+        </p:txBody>
+      </p:sp>
+      <p:sp>
+        <p:nvSpPr>
+          <p:cNvPr id="134" name="TextBox 133"/>
+          <p:cNvSpPr txBox="1"/>
+          <p:nvPr/>
+        </p:nvSpPr>
+        <p:spPr>
+          <a:xfrm>
+            <a:off x="3912391" y="4546918"/>
+            <a:ext cx="276038" cy="261610"/>
+          </a:xfrm>
+          <a:prstGeom prst="rect">
+            <a:avLst/>
+          </a:prstGeom>
+          <a:noFill/>
+        </p:spPr>
+        <p:txBody>
+          <a:bodyPr wrap="none" rtlCol="0">
+            <a:spAutoFit/>
+          </a:bodyPr>
+          <a:lstStyle/>
+          <a:p>
+            <a:r>
+              <a:rPr lang="en-US" sz="1100" dirty="0" smtClean="0">
+                <a:solidFill>
+                  <a:schemeClr val="bg1">
+                    <a:lumMod val="50000"/>
+                  </a:schemeClr>
+                </a:solidFill>
+                <a:latin typeface="Arial" pitchFamily="34" charset="0"/>
+                <a:cs typeface="Arial" pitchFamily="34" charset="0"/>
+              </a:rPr>
+              <a:t>t</a:t>
+            </a:r>
+            <a:r>
+              <a:rPr lang="en-US" sz="1100" baseline="-25000" dirty="0">
+                <a:solidFill>
+                  <a:schemeClr val="bg1">
+                    <a:lumMod val="50000"/>
+                  </a:schemeClr>
+                </a:solidFill>
+                <a:latin typeface="Arial" pitchFamily="34" charset="0"/>
+                <a:cs typeface="Arial" pitchFamily="34" charset="0"/>
+              </a:rPr>
+              <a:t>5</a:t>
+            </a:r>
+          </a:p>
+        </p:txBody>
+      </p:sp>
+      <p:sp>
+        <p:nvSpPr>
+          <p:cNvPr id="135" name="TextBox 134"/>
+          <p:cNvSpPr txBox="1"/>
+          <p:nvPr/>
+        </p:nvSpPr>
+        <p:spPr>
+          <a:xfrm>
+            <a:off x="4171474" y="4546918"/>
+            <a:ext cx="276038" cy="261610"/>
+          </a:xfrm>
+          <a:prstGeom prst="rect">
+            <a:avLst/>
+          </a:prstGeom>
+          <a:noFill/>
+        </p:spPr>
+        <p:txBody>
+          <a:bodyPr wrap="none" rtlCol="0">
+            <a:spAutoFit/>
+          </a:bodyPr>
+          <a:lstStyle/>
+          <a:p>
+            <a:r>
+              <a:rPr lang="en-US" sz="1100" dirty="0" smtClean="0">
+                <a:solidFill>
+                  <a:schemeClr val="bg1">
+                    <a:lumMod val="50000"/>
+                  </a:schemeClr>
+                </a:solidFill>
+                <a:latin typeface="Arial" pitchFamily="34" charset="0"/>
+                <a:cs typeface="Arial" pitchFamily="34" charset="0"/>
+              </a:rPr>
+              <a:t>t</a:t>
+            </a:r>
+            <a:r>
+              <a:rPr lang="en-US" sz="1100" baseline="-25000" dirty="0">
+                <a:solidFill>
+                  <a:schemeClr val="bg1">
+                    <a:lumMod val="50000"/>
+                  </a:schemeClr>
+                </a:solidFill>
+                <a:latin typeface="Arial" pitchFamily="34" charset="0"/>
+                <a:cs typeface="Arial" pitchFamily="34" charset="0"/>
+              </a:rPr>
+              <a:t>6</a:t>
+            </a:r>
+          </a:p>
+        </p:txBody>
+      </p:sp>
+      <p:sp>
+        <p:nvSpPr>
+          <p:cNvPr id="136" name="TextBox 135"/>
+          <p:cNvSpPr txBox="1"/>
+          <p:nvPr/>
+        </p:nvSpPr>
+        <p:spPr>
+          <a:xfrm>
+            <a:off x="4443905" y="4546918"/>
+            <a:ext cx="276038" cy="261610"/>
+          </a:xfrm>
+          <a:prstGeom prst="rect">
+            <a:avLst/>
+          </a:prstGeom>
+          <a:noFill/>
+        </p:spPr>
+        <p:txBody>
+          <a:bodyPr wrap="none" rtlCol="0">
+            <a:spAutoFit/>
+          </a:bodyPr>
+          <a:lstStyle/>
+          <a:p>
+            <a:r>
+              <a:rPr lang="en-US" sz="1100" dirty="0" smtClean="0">
+                <a:solidFill>
+                  <a:schemeClr val="bg1">
+                    <a:lumMod val="50000"/>
+                  </a:schemeClr>
+                </a:solidFill>
+                <a:latin typeface="Arial" pitchFamily="34" charset="0"/>
+                <a:cs typeface="Arial" pitchFamily="34" charset="0"/>
+              </a:rPr>
+              <a:t>t</a:t>
+            </a:r>
+            <a:r>
+              <a:rPr lang="en-US" sz="1100" baseline="-25000" dirty="0">
+                <a:solidFill>
+                  <a:schemeClr val="bg1">
+                    <a:lumMod val="50000"/>
+                  </a:schemeClr>
+                </a:solidFill>
+                <a:latin typeface="Arial" pitchFamily="34" charset="0"/>
+                <a:cs typeface="Arial" pitchFamily="34" charset="0"/>
+              </a:rPr>
+              <a:t>7</a:t>
+            </a:r>
+          </a:p>
+        </p:txBody>
+      </p:sp>
+      <p:sp>
+        <p:nvSpPr>
+          <p:cNvPr id="137" name="TextBox 136"/>
+          <p:cNvSpPr txBox="1"/>
+          <p:nvPr/>
+        </p:nvSpPr>
+        <p:spPr>
+          <a:xfrm>
+            <a:off x="4716336" y="4546918"/>
+            <a:ext cx="276038" cy="261610"/>
+          </a:xfrm>
+          <a:prstGeom prst="rect">
+            <a:avLst/>
+          </a:prstGeom>
+          <a:noFill/>
+        </p:spPr>
+        <p:txBody>
+          <a:bodyPr wrap="none" rtlCol="0">
+            <a:spAutoFit/>
+          </a:bodyPr>
+          <a:lstStyle/>
+          <a:p>
+            <a:r>
+              <a:rPr lang="en-US" sz="1100" dirty="0" smtClean="0">
+                <a:solidFill>
+                  <a:schemeClr val="bg1">
+                    <a:lumMod val="50000"/>
+                  </a:schemeClr>
+                </a:solidFill>
+                <a:latin typeface="Arial" pitchFamily="34" charset="0"/>
+                <a:cs typeface="Arial" pitchFamily="34" charset="0"/>
+              </a:rPr>
+              <a:t>t</a:t>
+            </a:r>
+            <a:r>
+              <a:rPr lang="en-US" sz="1100" baseline="-25000" dirty="0">
+                <a:solidFill>
+                  <a:schemeClr val="bg1">
+                    <a:lumMod val="50000"/>
+                  </a:schemeClr>
+                </a:solidFill>
+                <a:latin typeface="Arial" pitchFamily="34" charset="0"/>
+                <a:cs typeface="Arial" pitchFamily="34" charset="0"/>
+              </a:rPr>
+              <a:t>8</a:t>
+            </a:r>
+          </a:p>
+        </p:txBody>
+      </p:sp>
+      <p:sp>
+        <p:nvSpPr>
+          <p:cNvPr id="138" name="TextBox 137"/>
+          <p:cNvSpPr txBox="1"/>
+          <p:nvPr/>
+        </p:nvSpPr>
+        <p:spPr>
+          <a:xfrm>
+            <a:off x="4988767" y="4546918"/>
+            <a:ext cx="276038" cy="261610"/>
+          </a:xfrm>
+          <a:prstGeom prst="rect">
+            <a:avLst/>
+          </a:prstGeom>
+          <a:noFill/>
+        </p:spPr>
+        <p:txBody>
+          <a:bodyPr wrap="none" rtlCol="0">
+            <a:spAutoFit/>
+          </a:bodyPr>
+          <a:lstStyle/>
+          <a:p>
+            <a:r>
+              <a:rPr lang="en-US" sz="1100" dirty="0" smtClean="0">
+                <a:solidFill>
+                  <a:schemeClr val="bg1">
+                    <a:lumMod val="50000"/>
+                  </a:schemeClr>
+                </a:solidFill>
+                <a:latin typeface="Arial" pitchFamily="34" charset="0"/>
+                <a:cs typeface="Arial" pitchFamily="34" charset="0"/>
+              </a:rPr>
+              <a:t>t</a:t>
+            </a:r>
+            <a:r>
+              <a:rPr lang="en-US" sz="1100" baseline="-25000" dirty="0">
+                <a:solidFill>
+                  <a:schemeClr val="bg1">
+                    <a:lumMod val="50000"/>
+                  </a:schemeClr>
+                </a:solidFill>
+                <a:latin typeface="Arial" pitchFamily="34" charset="0"/>
+                <a:cs typeface="Arial" pitchFamily="34" charset="0"/>
+              </a:rPr>
+              <a:t>9</a:t>
+            </a:r>
+          </a:p>
+        </p:txBody>
+      </p:sp>
+      <p:sp>
+        <p:nvSpPr>
+          <p:cNvPr id="139" name="TextBox 138"/>
+          <p:cNvSpPr txBox="1"/>
+          <p:nvPr/>
+        </p:nvSpPr>
+        <p:spPr>
+          <a:xfrm>
+            <a:off x="5261198" y="4546918"/>
+            <a:ext cx="328936" cy="261610"/>
+          </a:xfrm>
+          <a:prstGeom prst="rect">
+            <a:avLst/>
+          </a:prstGeom>
+          <a:noFill/>
+        </p:spPr>
+        <p:txBody>
+          <a:bodyPr wrap="none" rtlCol="0">
+            <a:spAutoFit/>
+          </a:bodyPr>
+          <a:lstStyle/>
+          <a:p>
+            <a:r>
+              <a:rPr lang="en-US" sz="1100" dirty="0" smtClean="0">
+                <a:solidFill>
+                  <a:schemeClr val="bg1">
+                    <a:lumMod val="50000"/>
+                  </a:schemeClr>
+                </a:solidFill>
+                <a:latin typeface="Arial" pitchFamily="34" charset="0"/>
+                <a:cs typeface="Arial" pitchFamily="34" charset="0"/>
+              </a:rPr>
+              <a:t>t</a:t>
+            </a:r>
+            <a:r>
+              <a:rPr lang="en-US" sz="1100" baseline="-25000" dirty="0" smtClean="0">
+                <a:solidFill>
+                  <a:schemeClr val="bg1">
+                    <a:lumMod val="50000"/>
+                  </a:schemeClr>
+                </a:solidFill>
+                <a:latin typeface="Arial" pitchFamily="34" charset="0"/>
+                <a:cs typeface="Arial" pitchFamily="34" charset="0"/>
+              </a:rPr>
+              <a:t>10</a:t>
+            </a:r>
+            <a:endParaRPr lang="en-US" sz="1100" baseline="-25000" dirty="0">
+              <a:solidFill>
+                <a:schemeClr val="bg1">
+                  <a:lumMod val="50000"/>
+                </a:schemeClr>
+              </a:solidFill>
+              <a:latin typeface="Arial" pitchFamily="34" charset="0"/>
+              <a:cs typeface="Arial" pitchFamily="34" charset="0"/>
+            </a:endParaRPr>
+          </a:p>
+        </p:txBody>
+      </p:sp>
+      <p:sp>
+        <p:nvSpPr>
+          <p:cNvPr id="140" name="TextBox 139"/>
+          <p:cNvSpPr txBox="1"/>
+          <p:nvPr/>
+        </p:nvSpPr>
+        <p:spPr>
+          <a:xfrm>
+            <a:off x="5533629" y="4546918"/>
+            <a:ext cx="328936" cy="261610"/>
+          </a:xfrm>
+          <a:prstGeom prst="rect">
+            <a:avLst/>
+          </a:prstGeom>
+          <a:noFill/>
+        </p:spPr>
+        <p:txBody>
+          <a:bodyPr wrap="none" rtlCol="0">
+            <a:spAutoFit/>
+          </a:bodyPr>
+          <a:lstStyle/>
+          <a:p>
+            <a:r>
+              <a:rPr lang="en-US" sz="1100" dirty="0" smtClean="0">
+                <a:solidFill>
+                  <a:schemeClr val="bg1">
+                    <a:lumMod val="50000"/>
+                  </a:schemeClr>
+                </a:solidFill>
+                <a:latin typeface="Arial" pitchFamily="34" charset="0"/>
+                <a:cs typeface="Arial" pitchFamily="34" charset="0"/>
+              </a:rPr>
+              <a:t>t</a:t>
+            </a:r>
+            <a:r>
+              <a:rPr lang="en-US" sz="1100" baseline="-25000" dirty="0" smtClean="0">
+                <a:solidFill>
+                  <a:schemeClr val="bg1">
+                    <a:lumMod val="50000"/>
+                  </a:schemeClr>
+                </a:solidFill>
+                <a:latin typeface="Arial" pitchFamily="34" charset="0"/>
+                <a:cs typeface="Arial" pitchFamily="34" charset="0"/>
+              </a:rPr>
+              <a:t>11</a:t>
+            </a:r>
+            <a:endParaRPr lang="en-US" sz="1100" baseline="-25000" dirty="0">
+              <a:solidFill>
+                <a:schemeClr val="bg1">
+                  <a:lumMod val="50000"/>
+                </a:schemeClr>
+              </a:solidFill>
+              <a:latin typeface="Arial" pitchFamily="34" charset="0"/>
+              <a:cs typeface="Arial" pitchFamily="34" charset="0"/>
+            </a:endParaRPr>
+          </a:p>
+        </p:txBody>
+      </p:sp>
+      <p:sp>
+        <p:nvSpPr>
+          <p:cNvPr id="141" name="TextBox 140"/>
+          <p:cNvSpPr txBox="1"/>
+          <p:nvPr/>
+        </p:nvSpPr>
+        <p:spPr>
+          <a:xfrm>
+            <a:off x="5786038" y="4546918"/>
+            <a:ext cx="328936" cy="261610"/>
+          </a:xfrm>
+          <a:prstGeom prst="rect">
+            <a:avLst/>
+          </a:prstGeom>
+          <a:noFill/>
+        </p:spPr>
+        <p:txBody>
+          <a:bodyPr wrap="none" rtlCol="0">
+            <a:spAutoFit/>
+          </a:bodyPr>
+          <a:lstStyle/>
+          <a:p>
+            <a:r>
+              <a:rPr lang="en-US" sz="1100" dirty="0" smtClean="0">
+                <a:solidFill>
+                  <a:schemeClr val="bg1">
+                    <a:lumMod val="50000"/>
+                  </a:schemeClr>
+                </a:solidFill>
+                <a:latin typeface="Arial" pitchFamily="34" charset="0"/>
+                <a:cs typeface="Arial" pitchFamily="34" charset="0"/>
+              </a:rPr>
+              <a:t>t</a:t>
+            </a:r>
+            <a:r>
+              <a:rPr lang="en-US" sz="1100" baseline="-25000" dirty="0" smtClean="0">
+                <a:solidFill>
+                  <a:schemeClr val="bg1">
+                    <a:lumMod val="50000"/>
+                  </a:schemeClr>
+                </a:solidFill>
+                <a:latin typeface="Arial" pitchFamily="34" charset="0"/>
+                <a:cs typeface="Arial" pitchFamily="34" charset="0"/>
+              </a:rPr>
+              <a:t>12</a:t>
+            </a:r>
+            <a:endParaRPr lang="en-US" sz="1100" baseline="-25000" dirty="0">
+              <a:solidFill>
+                <a:schemeClr val="bg1">
+                  <a:lumMod val="50000"/>
+                </a:schemeClr>
+              </a:solidFill>
+              <a:latin typeface="Arial" pitchFamily="34" charset="0"/>
+              <a:cs typeface="Arial" pitchFamily="34" charset="0"/>
+            </a:endParaRPr>
+          </a:p>
+        </p:txBody>
+      </p:sp>
+      <p:sp>
+        <p:nvSpPr>
+          <p:cNvPr id="142" name="TextBox 141"/>
+          <p:cNvSpPr txBox="1"/>
+          <p:nvPr/>
+        </p:nvSpPr>
+        <p:spPr>
+          <a:xfrm>
+            <a:off x="6051795" y="4546918"/>
+            <a:ext cx="328936" cy="261610"/>
+          </a:xfrm>
+          <a:prstGeom prst="rect">
+            <a:avLst/>
+          </a:prstGeom>
+          <a:noFill/>
+        </p:spPr>
+        <p:txBody>
+          <a:bodyPr wrap="none" rtlCol="0">
+            <a:spAutoFit/>
+          </a:bodyPr>
+          <a:lstStyle/>
+          <a:p>
+            <a:r>
+              <a:rPr lang="en-US" sz="1100" dirty="0" smtClean="0">
+                <a:solidFill>
+                  <a:schemeClr val="bg1">
+                    <a:lumMod val="50000"/>
+                  </a:schemeClr>
+                </a:solidFill>
+                <a:latin typeface="Arial" pitchFamily="34" charset="0"/>
+                <a:cs typeface="Arial" pitchFamily="34" charset="0"/>
+              </a:rPr>
+              <a:t>t</a:t>
+            </a:r>
+            <a:r>
+              <a:rPr lang="en-US" sz="1100" baseline="-25000" dirty="0" smtClean="0">
+                <a:solidFill>
+                  <a:schemeClr val="bg1">
+                    <a:lumMod val="50000"/>
+                  </a:schemeClr>
+                </a:solidFill>
+                <a:latin typeface="Arial" pitchFamily="34" charset="0"/>
+                <a:cs typeface="Arial" pitchFamily="34" charset="0"/>
+              </a:rPr>
+              <a:t>13</a:t>
+            </a:r>
+            <a:endParaRPr lang="en-US" sz="1100" baseline="-25000" dirty="0">
+              <a:solidFill>
+                <a:schemeClr val="bg1">
+                  <a:lumMod val="50000"/>
+                </a:schemeClr>
+              </a:solidFill>
+              <a:latin typeface="Arial" pitchFamily="34" charset="0"/>
+              <a:cs typeface="Arial" pitchFamily="34" charset="0"/>
+            </a:endParaRPr>
+          </a:p>
+        </p:txBody>
+      </p:sp>
+      <p:sp>
+        <p:nvSpPr>
+          <p:cNvPr id="143" name="TextBox 142"/>
+          <p:cNvSpPr txBox="1"/>
+          <p:nvPr/>
+        </p:nvSpPr>
+        <p:spPr>
+          <a:xfrm>
+            <a:off x="6317552" y="4546918"/>
+            <a:ext cx="328936" cy="261610"/>
+          </a:xfrm>
+          <a:prstGeom prst="rect">
+            <a:avLst/>
+          </a:prstGeom>
+          <a:noFill/>
+        </p:spPr>
+        <p:txBody>
+          <a:bodyPr wrap="none" rtlCol="0">
+            <a:spAutoFit/>
+          </a:bodyPr>
+          <a:lstStyle/>
+          <a:p>
+            <a:r>
+              <a:rPr lang="en-US" sz="1100" dirty="0" smtClean="0">
+                <a:solidFill>
+                  <a:schemeClr val="bg1">
+                    <a:lumMod val="50000"/>
+                  </a:schemeClr>
+                </a:solidFill>
+                <a:latin typeface="Arial" pitchFamily="34" charset="0"/>
+                <a:cs typeface="Arial" pitchFamily="34" charset="0"/>
+              </a:rPr>
+              <a:t>t</a:t>
+            </a:r>
+            <a:r>
+              <a:rPr lang="en-US" sz="1100" baseline="-25000" dirty="0" smtClean="0">
+                <a:solidFill>
+                  <a:schemeClr val="bg1">
+                    <a:lumMod val="50000"/>
+                  </a:schemeClr>
+                </a:solidFill>
+                <a:latin typeface="Arial" pitchFamily="34" charset="0"/>
+                <a:cs typeface="Arial" pitchFamily="34" charset="0"/>
+              </a:rPr>
+              <a:t>14</a:t>
+            </a:r>
+            <a:endParaRPr lang="en-US" sz="1100" baseline="-25000" dirty="0">
+              <a:solidFill>
+                <a:schemeClr val="bg1">
+                  <a:lumMod val="50000"/>
+                </a:schemeClr>
+              </a:solidFill>
+              <a:latin typeface="Arial" pitchFamily="34" charset="0"/>
+              <a:cs typeface="Arial" pitchFamily="34" charset="0"/>
+            </a:endParaRPr>
+          </a:p>
+        </p:txBody>
+      </p:sp>
+      <p:sp>
+        <p:nvSpPr>
+          <p:cNvPr id="144" name="TextBox 143"/>
+          <p:cNvSpPr txBox="1"/>
+          <p:nvPr/>
+        </p:nvSpPr>
+        <p:spPr>
+          <a:xfrm>
+            <a:off x="6583309" y="4546918"/>
+            <a:ext cx="328936" cy="261610"/>
+          </a:xfrm>
+          <a:prstGeom prst="rect">
+            <a:avLst/>
+          </a:prstGeom>
+          <a:noFill/>
+        </p:spPr>
+        <p:txBody>
+          <a:bodyPr wrap="none" rtlCol="0">
+            <a:spAutoFit/>
+          </a:bodyPr>
+          <a:lstStyle/>
+          <a:p>
+            <a:r>
+              <a:rPr lang="en-US" sz="1100" dirty="0" smtClean="0">
+                <a:solidFill>
+                  <a:schemeClr val="bg1">
+                    <a:lumMod val="50000"/>
+                  </a:schemeClr>
+                </a:solidFill>
+                <a:latin typeface="Arial" pitchFamily="34" charset="0"/>
+                <a:cs typeface="Arial" pitchFamily="34" charset="0"/>
+              </a:rPr>
+              <a:t>t</a:t>
+            </a:r>
+            <a:r>
+              <a:rPr lang="en-US" sz="1100" baseline="-25000" dirty="0" smtClean="0">
+                <a:solidFill>
+                  <a:schemeClr val="bg1">
+                    <a:lumMod val="50000"/>
+                  </a:schemeClr>
+                </a:solidFill>
+                <a:latin typeface="Arial" pitchFamily="34" charset="0"/>
+                <a:cs typeface="Arial" pitchFamily="34" charset="0"/>
+              </a:rPr>
+              <a:t>15</a:t>
+            </a:r>
+            <a:endParaRPr lang="en-US" sz="1100" baseline="-25000" dirty="0">
+              <a:solidFill>
+                <a:schemeClr val="bg1">
+                  <a:lumMod val="50000"/>
+                </a:schemeClr>
+              </a:solidFill>
+              <a:latin typeface="Arial" pitchFamily="34" charset="0"/>
+              <a:cs typeface="Arial" pitchFamily="34" charset="0"/>
+            </a:endParaRPr>
+          </a:p>
+        </p:txBody>
+      </p:sp>
+      <p:sp>
+        <p:nvSpPr>
+          <p:cNvPr id="145" name="TextBox 144"/>
+          <p:cNvSpPr txBox="1"/>
+          <p:nvPr/>
+        </p:nvSpPr>
+        <p:spPr>
+          <a:xfrm>
+            <a:off x="6849066" y="4546918"/>
+            <a:ext cx="328936" cy="261610"/>
+          </a:xfrm>
+          <a:prstGeom prst="rect">
+            <a:avLst/>
+          </a:prstGeom>
+          <a:noFill/>
+        </p:spPr>
+        <p:txBody>
+          <a:bodyPr wrap="none" rtlCol="0">
+            <a:spAutoFit/>
+          </a:bodyPr>
+          <a:lstStyle/>
+          <a:p>
+            <a:r>
+              <a:rPr lang="en-US" sz="1100" dirty="0" smtClean="0">
+                <a:solidFill>
+                  <a:schemeClr val="bg1">
+                    <a:lumMod val="50000"/>
+                  </a:schemeClr>
+                </a:solidFill>
+                <a:latin typeface="Arial" pitchFamily="34" charset="0"/>
+                <a:cs typeface="Arial" pitchFamily="34" charset="0"/>
+              </a:rPr>
+              <a:t>t</a:t>
+            </a:r>
+            <a:r>
+              <a:rPr lang="en-US" sz="1100" baseline="-25000" dirty="0" smtClean="0">
+                <a:solidFill>
+                  <a:schemeClr val="bg1">
+                    <a:lumMod val="50000"/>
+                  </a:schemeClr>
+                </a:solidFill>
+                <a:latin typeface="Arial" pitchFamily="34" charset="0"/>
+                <a:cs typeface="Arial" pitchFamily="34" charset="0"/>
+              </a:rPr>
+              <a:t>16</a:t>
+            </a:r>
+            <a:endParaRPr lang="en-US" sz="1100" baseline="-25000" dirty="0">
+              <a:solidFill>
+                <a:schemeClr val="bg1">
+                  <a:lumMod val="50000"/>
+                </a:schemeClr>
+              </a:solidFill>
+              <a:latin typeface="Arial" pitchFamily="34" charset="0"/>
+              <a:cs typeface="Arial" pitchFamily="34" charset="0"/>
+            </a:endParaRPr>
+          </a:p>
+        </p:txBody>
+      </p:sp>
+      <p:sp>
+        <p:nvSpPr>
+          <p:cNvPr id="146" name="TextBox 145"/>
+          <p:cNvSpPr txBox="1"/>
+          <p:nvPr/>
+        </p:nvSpPr>
+        <p:spPr>
+          <a:xfrm>
+            <a:off x="7114823" y="4546918"/>
+            <a:ext cx="328936" cy="261610"/>
+          </a:xfrm>
+          <a:prstGeom prst="rect">
+            <a:avLst/>
+          </a:prstGeom>
+          <a:noFill/>
+        </p:spPr>
+        <p:txBody>
+          <a:bodyPr wrap="none" rtlCol="0">
+            <a:spAutoFit/>
+          </a:bodyPr>
+          <a:lstStyle/>
+          <a:p>
+            <a:r>
+              <a:rPr lang="en-US" sz="1100" dirty="0" smtClean="0">
+                <a:solidFill>
+                  <a:schemeClr val="bg1">
+                    <a:lumMod val="50000"/>
+                  </a:schemeClr>
+                </a:solidFill>
+                <a:latin typeface="Arial" pitchFamily="34" charset="0"/>
+                <a:cs typeface="Arial" pitchFamily="34" charset="0"/>
+              </a:rPr>
+              <a:t>t</a:t>
+            </a:r>
+            <a:r>
+              <a:rPr lang="en-US" sz="1100" baseline="-25000" dirty="0" smtClean="0">
+                <a:solidFill>
+                  <a:schemeClr val="bg1">
+                    <a:lumMod val="50000"/>
+                  </a:schemeClr>
+                </a:solidFill>
+                <a:latin typeface="Arial" pitchFamily="34" charset="0"/>
+                <a:cs typeface="Arial" pitchFamily="34" charset="0"/>
+              </a:rPr>
+              <a:t>17</a:t>
+            </a:r>
+            <a:endParaRPr lang="en-US" sz="1100" baseline="-25000" dirty="0">
+              <a:solidFill>
+                <a:schemeClr val="bg1">
+                  <a:lumMod val="50000"/>
+                </a:schemeClr>
+              </a:solidFill>
+              <a:latin typeface="Arial" pitchFamily="34" charset="0"/>
+              <a:cs typeface="Arial" pitchFamily="34" charset="0"/>
+            </a:endParaRPr>
+          </a:p>
+        </p:txBody>
+      </p:sp>
+      <p:sp>
+        <p:nvSpPr>
+          <p:cNvPr id="147" name="TextBox 146"/>
+          <p:cNvSpPr txBox="1"/>
+          <p:nvPr/>
+        </p:nvSpPr>
+        <p:spPr>
+          <a:xfrm>
+            <a:off x="7367125" y="4546918"/>
+            <a:ext cx="328936" cy="261610"/>
+          </a:xfrm>
+          <a:prstGeom prst="rect">
+            <a:avLst/>
+          </a:prstGeom>
+          <a:noFill/>
+        </p:spPr>
+        <p:txBody>
+          <a:bodyPr wrap="none" rtlCol="0">
+            <a:spAutoFit/>
+          </a:bodyPr>
+          <a:lstStyle/>
+          <a:p>
+            <a:r>
+              <a:rPr lang="en-US" sz="1100" dirty="0" smtClean="0">
+                <a:solidFill>
+                  <a:schemeClr val="bg1">
+                    <a:lumMod val="50000"/>
+                  </a:schemeClr>
+                </a:solidFill>
+                <a:latin typeface="Arial" pitchFamily="34" charset="0"/>
+                <a:cs typeface="Arial" pitchFamily="34" charset="0"/>
+              </a:rPr>
+              <a:t>t</a:t>
+            </a:r>
+            <a:r>
+              <a:rPr lang="en-US" sz="1100" baseline="-25000" dirty="0" smtClean="0">
+                <a:solidFill>
+                  <a:schemeClr val="bg1">
+                    <a:lumMod val="50000"/>
+                  </a:schemeClr>
+                </a:solidFill>
+                <a:latin typeface="Arial" pitchFamily="34" charset="0"/>
+                <a:cs typeface="Arial" pitchFamily="34" charset="0"/>
+              </a:rPr>
+              <a:t>18</a:t>
+            </a:r>
+            <a:endParaRPr lang="en-US" sz="1100" baseline="-25000" dirty="0">
+              <a:solidFill>
+                <a:schemeClr val="bg1">
+                  <a:lumMod val="50000"/>
+                </a:schemeClr>
+              </a:solidFill>
+              <a:latin typeface="Arial" pitchFamily="34" charset="0"/>
+              <a:cs typeface="Arial" pitchFamily="34" charset="0"/>
+            </a:endParaRPr>
+          </a:p>
+        </p:txBody>
+      </p:sp>
+      <p:sp>
+        <p:nvSpPr>
+          <p:cNvPr id="148" name="TextBox 147"/>
+          <p:cNvSpPr txBox="1"/>
+          <p:nvPr/>
+        </p:nvSpPr>
+        <p:spPr>
+          <a:xfrm>
+            <a:off x="1758420" y="4635158"/>
+            <a:ext cx="716863" cy="230832"/>
+          </a:xfrm>
+          <a:prstGeom prst="rect">
+            <a:avLst/>
+          </a:prstGeom>
+          <a:noFill/>
+        </p:spPr>
+        <p:txBody>
+          <a:bodyPr wrap="none" rtlCol="0">
+            <a:spAutoFit/>
+          </a:bodyPr>
+          <a:lstStyle/>
+          <a:p>
+            <a:r>
+              <a:rPr lang="en-US" sz="900" dirty="0" smtClean="0">
+                <a:solidFill>
+                  <a:schemeClr val="bg1">
+                    <a:lumMod val="50000"/>
+                  </a:schemeClr>
+                </a:solidFill>
+                <a:latin typeface="Arial" pitchFamily="34" charset="0"/>
+                <a:cs typeface="Arial" pitchFamily="34" charset="0"/>
+              </a:rPr>
+              <a:t>delay start</a:t>
+            </a:r>
+            <a:endParaRPr lang="en-US" sz="900" dirty="0">
+              <a:solidFill>
+                <a:schemeClr val="bg1">
+                  <a:lumMod val="50000"/>
+                </a:schemeClr>
+              </a:solidFill>
+              <a:latin typeface="Arial" pitchFamily="34" charset="0"/>
+              <a:cs typeface="Arial" pitchFamily="34" charset="0"/>
+            </a:endParaRPr>
+          </a:p>
+        </p:txBody>
+      </p:sp>
+      <p:sp>
+        <p:nvSpPr>
+          <p:cNvPr id="151" name="Arc 150"/>
+          <p:cNvSpPr/>
+          <p:nvPr/>
+        </p:nvSpPr>
+        <p:spPr>
+          <a:xfrm flipV="1">
+            <a:off x="2247502" y="4230431"/>
+            <a:ext cx="310779" cy="523452"/>
+          </a:xfrm>
+          <a:prstGeom prst="arc">
+            <a:avLst/>
+          </a:prstGeom>
+          <a:ln w="9525">
+            <a:solidFill>
+              <a:schemeClr val="bg1">
+                <a:lumMod val="50000"/>
+              </a:schemeClr>
+            </a:solidFill>
+            <a:tailEnd type="stealth" w="med" len="sm"/>
+          </a:ln>
+        </p:spPr>
+        <p:style>
+          <a:lnRef idx="1">
+            <a:schemeClr val="accent1"/>
+          </a:lnRef>
+          <a:fillRef idx="0">
+            <a:schemeClr val="accent1"/>
+          </a:fillRef>
+          <a:effectRef idx="0">
+            <a:schemeClr val="accent1"/>
+          </a:effectRef>
+          <a:fontRef idx="minor">
+            <a:schemeClr val="tx1"/>
+          </a:fontRef>
+        </p:style>
+        <p:txBody>
+          <a:bodyPr rtlCol="0" anchor="ctr"/>
+          <a:lstStyle/>
+          <a:p>
+            <a:pPr algn="ctr"/>
+            <a:endParaRPr lang="en-US"/>
           </a:p>
         </p:txBody>
       </p:sp>
     </p:spTree>
     <p:extLst>
       <p:ext uri="{BB962C8B-B14F-4D97-AF65-F5344CB8AC3E}">
-        <p14:creationId xmlns:p14="http://schemas.microsoft.com/office/powerpoint/2010/main" val="1879800011"/>
+        <p14:creationId xmlns:p14="http://schemas.microsoft.com/office/powerpoint/2010/main" val="2156733638"/>
       </p:ext>
     </p:extLst>
   </p:cSld>
@@ -23903,6 +29081,245 @@
         <p:spPr/>
         <p:txBody>
           <a:bodyPr>
+            <a:normAutofit fontScale="70000" lnSpcReduction="20000"/>
+          </a:bodyPr>
+          <a:lstStyle/>
+          <a:p>
+            <a:r>
+              <a:rPr lang="en-US" dirty="0"/>
+              <a:t>ISO 13818-1 defines two possible levels of scrambling</a:t>
+            </a:r>
+          </a:p>
+          <a:p>
+            <a:pPr lvl="1"/>
+            <a:r>
+              <a:rPr lang="en-US" dirty="0"/>
+              <a:t>TS level</a:t>
+            </a:r>
+          </a:p>
+          <a:p>
+            <a:pPr lvl="2"/>
+            <a:r>
+              <a:rPr lang="en-US" dirty="0" smtClean="0"/>
+              <a:t>each </a:t>
+            </a:r>
+            <a:r>
+              <a:rPr lang="en-US" dirty="0"/>
+              <a:t>TS packet is scrambled individually</a:t>
+            </a:r>
+          </a:p>
+          <a:p>
+            <a:pPr lvl="2"/>
+            <a:r>
+              <a:rPr lang="en-US" dirty="0" smtClean="0"/>
+              <a:t>clear </a:t>
+            </a:r>
+            <a:r>
+              <a:rPr lang="en-US" dirty="0"/>
+              <a:t>TS header and adaptation field, scrambled TS payload</a:t>
+            </a:r>
+          </a:p>
+          <a:p>
+            <a:pPr lvl="1"/>
+            <a:r>
+              <a:rPr lang="en-US" dirty="0"/>
+              <a:t>PES level</a:t>
+            </a:r>
+          </a:p>
+          <a:p>
+            <a:pPr lvl="2"/>
+            <a:r>
+              <a:rPr lang="en-US" dirty="0" smtClean="0"/>
+              <a:t>each </a:t>
+            </a:r>
+            <a:r>
+              <a:rPr lang="en-US" dirty="0" err="1"/>
+              <a:t>demuxed</a:t>
+            </a:r>
+            <a:r>
+              <a:rPr lang="en-US" dirty="0"/>
+              <a:t> PES packet is scrambled individually</a:t>
+            </a:r>
+          </a:p>
+          <a:p>
+            <a:pPr lvl="2"/>
+            <a:r>
+              <a:rPr lang="en-US" dirty="0"/>
+              <a:t>TS packet header marked as clear</a:t>
+            </a:r>
+          </a:p>
+          <a:p>
+            <a:pPr lvl="2"/>
+            <a:r>
+              <a:rPr lang="en-US" dirty="0"/>
+              <a:t>PES packet header contains similar 2-bit </a:t>
+            </a:r>
+            <a:r>
+              <a:rPr lang="en-US" i="1" dirty="0" err="1"/>
+              <a:t>PES_scrambling_control</a:t>
+            </a:r>
+            <a:endParaRPr lang="en-US" i="1" dirty="0"/>
+          </a:p>
+          <a:p>
+            <a:pPr lvl="2"/>
+            <a:r>
+              <a:rPr lang="en-US" dirty="0" smtClean="0"/>
+              <a:t>clear </a:t>
+            </a:r>
+            <a:r>
+              <a:rPr lang="en-US" dirty="0"/>
+              <a:t>PES header, scrambled PES payload</a:t>
+            </a:r>
+            <a:endParaRPr lang="en-US" i="1" dirty="0"/>
+          </a:p>
+          <a:p>
+            <a:r>
+              <a:rPr lang="en-US" dirty="0"/>
+              <a:t>In practice, only TS-level scrambling is used</a:t>
+            </a:r>
+          </a:p>
+          <a:p>
+            <a:pPr lvl="1"/>
+            <a:r>
+              <a:rPr lang="en-US" dirty="0"/>
+              <a:t>PES-level scrambling is technically much more difficult</a:t>
+            </a:r>
+          </a:p>
+          <a:p>
+            <a:pPr lvl="2"/>
+            <a:r>
+              <a:rPr lang="en-US" dirty="0" smtClean="0"/>
+              <a:t>scrambling </a:t>
+            </a:r>
+            <a:r>
+              <a:rPr lang="en-US" dirty="0"/>
+              <a:t>is performed on multiplexed TS</a:t>
+            </a:r>
+          </a:p>
+          <a:p>
+            <a:pPr lvl="2"/>
+            <a:r>
+              <a:rPr lang="en-US" dirty="0"/>
+              <a:t>ETR 289 specifies sub-scrambling of 184-byte super-blocks</a:t>
+            </a:r>
+          </a:p>
+          <a:p>
+            <a:pPr lvl="2"/>
+            <a:r>
+              <a:rPr lang="en-US" dirty="0"/>
+              <a:t>PES packet boundaries not aligned on crypto-period boundaries</a:t>
+            </a:r>
+          </a:p>
+          <a:p>
+            <a:pPr lvl="1"/>
+            <a:r>
+              <a:rPr lang="en-US" dirty="0" smtClean="0"/>
+              <a:t>PES-level </a:t>
+            </a:r>
+            <a:r>
+              <a:rPr lang="en-US" dirty="0"/>
+              <a:t>scrambling is </a:t>
+            </a:r>
+            <a:r>
+              <a:rPr lang="en-US" dirty="0" smtClean="0"/>
+              <a:t>never used </a:t>
+            </a:r>
+            <a:r>
+              <a:rPr lang="en-US" dirty="0"/>
+              <a:t>in </a:t>
+            </a:r>
+            <a:r>
+              <a:rPr lang="en-US" dirty="0" smtClean="0"/>
+              <a:t>practice</a:t>
+            </a:r>
+            <a:endParaRPr lang="en-US" dirty="0"/>
+          </a:p>
+        </p:txBody>
+      </p:sp>
+      <p:sp>
+        <p:nvSpPr>
+          <p:cNvPr id="3" name="Titre 2"/>
+          <p:cNvSpPr>
+            <a:spLocks noGrp="1"/>
+          </p:cNvSpPr>
+          <p:nvPr>
+            <p:ph type="title"/>
+          </p:nvPr>
+        </p:nvSpPr>
+        <p:spPr/>
+        <p:txBody>
+          <a:bodyPr/>
+          <a:lstStyle/>
+          <a:p>
+            <a:r>
+              <a:rPr lang="en-US" dirty="0"/>
+              <a:t>TS vs. PES scrambling</a:t>
+            </a:r>
+          </a:p>
+        </p:txBody>
+      </p:sp>
+    </p:spTree>
+    <p:extLst>
+      <p:ext uri="{BB962C8B-B14F-4D97-AF65-F5344CB8AC3E}">
+        <p14:creationId xmlns:p14="http://schemas.microsoft.com/office/powerpoint/2010/main" val="1879800011"/>
+      </p:ext>
+    </p:extLst>
+  </p:cSld>
+  <p:clrMapOvr>
+    <a:masterClrMapping/>
+  </p:clrMapOvr>
+  <mc:AlternateContent xmlns:mc="http://schemas.openxmlformats.org/markup-compatibility/2006" xmlns:p14="http://schemas.microsoft.com/office/powerpoint/2010/main">
+    <mc:Choice Requires="p14">
+      <p:transition spd="med" p14:dur="700">
+        <p:fade/>
+      </p:transition>
+    </mc:Choice>
+    <mc:Fallback xmlns="">
+      <p:transition spd="med">
+        <p:fade/>
+      </p:transition>
+    </mc:Fallback>
+  </mc:AlternateContent>
+  <p:timing>
+    <p:tnLst>
+      <p:par>
+        <p:cTn id="1" dur="indefinite" restart="never" nodeType="tmRoot"/>
+      </p:par>
+    </p:tnLst>
+  </p:timing>
+</p:sld>
+</file>
+
+<file path=ppt/slides/slide33.xml><?xml version="1.0" encoding="utf-8"?>
+<p:sld xmlns:a="http://schemas.openxmlformats.org/drawingml/2006/main" xmlns:r="http://schemas.openxmlformats.org/officeDocument/2006/relationships" xmlns:p="http://schemas.openxmlformats.org/presentationml/2006/main">
+  <p:cSld>
+    <p:spTree>
+      <p:nvGrpSpPr>
+        <p:cNvPr id="1" name=""/>
+        <p:cNvGrpSpPr/>
+        <p:nvPr/>
+      </p:nvGrpSpPr>
+      <p:grpSpPr>
+        <a:xfrm>
+          <a:off x="0" y="0"/>
+          <a:ext cx="0" cy="0"/>
+          <a:chOff x="0" y="0"/>
+          <a:chExt cx="0" cy="0"/>
+        </a:xfrm>
+      </p:grpSpPr>
+      <p:sp>
+        <p:nvSpPr>
+          <p:cNvPr id="2" name="Espace réservé du contenu 1"/>
+          <p:cNvSpPr>
+            <a:spLocks noGrp="1"/>
+          </p:cNvSpPr>
+          <p:nvPr>
+            <p:ph idx="1"/>
+          </p:nvPr>
+        </p:nvSpPr>
+        <p:spPr/>
+        <p:txBody>
+          <a:bodyPr>
             <a:normAutofit fontScale="77500" lnSpcReduction="20000"/>
           </a:bodyPr>
           <a:lstStyle/>
@@ -24124,7 +29541,7 @@
 </p:sld>
 </file>
 
-<file path=ppt/slides/slide33.xml><?xml version="1.0" encoding="utf-8"?>
+<file path=ppt/slides/slide34.xml><?xml version="1.0" encoding="utf-8"?>
 <p:sld xmlns:a="http://schemas.openxmlformats.org/drawingml/2006/main" xmlns:r="http://schemas.openxmlformats.org/officeDocument/2006/relationships" xmlns:p="http://schemas.openxmlformats.org/presentationml/2006/main">
   <p:cSld>
     <p:spTree>
@@ -24555,7 +29972,7 @@
 </p:sld>
 </file>
 
-<file path=ppt/slides/slide34.xml><?xml version="1.0" encoding="utf-8"?>
+<file path=ppt/slides/slide35.xml><?xml version="1.0" encoding="utf-8"?>
 <p:sld xmlns:a="http://schemas.openxmlformats.org/drawingml/2006/main" xmlns:r="http://schemas.openxmlformats.org/officeDocument/2006/relationships" xmlns:p="http://schemas.openxmlformats.org/presentationml/2006/main">
   <p:cSld>
     <p:spTree>
@@ -25137,287 +30554,6 @@
 </p:sld>
 </file>
 
-<file path=ppt/slides/slide35.xml><?xml version="1.0" encoding="utf-8"?>
-<p:sld xmlns:a="http://schemas.openxmlformats.org/drawingml/2006/main" xmlns:r="http://schemas.openxmlformats.org/officeDocument/2006/relationships" xmlns:p="http://schemas.openxmlformats.org/presentationml/2006/main">
-  <p:cSld>
-    <p:spTree>
-      <p:nvGrpSpPr>
-        <p:cNvPr id="1" name=""/>
-        <p:cNvGrpSpPr/>
-        <p:nvPr/>
-      </p:nvGrpSpPr>
-      <p:grpSpPr>
-        <a:xfrm>
-          <a:off x="0" y="0"/>
-          <a:ext cx="0" cy="0"/>
-          <a:chOff x="0" y="0"/>
-          <a:chExt cx="0" cy="0"/>
-        </a:xfrm>
-      </p:grpSpPr>
-      <p:sp>
-        <p:nvSpPr>
-          <p:cNvPr id="2" name="Espace réservé du contenu 1"/>
-          <p:cNvSpPr>
-            <a:spLocks noGrp="1"/>
-          </p:cNvSpPr>
-          <p:nvPr>
-            <p:ph idx="1"/>
-          </p:nvPr>
-        </p:nvSpPr>
-        <p:spPr/>
-        <p:txBody>
-          <a:bodyPr>
-            <a:normAutofit fontScale="62500" lnSpcReduction="20000"/>
-          </a:bodyPr>
-          <a:lstStyle/>
-          <a:p>
-            <a:r>
-              <a:rPr lang="en-US" dirty="0"/>
-              <a:t>DVB Common Scrambling Algorithm</a:t>
-            </a:r>
-          </a:p>
-          <a:p>
-            <a:pPr lvl="1"/>
-            <a:r>
-              <a:rPr lang="en-US" dirty="0"/>
-              <a:t>DVB proprietary algorithm</a:t>
-            </a:r>
-          </a:p>
-          <a:p>
-            <a:pPr lvl="1"/>
-            <a:r>
-              <a:rPr lang="en-US" dirty="0" smtClean="0"/>
-              <a:t>supposed </a:t>
-            </a:r>
-            <a:r>
-              <a:rPr lang="en-US" dirty="0"/>
-              <a:t>to be « secret »</a:t>
-            </a:r>
-          </a:p>
-          <a:p>
-            <a:pPr lvl="1"/>
-            <a:r>
-              <a:rPr lang="en-US" dirty="0" smtClean="0"/>
-              <a:t>fully </a:t>
-            </a:r>
-            <a:r>
-              <a:rPr lang="en-US" dirty="0"/>
-              <a:t>described in Wikipedia</a:t>
-            </a:r>
-          </a:p>
-          <a:p>
-            <a:pPr lvl="1"/>
-            <a:r>
-              <a:rPr lang="en-US" dirty="0" smtClean="0"/>
-              <a:t>open-source </a:t>
-            </a:r>
-            <a:r>
-              <a:rPr lang="en-US" dirty="0"/>
-              <a:t>implementations </a:t>
-            </a:r>
-            <a:r>
-              <a:rPr lang="en-US" dirty="0" smtClean="0"/>
-              <a:t>online (</a:t>
-            </a:r>
-            <a:r>
-              <a:rPr lang="en-US" i="1" dirty="0" err="1" smtClean="0"/>
-              <a:t>libdvbcsa</a:t>
-            </a:r>
-            <a:r>
-              <a:rPr lang="en-US" dirty="0" smtClean="0"/>
-              <a:t>)</a:t>
-            </a:r>
-            <a:endParaRPr lang="en-US" dirty="0"/>
-          </a:p>
-          <a:p>
-            <a:r>
-              <a:rPr lang="en-US" dirty="0"/>
-              <a:t>Algorithm</a:t>
-            </a:r>
-          </a:p>
-          <a:p>
-            <a:pPr lvl="1"/>
-            <a:r>
-              <a:rPr lang="en-US" dirty="0"/>
-              <a:t>64-bit key (also known as « Control Words » or CW)</a:t>
-            </a:r>
-          </a:p>
-          <a:p>
-            <a:pPr lvl="1"/>
-            <a:r>
-              <a:rPr lang="en-US" dirty="0" smtClean="0"/>
-              <a:t>first </a:t>
-            </a:r>
-            <a:r>
-              <a:rPr lang="en-US" dirty="0"/>
-              <a:t>pass : block cipher in reverse-CBC mode</a:t>
-            </a:r>
-          </a:p>
-          <a:p>
-            <a:pPr lvl="2"/>
-            <a:r>
-              <a:rPr lang="en-US" dirty="0" smtClean="0"/>
-              <a:t>use </a:t>
-            </a:r>
-            <a:r>
-              <a:rPr lang="en-US" dirty="0"/>
-              <a:t>CW as key</a:t>
-            </a:r>
-          </a:p>
-          <a:p>
-            <a:pPr lvl="2"/>
-            <a:r>
-              <a:rPr lang="en-US" dirty="0" smtClean="0"/>
-              <a:t>block </a:t>
-            </a:r>
-            <a:r>
-              <a:rPr lang="en-US" dirty="0"/>
-              <a:t>size : 64 bits</a:t>
-            </a:r>
-          </a:p>
-          <a:p>
-            <a:pPr lvl="2"/>
-            <a:r>
-              <a:rPr lang="en-US" dirty="0"/>
-              <a:t>r</a:t>
-            </a:r>
-            <a:r>
-              <a:rPr lang="en-US" dirty="0" smtClean="0"/>
-              <a:t>esidue </a:t>
-            </a:r>
-            <a:r>
-              <a:rPr lang="en-US" dirty="0"/>
-              <a:t>ignored</a:t>
-            </a:r>
-          </a:p>
-          <a:p>
-            <a:pPr lvl="1"/>
-            <a:r>
-              <a:rPr lang="en-US" dirty="0" smtClean="0"/>
-              <a:t>second </a:t>
-            </a:r>
-            <a:r>
-              <a:rPr lang="en-US" dirty="0"/>
-              <a:t>pass : stream cipher</a:t>
-            </a:r>
-          </a:p>
-          <a:p>
-            <a:pPr lvl="2"/>
-            <a:r>
-              <a:rPr lang="en-US" dirty="0" smtClean="0"/>
-              <a:t>use </a:t>
-            </a:r>
-            <a:r>
-              <a:rPr lang="en-US" dirty="0"/>
-              <a:t>CW as key and first block as seed (last processed block from reverse-CBC)</a:t>
-            </a:r>
-          </a:p>
-          <a:p>
-            <a:pPr lvl="2"/>
-            <a:r>
-              <a:rPr lang="en-US" dirty="0" smtClean="0"/>
-              <a:t>residue </a:t>
-            </a:r>
-            <a:r>
-              <a:rPr lang="en-US" dirty="0"/>
-              <a:t>included</a:t>
-            </a:r>
-          </a:p>
-          <a:p>
-            <a:pPr lvl="1"/>
-            <a:r>
-              <a:rPr lang="en-US" dirty="0" smtClean="0"/>
-              <a:t>short </a:t>
-            </a:r>
-            <a:r>
-              <a:rPr lang="en-US" dirty="0"/>
-              <a:t>payloads (1 to 7 bytes) are not encrypted</a:t>
-            </a:r>
-          </a:p>
-          <a:p>
-            <a:pPr lvl="2"/>
-            <a:r>
-              <a:rPr lang="en-US" dirty="0" smtClean="0"/>
-              <a:t>even </a:t>
-            </a:r>
-            <a:r>
-              <a:rPr lang="en-US" dirty="0"/>
-              <a:t>if </a:t>
-            </a:r>
-            <a:r>
-              <a:rPr lang="en-US" i="1" dirty="0" err="1"/>
-              <a:t>transport_scrambling_control</a:t>
-            </a:r>
-            <a:r>
-              <a:rPr lang="en-US" i="1" dirty="0"/>
-              <a:t> </a:t>
-            </a:r>
-            <a:r>
-              <a:rPr lang="en-US" dirty="0"/>
-              <a:t>is </a:t>
-            </a:r>
-            <a:r>
-              <a:rPr lang="en-US" dirty="0" smtClean="0"/>
-              <a:t>non-zero</a:t>
-            </a:r>
-            <a:endParaRPr lang="en-US" dirty="0"/>
-          </a:p>
-        </p:txBody>
-      </p:sp>
-      <p:sp>
-        <p:nvSpPr>
-          <p:cNvPr id="3" name="Titre 2"/>
-          <p:cNvSpPr>
-            <a:spLocks noGrp="1"/>
-          </p:cNvSpPr>
-          <p:nvPr>
-            <p:ph type="title"/>
-          </p:nvPr>
-        </p:nvSpPr>
-        <p:spPr/>
-        <p:txBody>
-          <a:bodyPr/>
-          <a:lstStyle/>
-          <a:p>
-            <a:r>
-              <a:rPr lang="en-US" dirty="0"/>
-              <a:t>DVB CSA-2</a:t>
-            </a:r>
-          </a:p>
-        </p:txBody>
-      </p:sp>
-    </p:spTree>
-    <p:extLst>
-      <p:ext uri="{BB962C8B-B14F-4D97-AF65-F5344CB8AC3E}">
-        <p14:creationId xmlns:p14="http://schemas.microsoft.com/office/powerpoint/2010/main" val="3868464394"/>
-      </p:ext>
-    </p:extLst>
-  </p:cSld>
-  <p:clrMapOvr>
-    <a:masterClrMapping/>
-  </p:clrMapOvr>
-  <mc:AlternateContent xmlns:mc="http://schemas.openxmlformats.org/markup-compatibility/2006" xmlns:p14="http://schemas.microsoft.com/office/powerpoint/2010/main">
-    <mc:Choice Requires="p14">
-      <p:transition spd="med" p14:dur="700">
-        <p:fade/>
-      </p:transition>
-    </mc:Choice>
-    <mc:Fallback xmlns="">
-      <p:transition spd="med">
-        <p:fade/>
-      </p:transition>
-    </mc:Fallback>
-  </mc:AlternateContent>
-  <p:timing>
-    <p:tnLst>
-      <p:par>
-        <p:cTn id="1" dur="indefinite" restart="never" nodeType="tmRoot"/>
-      </p:par>
-    </p:tnLst>
-  </p:timing>
-</p:sld>
-</file>
-
 <file path=ppt/slides/slide36.xml><?xml version="1.0" encoding="utf-8"?>
 <p:sld xmlns:a="http://schemas.openxmlformats.org/drawingml/2006/main" xmlns:r="http://schemas.openxmlformats.org/officeDocument/2006/relationships" xmlns:p="http://schemas.openxmlformats.org/presentationml/2006/main">
   <p:cSld>
@@ -25448,241 +30584,198 @@
         <p:spPr/>
         <p:txBody>
           <a:bodyPr>
-            <a:normAutofit fontScale="70000" lnSpcReduction="20000"/>
+            <a:normAutofit fontScale="62500" lnSpcReduction="20000"/>
           </a:bodyPr>
           <a:lstStyle/>
           <a:p>
             <a:r>
               <a:rPr lang="en-US" dirty="0"/>
-              <a:t>Entering the twilight zone….</a:t>
-            </a:r>
-          </a:p>
-          <a:p>
+              <a:t>DVB Common Scrambling Algorithm</a:t>
+            </a:r>
+          </a:p>
+          <a:p>
+            <a:pPr lvl="1"/>
             <a:r>
               <a:rPr lang="en-US" dirty="0"/>
-              <a:t>64-bit key</a:t>
+              <a:t>DVB proprietary algorithm</a:t>
             </a:r>
           </a:p>
           <a:p>
             <a:pPr lvl="1"/>
             <a:r>
               <a:rPr lang="en-US" dirty="0" smtClean="0"/>
-              <a:t>some national </a:t>
+              <a:t>supposed </a:t>
             </a:r>
             <a:r>
               <a:rPr lang="en-US" dirty="0"/>
-              <a:t>regulations from the 90’s prohibited 64-bit entropy</a:t>
+              <a:t>to be « secret »</a:t>
             </a:r>
           </a:p>
           <a:p>
             <a:pPr lvl="1"/>
             <a:r>
               <a:rPr lang="en-US" dirty="0" smtClean="0"/>
-              <a:t>entropy </a:t>
+              <a:t>fully </a:t>
             </a:r>
             <a:r>
               <a:rPr lang="en-US" dirty="0"/>
-              <a:t>was artificially reduced to 48 bits</a:t>
+              <a:t>described in Wikipedia</a:t>
+            </a:r>
+          </a:p>
+          <a:p>
+            <a:pPr lvl="1"/>
+            <a:r>
+              <a:rPr lang="en-US" dirty="0" smtClean="0"/>
+              <a:t>open-source </a:t>
+            </a:r>
+            <a:r>
+              <a:rPr lang="en-US" dirty="0"/>
+              <a:t>implementations </a:t>
+            </a:r>
+            <a:r>
+              <a:rPr lang="en-US" dirty="0" smtClean="0"/>
+              <a:t>online (</a:t>
+            </a:r>
+            <a:r>
+              <a:rPr lang="en-US" i="1" dirty="0" err="1" smtClean="0"/>
+              <a:t>libdvbcsa</a:t>
+            </a:r>
+            <a:r>
+              <a:rPr lang="en-US" dirty="0" smtClean="0"/>
+              <a:t>)</a:t>
+            </a:r>
+            <a:endParaRPr lang="en-US" dirty="0"/>
+          </a:p>
+          <a:p>
+            <a:r>
+              <a:rPr lang="en-US" dirty="0"/>
+              <a:t>Algorithm</a:t>
+            </a:r>
+          </a:p>
+          <a:p>
+            <a:pPr lvl="1"/>
+            <a:r>
+              <a:rPr lang="en-US" dirty="0"/>
+              <a:t>64-bit key (also known as « Control Words » or CW)</a:t>
+            </a:r>
+          </a:p>
+          <a:p>
+            <a:pPr lvl="1"/>
+            <a:r>
+              <a:rPr lang="en-US" dirty="0" smtClean="0"/>
+              <a:t>first </a:t>
+            </a:r>
+            <a:r>
+              <a:rPr lang="en-US" dirty="0"/>
+              <a:t>pass : block cipher in reverse-CBC mode</a:t>
             </a:r>
           </a:p>
           <a:p>
             <a:pPr lvl="2"/>
             <a:r>
-              <a:rPr lang="en-US" dirty="0" err="1"/>
-              <a:t>cw</a:t>
+              <a:rPr lang="en-US" dirty="0" smtClean="0"/>
+              <a:t>use </a:t>
             </a:r>
             <a:r>
               <a:rPr lang="en-US" dirty="0"/>
-              <a:t>[3] = (</a:t>
-            </a:r>
-            <a:r>
-              <a:rPr lang="en-US" dirty="0" err="1"/>
-              <a:t>cw</a:t>
+              <a:t>CW as key</a:t>
+            </a:r>
+          </a:p>
+          <a:p>
+            <a:pPr lvl="2"/>
+            <a:r>
+              <a:rPr lang="en-US" dirty="0" smtClean="0"/>
+              <a:t>block </a:t>
             </a:r>
             <a:r>
               <a:rPr lang="en-US" dirty="0"/>
-              <a:t>[0] + </a:t>
-            </a:r>
-            <a:r>
-              <a:rPr lang="en-US" dirty="0" err="1"/>
-              <a:t>cw</a:t>
-            </a:r>
+              <a:t>size : 64 bits</a:t>
+            </a:r>
+          </a:p>
+          <a:p>
+            <a:pPr lvl="2"/>
             <a:r>
               <a:rPr lang="en-US" dirty="0"/>
-              <a:t>[1] + </a:t>
-            </a:r>
-            <a:r>
-              <a:rPr lang="en-US" dirty="0" err="1"/>
-              <a:t>cw</a:t>
+              <a:t>r</a:t>
+            </a:r>
+            <a:r>
+              <a:rPr lang="en-US" dirty="0" smtClean="0"/>
+              <a:t>esidue </a:t>
             </a:r>
             <a:r>
               <a:rPr lang="en-US" dirty="0"/>
-              <a:t>[2]) mod 256</a:t>
+              <a:t>ignored</a:t>
+            </a:r>
+          </a:p>
+          <a:p>
+            <a:pPr lvl="1"/>
+            <a:r>
+              <a:rPr lang="en-US" dirty="0" smtClean="0"/>
+              <a:t>second </a:t>
+            </a:r>
+            <a:r>
+              <a:rPr lang="en-US" dirty="0"/>
+              <a:t>pass : stream cipher</a:t>
             </a:r>
           </a:p>
           <a:p>
             <a:pPr lvl="2"/>
             <a:r>
-              <a:rPr lang="en-US" dirty="0" err="1"/>
-              <a:t>cw</a:t>
+              <a:rPr lang="en-US" dirty="0" smtClean="0"/>
+              <a:t>use </a:t>
             </a:r>
             <a:r>
               <a:rPr lang="en-US" dirty="0"/>
-              <a:t>[7] = (</a:t>
-            </a:r>
-            <a:r>
-              <a:rPr lang="en-US" dirty="0" err="1"/>
-              <a:t>cw</a:t>
+              <a:t>CW as key and first block as seed (last processed block from reverse-CBC)</a:t>
+            </a:r>
+          </a:p>
+          <a:p>
+            <a:pPr lvl="2"/>
+            <a:r>
+              <a:rPr lang="en-US" dirty="0" smtClean="0"/>
+              <a:t>residue </a:t>
             </a:r>
             <a:r>
               <a:rPr lang="en-US" dirty="0"/>
-              <a:t>[4] + </a:t>
-            </a:r>
-            <a:r>
-              <a:rPr lang="en-US" dirty="0" err="1"/>
-              <a:t>cw</a:t>
+              <a:t>included</a:t>
+            </a:r>
+          </a:p>
+          <a:p>
+            <a:pPr lvl="1"/>
+            <a:r>
+              <a:rPr lang="en-US" dirty="0" smtClean="0"/>
+              <a:t>short </a:t>
             </a:r>
             <a:r>
               <a:rPr lang="en-US" dirty="0"/>
-              <a:t>[5] + </a:t>
-            </a:r>
-            <a:r>
-              <a:rPr lang="en-US" dirty="0" err="1"/>
-              <a:t>cw</a:t>
+              <a:t>payloads (1 to 7 bytes) are not encrypted</a:t>
+            </a:r>
+          </a:p>
+          <a:p>
+            <a:pPr lvl="2"/>
+            <a:r>
+              <a:rPr lang="en-US" dirty="0" smtClean="0"/>
+              <a:t>even </a:t>
             </a:r>
             <a:r>
               <a:rPr lang="en-US" dirty="0"/>
-              <a:t>[6]) mod 256</a:t>
-            </a:r>
-          </a:p>
-          <a:p>
-            <a:pPr lvl="1"/>
+              <a:t>if </a:t>
+            </a:r>
+            <a:r>
+              <a:rPr lang="en-US" i="1" dirty="0" err="1"/>
+              <a:t>transport_scrambling_control</a:t>
+            </a:r>
+            <a:r>
+              <a:rPr lang="en-US" i="1" dirty="0"/>
+              <a:t> </a:t>
+            </a:r>
+            <a:r>
+              <a:rPr lang="en-US" dirty="0"/>
+              <a:t>is </a:t>
+            </a:r>
             <a:r>
               <a:rPr lang="en-US" dirty="0" smtClean="0"/>
-              <a:t>entropy </a:t>
-            </a:r>
-            <a:r>
-              <a:rPr lang="en-US" dirty="0"/>
-              <a:t>reduction is no longer required but still often applied</a:t>
-            </a:r>
-          </a:p>
-          <a:p>
-            <a:r>
-              <a:rPr lang="en-US" dirty="0"/>
-              <a:t>Operational issues</a:t>
-            </a:r>
-          </a:p>
-          <a:p>
-            <a:pPr lvl="1"/>
-            <a:r>
-              <a:rPr lang="en-US" dirty="0" smtClean="0"/>
-              <a:t>hardware </a:t>
-            </a:r>
-            <a:r>
-              <a:rPr lang="en-US" dirty="0"/>
-              <a:t>scramblers and descramblers use plain 64-bit keys</a:t>
-            </a:r>
-          </a:p>
-          <a:p>
-            <a:pPr lvl="1"/>
-            <a:r>
-              <a:rPr lang="en-US" dirty="0"/>
-              <a:t>CWG internally generates 64 random bits</a:t>
-            </a:r>
-          </a:p>
-          <a:p>
-            <a:pPr lvl="1"/>
-            <a:r>
-              <a:rPr lang="en-US" dirty="0" smtClean="0"/>
-              <a:t>where </a:t>
-            </a:r>
-            <a:r>
-              <a:rPr lang="en-US" dirty="0"/>
-              <a:t>is the entropy reduction applied ?</a:t>
-            </a:r>
-          </a:p>
-          <a:p>
-            <a:pPr lvl="2"/>
-            <a:r>
-              <a:rPr lang="en-US" dirty="0"/>
-              <a:t>c</a:t>
-            </a:r>
-            <a:r>
-              <a:rPr lang="en-US" dirty="0" smtClean="0"/>
-              <a:t>ommon </a:t>
-            </a:r>
-            <a:r>
-              <a:rPr lang="en-US" dirty="0"/>
-              <a:t>chain : CWG? SCS?</a:t>
-            </a:r>
-          </a:p>
-          <a:p>
-            <a:pPr lvl="2"/>
-            <a:r>
-              <a:rPr lang="en-US" dirty="0" smtClean="0"/>
-              <a:t>scrambling </a:t>
-            </a:r>
-            <a:r>
-              <a:rPr lang="en-US" dirty="0"/>
-              <a:t>chain : MUX? </a:t>
-            </a:r>
-            <a:r>
-              <a:rPr lang="en-US" dirty="0" smtClean="0"/>
-              <a:t>scrambler</a:t>
-            </a:r>
-            <a:r>
-              <a:rPr lang="en-US" dirty="0"/>
-              <a:t>?</a:t>
-            </a:r>
-          </a:p>
-          <a:p>
-            <a:pPr lvl="2"/>
-            <a:r>
-              <a:rPr lang="en-US" dirty="0" smtClean="0"/>
-              <a:t>descrambling </a:t>
-            </a:r>
-            <a:r>
-              <a:rPr lang="en-US" dirty="0"/>
-              <a:t>chain : ECMG? </a:t>
-            </a:r>
-            <a:r>
-              <a:rPr lang="en-US" dirty="0" smtClean="0"/>
-              <a:t>smartcard</a:t>
-            </a:r>
-            <a:r>
-              <a:rPr lang="en-US" dirty="0"/>
-              <a:t>? </a:t>
-            </a:r>
-            <a:r>
-              <a:rPr lang="en-US" dirty="0" smtClean="0"/>
-              <a:t>CA software in STB? </a:t>
-            </a:r>
-            <a:r>
-              <a:rPr lang="en-US" dirty="0"/>
-              <a:t>d</a:t>
-            </a:r>
-            <a:r>
-              <a:rPr lang="en-US" dirty="0" smtClean="0"/>
-              <a:t>escrambler</a:t>
-            </a:r>
-            <a:r>
-              <a:rPr lang="en-US" dirty="0"/>
-              <a:t>?</a:t>
-            </a:r>
-          </a:p>
-          <a:p>
-            <a:pPr lvl="2"/>
-            <a:r>
-              <a:rPr lang="en-US" dirty="0" smtClean="0"/>
-              <a:t>who </a:t>
-            </a:r>
-            <a:r>
-              <a:rPr lang="en-US" dirty="0"/>
-              <a:t>knows if entropy reduction must be applied anyway</a:t>
-            </a:r>
-            <a:r>
-              <a:rPr lang="en-US" dirty="0" smtClean="0"/>
-              <a:t>?</a:t>
+              <a:t>non-zero</a:t>
             </a:r>
             <a:endParaRPr lang="en-US" dirty="0"/>
           </a:p>
@@ -25705,39 +30798,15 @@
           <a:p>
             <a:r>
               <a:rPr lang="en-US" dirty="0"/>
-              <a:t>DVB CSA-2 entropy reduction</a:t>
-            </a:r>
-          </a:p>
-        </p:txBody>
-      </p:sp>
-      <p:pic>
-        <p:nvPicPr>
-          <p:cNvPr id="4" name="Picture 5"/>
-          <p:cNvPicPr>
-            <a:picLocks noChangeAspect="1"/>
-          </p:cNvPicPr>
-          <p:nvPr/>
-        </p:nvPicPr>
-        <p:blipFill>
-          <a:blip r:embed="rId2"/>
-          <a:stretch>
-            <a:fillRect/>
-          </a:stretch>
-        </p:blipFill>
-        <p:spPr>
-          <a:xfrm>
-            <a:off x="6732240" y="1124744"/>
-            <a:ext cx="1491760" cy="2010061"/>
-          </a:xfrm>
-          <a:prstGeom prst="rect">
-            <a:avLst/>
-          </a:prstGeom>
-        </p:spPr>
-      </p:pic>
+              <a:t>DVB CSA-2</a:t>
+            </a:r>
+          </a:p>
+        </p:txBody>
+      </p:sp>
     </p:spTree>
     <p:extLst>
       <p:ext uri="{BB962C8B-B14F-4D97-AF65-F5344CB8AC3E}">
-        <p14:creationId xmlns:p14="http://schemas.microsoft.com/office/powerpoint/2010/main" val="3620646907"/>
+        <p14:creationId xmlns:p14="http://schemas.microsoft.com/office/powerpoint/2010/main" val="3868464394"/>
       </p:ext>
     </p:extLst>
   </p:cSld>
@@ -25785,6 +30854,354 @@
       </p:grpSpPr>
       <p:sp>
         <p:nvSpPr>
+          <p:cNvPr id="2" name="Espace réservé du contenu 1"/>
+          <p:cNvSpPr>
+            <a:spLocks noGrp="1"/>
+          </p:cNvSpPr>
+          <p:nvPr>
+            <p:ph idx="1"/>
+          </p:nvPr>
+        </p:nvSpPr>
+        <p:spPr/>
+        <p:txBody>
+          <a:bodyPr>
+            <a:normAutofit fontScale="70000" lnSpcReduction="20000"/>
+          </a:bodyPr>
+          <a:lstStyle/>
+          <a:p>
+            <a:r>
+              <a:rPr lang="en-US" dirty="0"/>
+              <a:t>Entering the twilight zone….</a:t>
+            </a:r>
+          </a:p>
+          <a:p>
+            <a:r>
+              <a:rPr lang="en-US" dirty="0"/>
+              <a:t>64-bit key</a:t>
+            </a:r>
+          </a:p>
+          <a:p>
+            <a:pPr lvl="1"/>
+            <a:r>
+              <a:rPr lang="en-US" dirty="0" smtClean="0"/>
+              <a:t>some national </a:t>
+            </a:r>
+            <a:r>
+              <a:rPr lang="en-US" dirty="0"/>
+              <a:t>regulations from the 90’s prohibited 64-bit entropy</a:t>
+            </a:r>
+          </a:p>
+          <a:p>
+            <a:pPr lvl="1"/>
+            <a:r>
+              <a:rPr lang="en-US" dirty="0" smtClean="0"/>
+              <a:t>entropy </a:t>
+            </a:r>
+            <a:r>
+              <a:rPr lang="en-US" dirty="0"/>
+              <a:t>was artificially reduced to 48 bits</a:t>
+            </a:r>
+          </a:p>
+          <a:p>
+            <a:pPr lvl="2"/>
+            <a:r>
+              <a:rPr lang="en-US" dirty="0" err="1"/>
+              <a:t>cw</a:t>
+            </a:r>
+            <a:r>
+              <a:rPr lang="en-US" dirty="0"/>
+              <a:t>[3] = (</a:t>
+            </a:r>
+            <a:r>
+              <a:rPr lang="en-US" dirty="0" err="1"/>
+              <a:t>cw</a:t>
+            </a:r>
+            <a:r>
+              <a:rPr lang="en-US" dirty="0"/>
+              <a:t>[0] + </a:t>
+            </a:r>
+            <a:r>
+              <a:rPr lang="en-US" dirty="0" err="1"/>
+              <a:t>cw</a:t>
+            </a:r>
+            <a:r>
+              <a:rPr lang="en-US" dirty="0"/>
+              <a:t>[1] + </a:t>
+            </a:r>
+            <a:r>
+              <a:rPr lang="en-US" dirty="0" err="1"/>
+              <a:t>cw</a:t>
+            </a:r>
+            <a:r>
+              <a:rPr lang="en-US" dirty="0"/>
+              <a:t>[2]) mod 256</a:t>
+            </a:r>
+          </a:p>
+          <a:p>
+            <a:pPr lvl="2"/>
+            <a:r>
+              <a:rPr lang="en-US" dirty="0" err="1"/>
+              <a:t>cw</a:t>
+            </a:r>
+            <a:r>
+              <a:rPr lang="en-US" dirty="0"/>
+              <a:t>[7] = (</a:t>
+            </a:r>
+            <a:r>
+              <a:rPr lang="en-US" dirty="0" err="1"/>
+              <a:t>cw</a:t>
+            </a:r>
+            <a:r>
+              <a:rPr lang="en-US" dirty="0"/>
+              <a:t>[4] + </a:t>
+            </a:r>
+            <a:r>
+              <a:rPr lang="en-US" dirty="0" err="1"/>
+              <a:t>cw</a:t>
+            </a:r>
+            <a:r>
+              <a:rPr lang="en-US" dirty="0"/>
+              <a:t>[5] + </a:t>
+            </a:r>
+            <a:r>
+              <a:rPr lang="en-US" dirty="0" err="1"/>
+              <a:t>cw</a:t>
+            </a:r>
+            <a:r>
+              <a:rPr lang="en-US" dirty="0"/>
+              <a:t>[6]) mod 256</a:t>
+            </a:r>
+          </a:p>
+          <a:p>
+            <a:pPr lvl="1"/>
+            <a:r>
+              <a:rPr lang="en-US" dirty="0" smtClean="0"/>
+              <a:t>entropy </a:t>
+            </a:r>
+            <a:r>
+              <a:rPr lang="en-US" dirty="0"/>
+              <a:t>reduction is no longer required but still often applied</a:t>
+            </a:r>
+          </a:p>
+          <a:p>
+            <a:r>
+              <a:rPr lang="en-US" dirty="0"/>
+              <a:t>Operational issues</a:t>
+            </a:r>
+          </a:p>
+          <a:p>
+            <a:pPr lvl="1"/>
+            <a:r>
+              <a:rPr lang="en-US" dirty="0" smtClean="0"/>
+              <a:t>hardware </a:t>
+            </a:r>
+            <a:r>
+              <a:rPr lang="en-US" dirty="0"/>
+              <a:t>scramblers and descramblers use plain 64-bit keys</a:t>
+            </a:r>
+          </a:p>
+          <a:p>
+            <a:pPr lvl="1"/>
+            <a:r>
+              <a:rPr lang="en-US" dirty="0"/>
+              <a:t>CWG internally generates 64 random bits</a:t>
+            </a:r>
+          </a:p>
+          <a:p>
+            <a:pPr lvl="1"/>
+            <a:r>
+              <a:rPr lang="en-US" dirty="0" smtClean="0"/>
+              <a:t>where </a:t>
+            </a:r>
+            <a:r>
+              <a:rPr lang="en-US" dirty="0"/>
+              <a:t>is the entropy reduction applied ?</a:t>
+            </a:r>
+          </a:p>
+          <a:p>
+            <a:pPr lvl="2"/>
+            <a:r>
+              <a:rPr lang="en-US" dirty="0"/>
+              <a:t>c</a:t>
+            </a:r>
+            <a:r>
+              <a:rPr lang="en-US" dirty="0" smtClean="0"/>
+              <a:t>ommon </a:t>
+            </a:r>
+            <a:r>
+              <a:rPr lang="en-US" dirty="0"/>
+              <a:t>chain : CWG? SCS?</a:t>
+            </a:r>
+          </a:p>
+          <a:p>
+            <a:pPr lvl="2"/>
+            <a:r>
+              <a:rPr lang="en-US" dirty="0" smtClean="0"/>
+              <a:t>scrambling </a:t>
+            </a:r>
+            <a:r>
+              <a:rPr lang="en-US" dirty="0"/>
+              <a:t>chain : MUX? </a:t>
+            </a:r>
+            <a:r>
+              <a:rPr lang="en-US" dirty="0" smtClean="0"/>
+              <a:t>scrambler</a:t>
+            </a:r>
+            <a:r>
+              <a:rPr lang="en-US" dirty="0"/>
+              <a:t>?</a:t>
+            </a:r>
+          </a:p>
+          <a:p>
+            <a:pPr lvl="2"/>
+            <a:r>
+              <a:rPr lang="en-US" dirty="0" smtClean="0"/>
+              <a:t>descrambling </a:t>
+            </a:r>
+            <a:r>
+              <a:rPr lang="en-US" dirty="0"/>
+              <a:t>chain : ECMG? </a:t>
+            </a:r>
+            <a:r>
+              <a:rPr lang="en-US" dirty="0" smtClean="0"/>
+              <a:t>smartcard</a:t>
+            </a:r>
+            <a:r>
+              <a:rPr lang="en-US" dirty="0"/>
+              <a:t>? </a:t>
+            </a:r>
+            <a:r>
+              <a:rPr lang="en-US" dirty="0" smtClean="0"/>
+              <a:t>CA software in STB? </a:t>
+            </a:r>
+            <a:r>
+              <a:rPr lang="en-US" dirty="0"/>
+              <a:t>d</a:t>
+            </a:r>
+            <a:r>
+              <a:rPr lang="en-US" dirty="0" smtClean="0"/>
+              <a:t>escrambler</a:t>
+            </a:r>
+            <a:r>
+              <a:rPr lang="en-US" dirty="0"/>
+              <a:t>?</a:t>
+            </a:r>
+          </a:p>
+          <a:p>
+            <a:pPr lvl="2"/>
+            <a:r>
+              <a:rPr lang="en-US" dirty="0" smtClean="0"/>
+              <a:t>who </a:t>
+            </a:r>
+            <a:r>
+              <a:rPr lang="en-US" dirty="0"/>
+              <a:t>knows if entropy reduction must be applied anyway</a:t>
+            </a:r>
+            <a:r>
+              <a:rPr lang="en-US" dirty="0" smtClean="0"/>
+              <a:t>?</a:t>
+            </a:r>
+            <a:endParaRPr lang="en-US" dirty="0"/>
+          </a:p>
+        </p:txBody>
+      </p:sp>
+      <p:sp>
+        <p:nvSpPr>
+          <p:cNvPr id="3" name="Titre 2"/>
+          <p:cNvSpPr>
+            <a:spLocks noGrp="1"/>
+          </p:cNvSpPr>
+          <p:nvPr>
+            <p:ph type="title"/>
+          </p:nvPr>
+        </p:nvSpPr>
+        <p:spPr/>
+        <p:txBody>
+          <a:bodyPr/>
+          <a:lstStyle/>
+          <a:p>
+            <a:r>
+              <a:rPr lang="en-US" dirty="0"/>
+              <a:t>DVB CSA-2 entropy reduction</a:t>
+            </a:r>
+          </a:p>
+        </p:txBody>
+      </p:sp>
+      <p:pic>
+        <p:nvPicPr>
+          <p:cNvPr id="4" name="Picture 5"/>
+          <p:cNvPicPr>
+            <a:picLocks noChangeAspect="1"/>
+          </p:cNvPicPr>
+          <p:nvPr/>
+        </p:nvPicPr>
+        <p:blipFill>
+          <a:blip r:embed="rId2"/>
+          <a:stretch>
+            <a:fillRect/>
+          </a:stretch>
+        </p:blipFill>
+        <p:spPr>
+          <a:xfrm>
+            <a:off x="6732240" y="1124744"/>
+            <a:ext cx="1491760" cy="2010061"/>
+          </a:xfrm>
+          <a:prstGeom prst="rect">
+            <a:avLst/>
+          </a:prstGeom>
+        </p:spPr>
+      </p:pic>
+    </p:spTree>
+    <p:extLst>
+      <p:ext uri="{BB962C8B-B14F-4D97-AF65-F5344CB8AC3E}">
+        <p14:creationId xmlns:p14="http://schemas.microsoft.com/office/powerpoint/2010/main" val="3620646907"/>
+      </p:ext>
+    </p:extLst>
+  </p:cSld>
+  <p:clrMapOvr>
+    <a:masterClrMapping/>
+  </p:clrMapOvr>
+  <mc:AlternateContent xmlns:mc="http://schemas.openxmlformats.org/markup-compatibility/2006" xmlns:p14="http://schemas.microsoft.com/office/powerpoint/2010/main">
+    <mc:Choice Requires="p14">
+      <p:transition spd="med" p14:dur="700">
+        <p:fade/>
+      </p:transition>
+    </mc:Choice>
+    <mc:Fallback xmlns="">
+      <p:transition spd="med">
+        <p:fade/>
+      </p:transition>
+    </mc:Fallback>
+  </mc:AlternateContent>
+  <p:timing>
+    <p:tnLst>
+      <p:par>
+        <p:cTn id="1" dur="indefinite" restart="never" nodeType="tmRoot"/>
+      </p:par>
+    </p:tnLst>
+  </p:timing>
+</p:sld>
+</file>
+
+<file path=ppt/slides/slide38.xml><?xml version="1.0" encoding="utf-8"?>
+<p:sld xmlns:a="http://schemas.openxmlformats.org/drawingml/2006/main" xmlns:r="http://schemas.openxmlformats.org/officeDocument/2006/relationships" xmlns:p="http://schemas.openxmlformats.org/presentationml/2006/main">
+  <p:cSld>
+    <p:spTree>
+      <p:nvGrpSpPr>
+        <p:cNvPr id="1" name=""/>
+        <p:cNvGrpSpPr/>
+        <p:nvPr/>
+      </p:nvGrpSpPr>
+      <p:grpSpPr>
+        <a:xfrm>
+          <a:off x="0" y="0"/>
+          <a:ext cx="0" cy="0"/>
+          <a:chOff x="0" y="0"/>
+          <a:chExt cx="0" cy="0"/>
+        </a:xfrm>
+      </p:grpSpPr>
+      <p:sp>
+        <p:nvSpPr>
           <p:cNvPr id="2" name="Titre 1"/>
           <p:cNvSpPr>
             <a:spLocks noGrp="1"/>
@@ -25861,241 +31278,6 @@
 </p:sld>
 </file>
 
-<file path=ppt/slides/slide38.xml><?xml version="1.0" encoding="utf-8"?>
-<p:sld xmlns:a="http://schemas.openxmlformats.org/drawingml/2006/main" xmlns:r="http://schemas.openxmlformats.org/officeDocument/2006/relationships" xmlns:p="http://schemas.openxmlformats.org/presentationml/2006/main">
-  <p:cSld>
-    <p:spTree>
-      <p:nvGrpSpPr>
-        <p:cNvPr id="1" name=""/>
-        <p:cNvGrpSpPr/>
-        <p:nvPr/>
-      </p:nvGrpSpPr>
-      <p:grpSpPr>
-        <a:xfrm>
-          <a:off x="0" y="0"/>
-          <a:ext cx="0" cy="0"/>
-          <a:chOff x="0" y="0"/>
-          <a:chExt cx="0" cy="0"/>
-        </a:xfrm>
-      </p:grpSpPr>
-      <p:sp>
-        <p:nvSpPr>
-          <p:cNvPr id="2" name="Espace réservé du contenu 1"/>
-          <p:cNvSpPr>
-            <a:spLocks noGrp="1"/>
-          </p:cNvSpPr>
-          <p:nvPr>
-            <p:ph idx="1"/>
-          </p:nvPr>
-        </p:nvSpPr>
-        <p:spPr/>
-        <p:txBody>
-          <a:bodyPr>
-            <a:normAutofit lnSpcReduction="10000"/>
-          </a:bodyPr>
-          <a:lstStyle/>
-          <a:p>
-            <a:r>
-              <a:rPr lang="en-US" dirty="0"/>
-              <a:t>MPEG</a:t>
-            </a:r>
-          </a:p>
-          <a:p>
-            <a:pPr lvl="1"/>
-            <a:r>
-              <a:rPr lang="en-US" dirty="0"/>
-              <a:t>ISO 13818-1, MPEG-2 </a:t>
-            </a:r>
-            <a:r>
-              <a:rPr lang="en-US" dirty="0" smtClean="0"/>
-              <a:t>system layer </a:t>
-            </a:r>
-            <a:r>
-              <a:rPr lang="en-US" dirty="0"/>
-              <a:t>(TS, packetization, PSI)</a:t>
-            </a:r>
-          </a:p>
-          <a:p>
-            <a:pPr lvl="2"/>
-            <a:r>
-              <a:rPr lang="en-US" dirty="0" smtClean="0"/>
-              <a:t>transport </a:t>
-            </a:r>
-            <a:r>
-              <a:rPr lang="en-US" dirty="0"/>
-              <a:t>stream </a:t>
-            </a:r>
-            <a:r>
-              <a:rPr lang="en-US" dirty="0">
-                <a:sym typeface="Wingdings" panose="05000000000000000000" pitchFamily="2" charset="2"/>
-              </a:rPr>
-              <a:t></a:t>
-            </a:r>
-            <a:r>
-              <a:rPr lang="en-US" dirty="0"/>
-              <a:t> broadcast, </a:t>
-            </a:r>
-            <a:r>
-              <a:rPr lang="en-US" dirty="0" err="1" smtClean="0"/>
-              <a:t>blu-ray</a:t>
-            </a:r>
-            <a:r>
-              <a:rPr lang="en-US" dirty="0" smtClean="0"/>
-              <a:t> discs</a:t>
-            </a:r>
-            <a:endParaRPr lang="en-US" dirty="0"/>
-          </a:p>
-          <a:p>
-            <a:pPr lvl="2"/>
-            <a:r>
-              <a:rPr lang="en-US" dirty="0" smtClean="0"/>
-              <a:t>program </a:t>
-            </a:r>
-            <a:r>
-              <a:rPr lang="en-US" dirty="0"/>
-              <a:t>stream </a:t>
-            </a:r>
-            <a:r>
-              <a:rPr lang="en-US" dirty="0">
-                <a:sym typeface="Wingdings" panose="05000000000000000000" pitchFamily="2" charset="2"/>
-              </a:rPr>
-              <a:t></a:t>
-            </a:r>
-            <a:r>
-              <a:rPr lang="en-US" dirty="0"/>
-              <a:t> DVD</a:t>
-            </a:r>
-          </a:p>
-          <a:p>
-            <a:r>
-              <a:rPr lang="en-US" dirty="0"/>
-              <a:t>DVB / ETSI (Europe and more)</a:t>
-            </a:r>
-          </a:p>
-          <a:p>
-            <a:pPr lvl="1"/>
-            <a:r>
-              <a:rPr lang="en-US" dirty="0"/>
-              <a:t>EN 300 468, DVB </a:t>
-            </a:r>
-            <a:r>
-              <a:rPr lang="en-US" dirty="0" smtClean="0"/>
-              <a:t>service information specifications (signalization)</a:t>
-            </a:r>
-            <a:endParaRPr lang="en-US" dirty="0"/>
-          </a:p>
-          <a:p>
-            <a:pPr lvl="1"/>
-            <a:r>
-              <a:rPr lang="en-US" dirty="0"/>
-              <a:t>TS 103 197, DVB </a:t>
-            </a:r>
-            <a:r>
-              <a:rPr lang="en-US" dirty="0" err="1" smtClean="0"/>
-              <a:t>simulcrypt</a:t>
-            </a:r>
-            <a:r>
-              <a:rPr lang="en-US" dirty="0" smtClean="0"/>
-              <a:t> head-end </a:t>
-            </a:r>
-            <a:r>
-              <a:rPr lang="en-US" dirty="0"/>
-              <a:t>(CAS </a:t>
-            </a:r>
-            <a:r>
-              <a:rPr lang="en-US" dirty="0" smtClean="0"/>
-              <a:t>head-end</a:t>
-            </a:r>
-            <a:r>
-              <a:rPr lang="en-US" dirty="0" smtClean="0">
-                <a:sym typeface="Wingdings" panose="05000000000000000000" pitchFamily="2" charset="2"/>
-              </a:rPr>
-              <a:t>)</a:t>
-            </a:r>
-            <a:endParaRPr lang="en-US" dirty="0"/>
-          </a:p>
-          <a:p>
-            <a:r>
-              <a:rPr lang="en-US" dirty="0" smtClean="0"/>
-              <a:t>ATSC </a:t>
-            </a:r>
-            <a:r>
-              <a:rPr lang="en-US" dirty="0"/>
-              <a:t>(USA), ISDB (Japan, Brazil)</a:t>
-            </a:r>
-          </a:p>
-          <a:p>
-            <a:pPr lvl="1"/>
-            <a:r>
-              <a:rPr lang="en-US" dirty="0" smtClean="0"/>
-              <a:t>equivalent </a:t>
-            </a:r>
-            <a:r>
-              <a:rPr lang="en-US" dirty="0"/>
-              <a:t>features as defined in </a:t>
-            </a:r>
-            <a:r>
-              <a:rPr lang="en-US" dirty="0" smtClean="0"/>
-              <a:t>DVB</a:t>
-            </a:r>
-            <a:endParaRPr lang="en-US" dirty="0"/>
-          </a:p>
-        </p:txBody>
-      </p:sp>
-      <p:sp>
-        <p:nvSpPr>
-          <p:cNvPr id="3" name="Titre 2"/>
-          <p:cNvSpPr>
-            <a:spLocks noGrp="1"/>
-          </p:cNvSpPr>
-          <p:nvPr>
-            <p:ph type="title"/>
-          </p:nvPr>
-        </p:nvSpPr>
-        <p:spPr/>
-        <p:txBody>
-          <a:bodyPr/>
-          <a:lstStyle/>
-          <a:p>
-            <a:r>
-              <a:rPr lang="en-US" dirty="0"/>
-              <a:t>Essential standards</a:t>
-            </a:r>
-          </a:p>
-        </p:txBody>
-      </p:sp>
-    </p:spTree>
-    <p:extLst>
-      <p:ext uri="{BB962C8B-B14F-4D97-AF65-F5344CB8AC3E}">
-        <p14:creationId xmlns:p14="http://schemas.microsoft.com/office/powerpoint/2010/main" val="1949750828"/>
-      </p:ext>
-    </p:extLst>
-  </p:cSld>
-  <p:clrMapOvr>
-    <a:masterClrMapping/>
-  </p:clrMapOvr>
-  <mc:AlternateContent xmlns:mc="http://schemas.openxmlformats.org/markup-compatibility/2006" xmlns:p14="http://schemas.microsoft.com/office/powerpoint/2010/main">
-    <mc:Choice Requires="p14">
-      <p:transition spd="med" p14:dur="700">
-        <p:fade/>
-      </p:transition>
-    </mc:Choice>
-    <mc:Fallback xmlns="">
-      <p:transition spd="med">
-        <p:fade/>
-      </p:transition>
-    </mc:Fallback>
-  </mc:AlternateContent>
-  <p:timing>
-    <p:tnLst>
-      <p:par>
-        <p:cTn id="1" dur="indefinite" restart="never" nodeType="tmRoot"/>
-      </p:par>
-    </p:tnLst>
-  </p:timing>
-</p:sld>
-</file>
-
 <file path=ppt/slides/slide39.xml><?xml version="1.0" encoding="utf-8"?>
 <p:sld xmlns:a="http://schemas.openxmlformats.org/drawingml/2006/main" xmlns:r="http://schemas.openxmlformats.org/officeDocument/2006/relationships" xmlns:p="http://schemas.openxmlformats.org/presentationml/2006/main">
   <p:cSld>
@@ -26126,145 +31308,154 @@
         <p:spPr/>
         <p:txBody>
           <a:bodyPr>
-            <a:normAutofit fontScale="70000" lnSpcReduction="20000"/>
+            <a:normAutofit lnSpcReduction="10000"/>
           </a:bodyPr>
           <a:lstStyle/>
           <a:p>
             <a:r>
+              <a:rPr lang="en-US" dirty="0"/>
+              <a:t>MPEG</a:t>
+            </a:r>
+          </a:p>
+          <a:p>
+            <a:pPr lvl="1"/>
+            <a:r>
+              <a:rPr lang="en-US" dirty="0"/>
+              <a:t>ISO 13818-1, MPEG-2 </a:t>
+            </a:r>
+            <a:r>
               <a:rPr lang="en-US" dirty="0" smtClean="0"/>
-              <a:t>ISO</a:t>
+              <a:t>system layer </a:t>
+            </a:r>
+            <a:r>
+              <a:rPr lang="en-US" dirty="0"/>
+              <a:t>(TS, packetization, PSI)</a:t>
+            </a:r>
+          </a:p>
+          <a:p>
+            <a:pPr lvl="2"/>
+            <a:r>
+              <a:rPr lang="en-US" dirty="0" smtClean="0"/>
+              <a:t>transport </a:t>
+            </a:r>
+            <a:r>
+              <a:rPr lang="en-US" dirty="0"/>
+              <a:t>stream </a:t>
+            </a:r>
+            <a:r>
+              <a:rPr lang="en-US" dirty="0">
+                <a:sym typeface="Wingdings" panose="05000000000000000000" pitchFamily="2" charset="2"/>
+              </a:rPr>
+              <a:t></a:t>
+            </a:r>
+            <a:r>
+              <a:rPr lang="en-US" dirty="0"/>
+              <a:t> broadcast, </a:t>
+            </a:r>
+            <a:r>
+              <a:rPr lang="en-US" dirty="0" err="1" smtClean="0"/>
+              <a:t>blu-ray</a:t>
+            </a:r>
+            <a:r>
+              <a:rPr lang="en-US" dirty="0" smtClean="0"/>
+              <a:t> discs</a:t>
+            </a:r>
+            <a:endParaRPr lang="en-US" dirty="0"/>
+          </a:p>
+          <a:p>
+            <a:pPr lvl="2"/>
+            <a:r>
+              <a:rPr lang="en-US" dirty="0" smtClean="0"/>
+              <a:t>program </a:t>
+            </a:r>
+            <a:r>
+              <a:rPr lang="en-US" dirty="0"/>
+              <a:t>stream </a:t>
+            </a:r>
+            <a:r>
+              <a:rPr lang="en-US" dirty="0">
+                <a:sym typeface="Wingdings" panose="05000000000000000000" pitchFamily="2" charset="2"/>
+              </a:rPr>
+              <a:t></a:t>
+            </a:r>
+            <a:r>
+              <a:rPr lang="en-US" dirty="0"/>
+              <a:t> DVD</a:t>
+            </a:r>
+          </a:p>
+          <a:p>
+            <a:r>
+              <a:rPr lang="en-US" dirty="0"/>
+              <a:t>DVB / ETSI (Europe and more)</a:t>
             </a:r>
           </a:p>
           <a:p>
             <a:pPr lvl="1"/>
             <a:r>
+              <a:rPr lang="en-US" dirty="0"/>
+              <a:t>EN 300 468, DVB </a:t>
+            </a:r>
+            <a:r>
               <a:rPr lang="en-US" dirty="0" smtClean="0"/>
-              <a:t>https</a:t>
-            </a:r>
+              <a:t>service information specifications (signalization)</a:t>
+            </a:r>
+            <a:endParaRPr lang="en-US" dirty="0"/>
+          </a:p>
+          <a:p>
+            <a:pPr lvl="1"/>
             <a:r>
               <a:rPr lang="en-US" dirty="0"/>
-              <a:t>://www.iso.org/standards.html</a:t>
+              <a:t>TS 103 197, DVB </a:t>
+            </a:r>
+            <a:r>
+              <a:rPr lang="en-US" dirty="0" err="1" smtClean="0"/>
+              <a:t>simulcrypt</a:t>
+            </a:r>
+            <a:r>
+              <a:rPr lang="en-US" dirty="0" smtClean="0"/>
+              <a:t> head-end </a:t>
+            </a:r>
+            <a:r>
+              <a:rPr lang="en-US" dirty="0"/>
+              <a:t>(CAS </a:t>
+            </a:r>
+            <a:r>
+              <a:rPr lang="en-US" dirty="0" smtClean="0"/>
+              <a:t>head-end</a:t>
+            </a:r>
+            <a:r>
+              <a:rPr lang="en-US" dirty="0" smtClean="0">
+                <a:sym typeface="Wingdings" panose="05000000000000000000" pitchFamily="2" charset="2"/>
+              </a:rPr>
+              <a:t>)</a:t>
+            </a:r>
+            <a:endParaRPr lang="en-US" dirty="0"/>
+          </a:p>
+          <a:p>
+            <a:r>
+              <a:rPr lang="en-US" dirty="0" smtClean="0"/>
+              <a:t>ATSC </a:t>
+            </a:r>
+            <a:r>
+              <a:rPr lang="en-US" dirty="0"/>
+              <a:t>(USA), ISDB (Japan, Brazil)</a:t>
             </a:r>
           </a:p>
           <a:p>
             <a:pPr lvl="1"/>
             <a:r>
               <a:rPr lang="en-US" dirty="0" smtClean="0"/>
-              <a:t>must </a:t>
+              <a:t>equivalent </a:t>
             </a:r>
             <a:r>
               <a:rPr lang="en-US" dirty="0"/>
-              <a:t>be purchased</a:t>
-            </a:r>
-          </a:p>
-          <a:p>
+              <a:t>features as defined in </a:t>
+            </a:r>
             <a:r>
               <a:rPr lang="en-US" dirty="0" smtClean="0"/>
               <a:t>DVB</a:t>
             </a:r>
-          </a:p>
-          <a:p>
-            <a:pPr lvl="1"/>
-            <a:r>
-              <a:rPr lang="en-US" dirty="0" smtClean="0"/>
-              <a:t>http</a:t>
-            </a:r>
-            <a:r>
-              <a:rPr lang="en-US" dirty="0"/>
-              <a:t>://www.etsi.org/standards </a:t>
-            </a:r>
-          </a:p>
-          <a:p>
-            <a:pPr lvl="1"/>
-            <a:r>
-              <a:rPr lang="en-US" dirty="0" smtClean="0"/>
-              <a:t>direct search : </a:t>
-            </a:r>
-            <a:r>
-              <a:rPr lang="en-US" dirty="0"/>
-              <a:t>http://www.etsi.org/standards-search </a:t>
-            </a:r>
-          </a:p>
-          <a:p>
-            <a:pPr lvl="1"/>
-            <a:r>
-              <a:rPr lang="en-US" dirty="0" smtClean="0"/>
-              <a:t>allocated identifiers : </a:t>
-            </a:r>
-            <a:r>
-              <a:rPr lang="en-US" dirty="0"/>
-              <a:t>http://www.dvbservices.com/identifiers/ </a:t>
-            </a:r>
-          </a:p>
-          <a:p>
-            <a:r>
-              <a:rPr lang="en-US" dirty="0"/>
-              <a:t>ITU </a:t>
-            </a:r>
-          </a:p>
-          <a:p>
-            <a:pPr lvl="1"/>
-            <a:r>
-              <a:rPr lang="en-US" dirty="0" smtClean="0"/>
-              <a:t>http</a:t>
-            </a:r>
-            <a:r>
-              <a:rPr lang="en-US" dirty="0"/>
-              <a:t>://www.itu.int/ITU-T/recommendations/ </a:t>
-            </a:r>
-          </a:p>
-          <a:p>
-            <a:pPr lvl="1"/>
-            <a:r>
-              <a:rPr lang="en-US" dirty="0" err="1"/>
-              <a:t>H.xxx</a:t>
-            </a:r>
-            <a:r>
-              <a:rPr lang="en-US" dirty="0"/>
-              <a:t> </a:t>
-            </a:r>
-            <a:r>
-              <a:rPr lang="en-US" dirty="0" smtClean="0"/>
-              <a:t>series : </a:t>
-            </a:r>
-            <a:r>
-              <a:rPr lang="en-US" dirty="0"/>
-              <a:t>http://www.itu.int/rec/T-REC-H/  </a:t>
-            </a:r>
-          </a:p>
-          <a:p>
-            <a:r>
-              <a:rPr lang="en-US" dirty="0" smtClean="0"/>
-              <a:t>IETF</a:t>
-            </a:r>
-          </a:p>
-          <a:p>
-            <a:pPr lvl="1"/>
-            <a:r>
-              <a:rPr lang="en-US" dirty="0" smtClean="0"/>
-              <a:t>https</a:t>
-            </a:r>
-            <a:r>
-              <a:rPr lang="en-US" dirty="0"/>
-              <a:t>://tools.ietf.org/ </a:t>
-            </a:r>
-          </a:p>
-          <a:p>
-            <a:r>
-              <a:rPr lang="en-US" dirty="0" smtClean="0"/>
-              <a:t>NIST</a:t>
-            </a:r>
-          </a:p>
-          <a:p>
-            <a:pPr lvl="1"/>
-            <a:r>
-              <a:rPr lang="en-US" dirty="0" smtClean="0"/>
-              <a:t>http</a:t>
-            </a:r>
-            <a:r>
-              <a:rPr lang="en-US" dirty="0"/>
-              <a:t>://csrc.nist.gov/publications/ </a:t>
-            </a:r>
+            <a:endParaRPr lang="en-US" dirty="0"/>
           </a:p>
         </p:txBody>
       </p:sp>
@@ -26284,17 +31475,16 @@
           <a:lstStyle/>
           <a:p>
             <a:r>
-              <a:rPr lang="en-US" dirty="0" smtClean="0"/>
-              <a:t>Obtaining standards documents</a:t>
-            </a:r>
-            <a:endParaRPr lang="en-US" dirty="0"/>
+              <a:rPr lang="en-US" dirty="0"/>
+              <a:t>Essential standards</a:t>
+            </a:r>
           </a:p>
         </p:txBody>
       </p:sp>
     </p:spTree>
     <p:extLst>
       <p:ext uri="{BB962C8B-B14F-4D97-AF65-F5344CB8AC3E}">
-        <p14:creationId xmlns:p14="http://schemas.microsoft.com/office/powerpoint/2010/main" val="3517580049"/>
+        <p14:creationId xmlns:p14="http://schemas.microsoft.com/office/powerpoint/2010/main" val="1949750828"/>
       </p:ext>
     </p:extLst>
   </p:cSld>
@@ -26574,6 +31764,233 @@
       </p:grpSpPr>
       <p:sp>
         <p:nvSpPr>
+          <p:cNvPr id="2" name="Espace réservé du contenu 1"/>
+          <p:cNvSpPr>
+            <a:spLocks noGrp="1"/>
+          </p:cNvSpPr>
+          <p:nvPr>
+            <p:ph idx="1"/>
+          </p:nvPr>
+        </p:nvSpPr>
+        <p:spPr/>
+        <p:txBody>
+          <a:bodyPr>
+            <a:normAutofit fontScale="70000" lnSpcReduction="20000"/>
+          </a:bodyPr>
+          <a:lstStyle/>
+          <a:p>
+            <a:r>
+              <a:rPr lang="en-US" dirty="0" smtClean="0"/>
+              <a:t>ISO</a:t>
+            </a:r>
+          </a:p>
+          <a:p>
+            <a:pPr lvl="1"/>
+            <a:r>
+              <a:rPr lang="en-US" dirty="0" smtClean="0"/>
+              <a:t>https</a:t>
+            </a:r>
+            <a:r>
+              <a:rPr lang="en-US" dirty="0"/>
+              <a:t>://www.iso.org/standards.html</a:t>
+            </a:r>
+          </a:p>
+          <a:p>
+            <a:pPr lvl="1"/>
+            <a:r>
+              <a:rPr lang="en-US" dirty="0" smtClean="0"/>
+              <a:t>must </a:t>
+            </a:r>
+            <a:r>
+              <a:rPr lang="en-US" dirty="0"/>
+              <a:t>be purchased</a:t>
+            </a:r>
+          </a:p>
+          <a:p>
+            <a:r>
+              <a:rPr lang="en-US" dirty="0" smtClean="0"/>
+              <a:t>DVB</a:t>
+            </a:r>
+          </a:p>
+          <a:p>
+            <a:pPr lvl="1"/>
+            <a:r>
+              <a:rPr lang="en-US" dirty="0" smtClean="0"/>
+              <a:t>http</a:t>
+            </a:r>
+            <a:r>
+              <a:rPr lang="en-US" dirty="0"/>
+              <a:t>://www.etsi.org/standards </a:t>
+            </a:r>
+          </a:p>
+          <a:p>
+            <a:pPr lvl="1"/>
+            <a:r>
+              <a:rPr lang="en-US" dirty="0" smtClean="0"/>
+              <a:t>direct search : </a:t>
+            </a:r>
+            <a:r>
+              <a:rPr lang="en-US" dirty="0"/>
+              <a:t>http://www.etsi.org/standards-search </a:t>
+            </a:r>
+          </a:p>
+          <a:p>
+            <a:pPr lvl="1"/>
+            <a:r>
+              <a:rPr lang="en-US" dirty="0" smtClean="0"/>
+              <a:t>allocated identifiers : </a:t>
+            </a:r>
+            <a:r>
+              <a:rPr lang="en-US" dirty="0"/>
+              <a:t>http://www.dvbservices.com/identifiers/ </a:t>
+            </a:r>
+          </a:p>
+          <a:p>
+            <a:r>
+              <a:rPr lang="en-US" dirty="0"/>
+              <a:t>ITU </a:t>
+            </a:r>
+          </a:p>
+          <a:p>
+            <a:pPr lvl="1"/>
+            <a:r>
+              <a:rPr lang="en-US" dirty="0" smtClean="0"/>
+              <a:t>http</a:t>
+            </a:r>
+            <a:r>
+              <a:rPr lang="en-US" dirty="0"/>
+              <a:t>://www.itu.int/ITU-T/recommendations/ </a:t>
+            </a:r>
+          </a:p>
+          <a:p>
+            <a:pPr lvl="1"/>
+            <a:r>
+              <a:rPr lang="en-US" dirty="0" err="1"/>
+              <a:t>H.xxx</a:t>
+            </a:r>
+            <a:r>
+              <a:rPr lang="en-US" dirty="0"/>
+              <a:t> </a:t>
+            </a:r>
+            <a:r>
+              <a:rPr lang="en-US" dirty="0" smtClean="0"/>
+              <a:t>series : </a:t>
+            </a:r>
+            <a:r>
+              <a:rPr lang="en-US" dirty="0"/>
+              <a:t>http://www.itu.int/rec/T-REC-H/  </a:t>
+            </a:r>
+          </a:p>
+          <a:p>
+            <a:r>
+              <a:rPr lang="en-US" dirty="0" smtClean="0"/>
+              <a:t>IETF</a:t>
+            </a:r>
+          </a:p>
+          <a:p>
+            <a:pPr lvl="1"/>
+            <a:r>
+              <a:rPr lang="en-US" dirty="0" smtClean="0"/>
+              <a:t>https</a:t>
+            </a:r>
+            <a:r>
+              <a:rPr lang="en-US" dirty="0"/>
+              <a:t>://tools.ietf.org/ </a:t>
+            </a:r>
+          </a:p>
+          <a:p>
+            <a:r>
+              <a:rPr lang="en-US" dirty="0" smtClean="0"/>
+              <a:t>NIST</a:t>
+            </a:r>
+          </a:p>
+          <a:p>
+            <a:pPr lvl="1"/>
+            <a:r>
+              <a:rPr lang="en-US" dirty="0" smtClean="0"/>
+              <a:t>http</a:t>
+            </a:r>
+            <a:r>
+              <a:rPr lang="en-US" dirty="0"/>
+              <a:t>://csrc.nist.gov/publications/ </a:t>
+            </a:r>
+          </a:p>
+        </p:txBody>
+      </p:sp>
+      <p:sp>
+        <p:nvSpPr>
+          <p:cNvPr id="3" name="Titre 2"/>
+          <p:cNvSpPr>
+            <a:spLocks noGrp="1"/>
+          </p:cNvSpPr>
+          <p:nvPr>
+            <p:ph type="title"/>
+          </p:nvPr>
+        </p:nvSpPr>
+        <p:spPr/>
+        <p:txBody>
+          <a:bodyPr/>
+          <a:lstStyle/>
+          <a:p>
+            <a:r>
+              <a:rPr lang="en-US" dirty="0" smtClean="0"/>
+              <a:t>Obtaining standards documents</a:t>
+            </a:r>
+            <a:endParaRPr lang="en-US" dirty="0"/>
+          </a:p>
+        </p:txBody>
+      </p:sp>
+    </p:spTree>
+    <p:extLst>
+      <p:ext uri="{BB962C8B-B14F-4D97-AF65-F5344CB8AC3E}">
+        <p14:creationId xmlns:p14="http://schemas.microsoft.com/office/powerpoint/2010/main" val="3517580049"/>
+      </p:ext>
+    </p:extLst>
+  </p:cSld>
+  <p:clrMapOvr>
+    <a:masterClrMapping/>
+  </p:clrMapOvr>
+  <mc:AlternateContent xmlns:mc="http://schemas.openxmlformats.org/markup-compatibility/2006" xmlns:p14="http://schemas.microsoft.com/office/powerpoint/2010/main">
+    <mc:Choice Requires="p14">
+      <p:transition spd="med" p14:dur="700">
+        <p:fade/>
+      </p:transition>
+    </mc:Choice>
+    <mc:Fallback xmlns="">
+      <p:transition spd="med">
+        <p:fade/>
+      </p:transition>
+    </mc:Fallback>
+  </mc:AlternateContent>
+  <p:timing>
+    <p:tnLst>
+      <p:par>
+        <p:cTn id="1" dur="indefinite" restart="never" nodeType="tmRoot"/>
+      </p:par>
+    </p:tnLst>
+  </p:timing>
+</p:sld>
+</file>
+
+<file path=ppt/slides/slide41.xml><?xml version="1.0" encoding="utf-8"?>
+<p:sld xmlns:a="http://schemas.openxmlformats.org/drawingml/2006/main" xmlns:r="http://schemas.openxmlformats.org/officeDocument/2006/relationships" xmlns:p="http://schemas.openxmlformats.org/presentationml/2006/main">
+  <p:cSld>
+    <p:spTree>
+      <p:nvGrpSpPr>
+        <p:cNvPr id="1" name=""/>
+        <p:cNvGrpSpPr/>
+        <p:nvPr/>
+      </p:nvGrpSpPr>
+      <p:grpSpPr>
+        <a:xfrm>
+          <a:off x="0" y="0"/>
+          <a:ext cx="0" cy="0"/>
+          <a:chOff x="0" y="0"/>
+          <a:chExt cx="0" cy="0"/>
+        </a:xfrm>
+      </p:grpSpPr>
+      <p:sp>
+        <p:nvSpPr>
           <p:cNvPr id="3" name="Titre 2"/>
           <p:cNvSpPr>
             <a:spLocks noGrp="1"/>
@@ -26628,11 +32045,41 @@
                 <a:tableStyleId>{EB344D84-9AFB-497E-A393-DC336BA19D2E}</a:tableStyleId>
               </a:tblPr>
               <a:tblGrid>
-                <a:gridCol w="1412110"/>
-                <a:gridCol w="801438"/>
-                <a:gridCol w="1068584"/>
-                <a:gridCol w="801438"/>
-                <a:gridCol w="3549278"/>
+                <a:gridCol w="1412110">
+                  <a:extLst>
+                    <a:ext uri="{9D8B030D-6E8A-4147-A177-3AD203B41FA5}">
+                      <a16:colId xmlns:a16="http://schemas.microsoft.com/office/drawing/2014/main" val="20000"/>
+                    </a:ext>
+                  </a:extLst>
+                </a:gridCol>
+                <a:gridCol w="801438">
+                  <a:extLst>
+                    <a:ext uri="{9D8B030D-6E8A-4147-A177-3AD203B41FA5}">
+                      <a16:colId xmlns:a16="http://schemas.microsoft.com/office/drawing/2014/main" val="20001"/>
+                    </a:ext>
+                  </a:extLst>
+                </a:gridCol>
+                <a:gridCol w="1068584">
+                  <a:extLst>
+                    <a:ext uri="{9D8B030D-6E8A-4147-A177-3AD203B41FA5}">
+                      <a16:colId xmlns:a16="http://schemas.microsoft.com/office/drawing/2014/main" val="20002"/>
+                    </a:ext>
+                  </a:extLst>
+                </a:gridCol>
+                <a:gridCol w="801438">
+                  <a:extLst>
+                    <a:ext uri="{9D8B030D-6E8A-4147-A177-3AD203B41FA5}">
+                      <a16:colId xmlns:a16="http://schemas.microsoft.com/office/drawing/2014/main" val="20003"/>
+                    </a:ext>
+                  </a:extLst>
+                </a:gridCol>
+                <a:gridCol w="3549278">
+                  <a:extLst>
+                    <a:ext uri="{9D8B030D-6E8A-4147-A177-3AD203B41FA5}">
+                      <a16:colId xmlns:a16="http://schemas.microsoft.com/office/drawing/2014/main" val="20004"/>
+                    </a:ext>
+                  </a:extLst>
+                </a:gridCol>
               </a:tblGrid>
               <a:tr h="317551">
                 <a:tc>
@@ -26841,6 +32288,11 @@
                     </a:solidFill>
                   </a:tcPr>
                 </a:tc>
+                <a:extLst>
+                  <a:ext uri="{0D108BD9-81ED-4DB2-BD59-A6C34878D82A}">
+                    <a16:rowId xmlns:a16="http://schemas.microsoft.com/office/drawing/2014/main" val="10000"/>
+                  </a:ext>
+                </a:extLst>
               </a:tr>
               <a:tr h="317551">
                 <a:tc>
@@ -27034,6 +32486,11 @@
                     </a:lnBlToTr>
                   </a:tcPr>
                 </a:tc>
+                <a:extLst>
+                  <a:ext uri="{0D108BD9-81ED-4DB2-BD59-A6C34878D82A}">
+                    <a16:rowId xmlns:a16="http://schemas.microsoft.com/office/drawing/2014/main" val="10001"/>
+                  </a:ext>
+                </a:extLst>
               </a:tr>
               <a:tr h="317551">
                 <a:tc>
@@ -27211,6 +32668,11 @@
                     </a:lnBlToTr>
                   </a:tcPr>
                 </a:tc>
+                <a:extLst>
+                  <a:ext uri="{0D108BD9-81ED-4DB2-BD59-A6C34878D82A}">
+                    <a16:rowId xmlns:a16="http://schemas.microsoft.com/office/drawing/2014/main" val="10002"/>
+                  </a:ext>
+                </a:extLst>
               </a:tr>
               <a:tr h="317551">
                 <a:tc>
@@ -27388,6 +32850,11 @@
                     </a:lnBlToTr>
                   </a:tcPr>
                 </a:tc>
+                <a:extLst>
+                  <a:ext uri="{0D108BD9-81ED-4DB2-BD59-A6C34878D82A}">
+                    <a16:rowId xmlns:a16="http://schemas.microsoft.com/office/drawing/2014/main" val="10003"/>
+                  </a:ext>
+                </a:extLst>
               </a:tr>
               <a:tr h="533448">
                 <a:tc>
@@ -27571,6 +33038,11 @@
                     </a:lnBlToTr>
                   </a:tcPr>
                 </a:tc>
+                <a:extLst>
+                  <a:ext uri="{0D108BD9-81ED-4DB2-BD59-A6C34878D82A}">
+                    <a16:rowId xmlns:a16="http://schemas.microsoft.com/office/drawing/2014/main" val="10004"/>
+                  </a:ext>
+                </a:extLst>
               </a:tr>
               <a:tr h="317551">
                 <a:tc>
@@ -27744,6 +33216,11 @@
                     </a:lnBlToTr>
                   </a:tcPr>
                 </a:tc>
+                <a:extLst>
+                  <a:ext uri="{0D108BD9-81ED-4DB2-BD59-A6C34878D82A}">
+                    <a16:rowId xmlns:a16="http://schemas.microsoft.com/office/drawing/2014/main" val="10005"/>
+                  </a:ext>
+                </a:extLst>
               </a:tr>
               <a:tr h="317551">
                 <a:tc>
@@ -27917,6 +33394,11 @@
                     </a:lnBlToTr>
                   </a:tcPr>
                 </a:tc>
+                <a:extLst>
+                  <a:ext uri="{0D108BD9-81ED-4DB2-BD59-A6C34878D82A}">
+                    <a16:rowId xmlns:a16="http://schemas.microsoft.com/office/drawing/2014/main" val="10006"/>
+                  </a:ext>
+                </a:extLst>
               </a:tr>
               <a:tr h="317551">
                 <a:tc>
@@ -28094,6 +33576,11 @@
                     </a:lnBlToTr>
                   </a:tcPr>
                 </a:tc>
+                <a:extLst>
+                  <a:ext uri="{0D108BD9-81ED-4DB2-BD59-A6C34878D82A}">
+                    <a16:rowId xmlns:a16="http://schemas.microsoft.com/office/drawing/2014/main" val="10007"/>
+                  </a:ext>
+                </a:extLst>
               </a:tr>
               <a:tr h="317551">
                 <a:tc>
@@ -28239,11 +33726,7 @@
                     <a:p>
                       <a:r>
                         <a:rPr lang="en-US" sz="1400" noProof="0" dirty="0" smtClean="0"/>
-                        <a:t>HE-AAC, </a:t>
-                      </a:r>
-                      <a:r>
-                        <a:rPr lang="en-US" sz="1400" noProof="0" dirty="0" smtClean="0"/>
-                        <a:t>EAAC (High Efficiency, Enhanced AAC)</a:t>
+                        <a:t>HE-AAC, EAAC (High Efficiency, Enhanced AAC)</a:t>
                       </a:r>
                       <a:endParaRPr lang="en-US" sz="1400" noProof="0" dirty="0"/>
                     </a:p>
@@ -28271,6 +33754,11 @@
                     </a:lnBlToTr>
                   </a:tcPr>
                 </a:tc>
+                <a:extLst>
+                  <a:ext uri="{0D108BD9-81ED-4DB2-BD59-A6C34878D82A}">
+                    <a16:rowId xmlns:a16="http://schemas.microsoft.com/office/drawing/2014/main" val="10008"/>
+                  </a:ext>
+                </a:extLst>
               </a:tr>
               <a:tr h="317551">
                 <a:tc>
@@ -28448,6 +33936,11 @@
                     </a:lnBlToTr>
                   </a:tcPr>
                 </a:tc>
+                <a:extLst>
+                  <a:ext uri="{0D108BD9-81ED-4DB2-BD59-A6C34878D82A}">
+                    <a16:rowId xmlns:a16="http://schemas.microsoft.com/office/drawing/2014/main" val="10009"/>
+                  </a:ext>
+                </a:extLst>
               </a:tr>
               <a:tr h="317551">
                 <a:tc>
@@ -28642,6 +34135,11 @@
                     </a:lnBlToTr>
                   </a:tcPr>
                 </a:tc>
+                <a:extLst>
+                  <a:ext uri="{0D108BD9-81ED-4DB2-BD59-A6C34878D82A}">
+                    <a16:rowId xmlns:a16="http://schemas.microsoft.com/office/drawing/2014/main" val="10010"/>
+                  </a:ext>
+                </a:extLst>
               </a:tr>
               <a:tr h="317551">
                 <a:tc>
@@ -28811,6 +34309,11 @@
                     </a:lnBlToTr>
                   </a:tcPr>
                 </a:tc>
+                <a:extLst>
+                  <a:ext uri="{0D108BD9-81ED-4DB2-BD59-A6C34878D82A}">
+                    <a16:rowId xmlns:a16="http://schemas.microsoft.com/office/drawing/2014/main" val="10011"/>
+                  </a:ext>
+                </a:extLst>
               </a:tr>
             </a:tbl>
           </a:graphicData>
@@ -28848,7 +34351,7 @@
 </p:sld>
 </file>
 
-<file path=ppt/slides/slide41.xml><?xml version="1.0" encoding="utf-8"?>
+<file path=ppt/slides/slide42.xml><?xml version="1.0" encoding="utf-8"?>
 <p:sld xmlns:a="http://schemas.openxmlformats.org/drawingml/2006/main" xmlns:r="http://schemas.openxmlformats.org/officeDocument/2006/relationships" xmlns:p="http://schemas.openxmlformats.org/presentationml/2006/main">
   <p:cSld>
     <p:spTree>

--- a/doc/mpegts-introduction.pptx
+++ b/doc/mpegts-introduction.pptx
@@ -252,7 +252,7 @@
           <a:p>
             <a:fld id="{C55B0BA7-B0E2-4C07-8528-84B7AE1BAF72}" type="datetimeFigureOut">
               <a:rPr lang="en-US" smtClean="0"/>
-              <a:t>2020-11-06</a:t>
+              <a:t>2020-11-09</a:t>
             </a:fld>
             <a:endParaRPr lang="en-US"/>
           </a:p>
@@ -418,7 +418,7 @@
           <a:p>
             <a:fld id="{66F6DD61-880C-4F33-96A2-51E92479021F}" type="datetimeFigureOut">
               <a:rPr lang="en-US" smtClean="0"/>
-              <a:t>2020-11-06</a:t>
+              <a:t>2020-11-09</a:t>
             </a:fld>
             <a:endParaRPr lang="en-US" dirty="0"/>
           </a:p>
@@ -2903,7 +2903,7 @@
         <p:spPr>
           <a:xfrm>
             <a:off x="430533" y="3075806"/>
-            <a:ext cx="7772400" cy="1368152"/>
+            <a:ext cx="7772400" cy="576064"/>
           </a:xfrm>
         </p:spPr>
         <p:txBody>
@@ -2960,6 +2960,216 @@
           </a:extLst>
         </p:spPr>
       </p:pic>
+      <p:sp>
+        <p:nvSpPr>
+          <p:cNvPr id="5" name="Sous-titre 2"/>
+          <p:cNvSpPr txBox="1">
+            <a:spLocks/>
+          </p:cNvSpPr>
+          <p:nvPr/>
+        </p:nvSpPr>
+        <p:spPr>
+          <a:xfrm>
+            <a:off x="430533" y="4443958"/>
+            <a:ext cx="7772400" cy="576064"/>
+          </a:xfrm>
+          <a:prstGeom prst="rect">
+            <a:avLst/>
+          </a:prstGeom>
+        </p:spPr>
+        <p:txBody>
+          <a:bodyPr vert="horz" lIns="91440" tIns="45720" rIns="91440" bIns="45720" rtlCol="0">
+            <a:normAutofit/>
+          </a:bodyPr>
+          <a:lstStyle>
+            <a:lvl1pPr marL="0" indent="0" algn="ctr" defTabSz="914400" rtl="0" eaLnBrk="1" latinLnBrk="0" hangingPunct="1">
+              <a:spcBef>
+                <a:spcPct val="20000"/>
+              </a:spcBef>
+              <a:buClr>
+                <a:srgbClr val="27AE60"/>
+              </a:buClr>
+              <a:buSzPct val="100000"/>
+              <a:buFont typeface="Calibri" panose="020F0502020204030204" pitchFamily="34" charset="0"/>
+              <a:buNone/>
+              <a:defRPr sz="2600" kern="1200">
+                <a:solidFill>
+                  <a:schemeClr val="tx1">
+                    <a:lumMod val="65000"/>
+                    <a:lumOff val="35000"/>
+                  </a:schemeClr>
+                </a:solidFill>
+                <a:latin typeface="Calibri" panose="020F0502020204030204" pitchFamily="34" charset="0"/>
+                <a:ea typeface="Arial Unicode MS" pitchFamily="34" charset="-128"/>
+                <a:cs typeface="Arial Unicode MS" pitchFamily="34" charset="-128"/>
+              </a:defRPr>
+            </a:lvl1pPr>
+            <a:lvl2pPr marL="457200" indent="0" algn="ctr" defTabSz="914400" rtl="0" eaLnBrk="1" latinLnBrk="0" hangingPunct="1">
+              <a:spcBef>
+                <a:spcPct val="20000"/>
+              </a:spcBef>
+              <a:buClr>
+                <a:srgbClr val="2ECC71"/>
+              </a:buClr>
+              <a:buSzPct val="100000"/>
+              <a:buFont typeface="Calibri" panose="020F0502020204030204" pitchFamily="34" charset="0"/>
+              <a:buNone/>
+              <a:defRPr sz="2200" kern="1200">
+                <a:solidFill>
+                  <a:schemeClr val="tx1">
+                    <a:tint val="75000"/>
+                  </a:schemeClr>
+                </a:solidFill>
+                <a:latin typeface="Calibri" panose="020F0502020204030204" pitchFamily="34" charset="0"/>
+                <a:ea typeface="Arial Unicode MS" pitchFamily="34" charset="-128"/>
+                <a:cs typeface="Arial Unicode MS" pitchFamily="34" charset="-128"/>
+              </a:defRPr>
+            </a:lvl2pPr>
+            <a:lvl3pPr marL="914400" indent="0" algn="ctr" defTabSz="914400" rtl="0" eaLnBrk="1" latinLnBrk="0" hangingPunct="1">
+              <a:spcBef>
+                <a:spcPct val="20000"/>
+              </a:spcBef>
+              <a:buClr>
+                <a:srgbClr val="2ECC71"/>
+              </a:buClr>
+              <a:buSzPct val="100000"/>
+              <a:buFont typeface="Arial" pitchFamily="34" charset="0"/>
+              <a:buNone/>
+              <a:defRPr sz="2000" kern="1200">
+                <a:solidFill>
+                  <a:schemeClr val="tx1">
+                    <a:tint val="75000"/>
+                  </a:schemeClr>
+                </a:solidFill>
+                <a:latin typeface="Calibri" panose="020F0502020204030204" pitchFamily="34" charset="0"/>
+                <a:ea typeface="Arial Unicode MS" pitchFamily="34" charset="-128"/>
+                <a:cs typeface="Arial Unicode MS" pitchFamily="34" charset="-128"/>
+              </a:defRPr>
+            </a:lvl3pPr>
+            <a:lvl4pPr marL="1371600" indent="0" algn="ctr" defTabSz="914400" rtl="0" eaLnBrk="1" latinLnBrk="0" hangingPunct="1">
+              <a:spcBef>
+                <a:spcPct val="20000"/>
+              </a:spcBef>
+              <a:buClr>
+                <a:srgbClr val="27AE60"/>
+              </a:buClr>
+              <a:buSzPct val="80000"/>
+              <a:buFont typeface="Wingdings" panose="05000000000000000000" pitchFamily="2" charset="2"/>
+              <a:buNone/>
+              <a:defRPr sz="1800" kern="1200">
+                <a:solidFill>
+                  <a:schemeClr val="tx1">
+                    <a:tint val="75000"/>
+                  </a:schemeClr>
+                </a:solidFill>
+                <a:latin typeface="Calibri" panose="020F0502020204030204" pitchFamily="34" charset="0"/>
+                <a:ea typeface="Arial Unicode MS" pitchFamily="34" charset="-128"/>
+                <a:cs typeface="Arial Unicode MS" pitchFamily="34" charset="-128"/>
+              </a:defRPr>
+            </a:lvl4pPr>
+            <a:lvl5pPr marL="1828800" indent="0" algn="ctr" defTabSz="914400" rtl="0" eaLnBrk="1" latinLnBrk="0" hangingPunct="1">
+              <a:spcBef>
+                <a:spcPct val="20000"/>
+              </a:spcBef>
+              <a:buClr>
+                <a:srgbClr val="2ECC71"/>
+              </a:buClr>
+              <a:buSzPct val="80000"/>
+              <a:buFont typeface="Wingdings" panose="05000000000000000000" pitchFamily="2" charset="2"/>
+              <a:buNone/>
+              <a:defRPr sz="1800" kern="1200">
+                <a:solidFill>
+                  <a:schemeClr val="tx1">
+                    <a:tint val="75000"/>
+                  </a:schemeClr>
+                </a:solidFill>
+                <a:latin typeface="Calibri" panose="020F0502020204030204" pitchFamily="34" charset="0"/>
+                <a:ea typeface="Arial Unicode MS" pitchFamily="34" charset="-128"/>
+                <a:cs typeface="Arial Unicode MS" pitchFamily="34" charset="-128"/>
+              </a:defRPr>
+            </a:lvl5pPr>
+            <a:lvl6pPr marL="2286000" indent="0" algn="ctr" defTabSz="914400" rtl="0" eaLnBrk="1" latinLnBrk="0" hangingPunct="1">
+              <a:spcBef>
+                <a:spcPct val="20000"/>
+              </a:spcBef>
+              <a:buFont typeface="Arial" pitchFamily="34" charset="0"/>
+              <a:buNone/>
+              <a:defRPr sz="2000" kern="1200">
+                <a:solidFill>
+                  <a:schemeClr val="tx1">
+                    <a:tint val="75000"/>
+                  </a:schemeClr>
+                </a:solidFill>
+                <a:latin typeface="+mn-lt"/>
+                <a:ea typeface="+mn-ea"/>
+                <a:cs typeface="+mn-cs"/>
+              </a:defRPr>
+            </a:lvl6pPr>
+            <a:lvl7pPr marL="2743200" indent="0" algn="ctr" defTabSz="914400" rtl="0" eaLnBrk="1" latinLnBrk="0" hangingPunct="1">
+              <a:spcBef>
+                <a:spcPct val="20000"/>
+              </a:spcBef>
+              <a:buFont typeface="Arial" pitchFamily="34" charset="0"/>
+              <a:buNone/>
+              <a:defRPr sz="2000" kern="1200">
+                <a:solidFill>
+                  <a:schemeClr val="tx1">
+                    <a:tint val="75000"/>
+                  </a:schemeClr>
+                </a:solidFill>
+                <a:latin typeface="+mn-lt"/>
+                <a:ea typeface="+mn-ea"/>
+                <a:cs typeface="+mn-cs"/>
+              </a:defRPr>
+            </a:lvl7pPr>
+            <a:lvl8pPr marL="3200400" indent="0" algn="ctr" defTabSz="914400" rtl="0" eaLnBrk="1" latinLnBrk="0" hangingPunct="1">
+              <a:spcBef>
+                <a:spcPct val="20000"/>
+              </a:spcBef>
+              <a:buFont typeface="Arial" pitchFamily="34" charset="0"/>
+              <a:buNone/>
+              <a:defRPr sz="2000" kern="1200">
+                <a:solidFill>
+                  <a:schemeClr val="tx1">
+                    <a:tint val="75000"/>
+                  </a:schemeClr>
+                </a:solidFill>
+                <a:latin typeface="+mn-lt"/>
+                <a:ea typeface="+mn-ea"/>
+                <a:cs typeface="+mn-cs"/>
+              </a:defRPr>
+            </a:lvl8pPr>
+            <a:lvl9pPr marL="3657600" indent="0" algn="ctr" defTabSz="914400" rtl="0" eaLnBrk="1" latinLnBrk="0" hangingPunct="1">
+              <a:spcBef>
+                <a:spcPct val="20000"/>
+              </a:spcBef>
+              <a:buFont typeface="Arial" pitchFamily="34" charset="0"/>
+              <a:buNone/>
+              <a:defRPr sz="2000" kern="1200">
+                <a:solidFill>
+                  <a:schemeClr val="tx1">
+                    <a:tint val="75000"/>
+                  </a:schemeClr>
+                </a:solidFill>
+                <a:latin typeface="+mn-lt"/>
+                <a:ea typeface="+mn-ea"/>
+                <a:cs typeface="+mn-cs"/>
+              </a:defRPr>
+            </a:lvl9pPr>
+          </a:lstStyle>
+          <a:p>
+            <a:r>
+              <a:rPr lang="en-US" sz="1200" b="1" dirty="0"/>
+              <a:t>v</a:t>
+            </a:r>
+            <a:r>
+              <a:rPr lang="en-US" sz="1200" b="1" dirty="0" smtClean="0"/>
+              <a:t>ersion 5</a:t>
+            </a:r>
+            <a:endParaRPr lang="en-US" sz="1200" b="1" dirty="0" smtClean="0"/>
+          </a:p>
+        </p:txBody>
+      </p:sp>
     </p:spTree>
     <p:extLst>
       <p:ext uri="{BB962C8B-B14F-4D97-AF65-F5344CB8AC3E}">
@@ -16959,11 +17169,11 @@
           <a:p>
             <a:r>
               <a:rPr lang="en-US" dirty="0"/>
-              <a:t>Scrambling synchronization (</a:t>
+              <a:t>Scrambling </a:t>
             </a:r>
             <a:r>
               <a:rPr lang="en-US" dirty="0" smtClean="0"/>
-              <a:t>1/4)</a:t>
+              <a:t>synchronization : principles</a:t>
             </a:r>
             <a:endParaRPr lang="en-US" dirty="0"/>
           </a:p>
@@ -17106,11 +17316,11 @@
           <a:p>
             <a:r>
               <a:rPr lang="en-US" dirty="0"/>
-              <a:t>Scrambling synchronization (</a:t>
+              <a:t>Scrambling synchronization </a:t>
             </a:r>
             <a:r>
               <a:rPr lang="en-US" dirty="0" smtClean="0"/>
-              <a:t>2/4)</a:t>
+              <a:t>: head-end view</a:t>
             </a:r>
             <a:endParaRPr lang="en-US" dirty="0"/>
           </a:p>
@@ -20544,8 +20754,16 @@
           <a:lstStyle/>
           <a:p>
             <a:r>
+              <a:rPr lang="en-US" dirty="0"/>
+              <a:t>T</a:t>
+            </a:r>
+            <a:r>
               <a:rPr lang="en-US" dirty="0" smtClean="0"/>
-              <a:t>transport streams</a:t>
+              <a:t>ransport </a:t>
+            </a:r>
+            <a:r>
+              <a:rPr lang="en-US" dirty="0" smtClean="0"/>
+              <a:t>streams</a:t>
             </a:r>
             <a:endParaRPr lang="en-US" dirty="0"/>
           </a:p>
@@ -20649,11 +20867,11 @@
           <a:p>
             <a:r>
               <a:rPr lang="en-US" dirty="0"/>
-              <a:t>Scrambling synchronization (</a:t>
+              <a:t>Scrambling synchronization </a:t>
             </a:r>
             <a:r>
               <a:rPr lang="en-US" dirty="0" smtClean="0"/>
-              <a:t>3/4)</a:t>
+              <a:t>: head-end timeline</a:t>
             </a:r>
             <a:endParaRPr lang="en-US" dirty="0"/>
           </a:p>
@@ -23750,8 +23968,8 @@
         </p:nvCxnSpPr>
         <p:spPr>
           <a:xfrm flipH="1">
-            <a:off x="2445130" y="2322602"/>
-            <a:ext cx="17383" cy="2265372"/>
+            <a:off x="2444261" y="2113173"/>
+            <a:ext cx="19121" cy="2176979"/>
           </a:xfrm>
           <a:prstGeom prst="line">
             <a:avLst/>
@@ -23788,8 +24006,8 @@
         </p:nvCxnSpPr>
         <p:spPr>
           <a:xfrm flipH="1">
-            <a:off x="5052962" y="2322602"/>
-            <a:ext cx="17383" cy="2265372"/>
+            <a:off x="5052093" y="2113173"/>
+            <a:ext cx="19121" cy="2176979"/>
           </a:xfrm>
           <a:prstGeom prst="line">
             <a:avLst/>
@@ -23826,8 +24044,8 @@
         </p:nvCxnSpPr>
         <p:spPr>
           <a:xfrm flipH="1">
-            <a:off x="7650928" y="2322602"/>
-            <a:ext cx="17383" cy="2265372"/>
+            <a:off x="7650059" y="2113173"/>
+            <a:ext cx="19121" cy="2176979"/>
           </a:xfrm>
           <a:prstGeom prst="line">
             <a:avLst/>
@@ -23928,7 +24146,7 @@
             </a:r>
             <a:r>
               <a:rPr lang="en-US" dirty="0" smtClean="0"/>
-              <a:t>(4/4)</a:t>
+              <a:t>: receiver timeline</a:t>
             </a:r>
             <a:endParaRPr lang="en-US" dirty="0"/>
           </a:p>
@@ -23942,7 +24160,7 @@
         </p:nvSpPr>
         <p:spPr>
           <a:xfrm>
-            <a:off x="2842220" y="2796631"/>
+            <a:off x="2842220" y="2478551"/>
             <a:ext cx="864096" cy="288032"/>
           </a:xfrm>
           <a:prstGeom prst="rect">
@@ -24000,7 +24218,7 @@
         </p:nvSpPr>
         <p:spPr>
           <a:xfrm>
-            <a:off x="3707904" y="2796631"/>
+            <a:off x="3707904" y="2478551"/>
             <a:ext cx="864096" cy="288032"/>
           </a:xfrm>
           <a:prstGeom prst="rect">
@@ -24058,7 +24276,7 @@
         </p:nvSpPr>
         <p:spPr>
           <a:xfrm>
-            <a:off x="2851063" y="3044882"/>
+            <a:off x="2851063" y="2726802"/>
             <a:ext cx="855253" cy="261610"/>
           </a:xfrm>
           <a:prstGeom prst="rect">
@@ -24102,7 +24320,7 @@
         </p:nvSpPr>
         <p:spPr>
           <a:xfrm>
-            <a:off x="3715159" y="3044882"/>
+            <a:off x="3715159" y="2726802"/>
             <a:ext cx="855253" cy="261610"/>
           </a:xfrm>
           <a:prstGeom prst="rect">
@@ -24146,7 +24364,7 @@
         </p:nvSpPr>
         <p:spPr>
           <a:xfrm>
-            <a:off x="5508104" y="2796631"/>
+            <a:off x="5508104" y="2478551"/>
             <a:ext cx="864096" cy="288032"/>
           </a:xfrm>
           <a:prstGeom prst="rect">
@@ -24204,7 +24422,7 @@
         </p:nvSpPr>
         <p:spPr>
           <a:xfrm>
-            <a:off x="6373788" y="2796631"/>
+            <a:off x="6373788" y="2478551"/>
             <a:ext cx="864096" cy="288032"/>
           </a:xfrm>
           <a:prstGeom prst="rect">
@@ -24262,7 +24480,7 @@
         </p:nvSpPr>
         <p:spPr>
           <a:xfrm>
-            <a:off x="5516947" y="3044882"/>
+            <a:off x="5516947" y="2726802"/>
             <a:ext cx="855253" cy="261610"/>
           </a:xfrm>
           <a:prstGeom prst="rect">
@@ -24306,7 +24524,7 @@
         </p:nvSpPr>
         <p:spPr>
           <a:xfrm>
-            <a:off x="6381043" y="3044882"/>
+            <a:off x="6381043" y="2726802"/>
             <a:ext cx="855253" cy="261610"/>
           </a:xfrm>
           <a:prstGeom prst="rect">
@@ -24350,7 +24568,7 @@
         </p:nvCxnSpPr>
         <p:spPr>
           <a:xfrm flipV="1">
-            <a:off x="2243958" y="4287063"/>
+            <a:off x="2243958" y="4081055"/>
             <a:ext cx="5825722" cy="1"/>
           </a:xfrm>
           <a:prstGeom prst="straightConnector1">
@@ -24387,7 +24605,7 @@
         </p:nvSpPr>
         <p:spPr>
           <a:xfrm>
-            <a:off x="7641648" y="4269999"/>
+            <a:off x="7641648" y="4063991"/>
             <a:ext cx="445955" cy="261610"/>
           </a:xfrm>
           <a:prstGeom prst="rect">
@@ -24431,7 +24649,7 @@
         </p:nvSpPr>
         <p:spPr>
           <a:xfrm>
-            <a:off x="2501125" y="3385657"/>
+            <a:off x="2501125" y="3066736"/>
             <a:ext cx="2595464" cy="184613"/>
           </a:xfrm>
           <a:prstGeom prst="roundRect">
@@ -24463,7 +24681,7 @@
           <a:p>
             <a:pPr algn="ctr"/>
             <a:r>
-              <a:rPr lang="fr-FR" sz="1200" b="1" dirty="0" smtClean="0">
+              <a:rPr lang="en-US" sz="1200" b="1" dirty="0" smtClean="0">
                 <a:solidFill>
                   <a:schemeClr val="bg1">
                     <a:lumMod val="50000"/>
@@ -24490,7 +24708,7 @@
         </p:nvSpPr>
         <p:spPr>
           <a:xfrm>
-            <a:off x="5096589" y="3385657"/>
+            <a:off x="5096589" y="3066736"/>
             <a:ext cx="2595464" cy="184613"/>
           </a:xfrm>
           <a:prstGeom prst="roundRect">
@@ -24522,7 +24740,7 @@
           <a:p>
             <a:pPr algn="ctr"/>
             <a:r>
-              <a:rPr lang="fr-FR" sz="1200" b="1" dirty="0" smtClean="0">
+              <a:rPr lang="en-US" sz="1200" b="1" dirty="0" smtClean="0">
                 <a:solidFill>
                   <a:schemeClr val="bg1">
                     <a:lumMod val="50000"/>
@@ -24549,7 +24767,7 @@
         </p:nvGrpSpPr>
         <p:grpSpPr>
           <a:xfrm>
-            <a:off x="1979712" y="3348413"/>
+            <a:off x="1979712" y="3029492"/>
             <a:ext cx="504030" cy="259101"/>
             <a:chOff x="5004048" y="3248753"/>
             <a:chExt cx="504030" cy="259101"/>
@@ -24646,7 +24864,7 @@
             <a:lstStyle/>
             <a:p>
               <a:pPr algn="ctr"/>
-              <a:endParaRPr lang="en-US"/>
+              <a:endParaRPr lang="en-US" dirty="0"/>
             </a:p>
           </p:txBody>
         </p:sp>
@@ -24659,7 +24877,7 @@
         </p:nvSpPr>
         <p:spPr>
           <a:xfrm flipH="1">
-            <a:off x="7695326" y="3385657"/>
+            <a:off x="7695326" y="3066736"/>
             <a:ext cx="432022" cy="184613"/>
           </a:xfrm>
           <a:prstGeom prst="roundRect">
@@ -24708,7 +24926,7 @@
         </p:nvSpPr>
         <p:spPr>
           <a:xfrm flipH="1">
-            <a:off x="7855565" y="3348413"/>
+            <a:off x="7855565" y="3029492"/>
             <a:ext cx="316835" cy="259101"/>
           </a:xfrm>
           <a:prstGeom prst="rect">
@@ -24742,7 +24960,7 @@
           <a:lstStyle/>
           <a:p>
             <a:pPr algn="ctr"/>
-            <a:endParaRPr lang="en-US"/>
+            <a:endParaRPr lang="en-US" dirty="0"/>
           </a:p>
         </p:txBody>
       </p:sp>
@@ -24754,7 +24972,7 @@
         </p:nvSpPr>
         <p:spPr>
           <a:xfrm>
-            <a:off x="2429117" y="3653478"/>
+            <a:off x="2429117" y="3334557"/>
             <a:ext cx="2595464" cy="184613"/>
           </a:xfrm>
           <a:prstGeom prst="roundRect">
@@ -24786,7 +25004,7 @@
           <a:p>
             <a:pPr algn="ctr"/>
             <a:r>
-              <a:rPr lang="fr-FR" sz="1200" b="1" dirty="0" smtClean="0">
+              <a:rPr lang="en-US" sz="1200" b="1" dirty="0" smtClean="0">
                 <a:solidFill>
                   <a:schemeClr val="bg1">
                     <a:lumMod val="50000"/>
@@ -24813,7 +25031,7 @@
         </p:nvSpPr>
         <p:spPr>
           <a:xfrm>
-            <a:off x="5024581" y="3653478"/>
+            <a:off x="5024581" y="3334557"/>
             <a:ext cx="2595464" cy="184613"/>
           </a:xfrm>
           <a:prstGeom prst="roundRect">
@@ -24845,7 +25063,7 @@
           <a:p>
             <a:pPr algn="ctr"/>
             <a:r>
-              <a:rPr lang="fr-FR" sz="1200" b="1" dirty="0" smtClean="0">
+              <a:rPr lang="en-US" sz="1200" b="1" dirty="0" smtClean="0">
                 <a:solidFill>
                   <a:schemeClr val="bg1">
                     <a:lumMod val="50000"/>
@@ -24872,7 +25090,7 @@
         </p:nvSpPr>
         <p:spPr>
           <a:xfrm>
-            <a:off x="1979712" y="3653478"/>
+            <a:off x="1979712" y="3334557"/>
             <a:ext cx="432022" cy="184613"/>
           </a:xfrm>
           <a:prstGeom prst="roundRect">
@@ -24921,7 +25139,7 @@
         </p:nvSpPr>
         <p:spPr>
           <a:xfrm>
-            <a:off x="1941074" y="3616234"/>
+            <a:off x="1941074" y="3297313"/>
             <a:ext cx="316835" cy="259101"/>
           </a:xfrm>
           <a:prstGeom prst="rect">
@@ -24955,7 +25173,7 @@
           <a:lstStyle/>
           <a:p>
             <a:pPr algn="ctr"/>
-            <a:endParaRPr lang="en-US"/>
+            <a:endParaRPr lang="en-US" dirty="0"/>
           </a:p>
         </p:txBody>
       </p:sp>
@@ -24967,7 +25185,7 @@
         </p:nvGrpSpPr>
         <p:grpSpPr>
           <a:xfrm flipH="1">
-            <a:off x="7623318" y="3616234"/>
+            <a:off x="7623318" y="3297313"/>
             <a:ext cx="504030" cy="259101"/>
             <a:chOff x="5004048" y="3248753"/>
             <a:chExt cx="504030" cy="259101"/>
@@ -25064,7 +25282,7 @@
             <a:lstStyle/>
             <a:p>
               <a:pPr algn="ctr"/>
-              <a:endParaRPr lang="en-US"/>
+              <a:endParaRPr lang="en-US" dirty="0"/>
             </a:p>
           </p:txBody>
         </p:sp>
@@ -25077,7 +25295,7 @@
         </p:nvSpPr>
         <p:spPr>
           <a:xfrm>
-            <a:off x="683568" y="3322719"/>
+            <a:off x="683568" y="3003798"/>
             <a:ext cx="1338764" cy="307777"/>
           </a:xfrm>
           <a:prstGeom prst="rect">
@@ -25123,7 +25341,7 @@
         </p:nvSpPr>
         <p:spPr>
           <a:xfrm>
-            <a:off x="683568" y="2786758"/>
+            <a:off x="683568" y="2477914"/>
             <a:ext cx="1758009" cy="307777"/>
           </a:xfrm>
           <a:prstGeom prst="rect">
@@ -25181,7 +25399,7 @@
         </p:nvSpPr>
         <p:spPr>
           <a:xfrm>
-            <a:off x="683568" y="2346626"/>
+            <a:off x="683568" y="2113322"/>
             <a:ext cx="1758009" cy="307777"/>
           </a:xfrm>
           <a:prstGeom prst="rect">
@@ -25227,7 +25445,7 @@
         </p:nvSpPr>
         <p:spPr>
           <a:xfrm>
-            <a:off x="3252199" y="2346626"/>
+            <a:off x="3252199" y="2113322"/>
             <a:ext cx="949299" cy="307777"/>
           </a:xfrm>
           <a:prstGeom prst="rect">
@@ -25285,7 +25503,7 @@
         </p:nvSpPr>
         <p:spPr>
           <a:xfrm>
-            <a:off x="5929690" y="2346626"/>
+            <a:off x="5929690" y="2113322"/>
             <a:ext cx="1039067" cy="307777"/>
           </a:xfrm>
           <a:prstGeom prst="rect">
@@ -25331,7 +25549,7 @@
         </p:nvSpPr>
         <p:spPr>
           <a:xfrm>
-            <a:off x="683568" y="3591895"/>
+            <a:off x="683568" y="3272974"/>
             <a:ext cx="1342034" cy="307777"/>
           </a:xfrm>
           <a:prstGeom prst="rect">
@@ -25377,7 +25595,7 @@
         </p:nvSpPr>
         <p:spPr>
           <a:xfrm>
-            <a:off x="683568" y="4078139"/>
+            <a:off x="683568" y="3872131"/>
             <a:ext cx="1758009" cy="307777"/>
           </a:xfrm>
           <a:prstGeom prst="rect">
@@ -25435,7 +25653,7 @@
         </p:nvSpPr>
         <p:spPr>
           <a:xfrm>
-            <a:off x="2629569" y="3999032"/>
+            <a:off x="2629569" y="3793024"/>
             <a:ext cx="156605" cy="288032"/>
           </a:xfrm>
           <a:prstGeom prst="downArrow">
@@ -25469,7 +25687,7 @@
           <a:lstStyle/>
           <a:p>
             <a:pPr algn="ctr"/>
-            <a:endParaRPr lang="en-US"/>
+            <a:endParaRPr lang="en-US" dirty="0"/>
           </a:p>
         </p:txBody>
       </p:sp>
@@ -25481,7 +25699,7 @@
         </p:nvSpPr>
         <p:spPr>
           <a:xfrm>
-            <a:off x="2915315" y="4083516"/>
+            <a:off x="2915315" y="3877508"/>
             <a:ext cx="136363" cy="203548"/>
           </a:xfrm>
           <a:prstGeom prst="downArrow">
@@ -25538,7 +25756,7 @@
           <a:lstStyle/>
           <a:p>
             <a:pPr algn="ctr"/>
-            <a:endParaRPr lang="en-US"/>
+            <a:endParaRPr lang="en-US" dirty="0"/>
           </a:p>
         </p:txBody>
       </p:sp>
@@ -25550,7 +25768,7 @@
         </p:nvSpPr>
         <p:spPr>
           <a:xfrm>
-            <a:off x="3180819" y="4083516"/>
+            <a:off x="3180819" y="3877508"/>
             <a:ext cx="136363" cy="203548"/>
           </a:xfrm>
           <a:prstGeom prst="downArrow">
@@ -25607,7 +25825,7 @@
           <a:lstStyle/>
           <a:p>
             <a:pPr algn="ctr"/>
-            <a:endParaRPr lang="en-US"/>
+            <a:endParaRPr lang="en-US" dirty="0"/>
           </a:p>
         </p:txBody>
       </p:sp>
@@ -25619,7 +25837,7 @@
         </p:nvSpPr>
         <p:spPr>
           <a:xfrm>
-            <a:off x="3446323" y="4083516"/>
+            <a:off x="3446323" y="3877508"/>
             <a:ext cx="136363" cy="203548"/>
           </a:xfrm>
           <a:prstGeom prst="downArrow">
@@ -25676,7 +25894,7 @@
           <a:lstStyle/>
           <a:p>
             <a:pPr algn="ctr"/>
-            <a:endParaRPr lang="en-US"/>
+            <a:endParaRPr lang="en-US" dirty="0"/>
           </a:p>
         </p:txBody>
       </p:sp>
@@ -25688,7 +25906,7 @@
         </p:nvSpPr>
         <p:spPr>
           <a:xfrm>
-            <a:off x="3711827" y="4083516"/>
+            <a:off x="3711827" y="3877508"/>
             <a:ext cx="136363" cy="203548"/>
           </a:xfrm>
           <a:prstGeom prst="downArrow">
@@ -25727,7 +25945,7 @@
           <a:lstStyle/>
           <a:p>
             <a:pPr algn="ctr"/>
-            <a:endParaRPr lang="en-US"/>
+            <a:endParaRPr lang="en-US" dirty="0"/>
           </a:p>
         </p:txBody>
       </p:sp>
@@ -25739,7 +25957,7 @@
         </p:nvSpPr>
         <p:spPr>
           <a:xfrm>
-            <a:off x="3977331" y="4083516"/>
+            <a:off x="3977331" y="3877508"/>
             <a:ext cx="136363" cy="203548"/>
           </a:xfrm>
           <a:prstGeom prst="downArrow">
@@ -25796,7 +26014,7 @@
           <a:lstStyle/>
           <a:p>
             <a:pPr algn="ctr"/>
-            <a:endParaRPr lang="en-US"/>
+            <a:endParaRPr lang="en-US" dirty="0"/>
           </a:p>
         </p:txBody>
       </p:sp>
@@ -25808,7 +26026,7 @@
         </p:nvSpPr>
         <p:spPr>
           <a:xfrm>
-            <a:off x="5039347" y="4083516"/>
+            <a:off x="4982620" y="3877508"/>
             <a:ext cx="136363" cy="203548"/>
           </a:xfrm>
           <a:prstGeom prst="downArrow">
@@ -25865,7 +26083,7 @@
           <a:lstStyle/>
           <a:p>
             <a:pPr algn="ctr"/>
-            <a:endParaRPr lang="en-US"/>
+            <a:endParaRPr lang="en-US" dirty="0"/>
           </a:p>
         </p:txBody>
       </p:sp>
@@ -25877,7 +26095,7 @@
         </p:nvSpPr>
         <p:spPr>
           <a:xfrm>
-            <a:off x="4773843" y="4083516"/>
+            <a:off x="4753371" y="3877508"/>
             <a:ext cx="136363" cy="203548"/>
           </a:xfrm>
           <a:prstGeom prst="downArrow">
@@ -25934,7 +26152,7 @@
           <a:lstStyle/>
           <a:p>
             <a:pPr algn="ctr"/>
-            <a:endParaRPr lang="en-US"/>
+            <a:endParaRPr lang="en-US" dirty="0"/>
           </a:p>
         </p:txBody>
       </p:sp>
@@ -25946,7 +26164,7 @@
         </p:nvSpPr>
         <p:spPr>
           <a:xfrm>
-            <a:off x="4242835" y="4083516"/>
+            <a:off x="4242835" y="3877508"/>
             <a:ext cx="136363" cy="203548"/>
           </a:xfrm>
           <a:prstGeom prst="downArrow">
@@ -26003,7 +26221,7 @@
           <a:lstStyle/>
           <a:p>
             <a:pPr algn="ctr"/>
-            <a:endParaRPr lang="en-US"/>
+            <a:endParaRPr lang="en-US" dirty="0"/>
           </a:p>
         </p:txBody>
       </p:sp>
@@ -26015,7 +26233,7 @@
         </p:nvSpPr>
         <p:spPr>
           <a:xfrm>
-            <a:off x="4508339" y="4083516"/>
+            <a:off x="4508339" y="3877508"/>
             <a:ext cx="136363" cy="203548"/>
           </a:xfrm>
           <a:prstGeom prst="downArrow">
@@ -26072,7 +26290,7 @@
           <a:lstStyle/>
           <a:p>
             <a:pPr algn="ctr"/>
-            <a:endParaRPr lang="en-US"/>
+            <a:endParaRPr lang="en-US" dirty="0"/>
           </a:p>
         </p:txBody>
       </p:sp>
@@ -26084,7 +26302,7 @@
         </p:nvSpPr>
         <p:spPr>
           <a:xfrm>
-            <a:off x="5304851" y="3999032"/>
+            <a:off x="5227652" y="3793024"/>
             <a:ext cx="156605" cy="288032"/>
           </a:xfrm>
           <a:prstGeom prst="downArrow">
@@ -26123,7 +26341,7 @@
           <a:lstStyle/>
           <a:p>
             <a:pPr algn="ctr"/>
-            <a:endParaRPr lang="en-US"/>
+            <a:endParaRPr lang="en-US" dirty="0"/>
           </a:p>
         </p:txBody>
       </p:sp>
@@ -26135,7 +26353,7 @@
         </p:nvSpPr>
         <p:spPr>
           <a:xfrm>
-            <a:off x="5856101" y="4083516"/>
+            <a:off x="5778902" y="3877508"/>
             <a:ext cx="136363" cy="203548"/>
           </a:xfrm>
           <a:prstGeom prst="downArrow">
@@ -26192,7 +26410,7 @@
           <a:lstStyle/>
           <a:p>
             <a:pPr algn="ctr"/>
-            <a:endParaRPr lang="en-US"/>
+            <a:endParaRPr lang="en-US" dirty="0"/>
           </a:p>
         </p:txBody>
       </p:sp>
@@ -26204,7 +26422,7 @@
         </p:nvSpPr>
         <p:spPr>
           <a:xfrm>
-            <a:off x="6121605" y="4083516"/>
+            <a:off x="6044406" y="3877508"/>
             <a:ext cx="136363" cy="203548"/>
           </a:xfrm>
           <a:prstGeom prst="downArrow">
@@ -26261,7 +26479,7 @@
           <a:lstStyle/>
           <a:p>
             <a:pPr algn="ctr"/>
-            <a:endParaRPr lang="en-US"/>
+            <a:endParaRPr lang="en-US" dirty="0"/>
           </a:p>
         </p:txBody>
       </p:sp>
@@ -26273,7 +26491,7 @@
         </p:nvSpPr>
         <p:spPr>
           <a:xfrm>
-            <a:off x="6387109" y="4083516"/>
+            <a:off x="6309910" y="3877508"/>
             <a:ext cx="136363" cy="203548"/>
           </a:xfrm>
           <a:prstGeom prst="downArrow">
@@ -26330,7 +26548,7 @@
           <a:lstStyle/>
           <a:p>
             <a:pPr algn="ctr"/>
-            <a:endParaRPr lang="en-US"/>
+            <a:endParaRPr lang="en-US" dirty="0"/>
           </a:p>
         </p:txBody>
       </p:sp>
@@ -26342,7 +26560,7 @@
         </p:nvSpPr>
         <p:spPr>
           <a:xfrm>
-            <a:off x="6652613" y="4083516"/>
+            <a:off x="6575414" y="3877508"/>
             <a:ext cx="136363" cy="203548"/>
           </a:xfrm>
           <a:prstGeom prst="downArrow">
@@ -26399,7 +26617,7 @@
           <a:lstStyle/>
           <a:p>
             <a:pPr algn="ctr"/>
-            <a:endParaRPr lang="en-US"/>
+            <a:endParaRPr lang="en-US" dirty="0"/>
           </a:p>
         </p:txBody>
       </p:sp>
@@ -26411,7 +26629,7 @@
         </p:nvSpPr>
         <p:spPr>
           <a:xfrm>
-            <a:off x="7714635" y="4083516"/>
+            <a:off x="7589512" y="3877508"/>
             <a:ext cx="136363" cy="203548"/>
           </a:xfrm>
           <a:prstGeom prst="downArrow">
@@ -26468,7 +26686,7 @@
           <a:lstStyle/>
           <a:p>
             <a:pPr algn="ctr"/>
-            <a:endParaRPr lang="en-US"/>
+            <a:endParaRPr lang="en-US" dirty="0"/>
           </a:p>
         </p:txBody>
       </p:sp>
@@ -26480,7 +26698,7 @@
         </p:nvSpPr>
         <p:spPr>
           <a:xfrm>
-            <a:off x="7449125" y="4083516"/>
+            <a:off x="7358278" y="3877508"/>
             <a:ext cx="136363" cy="203548"/>
           </a:xfrm>
           <a:prstGeom prst="downArrow">
@@ -26537,7 +26755,7 @@
           <a:lstStyle/>
           <a:p>
             <a:pPr algn="ctr"/>
-            <a:endParaRPr lang="en-US"/>
+            <a:endParaRPr lang="en-US" dirty="0"/>
           </a:p>
         </p:txBody>
       </p:sp>
@@ -26549,7 +26767,7 @@
         </p:nvSpPr>
         <p:spPr>
           <a:xfrm>
-            <a:off x="6918117" y="4083516"/>
+            <a:off x="6840918" y="3877508"/>
             <a:ext cx="136363" cy="203548"/>
           </a:xfrm>
           <a:prstGeom prst="downArrow">
@@ -26606,7 +26824,7 @@
           <a:lstStyle/>
           <a:p>
             <a:pPr algn="ctr"/>
-            <a:endParaRPr lang="en-US"/>
+            <a:endParaRPr lang="en-US" dirty="0"/>
           </a:p>
         </p:txBody>
       </p:sp>
@@ -26618,7 +26836,7 @@
         </p:nvSpPr>
         <p:spPr>
           <a:xfrm>
-            <a:off x="7183621" y="4083516"/>
+            <a:off x="7106422" y="3877508"/>
             <a:ext cx="136363" cy="203548"/>
           </a:xfrm>
           <a:prstGeom prst="downArrow">
@@ -26657,7 +26875,7 @@
           <a:lstStyle/>
           <a:p>
             <a:pPr algn="ctr"/>
-            <a:endParaRPr lang="en-US"/>
+            <a:endParaRPr lang="en-US" dirty="0"/>
           </a:p>
         </p:txBody>
       </p:sp>
@@ -26669,7 +26887,7 @@
         </p:nvSpPr>
         <p:spPr>
           <a:xfrm>
-            <a:off x="2364065" y="4083516"/>
+            <a:off x="2364065" y="3877508"/>
             <a:ext cx="136363" cy="203548"/>
           </a:xfrm>
           <a:prstGeom prst="downArrow">
@@ -26726,7 +26944,7 @@
           <a:lstStyle/>
           <a:p>
             <a:pPr algn="ctr"/>
-            <a:endParaRPr lang="en-US"/>
+            <a:endParaRPr lang="en-US" dirty="0"/>
           </a:p>
         </p:txBody>
       </p:sp>
@@ -26738,7 +26956,7 @@
         </p:nvSpPr>
         <p:spPr>
           <a:xfrm>
-            <a:off x="5587504" y="3995315"/>
+            <a:off x="5510305" y="3789307"/>
             <a:ext cx="156605" cy="288032"/>
           </a:xfrm>
           <a:prstGeom prst="downArrow">
@@ -26772,7 +26990,7 @@
           <a:lstStyle/>
           <a:p>
             <a:pPr algn="ctr"/>
-            <a:endParaRPr lang="en-US"/>
+            <a:endParaRPr lang="en-US" dirty="0"/>
           </a:p>
         </p:txBody>
       </p:sp>
@@ -26784,7 +27002,7 @@
         </p:nvSpPr>
         <p:spPr>
           <a:xfrm>
-            <a:off x="8172400" y="3651870"/>
+            <a:off x="8172400" y="3445862"/>
             <a:ext cx="156605" cy="288032"/>
           </a:xfrm>
           <a:prstGeom prst="downArrow">
@@ -26818,7 +27036,7 @@
           <a:lstStyle/>
           <a:p>
             <a:pPr algn="ctr"/>
-            <a:endParaRPr lang="en-US"/>
+            <a:endParaRPr lang="en-US" dirty="0"/>
           </a:p>
         </p:txBody>
       </p:sp>
@@ -26830,7 +27048,7 @@
         </p:nvSpPr>
         <p:spPr>
           <a:xfrm>
-            <a:off x="8172400" y="4371950"/>
+            <a:off x="8172400" y="4165942"/>
             <a:ext cx="156605" cy="288032"/>
           </a:xfrm>
           <a:prstGeom prst="downArrow">
@@ -26869,7 +27087,7 @@
           <a:lstStyle/>
           <a:p>
             <a:pPr algn="ctr"/>
-            <a:endParaRPr lang="en-US"/>
+            <a:endParaRPr lang="en-US" dirty="0"/>
           </a:p>
         </p:txBody>
       </p:sp>
@@ -26881,7 +27099,7 @@
         </p:nvSpPr>
         <p:spPr>
           <a:xfrm>
-            <a:off x="8182521" y="4057222"/>
+            <a:off x="8182521" y="3851214"/>
             <a:ext cx="136363" cy="203548"/>
           </a:xfrm>
           <a:prstGeom prst="downArrow">
@@ -26938,47 +27156,10 @@
           <a:lstStyle/>
           <a:p>
             <a:pPr algn="ctr"/>
-            <a:endParaRPr lang="en-US"/>
-          </a:p>
-        </p:txBody>
-      </p:sp>
-      <p:cxnSp>
-        <p:nvCxnSpPr>
-          <p:cNvPr id="89" name="Straight Arrow Connector 59"/>
-          <p:cNvCxnSpPr/>
-          <p:nvPr/>
-        </p:nvCxnSpPr>
-        <p:spPr>
-          <a:xfrm flipV="1">
-            <a:off x="2452435" y="4440571"/>
-            <a:ext cx="251619" cy="3717"/>
-          </a:xfrm>
-          <a:prstGeom prst="straightConnector1">
-            <a:avLst/>
-          </a:prstGeom>
-          <a:ln w="19050">
-            <a:solidFill>
-              <a:srgbClr val="27AE60"/>
-            </a:solidFill>
-            <a:headEnd type="none"/>
-            <a:tailEnd type="triangle"/>
-          </a:ln>
-        </p:spPr>
-        <p:style>
-          <a:lnRef idx="1">
-            <a:schemeClr val="accent1"/>
-          </a:lnRef>
-          <a:fillRef idx="0">
-            <a:schemeClr val="accent1"/>
-          </a:fillRef>
-          <a:effectRef idx="0">
-            <a:schemeClr val="accent1"/>
-          </a:effectRef>
-          <a:fontRef idx="minor">
-            <a:schemeClr val="tx1"/>
-          </a:fontRef>
-        </p:style>
-      </p:cxnSp>
+            <a:endParaRPr lang="en-US" dirty="0"/>
+          </a:p>
+        </p:txBody>
+      </p:sp>
       <p:sp>
         <p:nvSpPr>
           <p:cNvPr id="92" name="TextBox 91"/>
@@ -26987,7 +27168,7 @@
         </p:nvSpPr>
         <p:spPr>
           <a:xfrm>
-            <a:off x="8241332" y="3478491"/>
+            <a:off x="8241332" y="3272483"/>
             <a:ext cx="667170" cy="400110"/>
           </a:xfrm>
           <a:prstGeom prst="rect">
@@ -27056,7 +27237,7 @@
         </p:nvSpPr>
         <p:spPr>
           <a:xfrm>
-            <a:off x="8234456" y="4338395"/>
+            <a:off x="8234456" y="4132387"/>
             <a:ext cx="590226" cy="246221"/>
           </a:xfrm>
           <a:prstGeom prst="rect">
@@ -27102,7 +27283,7 @@
         </p:nvSpPr>
         <p:spPr>
           <a:xfrm>
-            <a:off x="8241332" y="3939902"/>
+            <a:off x="8241332" y="3733894"/>
             <a:ext cx="843501" cy="400110"/>
           </a:xfrm>
           <a:prstGeom prst="rect">
@@ -27174,7 +27355,7 @@
         </p:nvCxnSpPr>
         <p:spPr>
           <a:xfrm flipV="1">
-            <a:off x="2701197" y="4290124"/>
+            <a:off x="2701197" y="4084116"/>
             <a:ext cx="0" cy="293197"/>
           </a:xfrm>
           <a:prstGeom prst="line">
@@ -27212,7 +27393,7 @@
         </p:nvCxnSpPr>
         <p:spPr>
           <a:xfrm flipV="1">
-            <a:off x="2981150" y="4290124"/>
+            <a:off x="2981150" y="4084116"/>
             <a:ext cx="0" cy="293197"/>
           </a:xfrm>
           <a:prstGeom prst="line">
@@ -27250,7 +27431,7 @@
         </p:nvCxnSpPr>
         <p:spPr>
           <a:xfrm flipV="1">
-            <a:off x="3247755" y="4290124"/>
+            <a:off x="3247755" y="4084116"/>
             <a:ext cx="0" cy="293197"/>
           </a:xfrm>
           <a:prstGeom prst="line">
@@ -27288,7 +27469,7 @@
         </p:nvCxnSpPr>
         <p:spPr>
           <a:xfrm flipV="1">
-            <a:off x="3514504" y="4290124"/>
+            <a:off x="3514504" y="4084116"/>
             <a:ext cx="0" cy="293197"/>
           </a:xfrm>
           <a:prstGeom prst="line">
@@ -27326,7 +27507,7 @@
         </p:nvCxnSpPr>
         <p:spPr>
           <a:xfrm flipV="1">
-            <a:off x="3781253" y="4290124"/>
+            <a:off x="3781253" y="4084116"/>
             <a:ext cx="0" cy="293197"/>
           </a:xfrm>
           <a:prstGeom prst="line">
@@ -27364,7 +27545,7 @@
         </p:nvCxnSpPr>
         <p:spPr>
           <a:xfrm flipV="1">
-            <a:off x="4045512" y="4290124"/>
+            <a:off x="4045512" y="4084116"/>
             <a:ext cx="0" cy="293197"/>
           </a:xfrm>
           <a:prstGeom prst="line">
@@ -27402,7 +27583,7 @@
         </p:nvCxnSpPr>
         <p:spPr>
           <a:xfrm flipV="1">
-            <a:off x="4309771" y="4290124"/>
+            <a:off x="4309771" y="4084116"/>
             <a:ext cx="0" cy="293197"/>
           </a:xfrm>
           <a:prstGeom prst="line">
@@ -27440,7 +27621,7 @@
         </p:nvCxnSpPr>
         <p:spPr>
           <a:xfrm flipV="1">
-            <a:off x="4574030" y="4290124"/>
+            <a:off x="4574030" y="4084116"/>
             <a:ext cx="0" cy="293197"/>
           </a:xfrm>
           <a:prstGeom prst="line">
@@ -27478,7 +27659,7 @@
         </p:nvCxnSpPr>
         <p:spPr>
           <a:xfrm flipV="1">
-            <a:off x="4838289" y="4290124"/>
+            <a:off x="4817817" y="4084116"/>
             <a:ext cx="0" cy="293197"/>
           </a:xfrm>
           <a:prstGeom prst="line">
@@ -27516,7 +27697,7 @@
         </p:nvCxnSpPr>
         <p:spPr>
           <a:xfrm flipV="1">
-            <a:off x="5102548" y="4290124"/>
+            <a:off x="5045821" y="4084116"/>
             <a:ext cx="0" cy="293197"/>
           </a:xfrm>
           <a:prstGeom prst="line">
@@ -27554,7 +27735,7 @@
         </p:nvCxnSpPr>
         <p:spPr>
           <a:xfrm flipV="1">
-            <a:off x="5392816" y="4290124"/>
+            <a:off x="5315617" y="4084116"/>
             <a:ext cx="0" cy="293197"/>
           </a:xfrm>
           <a:prstGeom prst="line">
@@ -27592,7 +27773,7 @@
         </p:nvCxnSpPr>
         <p:spPr>
           <a:xfrm flipV="1">
-            <a:off x="5665806" y="4290124"/>
+            <a:off x="5588607" y="4084116"/>
             <a:ext cx="0" cy="293197"/>
           </a:xfrm>
           <a:prstGeom prst="line">
@@ -27630,7 +27811,7 @@
         </p:nvCxnSpPr>
         <p:spPr>
           <a:xfrm flipV="1">
-            <a:off x="5925448" y="4290124"/>
+            <a:off x="5848249" y="4084116"/>
             <a:ext cx="0" cy="293197"/>
           </a:xfrm>
           <a:prstGeom prst="line">
@@ -27668,7 +27849,7 @@
         </p:nvCxnSpPr>
         <p:spPr>
           <a:xfrm flipV="1">
-            <a:off x="6191764" y="4290124"/>
+            <a:off x="6114565" y="4084116"/>
             <a:ext cx="0" cy="293197"/>
           </a:xfrm>
           <a:prstGeom prst="line">
@@ -27706,7 +27887,7 @@
         </p:nvCxnSpPr>
         <p:spPr>
           <a:xfrm flipV="1">
-            <a:off x="6451406" y="4290124"/>
+            <a:off x="6374207" y="4084116"/>
             <a:ext cx="0" cy="293197"/>
           </a:xfrm>
           <a:prstGeom prst="line">
@@ -27744,7 +27925,7 @@
         </p:nvCxnSpPr>
         <p:spPr>
           <a:xfrm flipV="1">
-            <a:off x="6717722" y="4290124"/>
+            <a:off x="6640523" y="4084116"/>
             <a:ext cx="0" cy="293197"/>
           </a:xfrm>
           <a:prstGeom prst="line">
@@ -27782,7 +27963,7 @@
         </p:nvCxnSpPr>
         <p:spPr>
           <a:xfrm flipV="1">
-            <a:off x="6977364" y="4290124"/>
+            <a:off x="6900165" y="4084116"/>
             <a:ext cx="0" cy="293197"/>
           </a:xfrm>
           <a:prstGeom prst="line">
@@ -27820,7 +28001,7 @@
         </p:nvCxnSpPr>
         <p:spPr>
           <a:xfrm flipV="1">
-            <a:off x="7250354" y="4290124"/>
+            <a:off x="7173155" y="4084116"/>
             <a:ext cx="0" cy="293197"/>
           </a:xfrm>
           <a:prstGeom prst="line">
@@ -27858,7 +28039,7 @@
         </p:nvCxnSpPr>
         <p:spPr>
           <a:xfrm flipV="1">
-            <a:off x="7516670" y="4290124"/>
+            <a:off x="7425823" y="4084116"/>
             <a:ext cx="0" cy="293197"/>
           </a:xfrm>
           <a:prstGeom prst="line">
@@ -27896,7 +28077,7 @@
         </p:nvSpPr>
         <p:spPr>
           <a:xfrm>
-            <a:off x="2563584" y="4546918"/>
+            <a:off x="2534400" y="4293268"/>
             <a:ext cx="276038" cy="261610"/>
           </a:xfrm>
           <a:prstGeom prst="rect">
@@ -27923,7 +28104,7 @@
               <a:t>t</a:t>
             </a:r>
             <a:r>
-              <a:rPr lang="en-US" sz="1100" baseline="-25000" dirty="0" smtClean="0">
+              <a:rPr lang="en-US" sz="1100" baseline="-25000" dirty="0">
                 <a:solidFill>
                   <a:schemeClr val="bg1">
                     <a:lumMod val="50000"/>
@@ -27932,7 +28113,7 @@
                 <a:latin typeface="Arial" pitchFamily="34" charset="0"/>
                 <a:cs typeface="Arial" pitchFamily="34" charset="0"/>
               </a:rPr>
-              <a:t>0</a:t>
+              <a:t>1</a:t>
             </a:r>
             <a:endParaRPr lang="en-US" sz="1100" baseline="-25000" dirty="0">
               <a:solidFill>
@@ -27954,7 +28135,7 @@
         </p:nvSpPr>
         <p:spPr>
           <a:xfrm>
-            <a:off x="2849363" y="4546918"/>
+            <a:off x="2849363" y="4340910"/>
             <a:ext cx="276038" cy="261610"/>
           </a:xfrm>
           <a:prstGeom prst="rect">
@@ -27981,7 +28162,7 @@
               <a:t>t</a:t>
             </a:r>
             <a:r>
-              <a:rPr lang="en-US" sz="1100" baseline="-25000" dirty="0" smtClean="0">
+              <a:rPr lang="en-US" sz="1100" baseline="-25000" dirty="0">
                 <a:solidFill>
                   <a:schemeClr val="bg1">
                     <a:lumMod val="50000"/>
@@ -27990,7 +28171,7 @@
                 <a:latin typeface="Arial" pitchFamily="34" charset="0"/>
                 <a:cs typeface="Arial" pitchFamily="34" charset="0"/>
               </a:rPr>
-              <a:t>1</a:t>
+              <a:t>2</a:t>
             </a:r>
             <a:endParaRPr lang="en-US" sz="1100" baseline="-25000" dirty="0">
               <a:solidFill>
@@ -28012,7 +28193,7 @@
         </p:nvSpPr>
         <p:spPr>
           <a:xfrm>
-            <a:off x="3128468" y="4546918"/>
+            <a:off x="3128468" y="4340910"/>
             <a:ext cx="276038" cy="261610"/>
           </a:xfrm>
           <a:prstGeom prst="rect">
@@ -28048,8 +28229,17 @@
                 <a:latin typeface="Arial" pitchFamily="34" charset="0"/>
                 <a:cs typeface="Arial" pitchFamily="34" charset="0"/>
               </a:rPr>
-              <a:t>2</a:t>
-            </a:r>
+              <a:t>3</a:t>
+            </a:r>
+            <a:endParaRPr lang="en-US" sz="1100" baseline="-25000" dirty="0">
+              <a:solidFill>
+                <a:schemeClr val="bg1">
+                  <a:lumMod val="50000"/>
+                </a:schemeClr>
+              </a:solidFill>
+              <a:latin typeface="Arial" pitchFamily="34" charset="0"/>
+              <a:cs typeface="Arial" pitchFamily="34" charset="0"/>
+            </a:endParaRPr>
           </a:p>
         </p:txBody>
       </p:sp>
@@ -28061,7 +28251,7 @@
         </p:nvSpPr>
         <p:spPr>
           <a:xfrm>
-            <a:off x="3394225" y="4546918"/>
+            <a:off x="3394225" y="4340910"/>
             <a:ext cx="276038" cy="261610"/>
           </a:xfrm>
           <a:prstGeom prst="rect">
@@ -28088,7 +28278,7 @@
               <a:t>t</a:t>
             </a:r>
             <a:r>
-              <a:rPr lang="en-US" sz="1100" baseline="-25000" dirty="0" smtClean="0">
+              <a:rPr lang="en-US" sz="1100" baseline="-25000" dirty="0">
                 <a:solidFill>
                   <a:schemeClr val="bg1">
                     <a:lumMod val="50000"/>
@@ -28097,7 +28287,7 @@
                 <a:latin typeface="Arial" pitchFamily="34" charset="0"/>
                 <a:cs typeface="Arial" pitchFamily="34" charset="0"/>
               </a:rPr>
-              <a:t>3</a:t>
+              <a:t>4</a:t>
             </a:r>
             <a:endParaRPr lang="en-US" sz="1100" baseline="-25000" dirty="0">
               <a:solidFill>
@@ -28119,7 +28309,7 @@
         </p:nvSpPr>
         <p:spPr>
           <a:xfrm>
-            <a:off x="3653308" y="4546918"/>
+            <a:off x="3653308" y="4340910"/>
             <a:ext cx="276038" cy="261610"/>
           </a:xfrm>
           <a:prstGeom prst="rect">
@@ -28155,8 +28345,17 @@
                 <a:latin typeface="Arial" pitchFamily="34" charset="0"/>
                 <a:cs typeface="Arial" pitchFamily="34" charset="0"/>
               </a:rPr>
-              <a:t>4</a:t>
-            </a:r>
+              <a:t>5</a:t>
+            </a:r>
+            <a:endParaRPr lang="en-US" sz="1100" baseline="-25000" dirty="0">
+              <a:solidFill>
+                <a:schemeClr val="bg1">
+                  <a:lumMod val="50000"/>
+                </a:schemeClr>
+              </a:solidFill>
+              <a:latin typeface="Arial" pitchFamily="34" charset="0"/>
+              <a:cs typeface="Arial" pitchFamily="34" charset="0"/>
+            </a:endParaRPr>
           </a:p>
         </p:txBody>
       </p:sp>
@@ -28168,7 +28367,7 @@
         </p:nvSpPr>
         <p:spPr>
           <a:xfrm>
-            <a:off x="3912391" y="4546918"/>
+            <a:off x="3912391" y="4340910"/>
             <a:ext cx="276038" cy="261610"/>
           </a:xfrm>
           <a:prstGeom prst="rect">
@@ -28204,8 +28403,17 @@
                 <a:latin typeface="Arial" pitchFamily="34" charset="0"/>
                 <a:cs typeface="Arial" pitchFamily="34" charset="0"/>
               </a:rPr>
-              <a:t>5</a:t>
-            </a:r>
+              <a:t>6</a:t>
+            </a:r>
+            <a:endParaRPr lang="en-US" sz="1100" baseline="-25000" dirty="0">
+              <a:solidFill>
+                <a:schemeClr val="bg1">
+                  <a:lumMod val="50000"/>
+                </a:schemeClr>
+              </a:solidFill>
+              <a:latin typeface="Arial" pitchFamily="34" charset="0"/>
+              <a:cs typeface="Arial" pitchFamily="34" charset="0"/>
+            </a:endParaRPr>
           </a:p>
         </p:txBody>
       </p:sp>
@@ -28217,7 +28425,7 @@
         </p:nvSpPr>
         <p:spPr>
           <a:xfrm>
-            <a:off x="4171474" y="4546918"/>
+            <a:off x="4171474" y="4340910"/>
             <a:ext cx="276038" cy="261610"/>
           </a:xfrm>
           <a:prstGeom prst="rect">
@@ -28253,8 +28461,17 @@
                 <a:latin typeface="Arial" pitchFamily="34" charset="0"/>
                 <a:cs typeface="Arial" pitchFamily="34" charset="0"/>
               </a:rPr>
-              <a:t>6</a:t>
-            </a:r>
+              <a:t>7</a:t>
+            </a:r>
+            <a:endParaRPr lang="en-US" sz="1100" baseline="-25000" dirty="0">
+              <a:solidFill>
+                <a:schemeClr val="bg1">
+                  <a:lumMod val="50000"/>
+                </a:schemeClr>
+              </a:solidFill>
+              <a:latin typeface="Arial" pitchFamily="34" charset="0"/>
+              <a:cs typeface="Arial" pitchFamily="34" charset="0"/>
+            </a:endParaRPr>
           </a:p>
         </p:txBody>
       </p:sp>
@@ -28266,7 +28483,7 @@
         </p:nvSpPr>
         <p:spPr>
           <a:xfrm>
-            <a:off x="4443905" y="4546918"/>
+            <a:off x="4443905" y="4340910"/>
             <a:ext cx="276038" cy="261610"/>
           </a:xfrm>
           <a:prstGeom prst="rect">
@@ -28302,8 +28519,17 @@
                 <a:latin typeface="Arial" pitchFamily="34" charset="0"/>
                 <a:cs typeface="Arial" pitchFamily="34" charset="0"/>
               </a:rPr>
-              <a:t>7</a:t>
-            </a:r>
+              <a:t>8</a:t>
+            </a:r>
+            <a:endParaRPr lang="en-US" sz="1100" baseline="-25000" dirty="0">
+              <a:solidFill>
+                <a:schemeClr val="bg1">
+                  <a:lumMod val="50000"/>
+                </a:schemeClr>
+              </a:solidFill>
+              <a:latin typeface="Arial" pitchFamily="34" charset="0"/>
+              <a:cs typeface="Arial" pitchFamily="34" charset="0"/>
+            </a:endParaRPr>
           </a:p>
         </p:txBody>
       </p:sp>
@@ -28315,7 +28541,7 @@
         </p:nvSpPr>
         <p:spPr>
           <a:xfrm>
-            <a:off x="4716336" y="4546918"/>
+            <a:off x="4695864" y="4340910"/>
             <a:ext cx="276038" cy="261610"/>
           </a:xfrm>
           <a:prstGeom prst="rect">
@@ -28351,8 +28577,17 @@
                 <a:latin typeface="Arial" pitchFamily="34" charset="0"/>
                 <a:cs typeface="Arial" pitchFamily="34" charset="0"/>
               </a:rPr>
-              <a:t>8</a:t>
-            </a:r>
+              <a:t>9</a:t>
+            </a:r>
+            <a:endParaRPr lang="en-US" sz="1100" baseline="-25000" dirty="0">
+              <a:solidFill>
+                <a:schemeClr val="bg1">
+                  <a:lumMod val="50000"/>
+                </a:schemeClr>
+              </a:solidFill>
+              <a:latin typeface="Arial" pitchFamily="34" charset="0"/>
+              <a:cs typeface="Arial" pitchFamily="34" charset="0"/>
+            </a:endParaRPr>
           </a:p>
         </p:txBody>
       </p:sp>
@@ -28364,8 +28599,8 @@
         </p:nvSpPr>
         <p:spPr>
           <a:xfrm>
-            <a:off x="4988767" y="4546918"/>
-            <a:ext cx="276038" cy="261610"/>
+            <a:off x="4913568" y="4340910"/>
+            <a:ext cx="328936" cy="261610"/>
           </a:xfrm>
           <a:prstGeom prst="rect">
             <a:avLst/>
@@ -28391,7 +28626,7 @@
               <a:t>t</a:t>
             </a:r>
             <a:r>
-              <a:rPr lang="en-US" sz="1100" baseline="-25000" dirty="0">
+              <a:rPr lang="en-US" sz="1100" baseline="-25000" dirty="0" smtClean="0">
                 <a:solidFill>
                   <a:schemeClr val="bg1">
                     <a:lumMod val="50000"/>
@@ -28400,8 +28635,17 @@
                 <a:latin typeface="Arial" pitchFamily="34" charset="0"/>
                 <a:cs typeface="Arial" pitchFamily="34" charset="0"/>
               </a:rPr>
-              <a:t>9</a:t>
-            </a:r>
+              <a:t>10</a:t>
+            </a:r>
+            <a:endParaRPr lang="en-US" sz="1100" baseline="-25000" dirty="0">
+              <a:solidFill>
+                <a:schemeClr val="bg1">
+                  <a:lumMod val="50000"/>
+                </a:schemeClr>
+              </a:solidFill>
+              <a:latin typeface="Arial" pitchFamily="34" charset="0"/>
+              <a:cs typeface="Arial" pitchFamily="34" charset="0"/>
+            </a:endParaRPr>
           </a:p>
         </p:txBody>
       </p:sp>
@@ -28413,7 +28657,7 @@
         </p:nvSpPr>
         <p:spPr>
           <a:xfrm>
-            <a:off x="5261198" y="4546918"/>
+            <a:off x="5183999" y="4340910"/>
             <a:ext cx="328936" cy="261610"/>
           </a:xfrm>
           <a:prstGeom prst="rect">
@@ -28449,7 +28693,7 @@
                 <a:latin typeface="Arial" pitchFamily="34" charset="0"/>
                 <a:cs typeface="Arial" pitchFamily="34" charset="0"/>
               </a:rPr>
-              <a:t>10</a:t>
+              <a:t>11</a:t>
             </a:r>
             <a:endParaRPr lang="en-US" sz="1100" baseline="-25000" dirty="0">
               <a:solidFill>
@@ -28471,7 +28715,7 @@
         </p:nvSpPr>
         <p:spPr>
           <a:xfrm>
-            <a:off x="5533629" y="4546918"/>
+            <a:off x="5456430" y="4340910"/>
             <a:ext cx="328936" cy="261610"/>
           </a:xfrm>
           <a:prstGeom prst="rect">
@@ -28507,7 +28751,7 @@
                 <a:latin typeface="Arial" pitchFamily="34" charset="0"/>
                 <a:cs typeface="Arial" pitchFamily="34" charset="0"/>
               </a:rPr>
-              <a:t>11</a:t>
+              <a:t>12</a:t>
             </a:r>
             <a:endParaRPr lang="en-US" sz="1100" baseline="-25000" dirty="0">
               <a:solidFill>
@@ -28529,7 +28773,7 @@
         </p:nvSpPr>
         <p:spPr>
           <a:xfrm>
-            <a:off x="5786038" y="4546918"/>
+            <a:off x="5708839" y="4340910"/>
             <a:ext cx="328936" cy="261610"/>
           </a:xfrm>
           <a:prstGeom prst="rect">
@@ -28565,7 +28809,7 @@
                 <a:latin typeface="Arial" pitchFamily="34" charset="0"/>
                 <a:cs typeface="Arial" pitchFamily="34" charset="0"/>
               </a:rPr>
-              <a:t>12</a:t>
+              <a:t>13</a:t>
             </a:r>
             <a:endParaRPr lang="en-US" sz="1100" baseline="-25000" dirty="0">
               <a:solidFill>
@@ -28587,7 +28831,7 @@
         </p:nvSpPr>
         <p:spPr>
           <a:xfrm>
-            <a:off x="6051795" y="4546918"/>
+            <a:off x="5974596" y="4340910"/>
             <a:ext cx="328936" cy="261610"/>
           </a:xfrm>
           <a:prstGeom prst="rect">
@@ -28623,7 +28867,7 @@
                 <a:latin typeface="Arial" pitchFamily="34" charset="0"/>
                 <a:cs typeface="Arial" pitchFamily="34" charset="0"/>
               </a:rPr>
-              <a:t>13</a:t>
+              <a:t>14</a:t>
             </a:r>
             <a:endParaRPr lang="en-US" sz="1100" baseline="-25000" dirty="0">
               <a:solidFill>
@@ -28645,7 +28889,7 @@
         </p:nvSpPr>
         <p:spPr>
           <a:xfrm>
-            <a:off x="6317552" y="4546918"/>
+            <a:off x="6240353" y="4340910"/>
             <a:ext cx="328936" cy="261610"/>
           </a:xfrm>
           <a:prstGeom prst="rect">
@@ -28681,7 +28925,7 @@
                 <a:latin typeface="Arial" pitchFamily="34" charset="0"/>
                 <a:cs typeface="Arial" pitchFamily="34" charset="0"/>
               </a:rPr>
-              <a:t>14</a:t>
+              <a:t>15</a:t>
             </a:r>
             <a:endParaRPr lang="en-US" sz="1100" baseline="-25000" dirty="0">
               <a:solidFill>
@@ -28703,7 +28947,7 @@
         </p:nvSpPr>
         <p:spPr>
           <a:xfrm>
-            <a:off x="6583309" y="4546918"/>
+            <a:off x="6506110" y="4340910"/>
             <a:ext cx="328936" cy="261610"/>
           </a:xfrm>
           <a:prstGeom prst="rect">
@@ -28739,7 +28983,7 @@
                 <a:latin typeface="Arial" pitchFamily="34" charset="0"/>
                 <a:cs typeface="Arial" pitchFamily="34" charset="0"/>
               </a:rPr>
-              <a:t>15</a:t>
+              <a:t>16</a:t>
             </a:r>
             <a:endParaRPr lang="en-US" sz="1100" baseline="-25000" dirty="0">
               <a:solidFill>
@@ -28761,7 +29005,7 @@
         </p:nvSpPr>
         <p:spPr>
           <a:xfrm>
-            <a:off x="6849066" y="4546918"/>
+            <a:off x="6771867" y="4340910"/>
             <a:ext cx="328936" cy="261610"/>
           </a:xfrm>
           <a:prstGeom prst="rect">
@@ -28797,7 +29041,7 @@
                 <a:latin typeface="Arial" pitchFamily="34" charset="0"/>
                 <a:cs typeface="Arial" pitchFamily="34" charset="0"/>
               </a:rPr>
-              <a:t>16</a:t>
+              <a:t>17</a:t>
             </a:r>
             <a:endParaRPr lang="en-US" sz="1100" baseline="-25000" dirty="0">
               <a:solidFill>
@@ -28819,7 +29063,7 @@
         </p:nvSpPr>
         <p:spPr>
           <a:xfrm>
-            <a:off x="7114823" y="4546918"/>
+            <a:off x="7039624" y="4340910"/>
             <a:ext cx="328936" cy="261610"/>
           </a:xfrm>
           <a:prstGeom prst="rect">
@@ -28855,7 +29099,7 @@
                 <a:latin typeface="Arial" pitchFamily="34" charset="0"/>
                 <a:cs typeface="Arial" pitchFamily="34" charset="0"/>
               </a:rPr>
-              <a:t>17</a:t>
+              <a:t>18</a:t>
             </a:r>
             <a:endParaRPr lang="en-US" sz="1100" baseline="-25000" dirty="0">
               <a:solidFill>
@@ -28877,7 +29121,7 @@
         </p:nvSpPr>
         <p:spPr>
           <a:xfrm>
-            <a:off x="7367125" y="4546918"/>
+            <a:off x="7276278" y="4340910"/>
             <a:ext cx="328936" cy="261610"/>
           </a:xfrm>
           <a:prstGeom prst="rect">
@@ -28913,7 +29157,7 @@
                 <a:latin typeface="Arial" pitchFamily="34" charset="0"/>
                 <a:cs typeface="Arial" pitchFamily="34" charset="0"/>
               </a:rPr>
-              <a:t>18</a:t>
+              <a:t>19</a:t>
             </a:r>
             <a:endParaRPr lang="en-US" sz="1100" baseline="-25000" dirty="0">
               <a:solidFill>
@@ -28935,8 +29179,8 @@
         </p:nvSpPr>
         <p:spPr>
           <a:xfrm>
-            <a:off x="1758420" y="4635158"/>
-            <a:ext cx="716863" cy="230832"/>
+            <a:off x="1098579" y="4227934"/>
+            <a:ext cx="1313181" cy="230832"/>
           </a:xfrm>
           <a:prstGeom prst="rect">
             <a:avLst/>
@@ -28949,6 +29193,7 @@
           </a:bodyPr>
           <a:lstStyle/>
           <a:p>
+            <a:pPr algn="r"/>
             <a:r>
               <a:rPr lang="en-US" sz="900" dirty="0" smtClean="0">
                 <a:solidFill>
@@ -28959,7 +29204,19 @@
                 <a:latin typeface="Arial" pitchFamily="34" charset="0"/>
                 <a:cs typeface="Arial" pitchFamily="34" charset="0"/>
               </a:rPr>
-              <a:t>delay start</a:t>
+              <a:t>delay start </a:t>
+            </a:r>
+            <a:r>
+              <a:rPr lang="en-US" sz="900" dirty="0" smtClean="0">
+                <a:solidFill>
+                  <a:schemeClr val="bg1">
+                    <a:lumMod val="50000"/>
+                  </a:schemeClr>
+                </a:solidFill>
+                <a:latin typeface="Arial" pitchFamily="34" charset="0"/>
+                <a:cs typeface="Arial" pitchFamily="34" charset="0"/>
+              </a:rPr>
+              <a:t>(head-end)</a:t>
             </a:r>
             <a:endParaRPr lang="en-US" sz="900" dirty="0">
               <a:solidFill>
@@ -28973,21 +29230,495 @@
           </a:p>
         </p:txBody>
       </p:sp>
-      <p:sp>
-        <p:nvSpPr>
-          <p:cNvPr id="151" name="Arc 150"/>
+      <p:cxnSp>
+        <p:nvCxnSpPr>
+          <p:cNvPr id="115" name="Straight Arrow Connector 59"/>
+          <p:cNvCxnSpPr/>
+          <p:nvPr/>
+        </p:nvCxnSpPr>
+        <p:spPr>
+          <a:xfrm>
+            <a:off x="2448051" y="4228139"/>
+            <a:ext cx="234761" cy="4093"/>
+          </a:xfrm>
+          <a:prstGeom prst="straightConnector1">
+            <a:avLst/>
+          </a:prstGeom>
+          <a:ln w="19050">
+            <a:solidFill>
+              <a:srgbClr val="27AE60"/>
+            </a:solidFill>
+            <a:headEnd type="none"/>
+            <a:tailEnd type="triangle"/>
+          </a:ln>
+        </p:spPr>
+        <p:style>
+          <a:lnRef idx="1">
+            <a:schemeClr val="accent1"/>
+          </a:lnRef>
+          <a:fillRef idx="0">
+            <a:schemeClr val="accent1"/>
+          </a:fillRef>
+          <a:effectRef idx="0">
+            <a:schemeClr val="accent1"/>
+          </a:effectRef>
+          <a:fontRef idx="minor">
+            <a:schemeClr val="tx1"/>
+          </a:fontRef>
+        </p:style>
+      </p:cxnSp>
+      <p:cxnSp>
+        <p:nvCxnSpPr>
+          <p:cNvPr id="116" name="Straight Arrow Connector 59"/>
+          <p:cNvCxnSpPr/>
+          <p:nvPr/>
+        </p:nvCxnSpPr>
+        <p:spPr>
+          <a:xfrm>
+            <a:off x="2699792" y="4295849"/>
+            <a:ext cx="194017" cy="4093"/>
+          </a:xfrm>
+          <a:prstGeom prst="straightConnector1">
+            <a:avLst/>
+          </a:prstGeom>
+          <a:ln w="19050">
+            <a:solidFill>
+              <a:srgbClr val="27AE60"/>
+            </a:solidFill>
+            <a:headEnd type="none"/>
+            <a:tailEnd type="triangle"/>
+          </a:ln>
+        </p:spPr>
+        <p:style>
+          <a:lnRef idx="1">
+            <a:schemeClr val="accent1"/>
+          </a:lnRef>
+          <a:fillRef idx="0">
+            <a:schemeClr val="accent1"/>
+          </a:fillRef>
+          <a:effectRef idx="0">
+            <a:schemeClr val="accent1"/>
+          </a:effectRef>
+          <a:fontRef idx="minor">
+            <a:schemeClr val="tx1"/>
+          </a:fontRef>
+        </p:style>
+      </p:cxnSp>
+      <p:cxnSp>
+        <p:nvCxnSpPr>
+          <p:cNvPr id="117" name="Straight Connector 116"/>
+          <p:cNvCxnSpPr/>
+          <p:nvPr/>
+        </p:nvCxnSpPr>
+        <p:spPr>
+          <a:xfrm flipV="1">
+            <a:off x="2887285" y="4299942"/>
+            <a:ext cx="0" cy="354769"/>
+          </a:xfrm>
+          <a:prstGeom prst="line">
+            <a:avLst/>
+          </a:prstGeom>
+          <a:ln w="12700">
+            <a:solidFill>
+              <a:schemeClr val="bg1">
+                <a:lumMod val="50000"/>
+              </a:schemeClr>
+            </a:solidFill>
+            <a:prstDash val="sysDot"/>
+            <a:headEnd type="triangle"/>
+            <a:tailEnd type="none"/>
+          </a:ln>
+        </p:spPr>
+        <p:style>
+          <a:lnRef idx="1">
+            <a:schemeClr val="accent1"/>
+          </a:lnRef>
+          <a:fillRef idx="0">
+            <a:schemeClr val="accent1"/>
+          </a:fillRef>
+          <a:effectRef idx="0">
+            <a:schemeClr val="accent1"/>
+          </a:effectRef>
+          <a:fontRef idx="minor">
+            <a:schemeClr val="tx1"/>
+          </a:fontRef>
+        </p:style>
+      </p:cxnSp>
+      <p:sp>
+        <p:nvSpPr>
+          <p:cNvPr id="118" name="TextBox 117"/>
+          <p:cNvSpPr txBox="1"/>
+          <p:nvPr/>
+        </p:nvSpPr>
+        <p:spPr>
+          <a:xfrm>
+            <a:off x="758742" y="4443958"/>
+            <a:ext cx="1653018" cy="230832"/>
+          </a:xfrm>
+          <a:prstGeom prst="rect">
+            <a:avLst/>
+          </a:prstGeom>
+          <a:noFill/>
+        </p:spPr>
+        <p:txBody>
+          <a:bodyPr wrap="none" rtlCol="0">
+            <a:spAutoFit/>
+          </a:bodyPr>
+          <a:lstStyle/>
+          <a:p>
+            <a:pPr algn="r"/>
+            <a:r>
+              <a:rPr lang="en-US" sz="900" dirty="0" smtClean="0">
+                <a:solidFill>
+                  <a:schemeClr val="bg1">
+                    <a:lumMod val="50000"/>
+                  </a:schemeClr>
+                </a:solidFill>
+                <a:latin typeface="Arial" pitchFamily="34" charset="0"/>
+                <a:cs typeface="Arial" pitchFamily="34" charset="0"/>
+              </a:rPr>
+              <a:t>ECM processing </a:t>
+            </a:r>
+            <a:r>
+              <a:rPr lang="en-US" sz="900" dirty="0" smtClean="0">
+                <a:solidFill>
+                  <a:schemeClr val="bg1">
+                    <a:lumMod val="50000"/>
+                  </a:schemeClr>
+                </a:solidFill>
+                <a:latin typeface="Arial" pitchFamily="34" charset="0"/>
+                <a:cs typeface="Arial" pitchFamily="34" charset="0"/>
+              </a:rPr>
+              <a:t>(smartcard)</a:t>
+            </a:r>
+            <a:endParaRPr lang="en-US" sz="900" dirty="0">
+              <a:solidFill>
+                <a:schemeClr val="bg1">
+                  <a:lumMod val="50000"/>
+                </a:schemeClr>
+              </a:solidFill>
+              <a:latin typeface="Arial" pitchFamily="34" charset="0"/>
+              <a:cs typeface="Arial" pitchFamily="34" charset="0"/>
+            </a:endParaRPr>
+          </a:p>
+        </p:txBody>
+      </p:sp>
+      <p:sp>
+        <p:nvSpPr>
+          <p:cNvPr id="124" name="Rectangle 123"/>
           <p:cNvSpPr/>
           <p:nvPr/>
         </p:nvSpPr>
         <p:spPr>
-          <a:xfrm flipV="1">
-            <a:off x="2247502" y="4230431"/>
-            <a:ext cx="310779" cy="523452"/>
-          </a:xfrm>
-          <a:prstGeom prst="arc">
-            <a:avLst/>
-          </a:prstGeom>
-          <a:ln w="9525">
+          <a:xfrm>
+            <a:off x="2883728" y="4654111"/>
+            <a:ext cx="531119" cy="164592"/>
+          </a:xfrm>
+          <a:prstGeom prst="rect">
+            <a:avLst/>
+          </a:prstGeom>
+          <a:noFill/>
+          <a:ln w="12700"/>
+        </p:spPr>
+        <p:style>
+          <a:lnRef idx="2">
+            <a:schemeClr val="accent1">
+              <a:shade val="50000"/>
+            </a:schemeClr>
+          </a:lnRef>
+          <a:fillRef idx="1">
+            <a:schemeClr val="accent1"/>
+          </a:fillRef>
+          <a:effectRef idx="0">
+            <a:schemeClr val="accent1"/>
+          </a:effectRef>
+          <a:fontRef idx="minor">
+            <a:schemeClr val="lt1"/>
+          </a:fontRef>
+        </p:style>
+        <p:txBody>
+          <a:bodyPr lIns="0" rIns="0" rtlCol="0" anchor="ctr"/>
+          <a:lstStyle/>
+          <a:p>
+            <a:pPr algn="ctr"/>
+            <a:r>
+              <a:rPr lang="en-US" sz="900" dirty="0" smtClean="0">
+                <a:solidFill>
+                  <a:schemeClr val="bg1">
+                    <a:lumMod val="50000"/>
+                  </a:schemeClr>
+                </a:solidFill>
+              </a:rPr>
+              <a:t>BB..BB</a:t>
+            </a:r>
+            <a:endParaRPr lang="en-US" sz="900" dirty="0">
+              <a:solidFill>
+                <a:schemeClr val="bg1">
+                  <a:lumMod val="50000"/>
+                </a:schemeClr>
+              </a:solidFill>
+            </a:endParaRPr>
+          </a:p>
+        </p:txBody>
+      </p:sp>
+      <p:sp>
+        <p:nvSpPr>
+          <p:cNvPr id="126" name="TextBox 36"/>
+          <p:cNvSpPr txBox="1"/>
+          <p:nvPr/>
+        </p:nvSpPr>
+        <p:spPr>
+          <a:xfrm>
+            <a:off x="2907903" y="4782640"/>
+            <a:ext cx="482768" cy="215444"/>
+          </a:xfrm>
+          <a:prstGeom prst="rect">
+            <a:avLst/>
+          </a:prstGeom>
+          <a:noFill/>
+        </p:spPr>
+        <p:txBody>
+          <a:bodyPr wrap="square" rtlCol="0">
+            <a:spAutoFit/>
+          </a:bodyPr>
+          <a:lstStyle/>
+          <a:p>
+            <a:pPr algn="ctr"/>
+            <a:r>
+              <a:rPr lang="en-US" sz="800" i="1" dirty="0" smtClean="0">
+                <a:solidFill>
+                  <a:schemeClr val="bg1">
+                    <a:lumMod val="50000"/>
+                  </a:schemeClr>
+                </a:solidFill>
+                <a:sym typeface="Wingdings" panose="05000000000000000000" pitchFamily="2" charset="2"/>
+              </a:rPr>
+              <a:t>even</a:t>
+            </a:r>
+            <a:endParaRPr lang="en-US" sz="800" i="1" dirty="0">
+              <a:solidFill>
+                <a:schemeClr val="bg1">
+                  <a:lumMod val="50000"/>
+                </a:schemeClr>
+              </a:solidFill>
+            </a:endParaRPr>
+          </a:p>
+        </p:txBody>
+      </p:sp>
+      <p:sp>
+        <p:nvSpPr>
+          <p:cNvPr id="128" name="Rectangle 127"/>
+          <p:cNvSpPr/>
+          <p:nvPr/>
+        </p:nvSpPr>
+        <p:spPr>
+          <a:xfrm>
+            <a:off x="3415353" y="4653158"/>
+            <a:ext cx="531119" cy="164592"/>
+          </a:xfrm>
+          <a:prstGeom prst="rect">
+            <a:avLst/>
+          </a:prstGeom>
+          <a:noFill/>
+          <a:ln w="12700"/>
+        </p:spPr>
+        <p:style>
+          <a:lnRef idx="2">
+            <a:schemeClr val="accent1">
+              <a:shade val="50000"/>
+            </a:schemeClr>
+          </a:lnRef>
+          <a:fillRef idx="1">
+            <a:schemeClr val="accent1"/>
+          </a:fillRef>
+          <a:effectRef idx="0">
+            <a:schemeClr val="accent1"/>
+          </a:effectRef>
+          <a:fontRef idx="minor">
+            <a:schemeClr val="lt1"/>
+          </a:fontRef>
+        </p:style>
+        <p:txBody>
+          <a:bodyPr lIns="0" rIns="0" rtlCol="0" anchor="ctr"/>
+          <a:lstStyle/>
+          <a:p>
+            <a:pPr algn="ctr"/>
+            <a:r>
+              <a:rPr lang="en-US" sz="900" dirty="0" smtClean="0">
+                <a:solidFill>
+                  <a:schemeClr val="bg1">
+                    <a:lumMod val="50000"/>
+                  </a:schemeClr>
+                </a:solidFill>
+              </a:rPr>
+              <a:t>AA..AA</a:t>
+            </a:r>
+            <a:endParaRPr lang="en-US" sz="900" dirty="0">
+              <a:solidFill>
+                <a:schemeClr val="bg1">
+                  <a:lumMod val="50000"/>
+                </a:schemeClr>
+              </a:solidFill>
+            </a:endParaRPr>
+          </a:p>
+        </p:txBody>
+      </p:sp>
+      <p:sp>
+        <p:nvSpPr>
+          <p:cNvPr id="149" name="TextBox 36"/>
+          <p:cNvSpPr txBox="1"/>
+          <p:nvPr/>
+        </p:nvSpPr>
+        <p:spPr>
+          <a:xfrm>
+            <a:off x="3439528" y="4780854"/>
+            <a:ext cx="482768" cy="215444"/>
+          </a:xfrm>
+          <a:prstGeom prst="rect">
+            <a:avLst/>
+          </a:prstGeom>
+          <a:noFill/>
+        </p:spPr>
+        <p:txBody>
+          <a:bodyPr wrap="square" rtlCol="0">
+            <a:spAutoFit/>
+          </a:bodyPr>
+          <a:lstStyle/>
+          <a:p>
+            <a:pPr algn="ctr"/>
+            <a:r>
+              <a:rPr lang="en-US" sz="800" i="1" dirty="0" smtClean="0">
+                <a:solidFill>
+                  <a:schemeClr val="bg1">
+                    <a:lumMod val="50000"/>
+                  </a:schemeClr>
+                </a:solidFill>
+                <a:sym typeface="Wingdings" panose="05000000000000000000" pitchFamily="2" charset="2"/>
+              </a:rPr>
+              <a:t>even</a:t>
+            </a:r>
+            <a:endParaRPr lang="en-US" sz="800" i="1" dirty="0">
+              <a:solidFill>
+                <a:schemeClr val="bg1">
+                  <a:lumMod val="50000"/>
+                </a:schemeClr>
+              </a:solidFill>
+            </a:endParaRPr>
+          </a:p>
+        </p:txBody>
+      </p:sp>
+      <p:sp>
+        <p:nvSpPr>
+          <p:cNvPr id="150" name="TextBox 149"/>
+          <p:cNvSpPr txBox="1"/>
+          <p:nvPr/>
+        </p:nvSpPr>
+        <p:spPr>
+          <a:xfrm>
+            <a:off x="803626" y="4665196"/>
+            <a:ext cx="1608134" cy="230832"/>
+          </a:xfrm>
+          <a:prstGeom prst="rect">
+            <a:avLst/>
+          </a:prstGeom>
+          <a:noFill/>
+        </p:spPr>
+        <p:txBody>
+          <a:bodyPr wrap="none" rtlCol="0">
+            <a:spAutoFit/>
+          </a:bodyPr>
+          <a:lstStyle/>
+          <a:p>
+            <a:pPr algn="r"/>
+            <a:r>
+              <a:rPr lang="en-US" sz="900" dirty="0" smtClean="0">
+                <a:solidFill>
+                  <a:schemeClr val="bg1">
+                    <a:lumMod val="50000"/>
+                  </a:schemeClr>
+                </a:solidFill>
+                <a:latin typeface="Arial" pitchFamily="34" charset="0"/>
+                <a:cs typeface="Arial" pitchFamily="34" charset="0"/>
+              </a:rPr>
+              <a:t>descrambler setup </a:t>
+            </a:r>
+            <a:r>
+              <a:rPr lang="en-US" sz="900" dirty="0" smtClean="0">
+                <a:solidFill>
+                  <a:schemeClr val="bg1">
+                    <a:lumMod val="50000"/>
+                  </a:schemeClr>
+                </a:solidFill>
+                <a:latin typeface="Arial" pitchFamily="34" charset="0"/>
+                <a:cs typeface="Arial" pitchFamily="34" charset="0"/>
+              </a:rPr>
+              <a:t>(chipset)</a:t>
+            </a:r>
+            <a:endParaRPr lang="en-US" sz="900" dirty="0">
+              <a:solidFill>
+                <a:schemeClr val="bg1">
+                  <a:lumMod val="50000"/>
+                </a:schemeClr>
+              </a:solidFill>
+              <a:latin typeface="Arial" pitchFamily="34" charset="0"/>
+              <a:cs typeface="Arial" pitchFamily="34" charset="0"/>
+            </a:endParaRPr>
+          </a:p>
+        </p:txBody>
+      </p:sp>
+      <p:sp>
+        <p:nvSpPr>
+          <p:cNvPr id="16" name="Freeform 15"/>
+          <p:cNvSpPr/>
+          <p:nvPr/>
+        </p:nvSpPr>
+        <p:spPr>
+          <a:xfrm>
+            <a:off x="2340591" y="4258101"/>
+            <a:ext cx="206773" cy="89766"/>
+          </a:xfrm>
+          <a:custGeom>
+            <a:avLst/>
+            <a:gdLst>
+              <a:gd name="connsiteX0" fmla="*/ 0 w 206773"/>
+              <a:gd name="connsiteY0" fmla="*/ 81887 h 89766"/>
+              <a:gd name="connsiteX1" fmla="*/ 177421 w 206773"/>
+              <a:gd name="connsiteY1" fmla="*/ 81887 h 89766"/>
+              <a:gd name="connsiteX2" fmla="*/ 204716 w 206773"/>
+              <a:gd name="connsiteY2" fmla="*/ 0 h 89766"/>
+            </a:gdLst>
+            <a:ahLst/>
+            <a:cxnLst>
+              <a:cxn ang="0">
+                <a:pos x="connsiteX0" y="connsiteY0"/>
+              </a:cxn>
+              <a:cxn ang="0">
+                <a:pos x="connsiteX1" y="connsiteY1"/>
+              </a:cxn>
+              <a:cxn ang="0">
+                <a:pos x="connsiteX2" y="connsiteY2"/>
+              </a:cxn>
+            </a:cxnLst>
+            <a:rect l="l" t="t" r="r" b="b"/>
+            <a:pathLst>
+              <a:path w="206773" h="89766">
+                <a:moveTo>
+                  <a:pt x="0" y="81887"/>
+                </a:moveTo>
+                <a:cubicBezTo>
+                  <a:pt x="71651" y="88711"/>
+                  <a:pt x="143302" y="95535"/>
+                  <a:pt x="177421" y="81887"/>
+                </a:cubicBezTo>
+                <a:cubicBezTo>
+                  <a:pt x="211540" y="68239"/>
+                  <a:pt x="208128" y="34119"/>
+                  <a:pt x="204716" y="0"/>
+                </a:cubicBezTo>
+              </a:path>
+            </a:pathLst>
+          </a:custGeom>
+          <a:ln w="12700">
             <a:solidFill>
               <a:schemeClr val="bg1">
                 <a:lumMod val="50000"/>
@@ -29015,7 +29746,699 @@
           <a:lstStyle/>
           <a:p>
             <a:pPr algn="ctr"/>
-            <a:endParaRPr lang="en-US"/>
+            <a:endParaRPr lang="en-US" dirty="0">
+              <a:solidFill>
+                <a:schemeClr val="tx1"/>
+              </a:solidFill>
+            </a:endParaRPr>
+          </a:p>
+        </p:txBody>
+      </p:sp>
+      <p:sp>
+        <p:nvSpPr>
+          <p:cNvPr id="17" name="Freeform 16"/>
+          <p:cNvSpPr/>
+          <p:nvPr/>
+        </p:nvSpPr>
+        <p:spPr>
+          <a:xfrm>
+            <a:off x="2347415" y="4346812"/>
+            <a:ext cx="448690" cy="244742"/>
+          </a:xfrm>
+          <a:custGeom>
+            <a:avLst/>
+            <a:gdLst>
+              <a:gd name="connsiteX0" fmla="*/ 0 w 448690"/>
+              <a:gd name="connsiteY0" fmla="*/ 218364 h 244742"/>
+              <a:gd name="connsiteX1" fmla="*/ 402609 w 448690"/>
+              <a:gd name="connsiteY1" fmla="*/ 225188 h 244742"/>
+              <a:gd name="connsiteX2" fmla="*/ 423081 w 448690"/>
+              <a:gd name="connsiteY2" fmla="*/ 0 h 244742"/>
+            </a:gdLst>
+            <a:ahLst/>
+            <a:cxnLst>
+              <a:cxn ang="0">
+                <a:pos x="connsiteX0" y="connsiteY0"/>
+              </a:cxn>
+              <a:cxn ang="0">
+                <a:pos x="connsiteX1" y="connsiteY1"/>
+              </a:cxn>
+              <a:cxn ang="0">
+                <a:pos x="connsiteX2" y="connsiteY2"/>
+              </a:cxn>
+            </a:cxnLst>
+            <a:rect l="l" t="t" r="r" b="b"/>
+            <a:pathLst>
+              <a:path w="448690" h="244742">
+                <a:moveTo>
+                  <a:pt x="0" y="218364"/>
+                </a:moveTo>
+                <a:cubicBezTo>
+                  <a:pt x="166048" y="239973"/>
+                  <a:pt x="332096" y="261582"/>
+                  <a:pt x="402609" y="225188"/>
+                </a:cubicBezTo>
+                <a:cubicBezTo>
+                  <a:pt x="473122" y="188794"/>
+                  <a:pt x="448101" y="94397"/>
+                  <a:pt x="423081" y="0"/>
+                </a:cubicBezTo>
+              </a:path>
+            </a:pathLst>
+          </a:custGeom>
+          <a:ln w="12700">
+            <a:solidFill>
+              <a:schemeClr val="bg1">
+                <a:lumMod val="50000"/>
+              </a:schemeClr>
+            </a:solidFill>
+            <a:tailEnd type="stealth" w="med" len="sm"/>
+          </a:ln>
+        </p:spPr>
+        <p:style>
+          <a:lnRef idx="1">
+            <a:schemeClr val="accent1"/>
+          </a:lnRef>
+          <a:fillRef idx="0">
+            <a:schemeClr val="accent1"/>
+          </a:fillRef>
+          <a:effectRef idx="0">
+            <a:schemeClr val="accent1"/>
+          </a:effectRef>
+          <a:fontRef idx="minor">
+            <a:schemeClr val="tx1"/>
+          </a:fontRef>
+        </p:style>
+        <p:txBody>
+          <a:bodyPr rtlCol="0" anchor="ctr"/>
+          <a:lstStyle/>
+          <a:p>
+            <a:pPr algn="ctr"/>
+            <a:endParaRPr lang="en-US" dirty="0">
+              <a:solidFill>
+                <a:schemeClr val="tx1"/>
+              </a:solidFill>
+            </a:endParaRPr>
+          </a:p>
+        </p:txBody>
+      </p:sp>
+      <p:cxnSp>
+        <p:nvCxnSpPr>
+          <p:cNvPr id="21" name="Straight Arrow Connector 20"/>
+          <p:cNvCxnSpPr/>
+          <p:nvPr/>
+        </p:nvCxnSpPr>
+        <p:spPr>
+          <a:xfrm flipV="1">
+            <a:off x="2370571" y="4730550"/>
+            <a:ext cx="465144" cy="44205"/>
+          </a:xfrm>
+          <a:prstGeom prst="straightConnector1">
+            <a:avLst/>
+          </a:prstGeom>
+          <a:ln w="12700">
+            <a:solidFill>
+              <a:schemeClr val="bg1">
+                <a:lumMod val="50000"/>
+              </a:schemeClr>
+            </a:solidFill>
+            <a:tailEnd type="stealth" w="med" len="sm"/>
+          </a:ln>
+        </p:spPr>
+        <p:style>
+          <a:lnRef idx="1">
+            <a:schemeClr val="accent1"/>
+          </a:lnRef>
+          <a:fillRef idx="0">
+            <a:schemeClr val="accent1"/>
+          </a:fillRef>
+          <a:effectRef idx="0">
+            <a:schemeClr val="accent1"/>
+          </a:effectRef>
+          <a:fontRef idx="minor">
+            <a:schemeClr val="tx1"/>
+          </a:fontRef>
+        </p:style>
+      </p:cxnSp>
+      <p:cxnSp>
+        <p:nvCxnSpPr>
+          <p:cNvPr id="152" name="Straight Arrow Connector 59"/>
+          <p:cNvCxnSpPr/>
+          <p:nvPr/>
+        </p:nvCxnSpPr>
+        <p:spPr>
+          <a:xfrm>
+            <a:off x="5054038" y="4237904"/>
+            <a:ext cx="255680" cy="4093"/>
+          </a:xfrm>
+          <a:prstGeom prst="straightConnector1">
+            <a:avLst/>
+          </a:prstGeom>
+          <a:ln w="19050">
+            <a:solidFill>
+              <a:srgbClr val="27AE60"/>
+            </a:solidFill>
+            <a:headEnd type="none"/>
+            <a:tailEnd type="triangle"/>
+          </a:ln>
+        </p:spPr>
+        <p:style>
+          <a:lnRef idx="1">
+            <a:schemeClr val="accent1"/>
+          </a:lnRef>
+          <a:fillRef idx="0">
+            <a:schemeClr val="accent1"/>
+          </a:fillRef>
+          <a:effectRef idx="0">
+            <a:schemeClr val="accent1"/>
+          </a:effectRef>
+          <a:fontRef idx="minor">
+            <a:schemeClr val="tx1"/>
+          </a:fontRef>
+        </p:style>
+      </p:cxnSp>
+      <p:cxnSp>
+        <p:nvCxnSpPr>
+          <p:cNvPr id="153" name="Straight Arrow Connector 59"/>
+          <p:cNvCxnSpPr/>
+          <p:nvPr/>
+        </p:nvCxnSpPr>
+        <p:spPr>
+          <a:xfrm>
+            <a:off x="5588435" y="4305102"/>
+            <a:ext cx="194017" cy="4093"/>
+          </a:xfrm>
+          <a:prstGeom prst="straightConnector1">
+            <a:avLst/>
+          </a:prstGeom>
+          <a:ln w="19050">
+            <a:solidFill>
+              <a:srgbClr val="27AE60"/>
+            </a:solidFill>
+            <a:headEnd type="none"/>
+            <a:tailEnd type="triangle"/>
+          </a:ln>
+        </p:spPr>
+        <p:style>
+          <a:lnRef idx="1">
+            <a:schemeClr val="accent1"/>
+          </a:lnRef>
+          <a:fillRef idx="0">
+            <a:schemeClr val="accent1"/>
+          </a:fillRef>
+          <a:effectRef idx="0">
+            <a:schemeClr val="accent1"/>
+          </a:effectRef>
+          <a:fontRef idx="minor">
+            <a:schemeClr val="tx1"/>
+          </a:fontRef>
+        </p:style>
+      </p:cxnSp>
+      <p:cxnSp>
+        <p:nvCxnSpPr>
+          <p:cNvPr id="154" name="Straight Connector 153"/>
+          <p:cNvCxnSpPr/>
+          <p:nvPr/>
+        </p:nvCxnSpPr>
+        <p:spPr>
+          <a:xfrm flipV="1">
+            <a:off x="5775928" y="4309195"/>
+            <a:ext cx="0" cy="354769"/>
+          </a:xfrm>
+          <a:prstGeom prst="line">
+            <a:avLst/>
+          </a:prstGeom>
+          <a:ln w="12700">
+            <a:solidFill>
+              <a:schemeClr val="bg1">
+                <a:lumMod val="50000"/>
+              </a:schemeClr>
+            </a:solidFill>
+            <a:prstDash val="sysDot"/>
+            <a:headEnd type="triangle"/>
+            <a:tailEnd type="none"/>
+          </a:ln>
+        </p:spPr>
+        <p:style>
+          <a:lnRef idx="1">
+            <a:schemeClr val="accent1"/>
+          </a:lnRef>
+          <a:fillRef idx="0">
+            <a:schemeClr val="accent1"/>
+          </a:fillRef>
+          <a:effectRef idx="0">
+            <a:schemeClr val="accent1"/>
+          </a:effectRef>
+          <a:fontRef idx="minor">
+            <a:schemeClr val="tx1"/>
+          </a:fontRef>
+        </p:style>
+      </p:cxnSp>
+      <p:sp>
+        <p:nvSpPr>
+          <p:cNvPr id="155" name="Rectangle 154"/>
+          <p:cNvSpPr/>
+          <p:nvPr/>
+        </p:nvSpPr>
+        <p:spPr>
+          <a:xfrm>
+            <a:off x="5772371" y="4663364"/>
+            <a:ext cx="531119" cy="164592"/>
+          </a:xfrm>
+          <a:prstGeom prst="rect">
+            <a:avLst/>
+          </a:prstGeom>
+          <a:noFill/>
+          <a:ln w="12700"/>
+        </p:spPr>
+        <p:style>
+          <a:lnRef idx="2">
+            <a:schemeClr val="accent1">
+              <a:shade val="50000"/>
+            </a:schemeClr>
+          </a:lnRef>
+          <a:fillRef idx="1">
+            <a:schemeClr val="accent1"/>
+          </a:fillRef>
+          <a:effectRef idx="0">
+            <a:schemeClr val="accent1"/>
+          </a:effectRef>
+          <a:fontRef idx="minor">
+            <a:schemeClr val="lt1"/>
+          </a:fontRef>
+        </p:style>
+        <p:txBody>
+          <a:bodyPr lIns="0" rIns="0" rtlCol="0" anchor="ctr"/>
+          <a:lstStyle/>
+          <a:p>
+            <a:pPr algn="ctr"/>
+            <a:r>
+              <a:rPr lang="en-US" sz="900" dirty="0" smtClean="0">
+                <a:solidFill>
+                  <a:schemeClr val="bg1">
+                    <a:lumMod val="50000"/>
+                  </a:schemeClr>
+                </a:solidFill>
+              </a:rPr>
+              <a:t>BB..BB</a:t>
+            </a:r>
+            <a:endParaRPr lang="en-US" sz="900" dirty="0">
+              <a:solidFill>
+                <a:schemeClr val="bg1">
+                  <a:lumMod val="50000"/>
+                </a:schemeClr>
+              </a:solidFill>
+            </a:endParaRPr>
+          </a:p>
+        </p:txBody>
+      </p:sp>
+      <p:sp>
+        <p:nvSpPr>
+          <p:cNvPr id="156" name="TextBox 36"/>
+          <p:cNvSpPr txBox="1"/>
+          <p:nvPr/>
+        </p:nvSpPr>
+        <p:spPr>
+          <a:xfrm>
+            <a:off x="5796546" y="4791893"/>
+            <a:ext cx="482768" cy="215444"/>
+          </a:xfrm>
+          <a:prstGeom prst="rect">
+            <a:avLst/>
+          </a:prstGeom>
+          <a:noFill/>
+        </p:spPr>
+        <p:txBody>
+          <a:bodyPr wrap="square" rtlCol="0">
+            <a:spAutoFit/>
+          </a:bodyPr>
+          <a:lstStyle/>
+          <a:p>
+            <a:pPr algn="ctr"/>
+            <a:r>
+              <a:rPr lang="en-US" sz="800" i="1" dirty="0" smtClean="0">
+                <a:solidFill>
+                  <a:schemeClr val="bg1">
+                    <a:lumMod val="50000"/>
+                  </a:schemeClr>
+                </a:solidFill>
+                <a:sym typeface="Wingdings" panose="05000000000000000000" pitchFamily="2" charset="2"/>
+              </a:rPr>
+              <a:t>even</a:t>
+            </a:r>
+            <a:endParaRPr lang="en-US" sz="800" i="1" dirty="0">
+              <a:solidFill>
+                <a:schemeClr val="bg1">
+                  <a:lumMod val="50000"/>
+                </a:schemeClr>
+              </a:solidFill>
+            </a:endParaRPr>
+          </a:p>
+        </p:txBody>
+      </p:sp>
+      <p:sp>
+        <p:nvSpPr>
+          <p:cNvPr id="157" name="Rectangle 156"/>
+          <p:cNvSpPr/>
+          <p:nvPr/>
+        </p:nvSpPr>
+        <p:spPr>
+          <a:xfrm>
+            <a:off x="6303996" y="4662411"/>
+            <a:ext cx="531119" cy="164592"/>
+          </a:xfrm>
+          <a:prstGeom prst="rect">
+            <a:avLst/>
+          </a:prstGeom>
+          <a:noFill/>
+          <a:ln w="12700"/>
+        </p:spPr>
+        <p:style>
+          <a:lnRef idx="2">
+            <a:schemeClr val="accent1">
+              <a:shade val="50000"/>
+            </a:schemeClr>
+          </a:lnRef>
+          <a:fillRef idx="1">
+            <a:schemeClr val="accent1"/>
+          </a:fillRef>
+          <a:effectRef idx="0">
+            <a:schemeClr val="accent1"/>
+          </a:effectRef>
+          <a:fontRef idx="minor">
+            <a:schemeClr val="lt1"/>
+          </a:fontRef>
+        </p:style>
+        <p:txBody>
+          <a:bodyPr lIns="0" rIns="0" rtlCol="0" anchor="ctr"/>
+          <a:lstStyle/>
+          <a:p>
+            <a:pPr algn="ctr"/>
+            <a:r>
+              <a:rPr lang="en-US" sz="900" dirty="0" smtClean="0">
+                <a:solidFill>
+                  <a:schemeClr val="bg1">
+                    <a:lumMod val="50000"/>
+                  </a:schemeClr>
+                </a:solidFill>
+              </a:rPr>
+              <a:t>CC</a:t>
+            </a:r>
+            <a:r>
+              <a:rPr lang="en-US" sz="900" dirty="0" smtClean="0">
+                <a:solidFill>
+                  <a:schemeClr val="bg1">
+                    <a:lumMod val="50000"/>
+                  </a:schemeClr>
+                </a:solidFill>
+              </a:rPr>
+              <a:t>..CC</a:t>
+            </a:r>
+            <a:endParaRPr lang="en-US" sz="900" dirty="0">
+              <a:solidFill>
+                <a:schemeClr val="bg1">
+                  <a:lumMod val="50000"/>
+                </a:schemeClr>
+              </a:solidFill>
+            </a:endParaRPr>
+          </a:p>
+        </p:txBody>
+      </p:sp>
+      <p:sp>
+        <p:nvSpPr>
+          <p:cNvPr id="158" name="TextBox 36"/>
+          <p:cNvSpPr txBox="1"/>
+          <p:nvPr/>
+        </p:nvSpPr>
+        <p:spPr>
+          <a:xfrm>
+            <a:off x="6328171" y="4790107"/>
+            <a:ext cx="482768" cy="215444"/>
+          </a:xfrm>
+          <a:prstGeom prst="rect">
+            <a:avLst/>
+          </a:prstGeom>
+          <a:noFill/>
+        </p:spPr>
+        <p:txBody>
+          <a:bodyPr wrap="square" rtlCol="0">
+            <a:spAutoFit/>
+          </a:bodyPr>
+          <a:lstStyle/>
+          <a:p>
+            <a:pPr algn="ctr"/>
+            <a:r>
+              <a:rPr lang="en-US" sz="800" i="1" dirty="0" smtClean="0">
+                <a:solidFill>
+                  <a:schemeClr val="bg1">
+                    <a:lumMod val="50000"/>
+                  </a:schemeClr>
+                </a:solidFill>
+                <a:sym typeface="Wingdings" panose="05000000000000000000" pitchFamily="2" charset="2"/>
+              </a:rPr>
+              <a:t>even</a:t>
+            </a:r>
+            <a:endParaRPr lang="en-US" sz="800" i="1" dirty="0">
+              <a:solidFill>
+                <a:schemeClr val="bg1">
+                  <a:lumMod val="50000"/>
+                </a:schemeClr>
+              </a:solidFill>
+            </a:endParaRPr>
+          </a:p>
+        </p:txBody>
+      </p:sp>
+      <p:sp>
+        <p:nvSpPr>
+          <p:cNvPr id="159" name="TextBox 158"/>
+          <p:cNvSpPr txBox="1"/>
+          <p:nvPr/>
+        </p:nvSpPr>
+        <p:spPr>
+          <a:xfrm>
+            <a:off x="2569424" y="3603113"/>
+            <a:ext cx="723275" cy="230832"/>
+          </a:xfrm>
+          <a:prstGeom prst="rect">
+            <a:avLst/>
+          </a:prstGeom>
+          <a:noFill/>
+        </p:spPr>
+        <p:txBody>
+          <a:bodyPr wrap="none" rtlCol="0">
+            <a:spAutoFit/>
+          </a:bodyPr>
+          <a:lstStyle/>
+          <a:p>
+            <a:r>
+              <a:rPr lang="en-US" sz="900" dirty="0" smtClean="0">
+                <a:solidFill>
+                  <a:schemeClr val="bg1">
+                    <a:lumMod val="50000"/>
+                  </a:schemeClr>
+                </a:solidFill>
+                <a:latin typeface="Arial" pitchFamily="34" charset="0"/>
+                <a:cs typeface="Arial" pitchFamily="34" charset="0"/>
+              </a:rPr>
+              <a:t>ECM 0x80</a:t>
+            </a:r>
+            <a:endParaRPr lang="en-US" sz="900" dirty="0">
+              <a:solidFill>
+                <a:schemeClr val="bg1">
+                  <a:lumMod val="50000"/>
+                </a:schemeClr>
+              </a:solidFill>
+              <a:latin typeface="Arial" pitchFamily="34" charset="0"/>
+              <a:cs typeface="Arial" pitchFamily="34" charset="0"/>
+            </a:endParaRPr>
+          </a:p>
+        </p:txBody>
+      </p:sp>
+      <p:sp>
+        <p:nvSpPr>
+          <p:cNvPr id="161" name="TextBox 160"/>
+          <p:cNvSpPr txBox="1"/>
+          <p:nvPr/>
+        </p:nvSpPr>
+        <p:spPr>
+          <a:xfrm>
+            <a:off x="5165685" y="3605590"/>
+            <a:ext cx="723275" cy="230832"/>
+          </a:xfrm>
+          <a:prstGeom prst="rect">
+            <a:avLst/>
+          </a:prstGeom>
+          <a:noFill/>
+        </p:spPr>
+        <p:txBody>
+          <a:bodyPr wrap="none" rtlCol="0">
+            <a:spAutoFit/>
+          </a:bodyPr>
+          <a:lstStyle/>
+          <a:p>
+            <a:r>
+              <a:rPr lang="en-US" sz="900" dirty="0" smtClean="0">
+                <a:solidFill>
+                  <a:schemeClr val="bg1">
+                    <a:lumMod val="50000"/>
+                  </a:schemeClr>
+                </a:solidFill>
+                <a:latin typeface="Arial" pitchFamily="34" charset="0"/>
+                <a:cs typeface="Arial" pitchFamily="34" charset="0"/>
+              </a:rPr>
+              <a:t>ECM 0x81</a:t>
+            </a:r>
+            <a:endParaRPr lang="en-US" sz="900" dirty="0">
+              <a:solidFill>
+                <a:schemeClr val="bg1">
+                  <a:lumMod val="50000"/>
+                </a:schemeClr>
+              </a:solidFill>
+              <a:latin typeface="Arial" pitchFamily="34" charset="0"/>
+              <a:cs typeface="Arial" pitchFamily="34" charset="0"/>
+            </a:endParaRPr>
+          </a:p>
+        </p:txBody>
+      </p:sp>
+      <p:sp>
+        <p:nvSpPr>
+          <p:cNvPr id="162" name="Down Arrow 161"/>
+          <p:cNvSpPr/>
+          <p:nvPr/>
+        </p:nvSpPr>
+        <p:spPr>
+          <a:xfrm>
+            <a:off x="7812450" y="3797547"/>
+            <a:ext cx="156605" cy="288032"/>
+          </a:xfrm>
+          <a:prstGeom prst="downArrow">
+            <a:avLst/>
+          </a:prstGeom>
+          <a:solidFill>
+            <a:srgbClr val="27AE60"/>
+          </a:solidFill>
+          <a:ln>
+            <a:noFill/>
+          </a:ln>
+        </p:spPr>
+        <p:style>
+          <a:lnRef idx="2">
+            <a:schemeClr val="accent1">
+              <a:shade val="50000"/>
+            </a:schemeClr>
+          </a:lnRef>
+          <a:fillRef idx="1">
+            <a:schemeClr val="accent1"/>
+          </a:fillRef>
+          <a:effectRef idx="0">
+            <a:schemeClr val="accent1"/>
+          </a:effectRef>
+          <a:fontRef idx="minor">
+            <a:schemeClr val="lt1"/>
+          </a:fontRef>
+        </p:style>
+        <p:txBody>
+          <a:bodyPr rtlCol="0" anchor="ctr"/>
+          <a:lstStyle/>
+          <a:p>
+            <a:pPr algn="ctr"/>
+            <a:endParaRPr lang="en-US" dirty="0"/>
+          </a:p>
+        </p:txBody>
+      </p:sp>
+      <p:cxnSp>
+        <p:nvCxnSpPr>
+          <p:cNvPr id="163" name="Straight Connector 162"/>
+          <p:cNvCxnSpPr/>
+          <p:nvPr/>
+        </p:nvCxnSpPr>
+        <p:spPr>
+          <a:xfrm flipV="1">
+            <a:off x="7647667" y="4100338"/>
+            <a:ext cx="0" cy="293197"/>
+          </a:xfrm>
+          <a:prstGeom prst="line">
+            <a:avLst/>
+          </a:prstGeom>
+          <a:ln w="12700">
+            <a:solidFill>
+              <a:schemeClr val="bg1">
+                <a:lumMod val="50000"/>
+              </a:schemeClr>
+            </a:solidFill>
+            <a:prstDash val="sysDot"/>
+          </a:ln>
+        </p:spPr>
+        <p:style>
+          <a:lnRef idx="1">
+            <a:schemeClr val="accent1"/>
+          </a:lnRef>
+          <a:fillRef idx="0">
+            <a:schemeClr val="accent1"/>
+          </a:fillRef>
+          <a:effectRef idx="0">
+            <a:schemeClr val="accent1"/>
+          </a:effectRef>
+          <a:fontRef idx="minor">
+            <a:schemeClr val="tx1"/>
+          </a:fontRef>
+        </p:style>
+      </p:cxnSp>
+      <p:sp>
+        <p:nvSpPr>
+          <p:cNvPr id="164" name="TextBox 163"/>
+          <p:cNvSpPr txBox="1"/>
+          <p:nvPr/>
+        </p:nvSpPr>
+        <p:spPr>
+          <a:xfrm>
+            <a:off x="7524650" y="4338660"/>
+            <a:ext cx="328936" cy="261610"/>
+          </a:xfrm>
+          <a:prstGeom prst="rect">
+            <a:avLst/>
+          </a:prstGeom>
+          <a:noFill/>
+        </p:spPr>
+        <p:txBody>
+          <a:bodyPr wrap="none" rtlCol="0">
+            <a:spAutoFit/>
+          </a:bodyPr>
+          <a:lstStyle/>
+          <a:p>
+            <a:r>
+              <a:rPr lang="en-US" sz="1100" dirty="0" smtClean="0">
+                <a:solidFill>
+                  <a:schemeClr val="bg1">
+                    <a:lumMod val="50000"/>
+                  </a:schemeClr>
+                </a:solidFill>
+                <a:latin typeface="Arial" pitchFamily="34" charset="0"/>
+                <a:cs typeface="Arial" pitchFamily="34" charset="0"/>
+              </a:rPr>
+              <a:t>t</a:t>
+            </a:r>
+            <a:r>
+              <a:rPr lang="en-US" sz="1100" baseline="-25000" dirty="0" smtClean="0">
+                <a:solidFill>
+                  <a:schemeClr val="bg1">
+                    <a:lumMod val="50000"/>
+                  </a:schemeClr>
+                </a:solidFill>
+                <a:latin typeface="Arial" pitchFamily="34" charset="0"/>
+                <a:cs typeface="Arial" pitchFamily="34" charset="0"/>
+              </a:rPr>
+              <a:t>20</a:t>
+            </a:r>
+            <a:endParaRPr lang="en-US" sz="1100" baseline="-25000" dirty="0">
+              <a:solidFill>
+                <a:schemeClr val="bg1">
+                  <a:lumMod val="50000"/>
+                </a:schemeClr>
+              </a:solidFill>
+              <a:latin typeface="Arial" pitchFamily="34" charset="0"/>
+              <a:cs typeface="Arial" pitchFamily="34" charset="0"/>
+            </a:endParaRPr>
           </a:p>
         </p:txBody>
       </p:sp>

--- a/doc/mpegts-introduction.pptx
+++ b/doc/mpegts-introduction.pptx
@@ -238,7 +238,7 @@
           <a:p>
             <a:fld id="{75EC9C05-674D-40C4-8612-4B93C7B81E05}" type="datetimeFigureOut">
               <a:rPr lang="en-US" smtClean="0"/>
-              <a:t>4/3/21</a:t>
+              <a:t>2021-04-07</a:t>
             </a:fld>
             <a:endParaRPr lang="en-US"/>
           </a:p>
@@ -396,7 +396,7 @@
           <a:p>
             <a:fld id="{659CF16A-931A-4FA0-9966-73E38C0BCCFA}" type="slidenum">
               <a:rPr lang="en-US" smtClean="0"/>
-              <a:t>‹N°›</a:t>
+              <a:t>‹#›</a:t>
             </a:fld>
             <a:endParaRPr lang="en-US"/>
           </a:p>
@@ -1156,7 +1156,7 @@
                 </a:solidFill>
               </a:rPr>
               <a:pPr algn="ctr"/>
-              <a:t>‹N°›</a:t>
+              <a:t>‹#›</a:t>
             </a:fld>
             <a:endParaRPr lang="en-US" sz="1400" dirty="0">
               <a:solidFill>
@@ -1658,7 +1658,7 @@
                 </a:solidFill>
               </a:rPr>
               <a:pPr algn="ctr"/>
-              <a:t>‹N°›</a:t>
+              <a:t>‹#›</a:t>
             </a:fld>
             <a:endParaRPr lang="en-US" sz="1400" dirty="0">
               <a:solidFill>
@@ -2081,7 +2081,7 @@
                 </a:solidFill>
               </a:rPr>
               <a:pPr algn="ctr"/>
-              <a:t>‹N°›</a:t>
+              <a:t>‹#›</a:t>
             </a:fld>
             <a:endParaRPr lang="en-US" sz="1400" dirty="0">
               <a:solidFill>
@@ -2257,7 +2257,7 @@
                 </a:solidFill>
               </a:rPr>
               <a:pPr algn="ctr"/>
-              <a:t>‹N°›</a:t>
+              <a:t>‹#›</a:t>
             </a:fld>
             <a:endParaRPr lang="en-US" sz="1400" dirty="0">
               <a:solidFill>
@@ -3264,7 +3264,7 @@
         </p:spPr>
         <p:txBody>
           <a:bodyPr>
-            <a:normAutofit fontScale="90000"/>
+            <a:normAutofit/>
           </a:bodyPr>
           <a:lstStyle/>
           <a:p>
@@ -3273,7 +3273,14 @@
                 <a:latin typeface="Segoe UI" panose="020B0502040204020203" pitchFamily="34" charset="0"/>
                 <a:cs typeface="Segoe UI" panose="020B0502040204020203" pitchFamily="34" charset="0"/>
               </a:rPr>
-              <a:t>An introduction to MPEG transport streams</a:t>
+              <a:t>An introduction to </a:t>
+            </a:r>
+            <a:r>
+              <a:rPr lang="en-US" dirty="0" smtClean="0">
+                <a:latin typeface="Segoe UI" panose="020B0502040204020203" pitchFamily="34" charset="0"/>
+                <a:cs typeface="Segoe UI" panose="020B0502040204020203" pitchFamily="34" charset="0"/>
+              </a:rPr>
+              <a:t>MPEG-TS</a:t>
             </a:r>
             <a:endParaRPr lang="en-US" noProof="0" dirty="0">
               <a:latin typeface="Segoe UI" panose="020B0502040204020203" pitchFamily="34" charset="0"/>
@@ -3327,8 +3334,8 @@
               <a:t>Version </a:t>
             </a:r>
             <a:r>
-              <a:rPr lang="en-US" sz="1600" dirty="0"/>
-              <a:t>7</a:t>
+              <a:rPr lang="en-US" sz="1600" noProof="0" dirty="0"/>
+              <a:t>8</a:t>
             </a:r>
             <a:endParaRPr lang="en-US" sz="1600" noProof="0" dirty="0"/>
           </a:p>
@@ -3344,6 +3351,13 @@
   <p:clrMapOvr>
     <a:masterClrMapping/>
   </p:clrMapOvr>
+  <p:timing>
+    <p:tnLst>
+      <p:par>
+        <p:cTn id="1" dur="indefinite" restart="never" nodeType="tmRoot"/>
+      </p:par>
+    </p:tnLst>
+  </p:timing>
 </p:sld>
 </file>
 
@@ -5950,6 +5964,13 @@
   <p:clrMapOvr>
     <a:masterClrMapping/>
   </p:clrMapOvr>
+  <p:timing>
+    <p:tnLst>
+      <p:par>
+        <p:cTn id="1" dur="indefinite" restart="never" nodeType="tmRoot"/>
+      </p:par>
+    </p:tnLst>
+  </p:timing>
 </p:sld>
 </file>
 
@@ -10633,7 +10654,7 @@
         </p:spPr>
         <p:txBody>
           <a:bodyPr>
-            <a:normAutofit fontScale="92500"/>
+            <a:normAutofit fontScale="92500" lnSpcReduction="20000"/>
           </a:bodyPr>
           <a:lstStyle/>
           <a:p>
@@ -11598,6 +11619,14 @@
           <a:lstStyle/>
           <a:p>
             <a:pPr algn="ctr"/>
+            <a:r>
+              <a:rPr lang="en-US" sz="1100" b="1" dirty="0">
+                <a:solidFill>
+                  <a:schemeClr val="tx1"/>
+                </a:solidFill>
+              </a:rPr>
+              <a:t/>
+            </a:r>
             <a:br>
               <a:rPr lang="en-US" sz="1100" b="1" dirty="0">
                 <a:solidFill>
@@ -15806,8 +15835,20 @@
           <a:lstStyle/>
           <a:p>
             <a:r>
+              <a:rPr lang="en-US" dirty="0" smtClean="0"/>
+              <a:t>MPEG </a:t>
+            </a:r>
+            <a:r>
               <a:rPr lang="en-US" dirty="0"/>
-              <a:t>Transport streams</a:t>
+              <a:t>t</a:t>
+            </a:r>
+            <a:r>
+              <a:rPr lang="en-US" dirty="0" smtClean="0"/>
+              <a:t>ransport </a:t>
+            </a:r>
+            <a:r>
+              <a:rPr lang="en-US" dirty="0"/>
+              <a:t>streams</a:t>
             </a:r>
           </a:p>
           <a:p>
@@ -15845,7 +15886,11 @@
             <a:pPr lvl="1"/>
             <a:r>
               <a:rPr lang="en-US" dirty="0"/>
-              <a:t>MPEG, DVB, others</a:t>
+              <a:t>MPEG, DVB, </a:t>
+            </a:r>
+            <a:r>
+              <a:rPr lang="en-US" dirty="0" smtClean="0"/>
+              <a:t>others</a:t>
             </a:r>
             <a:endParaRPr lang="en-US" noProof="0" dirty="0"/>
           </a:p>
@@ -15861,6 +15906,13 @@
   <p:clrMapOvr>
     <a:masterClrMapping/>
   </p:clrMapOvr>
+  <p:timing>
+    <p:tnLst>
+      <p:par>
+        <p:cTn id="1" dur="indefinite" restart="never" nodeType="tmRoot"/>
+      </p:par>
+    </p:tnLst>
+  </p:timing>
 </p:sld>
 </file>
 
@@ -17310,7 +17362,12 @@
             <p:ph idx="1"/>
           </p:nvPr>
         </p:nvSpPr>
-        <p:spPr/>
+        <p:spPr>
+          <a:xfrm>
+            <a:off x="682555" y="1488332"/>
+            <a:ext cx="10566691" cy="5038928"/>
+          </a:xfrm>
+        </p:spPr>
         <p:txBody>
           <a:bodyPr>
             <a:normAutofit fontScale="92500" lnSpcReduction="20000"/>
@@ -17435,7 +17492,15 @@
             </a:pPr>
             <a:r>
               <a:rPr lang="en-US" dirty="0"/>
-              <a:t>usually, all audio and video streams of a service are in the same scrambling group</a:t>
+              <a:t>usually, all </a:t>
+            </a:r>
+            <a:r>
+              <a:rPr lang="en-US" dirty="0" smtClean="0"/>
+              <a:t>audio/video </a:t>
+            </a:r>
+            <a:r>
+              <a:rPr lang="en-US" dirty="0"/>
+              <a:t>streams of a service are in the same scrambling group</a:t>
             </a:r>
           </a:p>
           <a:p>
@@ -18144,6 +18209,13 @@
   <p:clrMapOvr>
     <a:masterClrMapping/>
   </p:clrMapOvr>
+  <p:timing>
+    <p:tnLst>
+      <p:par>
+        <p:cTn id="1" dur="indefinite" restart="never" nodeType="tmRoot"/>
+      </p:par>
+    </p:tnLst>
+  </p:timing>
 </p:sld>
 </file>
 
@@ -18182,7 +18254,9 @@
         </p:nvSpPr>
         <p:spPr/>
         <p:txBody>
-          <a:bodyPr/>
+          <a:bodyPr>
+            <a:normAutofit fontScale="90000"/>
+          </a:bodyPr>
           <a:lstStyle/>
           <a:p>
             <a:r>
@@ -18215,7 +18289,9 @@
           </a:xfrm>
         </p:spPr>
         <p:txBody>
-          <a:bodyPr/>
+          <a:bodyPr>
+            <a:normAutofit fontScale="92500"/>
+          </a:bodyPr>
           <a:lstStyle/>
           <a:p>
             <a:r>
@@ -18262,12 +18338,12 @@
         </p:nvCxnSpPr>
         <p:spPr>
           <a:xfrm flipV="1">
-            <a:off x="6188122" y="5822477"/>
-            <a:ext cx="1096394" cy="364499"/>
+            <a:off x="6248264" y="5822478"/>
+            <a:ext cx="1036252" cy="364498"/>
           </a:xfrm>
           <a:prstGeom prst="bentConnector3">
             <a:avLst>
-              <a:gd name="adj1" fmla="val 99897"/>
+              <a:gd name="adj1" fmla="val 100277"/>
             </a:avLst>
           </a:prstGeom>
           <a:ln w="12700" cap="flat">
@@ -18309,8 +18385,8 @@
         </p:nvSpPr>
         <p:spPr>
           <a:xfrm>
-            <a:off x="4603146" y="4057635"/>
-            <a:ext cx="1031008" cy="486415"/>
+            <a:off x="4551596" y="4033314"/>
+            <a:ext cx="1134109" cy="535057"/>
           </a:xfrm>
           <a:prstGeom prst="roundRect">
             <a:avLst/>
@@ -18370,8 +18446,8 @@
         </p:nvSpPr>
         <p:spPr>
           <a:xfrm>
-            <a:off x="4603146" y="5465741"/>
-            <a:ext cx="1031008" cy="486415"/>
+            <a:off x="4551596" y="5465741"/>
+            <a:ext cx="1134109" cy="486415"/>
           </a:xfrm>
           <a:prstGeom prst="roundRect">
             <a:avLst/>
@@ -18434,7 +18510,7 @@
         <p:spPr>
           <a:xfrm flipV="1">
             <a:off x="2886402" y="4300843"/>
-            <a:ext cx="1716744" cy="766022"/>
+            <a:ext cx="1665194" cy="766022"/>
           </a:xfrm>
           <a:prstGeom prst="straightConnector1">
             <a:avLst/>
@@ -18478,7 +18554,7 @@
         <p:spPr>
           <a:xfrm>
             <a:off x="2886402" y="5270619"/>
-            <a:ext cx="1716744" cy="438330"/>
+            <a:ext cx="1665194" cy="438330"/>
           </a:xfrm>
           <a:prstGeom prst="straightConnector1">
             <a:avLst/>
@@ -18571,8 +18647,8 @@
         </p:nvCxnSpPr>
         <p:spPr>
           <a:xfrm flipV="1">
-            <a:off x="5634154" y="4300842"/>
-            <a:ext cx="1082601" cy="1"/>
+            <a:off x="5685705" y="4300842"/>
+            <a:ext cx="1031050" cy="1"/>
           </a:xfrm>
           <a:prstGeom prst="straightConnector1">
             <a:avLst/>
@@ -18690,7 +18766,7 @@
           <a:p>
             <a:pPr algn="ctr"/>
             <a:r>
-              <a:rPr lang="en-US" sz="1400" dirty="0">
+              <a:rPr lang="en-US" sz="1200" dirty="0">
                 <a:solidFill>
                   <a:schemeClr val="tx1"/>
                 </a:solidFill>
@@ -18729,13 +18805,13 @@
           <a:lstStyle/>
           <a:p>
             <a:r>
-              <a:rPr lang="en-US" sz="1050" dirty="0">
+              <a:rPr lang="en-US" sz="1000" dirty="0">
                 <a:sym typeface="Wingdings" panose="05000000000000000000" pitchFamily="2" charset="2"/>
               </a:rPr>
               <a:t> </a:t>
             </a:r>
             <a:r>
-              <a:rPr lang="en-US" sz="1050" i="1" dirty="0"/>
+              <a:rPr lang="en-US" sz="1000" i="1" dirty="0"/>
               <a:t>transport_scrambling_control</a:t>
             </a:r>
           </a:p>
@@ -19035,8 +19111,8 @@
         </p:nvCxnSpPr>
         <p:spPr>
           <a:xfrm>
-            <a:off x="5634154" y="5708970"/>
-            <a:ext cx="1082601" cy="4250"/>
+            <a:off x="5685705" y="5708949"/>
+            <a:ext cx="1031050" cy="4293"/>
           </a:xfrm>
           <a:prstGeom prst="straightConnector1">
             <a:avLst/>
@@ -19214,7 +19290,7 @@
         </p:nvSpPr>
         <p:spPr>
           <a:xfrm>
-            <a:off x="2954022" y="5484096"/>
+            <a:off x="2954022" y="5494729"/>
             <a:ext cx="1317396" cy="1023357"/>
           </a:xfrm>
           <a:prstGeom prst="rect">
@@ -19238,6 +19314,17 @@
                 <a:cs typeface="Arial" pitchFamily="34" charset="0"/>
               </a:rPr>
               <a:t>message</a:t>
+            </a:r>
+            <a:r>
+              <a:rPr lang="en-US" sz="1050" b="1" dirty="0">
+                <a:solidFill>
+                  <a:schemeClr val="bg1">
+                    <a:lumMod val="50000"/>
+                  </a:schemeClr>
+                </a:solidFill>
+                <a:cs typeface="Arial" pitchFamily="34" charset="0"/>
+              </a:rPr>
+              <a:t/>
             </a:r>
             <a:br>
               <a:rPr lang="en-US" sz="1050" b="1" dirty="0">
@@ -19440,7 +19527,7 @@
         </p:nvSpPr>
         <p:spPr>
           <a:xfrm>
-            <a:off x="3588349" y="5677483"/>
+            <a:off x="3715945" y="5677483"/>
             <a:ext cx="343669" cy="200302"/>
           </a:xfrm>
           <a:prstGeom prst="ellipse">
@@ -19494,8 +19581,8 @@
         </p:nvSpPr>
         <p:spPr>
           <a:xfrm>
-            <a:off x="4977917" y="5022315"/>
-            <a:ext cx="1145560" cy="253916"/>
+            <a:off x="4920639" y="5022315"/>
+            <a:ext cx="1260116" cy="253916"/>
           </a:xfrm>
           <a:prstGeom prst="rect">
             <a:avLst/>
@@ -19535,8 +19622,8 @@
         </p:nvCxnSpPr>
         <p:spPr>
           <a:xfrm rot="5400000" flipH="1" flipV="1">
-            <a:off x="4104945" y="4804512"/>
-            <a:ext cx="528210" cy="1217733"/>
+            <a:off x="4140104" y="4896949"/>
+            <a:ext cx="528210" cy="1032859"/>
           </a:xfrm>
           <a:prstGeom prst="bentConnector2">
             <a:avLst/>
@@ -19583,8 +19670,8 @@
         </p:nvCxnSpPr>
         <p:spPr>
           <a:xfrm>
-            <a:off x="6123477" y="5149273"/>
-            <a:ext cx="2259999" cy="417550"/>
+            <a:off x="6180755" y="5149273"/>
+            <a:ext cx="2202721" cy="417550"/>
           </a:xfrm>
           <a:prstGeom prst="bentConnector2">
             <a:avLst/>
@@ -19972,7 +20059,7 @@
         </p:nvSpPr>
         <p:spPr>
           <a:xfrm>
-            <a:off x="3585189" y="6080973"/>
+            <a:off x="3712785" y="6080973"/>
             <a:ext cx="343669" cy="200302"/>
           </a:xfrm>
           <a:prstGeom prst="ellipse">
@@ -20026,8 +20113,8 @@
         </p:nvSpPr>
         <p:spPr>
           <a:xfrm>
-            <a:off x="4985281" y="6060018"/>
-            <a:ext cx="1202841" cy="253916"/>
+            <a:off x="4925139" y="6060018"/>
+            <a:ext cx="1323125" cy="253916"/>
           </a:xfrm>
           <a:prstGeom prst="rect">
             <a:avLst/>
@@ -20068,8 +20155,8 @@
         </p:nvCxnSpPr>
         <p:spPr>
           <a:xfrm>
-            <a:off x="3928858" y="6181124"/>
-            <a:ext cx="1056423" cy="5852"/>
+            <a:off x="4056454" y="6181124"/>
+            <a:ext cx="868685" cy="5852"/>
           </a:xfrm>
           <a:prstGeom prst="straightConnector1">
             <a:avLst/>
@@ -21730,6 +21817,13 @@
   <p:clrMapOvr>
     <a:masterClrMapping/>
   </p:clrMapOvr>
+  <p:timing>
+    <p:tnLst>
+      <p:par>
+        <p:cTn id="1" dur="indefinite" restart="never" nodeType="tmRoot"/>
+      </p:par>
+    </p:tnLst>
+  </p:timing>
 </p:sld>
 </file>
 
@@ -21750,36 +21844,6 @@
           <a:chExt cx="0" cy="0"/>
         </a:xfrm>
       </p:grpSpPr>
-      <p:sp>
-        <p:nvSpPr>
-          <p:cNvPr id="2" name="Titre 1">
-            <a:extLst>
-              <a:ext uri="{FF2B5EF4-FFF2-40B4-BE49-F238E27FC236}">
-                <a16:creationId xmlns:a16="http://schemas.microsoft.com/office/drawing/2014/main" id="{22166C3A-84AF-AB40-B8F7-85322D842F31}"/>
-              </a:ext>
-            </a:extLst>
-          </p:cNvPr>
-          <p:cNvSpPr>
-            <a:spLocks noGrp="1"/>
-          </p:cNvSpPr>
-          <p:nvPr>
-            <p:ph type="title"/>
-          </p:nvPr>
-        </p:nvSpPr>
-        <p:spPr/>
-        <p:txBody>
-          <a:bodyPr>
-            <a:normAutofit fontScale="90000"/>
-          </a:bodyPr>
-          <a:lstStyle/>
-          <a:p>
-            <a:r>
-              <a:rPr lang="en-US" dirty="0"/>
-              <a:t>Scrambling synchronization : head-end timeline</a:t>
-            </a:r>
-          </a:p>
-        </p:txBody>
-      </p:sp>
       <p:sp>
         <p:nvSpPr>
           <p:cNvPr id="3" name="Espace réservé du contenu 2">
@@ -24747,6 +24811,40 @@
           </a:p>
         </p:txBody>
       </p:sp>
+      <p:sp>
+        <p:nvSpPr>
+          <p:cNvPr id="4" name="Title 3"/>
+          <p:cNvSpPr>
+            <a:spLocks noGrp="1"/>
+          </p:cNvSpPr>
+          <p:nvPr>
+            <p:ph type="title"/>
+          </p:nvPr>
+        </p:nvSpPr>
+        <p:spPr>
+          <a:xfrm>
+            <a:off x="682555" y="238662"/>
+            <a:ext cx="10917565" cy="802194"/>
+          </a:xfrm>
+        </p:spPr>
+        <p:txBody>
+          <a:bodyPr>
+            <a:normAutofit fontScale="90000"/>
+          </a:bodyPr>
+          <a:lstStyle/>
+          <a:p>
+            <a:r>
+              <a:rPr lang="en-US" dirty="0"/>
+              <a:t>Scrambling synchronization : head-end </a:t>
+            </a:r>
+            <a:r>
+              <a:rPr lang="en-US" dirty="0" smtClean="0"/>
+              <a:t>timeline</a:t>
+            </a:r>
+            <a:endParaRPr lang="en-US" dirty="0"/>
+          </a:p>
+        </p:txBody>
+      </p:sp>
     </p:spTree>
     <p:extLst>
       <p:ext uri="{BB962C8B-B14F-4D97-AF65-F5344CB8AC3E}">
@@ -24757,6 +24855,13 @@
   <p:clrMapOvr>
     <a:masterClrMapping/>
   </p:clrMapOvr>
+  <p:timing>
+    <p:tnLst>
+      <p:par>
+        <p:cTn id="1" dur="indefinite" restart="never" nodeType="tmRoot"/>
+      </p:par>
+    </p:tnLst>
+  </p:timing>
 </p:sld>
 </file>
 
@@ -24793,7 +24898,12 @@
             <p:ph type="title"/>
           </p:nvPr>
         </p:nvSpPr>
-        <p:spPr/>
+        <p:spPr>
+          <a:xfrm>
+            <a:off x="682555" y="238662"/>
+            <a:ext cx="10619853" cy="802194"/>
+          </a:xfrm>
+        </p:spPr>
         <p:txBody>
           <a:bodyPr>
             <a:normAutofit fontScale="90000"/>
@@ -31418,6 +31528,13 @@
   <p:clrMapOvr>
     <a:masterClrMapping/>
   </p:clrMapOvr>
+  <p:timing>
+    <p:tnLst>
+      <p:par>
+        <p:cTn id="1" dur="indefinite" restart="never" nodeType="tmRoot"/>
+      </p:par>
+    </p:tnLst>
+  </p:timing>
 </p:sld>
 </file>
 
@@ -31693,6 +31810,13 @@
   <p:clrMapOvr>
     <a:masterClrMapping/>
   </p:clrMapOvr>
+  <p:timing>
+    <p:tnLst>
+      <p:par>
+        <p:cTn id="1" dur="indefinite" restart="never" nodeType="tmRoot"/>
+      </p:par>
+    </p:tnLst>
+  </p:timing>
 </p:sld>
 </file>
 
@@ -31945,6 +32069,13 @@
   <p:clrMapOvr>
     <a:masterClrMapping/>
   </p:clrMapOvr>
+  <p:timing>
+    <p:tnLst>
+      <p:par>
+        <p:cTn id="1" dur="indefinite" restart="never" nodeType="tmRoot"/>
+      </p:par>
+    </p:tnLst>
+  </p:timing>
 </p:sld>
 </file>
 
@@ -33936,6 +34067,13 @@
   <p:clrMapOvr>
     <a:masterClrMapping/>
   </p:clrMapOvr>
+  <p:timing>
+    <p:tnLst>
+      <p:par>
+        <p:cTn id="1" dur="indefinite" restart="never" nodeType="tmRoot"/>
+      </p:par>
+    </p:tnLst>
+  </p:timing>
 </p:sld>
 </file>
 
@@ -34245,7 +34383,9 @@
         </p:nvSpPr>
         <p:spPr/>
         <p:txBody>
-          <a:bodyPr/>
+          <a:bodyPr>
+            <a:normAutofit fontScale="90000"/>
+          </a:bodyPr>
           <a:lstStyle/>
           <a:p>
             <a:r>
@@ -34270,14 +34410,14 @@
           <p:nvPr>
             <p:extLst>
               <p:ext uri="{D42A27DB-BD31-4B8C-83A1-F6EECF244321}">
-                <p14:modId xmlns:p14="http://schemas.microsoft.com/office/powerpoint/2010/main" val="2622414415"/>
+                <p14:modId xmlns:p14="http://schemas.microsoft.com/office/powerpoint/2010/main" val="515919697"/>
               </p:ext>
             </p:extLst>
           </p:nvPr>
         </p:nvGraphicFramePr>
         <p:xfrm>
           <a:off x="403123" y="1511439"/>
-          <a:ext cx="10745925" cy="5059680"/>
+          <a:ext cx="10745925" cy="4663440"/>
         </p:xfrm>
         <a:graphic>
           <a:graphicData uri="http://schemas.openxmlformats.org/drawingml/2006/table">
@@ -34329,7 +34469,7 @@
                     <a:lstStyle/>
                     <a:p>
                       <a:r>
-                        <a:rPr lang="en-US" sz="2000" noProof="0" dirty="0"/>
+                        <a:rPr lang="en-US" sz="1800" noProof="0" dirty="0"/>
                         <a:t>Origin</a:t>
                       </a:r>
                     </a:p>
@@ -34366,7 +34506,7 @@
                     <a:lstStyle/>
                     <a:p>
                       <a:r>
-                        <a:rPr lang="en-US" sz="2000" noProof="0" dirty="0"/>
+                        <a:rPr lang="en-US" sz="1800" noProof="0" dirty="0"/>
                         <a:t>Type</a:t>
                       </a:r>
                     </a:p>
@@ -34420,7 +34560,7 @@
                         <a:defRPr/>
                       </a:pPr>
                       <a:r>
-                        <a:rPr lang="en-US" sz="2000" noProof="0" dirty="0"/>
+                        <a:rPr lang="en-US" sz="1800" noProof="0" dirty="0"/>
                         <a:t>ISO / IEC</a:t>
                       </a:r>
                     </a:p>
@@ -34457,7 +34597,7 @@
                     <a:lstStyle/>
                     <a:p>
                       <a:r>
-                        <a:rPr lang="en-US" sz="2000" noProof="0" dirty="0"/>
+                        <a:rPr lang="en-US" sz="1800" noProof="0" dirty="0"/>
                         <a:t>ITU-T</a:t>
                       </a:r>
                     </a:p>
@@ -34494,7 +34634,7 @@
                     <a:lstStyle/>
                     <a:p>
                       <a:r>
-                        <a:rPr lang="en-US" sz="2000" noProof="0" dirty="0"/>
+                        <a:rPr lang="en-US" sz="1800" noProof="0" dirty="0"/>
                         <a:t>Nicknames</a:t>
                       </a:r>
                     </a:p>
@@ -34538,7 +34678,7 @@
                     <a:lstStyle/>
                     <a:p>
                       <a:r>
-                        <a:rPr lang="en-US" sz="2000" noProof="0" dirty="0"/>
+                        <a:rPr lang="en-US" sz="1800" noProof="0" dirty="0"/>
                         <a:t>MPEG-1</a:t>
                       </a:r>
                     </a:p>
@@ -34572,7 +34712,7 @@
                     <a:lstStyle/>
                     <a:p>
                       <a:r>
-                        <a:rPr lang="en-US" sz="2000" noProof="0" dirty="0"/>
+                        <a:rPr lang="en-US" sz="1800" noProof="0" dirty="0"/>
                         <a:t>Video</a:t>
                       </a:r>
                     </a:p>
@@ -34606,7 +34746,7 @@
                     <a:lstStyle/>
                     <a:p>
                       <a:r>
-                        <a:rPr lang="en-US" sz="2000" noProof="0" dirty="0"/>
+                        <a:rPr lang="en-US" sz="1800" noProof="0" dirty="0"/>
                         <a:t>11172-2</a:t>
                       </a:r>
                     </a:p>
@@ -34640,7 +34780,7 @@
                     <a:lstStyle/>
                     <a:p>
                       <a:r>
-                        <a:rPr lang="en-US" sz="2000" noProof="0" dirty="0"/>
+                        <a:rPr lang="en-US" sz="1800" noProof="0" dirty="0"/>
                         <a:t>H.261</a:t>
                       </a:r>
                     </a:p>
@@ -34691,7 +34831,7 @@
                         <a:defRPr/>
                       </a:pPr>
                       <a:r>
-                        <a:rPr lang="en-US" sz="2000" noProof="0" dirty="0"/>
+                        <a:rPr lang="en-US" sz="1800" noProof="0" dirty="0"/>
                         <a:t>MPEG-1 video</a:t>
                       </a:r>
                     </a:p>
@@ -34732,7 +34872,7 @@
                     <a:lstStyle/>
                     <a:p>
                       <a:r>
-                        <a:rPr lang="en-US" sz="2000" noProof="0" dirty="0"/>
+                        <a:rPr lang="en-US" sz="1800" noProof="0" dirty="0"/>
                         <a:t>MPEG-1</a:t>
                       </a:r>
                     </a:p>
@@ -34766,7 +34906,7 @@
                     <a:lstStyle/>
                     <a:p>
                       <a:r>
-                        <a:rPr lang="en-US" sz="2000" noProof="0" dirty="0"/>
+                        <a:rPr lang="en-US" sz="1800" noProof="0" dirty="0"/>
                         <a:t>Audio</a:t>
                       </a:r>
                     </a:p>
@@ -34800,7 +34940,7 @@
                     <a:lstStyle/>
                     <a:p>
                       <a:r>
-                        <a:rPr lang="en-US" sz="2000" noProof="0" dirty="0"/>
+                        <a:rPr lang="en-US" sz="1800" noProof="0" dirty="0"/>
                         <a:t>11172-3</a:t>
                       </a:r>
                     </a:p>
@@ -34833,7 +34973,7 @@
                     <a:bodyPr/>
                     <a:lstStyle/>
                     <a:p>
-                      <a:endParaRPr lang="en-US" sz="2000" noProof="0" dirty="0"/>
+                      <a:endParaRPr lang="en-US" sz="1800" noProof="0" dirty="0"/>
                     </a:p>
                   </a:txBody>
                   <a:tcPr>
@@ -34865,14 +35005,14 @@
                     <a:lstStyle/>
                     <a:p>
                       <a:r>
-                        <a:rPr lang="en-US" sz="2000" noProof="0" dirty="0"/>
+                        <a:rPr lang="en-US" sz="1800" noProof="0" dirty="0"/>
                         <a:t>MPEG audio layer</a:t>
                       </a:r>
                       <a:r>
-                        <a:rPr lang="en-US" sz="2000" baseline="0" noProof="0" dirty="0"/>
+                        <a:rPr lang="en-US" sz="1800" baseline="0" noProof="0" dirty="0"/>
                         <a:t> 1</a:t>
                       </a:r>
-                      <a:endParaRPr lang="en-US" sz="2000" noProof="0" dirty="0"/>
+                      <a:endParaRPr lang="en-US" sz="1800" noProof="0" dirty="0"/>
                     </a:p>
                   </a:txBody>
                   <a:tcPr>
@@ -34911,7 +35051,7 @@
                     <a:lstStyle/>
                     <a:p>
                       <a:r>
-                        <a:rPr lang="en-US" sz="2000" noProof="0" dirty="0"/>
+                        <a:rPr lang="en-US" sz="1800" noProof="0" dirty="0"/>
                         <a:t>MPEG-2</a:t>
                       </a:r>
                     </a:p>
@@ -34945,7 +35085,7 @@
                     <a:lstStyle/>
                     <a:p>
                       <a:r>
-                        <a:rPr lang="en-US" sz="2000" noProof="0" dirty="0"/>
+                        <a:rPr lang="en-US" sz="1800" noProof="0" dirty="0"/>
                         <a:t>Video</a:t>
                       </a:r>
                     </a:p>
@@ -34979,7 +35119,7 @@
                     <a:lstStyle/>
                     <a:p>
                       <a:r>
-                        <a:rPr lang="en-US" sz="2000" noProof="0" dirty="0"/>
+                        <a:rPr lang="en-US" sz="1800" noProof="0" dirty="0"/>
                         <a:t>13818-2</a:t>
                       </a:r>
                     </a:p>
@@ -35013,7 +35153,7 @@
                     <a:lstStyle/>
                     <a:p>
                       <a:r>
-                        <a:rPr lang="en-US" sz="2000" noProof="0" dirty="0"/>
+                        <a:rPr lang="en-US" sz="1800" noProof="0" dirty="0"/>
                         <a:t>H.262</a:t>
                       </a:r>
                     </a:p>
@@ -35047,7 +35187,7 @@
                     <a:lstStyle/>
                     <a:p>
                       <a:r>
-                        <a:rPr lang="en-US" sz="2000" noProof="0" dirty="0"/>
+                        <a:rPr lang="en-US" sz="1800" noProof="0" dirty="0"/>
                         <a:t>MPEG-2 video</a:t>
                       </a:r>
                     </a:p>
@@ -35088,7 +35228,7 @@
                     <a:lstStyle/>
                     <a:p>
                       <a:r>
-                        <a:rPr lang="en-US" sz="2000" noProof="0" dirty="0"/>
+                        <a:rPr lang="en-US" sz="1800" noProof="0" dirty="0"/>
                         <a:t>MPEG-2</a:t>
                       </a:r>
                     </a:p>
@@ -35122,7 +35262,7 @@
                     <a:lstStyle/>
                     <a:p>
                       <a:r>
-                        <a:rPr lang="en-US" sz="2000" noProof="0" dirty="0"/>
+                        <a:rPr lang="en-US" sz="1800" noProof="0" dirty="0"/>
                         <a:t>Audio</a:t>
                       </a:r>
                     </a:p>
@@ -35156,7 +35296,7 @@
                     <a:lstStyle/>
                     <a:p>
                       <a:r>
-                        <a:rPr lang="en-US" sz="2000" noProof="0" dirty="0"/>
+                        <a:rPr lang="en-US" sz="1800" noProof="0" dirty="0"/>
                         <a:t>13818-3</a:t>
                       </a:r>
                     </a:p>
@@ -35189,7 +35329,7 @@
                     <a:bodyPr/>
                     <a:lstStyle/>
                     <a:p>
-                      <a:endParaRPr lang="en-US" sz="2000" noProof="0" dirty="0"/>
+                      <a:endParaRPr lang="en-US" sz="1800" noProof="0" dirty="0"/>
                     </a:p>
                   </a:txBody>
                   <a:tcPr>
@@ -35221,20 +35361,20 @@
                     <a:lstStyle/>
                     <a:p>
                       <a:r>
-                        <a:rPr lang="en-US" sz="2000" noProof="0" dirty="0"/>
+                        <a:rPr lang="en-US" sz="1800" noProof="0" dirty="0"/>
                         <a:t>Layer 2:</a:t>
                       </a:r>
                       <a:r>
-                        <a:rPr lang="en-US" sz="2000" baseline="0" noProof="0" dirty="0"/>
+                        <a:rPr lang="en-US" sz="1800" baseline="0" noProof="0" dirty="0"/>
                         <a:t> MPEG audio layer 2</a:t>
                       </a:r>
                     </a:p>
                     <a:p>
                       <a:r>
-                        <a:rPr lang="en-US" sz="2000" baseline="0" noProof="0" dirty="0"/>
+                        <a:rPr lang="en-US" sz="1800" baseline="0" noProof="0" dirty="0"/>
                         <a:t>Layer 3: MP3</a:t>
                       </a:r>
-                      <a:endParaRPr lang="en-US" sz="2000" noProof="0" dirty="0"/>
+                      <a:endParaRPr lang="en-US" sz="1800" noProof="0" dirty="0"/>
                     </a:p>
                   </a:txBody>
                   <a:tcPr>
@@ -35273,7 +35413,7 @@
                     <a:lstStyle/>
                     <a:p>
                       <a:r>
-                        <a:rPr lang="en-US" sz="2000" noProof="0" dirty="0"/>
+                        <a:rPr lang="en-US" sz="1800" noProof="0" dirty="0"/>
                         <a:t>MPEG-2</a:t>
                       </a:r>
                     </a:p>
@@ -35307,7 +35447,7 @@
                     <a:lstStyle/>
                     <a:p>
                       <a:r>
-                        <a:rPr lang="en-US" sz="2000" noProof="0" dirty="0"/>
+                        <a:rPr lang="en-US" sz="1800" noProof="0" dirty="0"/>
                         <a:t>Audio</a:t>
                       </a:r>
                     </a:p>
@@ -35341,7 +35481,7 @@
                     <a:lstStyle/>
                     <a:p>
                       <a:r>
-                        <a:rPr lang="en-US" sz="2000" noProof="0" dirty="0"/>
+                        <a:rPr lang="en-US" sz="1800" noProof="0" dirty="0"/>
                         <a:t>13818-7</a:t>
                       </a:r>
                     </a:p>
@@ -35374,7 +35514,7 @@
                     <a:bodyPr/>
                     <a:lstStyle/>
                     <a:p>
-                      <a:endParaRPr lang="en-US" sz="2000" noProof="0" dirty="0"/>
+                      <a:endParaRPr lang="en-US" sz="1800" noProof="0" dirty="0"/>
                     </a:p>
                   </a:txBody>
                   <a:tcPr>
@@ -35406,7 +35546,7 @@
                     <a:lstStyle/>
                     <a:p>
                       <a:r>
-                        <a:rPr lang="en-US" sz="2000" noProof="0" dirty="0"/>
+                        <a:rPr lang="en-US" sz="1800" noProof="0" dirty="0"/>
                         <a:t>AAC (Advanced Audio Coding)</a:t>
                       </a:r>
                     </a:p>
@@ -35447,7 +35587,7 @@
                     <a:lstStyle/>
                     <a:p>
                       <a:r>
-                        <a:rPr lang="en-US" sz="2000" noProof="0" dirty="0"/>
+                        <a:rPr lang="en-US" sz="1800" noProof="0" dirty="0"/>
                         <a:t>Dolby Digital</a:t>
                       </a:r>
                     </a:p>
@@ -35481,7 +35621,7 @@
                     <a:lstStyle/>
                     <a:p>
                       <a:r>
-                        <a:rPr lang="en-US" sz="2000" noProof="0" dirty="0"/>
+                        <a:rPr lang="en-US" sz="1800" noProof="0" dirty="0"/>
                         <a:t>Audio</a:t>
                       </a:r>
                     </a:p>
@@ -35514,7 +35654,7 @@
                     <a:bodyPr/>
                     <a:lstStyle/>
                     <a:p>
-                      <a:endParaRPr lang="en-US" sz="2000" noProof="0" dirty="0"/>
+                      <a:endParaRPr lang="en-US" sz="1800" noProof="0" dirty="0"/>
                     </a:p>
                   </a:txBody>
                   <a:tcPr>
@@ -35545,7 +35685,7 @@
                     <a:bodyPr/>
                     <a:lstStyle/>
                     <a:p>
-                      <a:endParaRPr lang="en-US" sz="2000" noProof="0" dirty="0"/>
+                      <a:endParaRPr lang="en-US" sz="1800" noProof="0" dirty="0"/>
                     </a:p>
                   </a:txBody>
                   <a:tcPr>
@@ -35577,14 +35717,14 @@
                     <a:lstStyle/>
                     <a:p>
                       <a:r>
-                        <a:rPr lang="en-US" sz="2000" noProof="0" dirty="0"/>
+                        <a:rPr lang="en-US" sz="1800" noProof="0" dirty="0"/>
                         <a:t>AC-3 (Audio</a:t>
                       </a:r>
                       <a:r>
-                        <a:rPr lang="en-US" sz="2000" baseline="0" noProof="0" dirty="0"/>
+                        <a:rPr lang="en-US" sz="1800" baseline="0" noProof="0" dirty="0"/>
                         <a:t> Coding 3)</a:t>
                       </a:r>
-                      <a:endParaRPr lang="en-US" sz="2000" noProof="0" dirty="0"/>
+                      <a:endParaRPr lang="en-US" sz="1800" noProof="0" dirty="0"/>
                     </a:p>
                   </a:txBody>
                   <a:tcPr>
@@ -35623,7 +35763,7 @@
                     <a:lstStyle/>
                     <a:p>
                       <a:r>
-                        <a:rPr lang="en-US" sz="2000" noProof="0" dirty="0"/>
+                        <a:rPr lang="en-US" sz="1800" noProof="0" dirty="0"/>
                         <a:t>MPEG-4</a:t>
                       </a:r>
                     </a:p>
@@ -35657,7 +35797,7 @@
                     <a:lstStyle/>
                     <a:p>
                       <a:r>
-                        <a:rPr lang="en-US" sz="2000" noProof="0" dirty="0"/>
+                        <a:rPr lang="en-US" sz="1800" noProof="0" dirty="0"/>
                         <a:t>Video</a:t>
                       </a:r>
                     </a:p>
@@ -35691,7 +35831,7 @@
                     <a:lstStyle/>
                     <a:p>
                       <a:r>
-                        <a:rPr lang="en-US" sz="2000" noProof="0" dirty="0"/>
+                        <a:rPr lang="en-US" sz="1800" noProof="0" dirty="0"/>
                         <a:t>14496-2</a:t>
                       </a:r>
                     </a:p>
@@ -35725,7 +35865,7 @@
                     <a:lstStyle/>
                     <a:p>
                       <a:r>
-                        <a:rPr lang="en-US" sz="2000" noProof="0" dirty="0"/>
+                        <a:rPr lang="en-US" sz="1800" noProof="0" dirty="0"/>
                         <a:t>H.263</a:t>
                       </a:r>
                     </a:p>
@@ -35759,7 +35899,7 @@
                     <a:lstStyle/>
                     <a:p>
                       <a:r>
-                        <a:rPr lang="en-US" sz="2000" noProof="0" dirty="0"/>
+                        <a:rPr lang="en-US" sz="1800" noProof="0" dirty="0"/>
                         <a:t>DivX, Xvid (codecs)</a:t>
                       </a:r>
                     </a:p>
@@ -35800,7 +35940,7 @@
                     <a:lstStyle/>
                     <a:p>
                       <a:r>
-                        <a:rPr lang="en-US" sz="2000" noProof="0" dirty="0"/>
+                        <a:rPr lang="en-US" sz="1800" noProof="0" dirty="0"/>
                         <a:t>MPEG-4</a:t>
                       </a:r>
                     </a:p>
@@ -35834,7 +35974,7 @@
                     <a:lstStyle/>
                     <a:p>
                       <a:r>
-                        <a:rPr lang="en-US" sz="2000" noProof="0" dirty="0"/>
+                        <a:rPr lang="en-US" sz="1800" noProof="0" dirty="0"/>
                         <a:t>Audio</a:t>
                       </a:r>
                     </a:p>
@@ -35868,7 +36008,7 @@
                     <a:lstStyle/>
                     <a:p>
                       <a:r>
-                        <a:rPr lang="en-US" sz="2000" noProof="0" dirty="0"/>
+                        <a:rPr lang="en-US" sz="1800" noProof="0" dirty="0"/>
                         <a:t>14496-3</a:t>
                       </a:r>
                     </a:p>
@@ -35901,7 +36041,7 @@
                     <a:bodyPr/>
                     <a:lstStyle/>
                     <a:p>
-                      <a:endParaRPr lang="en-US" sz="2000" noProof="0" dirty="0"/>
+                      <a:endParaRPr lang="en-US" sz="1800" noProof="0" dirty="0"/>
                     </a:p>
                   </a:txBody>
                   <a:tcPr>
@@ -35933,7 +36073,7 @@
                     <a:lstStyle/>
                     <a:p>
                       <a:r>
-                        <a:rPr lang="en-US" sz="2000" noProof="0" dirty="0"/>
+                        <a:rPr lang="en-US" sz="1800" noProof="0" dirty="0"/>
                         <a:t>HE-AAC, EAAC (High Efficiency, Enhanced AAC)</a:t>
                       </a:r>
                     </a:p>
@@ -35974,7 +36114,7 @@
                     <a:lstStyle/>
                     <a:p>
                       <a:r>
-                        <a:rPr lang="en-US" sz="2000" noProof="0" dirty="0"/>
+                        <a:rPr lang="en-US" sz="1800" noProof="0" dirty="0"/>
                         <a:t>MPEG-4</a:t>
                       </a:r>
                     </a:p>
@@ -36008,7 +36148,7 @@
                     <a:lstStyle/>
                     <a:p>
                       <a:r>
-                        <a:rPr lang="en-US" sz="2000" noProof="0" dirty="0"/>
+                        <a:rPr lang="en-US" sz="1800" noProof="0" dirty="0"/>
                         <a:t>Video</a:t>
                       </a:r>
                     </a:p>
@@ -36042,7 +36182,7 @@
                     <a:lstStyle/>
                     <a:p>
                       <a:r>
-                        <a:rPr lang="en-US" sz="2000" noProof="0" dirty="0"/>
+                        <a:rPr lang="en-US" sz="1800" noProof="0" dirty="0"/>
                         <a:t>14496-10</a:t>
                       </a:r>
                     </a:p>
@@ -36076,7 +36216,7 @@
                     <a:lstStyle/>
                     <a:p>
                       <a:r>
-                        <a:rPr lang="en-US" sz="2000" noProof="0" dirty="0"/>
+                        <a:rPr lang="en-US" sz="1800" noProof="0" dirty="0"/>
                         <a:t>H.264</a:t>
                       </a:r>
                     </a:p>
@@ -36110,7 +36250,7 @@
                     <a:lstStyle/>
                     <a:p>
                       <a:r>
-                        <a:rPr lang="en-US" sz="2000" noProof="0" dirty="0"/>
+                        <a:rPr lang="en-US" sz="1800" noProof="0" dirty="0"/>
                         <a:t>AVC (Advanced Video Coding)</a:t>
                       </a:r>
                     </a:p>
@@ -36151,7 +36291,7 @@
                     <a:lstStyle/>
                     <a:p>
                       <a:r>
-                        <a:rPr lang="en-US" sz="2000" noProof="0" dirty="0"/>
+                        <a:rPr lang="en-US" sz="1800" noProof="0" dirty="0"/>
                         <a:t>MPEG-H</a:t>
                       </a:r>
                     </a:p>
@@ -36185,7 +36325,7 @@
                     <a:lstStyle/>
                     <a:p>
                       <a:r>
-                        <a:rPr lang="en-US" sz="2000" noProof="0" dirty="0"/>
+                        <a:rPr lang="en-US" sz="1800" noProof="0" dirty="0"/>
                         <a:t>Video</a:t>
                       </a:r>
                     </a:p>
@@ -36219,7 +36359,7 @@
                     <a:lstStyle/>
                     <a:p>
                       <a:r>
-                        <a:rPr lang="en-US" sz="2000" noProof="0" dirty="0"/>
+                        <a:rPr lang="en-US" sz="1800" noProof="0" dirty="0"/>
                         <a:t>23008-2</a:t>
                       </a:r>
                     </a:p>
@@ -36253,7 +36393,7 @@
                     <a:lstStyle/>
                     <a:p>
                       <a:r>
-                        <a:rPr lang="en-US" sz="2000" noProof="0" dirty="0"/>
+                        <a:rPr lang="en-US" sz="1800" noProof="0" dirty="0"/>
                         <a:t>H.265</a:t>
                       </a:r>
                     </a:p>
@@ -36304,7 +36444,7 @@
                         <a:defRPr/>
                       </a:pPr>
                       <a:r>
-                        <a:rPr lang="en-US" sz="2000" noProof="0" dirty="0"/>
+                        <a:rPr lang="en-US" sz="1800" noProof="0" dirty="0"/>
                         <a:t>HEVC (High Efficiency Video Coding)</a:t>
                       </a:r>
                     </a:p>
@@ -36345,7 +36485,7 @@
                     <a:lstStyle/>
                     <a:p>
                       <a:r>
-                        <a:rPr lang="en-US" sz="2000" noProof="0" dirty="0"/>
+                        <a:rPr lang="en-US" sz="1800" noProof="0" dirty="0"/>
                         <a:t>Dolby Digital</a:t>
                       </a:r>
                     </a:p>
@@ -36379,7 +36519,7 @@
                     <a:lstStyle/>
                     <a:p>
                       <a:r>
-                        <a:rPr lang="en-US" sz="2000" noProof="0" dirty="0"/>
+                        <a:rPr lang="en-US" sz="1800" noProof="0" dirty="0"/>
                         <a:t>Audio</a:t>
                       </a:r>
                     </a:p>
@@ -36412,7 +36552,7 @@
                     <a:bodyPr/>
                     <a:lstStyle/>
                     <a:p>
-                      <a:endParaRPr lang="en-US" sz="2000" noProof="0" dirty="0"/>
+                      <a:endParaRPr lang="en-US" sz="1800" noProof="0" dirty="0"/>
                     </a:p>
                   </a:txBody>
                   <a:tcPr>
@@ -36443,7 +36583,7 @@
                     <a:bodyPr/>
                     <a:lstStyle/>
                     <a:p>
-                      <a:endParaRPr lang="en-US" sz="2000" noProof="0" dirty="0"/>
+                      <a:endParaRPr lang="en-US" sz="1800" noProof="0" dirty="0"/>
                     </a:p>
                   </a:txBody>
                   <a:tcPr>
@@ -36475,7 +36615,7 @@
                     <a:lstStyle/>
                     <a:p>
                       <a:r>
-                        <a:rPr lang="en-US" sz="2000" noProof="0" dirty="0"/>
+                        <a:rPr lang="en-US" sz="1800" noProof="0" dirty="0"/>
                         <a:t>AC-4</a:t>
                       </a:r>
                     </a:p>
@@ -36838,6 +36978,13 @@
   <p:clrMapOvr>
     <a:masterClrMapping/>
   </p:clrMapOvr>
+  <p:timing>
+    <p:tnLst>
+      <p:par>
+        <p:cTn id="1" dur="indefinite" restart="never" nodeType="tmRoot"/>
+      </p:par>
+    </p:tnLst>
+  </p:timing>
 </p:sld>
 </file>
 
@@ -39682,7 +39829,7 @@
         </p:nvSpPr>
         <p:spPr>
           <a:xfrm>
-            <a:off x="1226943" y="5138398"/>
+            <a:off x="1226943" y="5127765"/>
             <a:ext cx="4680520" cy="338554"/>
           </a:xfrm>
           <a:prstGeom prst="rect">
@@ -40163,6 +40310,13 @@
   <p:clrMapOvr>
     <a:masterClrMapping/>
   </p:clrMapOvr>
+  <p:timing>
+    <p:tnLst>
+      <p:par>
+        <p:cTn id="1" dur="indefinite" restart="never" nodeType="tmRoot"/>
+      </p:par>
+    </p:tnLst>
+  </p:timing>
 </p:sld>
 </file>
 
@@ -40235,7 +40389,7 @@
         </p:spPr>
         <p:txBody>
           <a:bodyPr>
-            <a:normAutofit fontScale="77500" lnSpcReduction="20000"/>
+            <a:normAutofit fontScale="70000" lnSpcReduction="20000"/>
           </a:bodyPr>
           <a:lstStyle/>
           <a:p>
@@ -41792,6 +41946,13 @@
   <p:clrMapOvr>
     <a:masterClrMapping/>
   </p:clrMapOvr>
+  <p:timing>
+    <p:tnLst>
+      <p:par>
+        <p:cTn id="1" dur="indefinite" restart="never" nodeType="tmRoot"/>
+      </p:par>
+    </p:tnLst>
+  </p:timing>
 </p:sld>
 </file>
 
@@ -42034,6 +42195,13 @@
   <p:clrMapOvr>
     <a:masterClrMapping/>
   </p:clrMapOvr>
+  <p:timing>
+    <p:tnLst>
+      <p:par>
+        <p:cTn id="1" dur="indefinite" restart="never" nodeType="tmRoot"/>
+      </p:par>
+    </p:tnLst>
+  </p:timing>
 </p:sld>
 </file>
 

--- a/doc/mpegts-introduction.pptx
+++ b/doc/mpegts-introduction.pptx
@@ -238,7 +238,7 @@
           <a:p>
             <a:fld id="{75EC9C05-674D-40C4-8612-4B93C7B81E05}" type="datetimeFigureOut">
               <a:rPr lang="en-US" smtClean="0"/>
-              <a:t>2021-04-07</a:t>
+              <a:t>12/19/21</a:t>
             </a:fld>
             <a:endParaRPr lang="en-US"/>
           </a:p>
@@ -396,7 +396,7 @@
           <a:p>
             <a:fld id="{659CF16A-931A-4FA0-9966-73E38C0BCCFA}" type="slidenum">
               <a:rPr lang="en-US" smtClean="0"/>
-              <a:t>‹#›</a:t>
+              <a:t>‹N°›</a:t>
             </a:fld>
             <a:endParaRPr lang="en-US"/>
           </a:p>
@@ -1156,7 +1156,7 @@
                 </a:solidFill>
               </a:rPr>
               <a:pPr algn="ctr"/>
-              <a:t>‹#›</a:t>
+              <a:t>‹N°›</a:t>
             </a:fld>
             <a:endParaRPr lang="en-US" sz="1400" dirty="0">
               <a:solidFill>
@@ -1658,7 +1658,7 @@
                 </a:solidFill>
               </a:rPr>
               <a:pPr algn="ctr"/>
-              <a:t>‹#›</a:t>
+              <a:t>‹N°›</a:t>
             </a:fld>
             <a:endParaRPr lang="en-US" sz="1400" dirty="0">
               <a:solidFill>
@@ -2081,7 +2081,7 @@
                 </a:solidFill>
               </a:rPr>
               <a:pPr algn="ctr"/>
-              <a:t>‹#›</a:t>
+              <a:t>‹N°›</a:t>
             </a:fld>
             <a:endParaRPr lang="en-US" sz="1400" dirty="0">
               <a:solidFill>
@@ -2257,7 +2257,7 @@
                 </a:solidFill>
               </a:rPr>
               <a:pPr algn="ctr"/>
-              <a:t>‹#›</a:t>
+              <a:t>‹N°›</a:t>
             </a:fld>
             <a:endParaRPr lang="en-US" sz="1400" dirty="0">
               <a:solidFill>
@@ -3273,14 +3273,7 @@
                 <a:latin typeface="Segoe UI" panose="020B0502040204020203" pitchFamily="34" charset="0"/>
                 <a:cs typeface="Segoe UI" panose="020B0502040204020203" pitchFamily="34" charset="0"/>
               </a:rPr>
-              <a:t>An introduction to </a:t>
-            </a:r>
-            <a:r>
-              <a:rPr lang="en-US" dirty="0" smtClean="0">
-                <a:latin typeface="Segoe UI" panose="020B0502040204020203" pitchFamily="34" charset="0"/>
-                <a:cs typeface="Segoe UI" panose="020B0502040204020203" pitchFamily="34" charset="0"/>
-              </a:rPr>
-              <a:t>MPEG-TS</a:t>
+              <a:t>An introduction to MPEG-TS</a:t>
             </a:r>
             <a:endParaRPr lang="en-US" noProof="0" dirty="0">
               <a:latin typeface="Segoe UI" panose="020B0502040204020203" pitchFamily="34" charset="0"/>
@@ -3331,13 +3324,8 @@
           <a:p>
             <a:r>
               <a:rPr lang="en-US" sz="1600" noProof="0" dirty="0"/>
-              <a:t>Version </a:t>
-            </a:r>
-            <a:r>
-              <a:rPr lang="en-US" sz="1600" noProof="0" dirty="0"/>
-              <a:t>8</a:t>
-            </a:r>
-            <a:endParaRPr lang="en-US" sz="1600" noProof="0" dirty="0"/>
+              <a:t>Version 9</a:t>
+            </a:r>
           </a:p>
         </p:txBody>
       </p:sp>
@@ -3351,13 +3339,6 @@
   <p:clrMapOvr>
     <a:masterClrMapping/>
   </p:clrMapOvr>
-  <p:timing>
-    <p:tnLst>
-      <p:par>
-        <p:cTn id="1" dur="indefinite" restart="never" nodeType="tmRoot"/>
-      </p:par>
-    </p:tnLst>
-  </p:timing>
 </p:sld>
 </file>
 
@@ -3420,7 +3401,7 @@
         </p:nvSpPr>
         <p:spPr>
           <a:xfrm>
-            <a:off x="1246330" y="3996051"/>
+            <a:off x="1246330" y="4048601"/>
             <a:ext cx="288032" cy="288032"/>
           </a:xfrm>
           <a:prstGeom prst="rect">
@@ -3481,7 +3462,7 @@
         </p:nvSpPr>
         <p:spPr>
           <a:xfrm>
-            <a:off x="1539955" y="3996051"/>
+            <a:off x="1539955" y="4048601"/>
             <a:ext cx="866892" cy="288032"/>
           </a:xfrm>
           <a:prstGeom prst="rect">
@@ -3535,7 +3516,7 @@
         </p:nvSpPr>
         <p:spPr>
           <a:xfrm>
-            <a:off x="1833580" y="3996051"/>
+            <a:off x="1833580" y="4048601"/>
             <a:ext cx="288032" cy="288032"/>
           </a:xfrm>
           <a:prstGeom prst="rect">
@@ -3590,7 +3571,7 @@
         </p:nvCxnSpPr>
         <p:spPr>
           <a:xfrm>
-            <a:off x="1246330" y="4334415"/>
+            <a:off x="1246330" y="4386965"/>
             <a:ext cx="1168906" cy="0"/>
           </a:xfrm>
           <a:prstGeom prst="straightConnector1">
@@ -3634,7 +3615,7 @@
         </p:nvCxnSpPr>
         <p:spPr>
           <a:xfrm>
-            <a:off x="2415236" y="4334415"/>
+            <a:off x="2415236" y="4386965"/>
             <a:ext cx="5455830" cy="0"/>
           </a:xfrm>
           <a:prstGeom prst="straightConnector1">
@@ -3678,7 +3659,7 @@
         </p:nvSpPr>
         <p:spPr>
           <a:xfrm>
-            <a:off x="1127481" y="4342804"/>
+            <a:off x="1127481" y="4395354"/>
             <a:ext cx="1440160" cy="261610"/>
           </a:xfrm>
           <a:prstGeom prst="rect">
@@ -3717,7 +3698,7 @@
         </p:nvSpPr>
         <p:spPr>
           <a:xfrm>
-            <a:off x="4414682" y="4342804"/>
+            <a:off x="4414682" y="4395354"/>
             <a:ext cx="1656184" cy="261610"/>
           </a:xfrm>
           <a:prstGeom prst="rect">
@@ -3756,7 +3737,7 @@
         </p:nvSpPr>
         <p:spPr>
           <a:xfrm>
-            <a:off x="1237941" y="5563893"/>
+            <a:off x="1237941" y="5626953"/>
             <a:ext cx="288032" cy="288032"/>
           </a:xfrm>
           <a:prstGeom prst="rect">
@@ -3817,7 +3798,7 @@
         </p:nvSpPr>
         <p:spPr>
           <a:xfrm>
-            <a:off x="1531565" y="5563893"/>
+            <a:off x="1531565" y="5626953"/>
             <a:ext cx="875281" cy="288032"/>
           </a:xfrm>
           <a:prstGeom prst="rect">
@@ -3871,7 +3852,7 @@
         </p:nvSpPr>
         <p:spPr>
           <a:xfrm>
-            <a:off x="1825191" y="5563893"/>
+            <a:off x="1825191" y="5626953"/>
             <a:ext cx="288032" cy="288032"/>
           </a:xfrm>
           <a:prstGeom prst="rect">
@@ -3924,7 +3905,7 @@
         </p:nvCxnSpPr>
         <p:spPr>
           <a:xfrm>
-            <a:off x="1237941" y="5914154"/>
+            <a:off x="1237941" y="5977214"/>
             <a:ext cx="1168906" cy="0"/>
           </a:xfrm>
           <a:prstGeom prst="straightConnector1">
@@ -3968,7 +3949,7 @@
         </p:nvCxnSpPr>
         <p:spPr>
           <a:xfrm flipV="1">
-            <a:off x="5278778" y="5909961"/>
+            <a:off x="5278778" y="5973021"/>
             <a:ext cx="2583899" cy="8387"/>
           </a:xfrm>
           <a:prstGeom prst="straightConnector1">
@@ -4012,7 +3993,7 @@
         </p:nvSpPr>
         <p:spPr>
           <a:xfrm>
-            <a:off x="1119092" y="5880050"/>
+            <a:off x="1119092" y="5943110"/>
             <a:ext cx="1440160" cy="261610"/>
           </a:xfrm>
           <a:prstGeom prst="rect">
@@ -4051,7 +4032,7 @@
         </p:nvSpPr>
         <p:spPr>
           <a:xfrm>
-            <a:off x="5278778" y="5880050"/>
+            <a:off x="5772763" y="5943110"/>
             <a:ext cx="1656184" cy="261610"/>
           </a:xfrm>
           <a:prstGeom prst="rect">
@@ -4090,7 +4071,7 @@
         </p:nvSpPr>
         <p:spPr>
           <a:xfrm>
-            <a:off x="2406847" y="5563893"/>
+            <a:off x="2406847" y="5626953"/>
             <a:ext cx="288032" cy="288032"/>
           </a:xfrm>
           <a:prstGeom prst="rect">
@@ -4148,7 +4129,7 @@
         </p:nvSpPr>
         <p:spPr>
           <a:xfrm>
-            <a:off x="2694878" y="5563893"/>
+            <a:off x="2694878" y="5626953"/>
             <a:ext cx="2583900" cy="288032"/>
           </a:xfrm>
           <a:prstGeom prst="rect">
@@ -4209,7 +4190,7 @@
         </p:nvCxnSpPr>
         <p:spPr>
           <a:xfrm>
-            <a:off x="2411041" y="5909960"/>
+            <a:off x="2411041" y="5973020"/>
             <a:ext cx="2867737" cy="8388"/>
           </a:xfrm>
           <a:prstGeom prst="straightConnector1">
@@ -4253,7 +4234,7 @@
         </p:nvSpPr>
         <p:spPr>
           <a:xfrm>
-            <a:off x="3118538" y="5880050"/>
+            <a:off x="3118538" y="5943110"/>
             <a:ext cx="1656184" cy="261610"/>
           </a:xfrm>
           <a:prstGeom prst="rect">
@@ -4292,7 +4273,7 @@
         </p:nvSpPr>
         <p:spPr>
           <a:xfrm>
-            <a:off x="1056184" y="1969271"/>
+            <a:off x="1108734" y="1874681"/>
             <a:ext cx="679752" cy="138499"/>
           </a:xfrm>
           <a:prstGeom prst="rect">
@@ -4331,7 +4312,7 @@
         </p:nvSpPr>
         <p:spPr>
           <a:xfrm>
-            <a:off x="1246330" y="3996051"/>
+            <a:off x="1246330" y="4048601"/>
             <a:ext cx="6624736" cy="288032"/>
           </a:xfrm>
           <a:prstGeom prst="rect">
@@ -4383,7 +4364,7 @@
         </p:nvSpPr>
         <p:spPr>
           <a:xfrm>
-            <a:off x="1237941" y="5563893"/>
+            <a:off x="1237941" y="5626953"/>
             <a:ext cx="6624736" cy="288032"/>
           </a:xfrm>
           <a:prstGeom prst="rect">
@@ -5107,45 +5088,6 @@
           </a:fontRef>
         </p:style>
       </p:cxnSp>
-      <p:sp>
-        <p:nvSpPr>
-          <p:cNvPr id="38" name="TextBox 56">
-            <a:extLst>
-              <a:ext uri="{FF2B5EF4-FFF2-40B4-BE49-F238E27FC236}">
-                <a16:creationId xmlns:a16="http://schemas.microsoft.com/office/drawing/2014/main" id="{9084474B-A90B-BB4B-9E63-27171B14D281}"/>
-              </a:ext>
-            </a:extLst>
-          </p:cNvPr>
-          <p:cNvSpPr txBox="1"/>
-          <p:nvPr/>
-        </p:nvSpPr>
-        <p:spPr>
-          <a:xfrm>
-            <a:off x="1073436" y="3818733"/>
-            <a:ext cx="617956" cy="138499"/>
-          </a:xfrm>
-          <a:prstGeom prst="rect">
-            <a:avLst/>
-          </a:prstGeom>
-          <a:noFill/>
-          <a:ln>
-            <a:noFill/>
-          </a:ln>
-        </p:spPr>
-        <p:txBody>
-          <a:bodyPr wrap="square" tIns="0" bIns="0" rtlCol="0">
-            <a:spAutoFit/>
-          </a:bodyPr>
-          <a:lstStyle/>
-          <a:p>
-            <a:pPr algn="ctr"/>
-            <a:r>
-              <a:rPr lang="en-US" sz="900" dirty="0"/>
-              <a:t>PUSI = 0</a:t>
-            </a:r>
-          </a:p>
-        </p:txBody>
-      </p:sp>
       <p:cxnSp>
         <p:nvCxnSpPr>
           <p:cNvPr id="39" name="Straight Arrow Connector 57">
@@ -5160,7 +5102,7 @@
         </p:nvCxnSpPr>
         <p:spPr>
           <a:xfrm flipV="1">
-            <a:off x="1638264" y="3859263"/>
+            <a:off x="1638264" y="3911813"/>
             <a:ext cx="0" cy="231713"/>
           </a:xfrm>
           <a:prstGeom prst="straightConnector1">
@@ -5189,45 +5131,6 @@
           </a:fontRef>
         </p:style>
       </p:cxnSp>
-      <p:sp>
-        <p:nvSpPr>
-          <p:cNvPr id="40" name="TextBox 58">
-            <a:extLst>
-              <a:ext uri="{FF2B5EF4-FFF2-40B4-BE49-F238E27FC236}">
-                <a16:creationId xmlns:a16="http://schemas.microsoft.com/office/drawing/2014/main" id="{4E9DFC98-74B1-D14B-91E5-E4444A5C0CFF}"/>
-              </a:ext>
-            </a:extLst>
-          </p:cNvPr>
-          <p:cNvSpPr txBox="1"/>
-          <p:nvPr/>
-        </p:nvSpPr>
-        <p:spPr>
-          <a:xfrm>
-            <a:off x="1081296" y="5376136"/>
-            <a:ext cx="617956" cy="138499"/>
-          </a:xfrm>
-          <a:prstGeom prst="rect">
-            <a:avLst/>
-          </a:prstGeom>
-          <a:noFill/>
-          <a:ln>
-            <a:noFill/>
-          </a:ln>
-        </p:spPr>
-        <p:txBody>
-          <a:bodyPr wrap="square" tIns="0" bIns="0" rtlCol="0">
-            <a:spAutoFit/>
-          </a:bodyPr>
-          <a:lstStyle/>
-          <a:p>
-            <a:pPr algn="ctr"/>
-            <a:r>
-              <a:rPr lang="en-US" sz="900" dirty="0"/>
-              <a:t>PUSI = 0</a:t>
-            </a:r>
-          </a:p>
-        </p:txBody>
-      </p:sp>
       <p:cxnSp>
         <p:nvCxnSpPr>
           <p:cNvPr id="41" name="Straight Arrow Connector 59">
@@ -5242,7 +5145,7 @@
         </p:nvCxnSpPr>
         <p:spPr>
           <a:xfrm flipV="1">
-            <a:off x="1638264" y="5431299"/>
+            <a:off x="1638264" y="5494359"/>
             <a:ext cx="0" cy="231713"/>
           </a:xfrm>
           <a:prstGeom prst="straightConnector1">
@@ -5323,7 +5226,7 @@
         </p:nvSpPr>
         <p:spPr>
           <a:xfrm>
-            <a:off x="3372066" y="1960536"/>
+            <a:off x="3277476" y="1876456"/>
             <a:ext cx="2160240" cy="138499"/>
           </a:xfrm>
           <a:prstGeom prst="rect">
@@ -5404,7 +5307,7 @@
         </p:nvSpPr>
         <p:spPr>
           <a:xfrm>
-            <a:off x="1152648" y="1570335"/>
+            <a:off x="1152648" y="1549315"/>
             <a:ext cx="6811314" cy="338554"/>
           </a:xfrm>
           <a:prstGeom prst="rect">
@@ -5454,7 +5357,7 @@
         </p:nvSpPr>
         <p:spPr>
           <a:xfrm>
-            <a:off x="1152648" y="3278261"/>
+            <a:off x="1152648" y="3246731"/>
             <a:ext cx="7217578" cy="523220"/>
           </a:xfrm>
           <a:prstGeom prst="rect">
@@ -5522,7 +5425,7 @@
         </p:nvSpPr>
         <p:spPr>
           <a:xfrm>
-            <a:off x="1119092" y="5049317"/>
+            <a:off x="1119092" y="5028297"/>
             <a:ext cx="6811314" cy="338554"/>
           </a:xfrm>
           <a:prstGeom prst="rect">
@@ -5572,7 +5475,7 @@
         </p:nvSpPr>
         <p:spPr>
           <a:xfrm>
-            <a:off x="4613454" y="5243855"/>
+            <a:off x="4655494" y="5306915"/>
             <a:ext cx="3210914" cy="276999"/>
           </a:xfrm>
           <a:prstGeom prst="rect">
@@ -5618,8 +5521,8 @@
         </p:nvSpPr>
         <p:spPr>
           <a:xfrm>
-            <a:off x="1882391" y="1969162"/>
-            <a:ext cx="617956" cy="138499"/>
+            <a:off x="1756271" y="1874572"/>
+            <a:ext cx="685250" cy="138499"/>
           </a:xfrm>
           <a:prstGeom prst="rect">
             <a:avLst/>
@@ -5691,50 +5594,6 @@
           </a:fontRef>
         </p:style>
       </p:cxnSp>
-      <p:sp>
-        <p:nvSpPr>
-          <p:cNvPr id="51" name="TextBox 78">
-            <a:extLst>
-              <a:ext uri="{FF2B5EF4-FFF2-40B4-BE49-F238E27FC236}">
-                <a16:creationId xmlns:a16="http://schemas.microsoft.com/office/drawing/2014/main" id="{A1AB54F8-4D36-6A44-9D33-31865D67D09C}"/>
-              </a:ext>
-            </a:extLst>
-          </p:cNvPr>
-          <p:cNvSpPr txBox="1"/>
-          <p:nvPr/>
-        </p:nvSpPr>
-        <p:spPr>
-          <a:xfrm>
-            <a:off x="1870384" y="3818733"/>
-            <a:ext cx="617956" cy="138499"/>
-          </a:xfrm>
-          <a:prstGeom prst="rect">
-            <a:avLst/>
-          </a:prstGeom>
-          <a:noFill/>
-          <a:ln>
-            <a:noFill/>
-          </a:ln>
-        </p:spPr>
-        <p:txBody>
-          <a:bodyPr wrap="square" tIns="0" bIns="0" rtlCol="0">
-            <a:spAutoFit/>
-          </a:bodyPr>
-          <a:lstStyle/>
-          <a:p>
-            <a:pPr algn="ctr"/>
-            <a:r>
-              <a:rPr lang="en-US" sz="900" dirty="0"/>
-              <a:t>PID = </a:t>
-            </a:r>
-            <a:r>
-              <a:rPr lang="en-US" sz="900" i="1" dirty="0"/>
-              <a:t>nn</a:t>
-            </a:r>
-            <a:endParaRPr lang="en-US" sz="900" dirty="0"/>
-          </a:p>
-        </p:txBody>
-      </p:sp>
       <p:cxnSp>
         <p:nvCxnSpPr>
           <p:cNvPr id="52" name="Straight Arrow Connector 79">
@@ -5749,7 +5608,7 @@
         </p:nvCxnSpPr>
         <p:spPr>
           <a:xfrm flipV="1">
-            <a:off x="1917907" y="3859263"/>
+            <a:off x="1917907" y="3911813"/>
             <a:ext cx="0" cy="231713"/>
           </a:xfrm>
           <a:prstGeom prst="straightConnector1">
@@ -5778,50 +5637,6 @@
           </a:fontRef>
         </p:style>
       </p:cxnSp>
-      <p:sp>
-        <p:nvSpPr>
-          <p:cNvPr id="53" name="TextBox 80">
-            <a:extLst>
-              <a:ext uri="{FF2B5EF4-FFF2-40B4-BE49-F238E27FC236}">
-                <a16:creationId xmlns:a16="http://schemas.microsoft.com/office/drawing/2014/main" id="{8BD71747-0CD2-324A-B242-5B256A83906B}"/>
-              </a:ext>
-            </a:extLst>
-          </p:cNvPr>
-          <p:cNvSpPr txBox="1"/>
-          <p:nvPr/>
-        </p:nvSpPr>
-        <p:spPr>
-          <a:xfrm>
-            <a:off x="1884255" y="5380923"/>
-            <a:ext cx="617956" cy="138499"/>
-          </a:xfrm>
-          <a:prstGeom prst="rect">
-            <a:avLst/>
-          </a:prstGeom>
-          <a:noFill/>
-          <a:ln>
-            <a:noFill/>
-          </a:ln>
-        </p:spPr>
-        <p:txBody>
-          <a:bodyPr wrap="square" tIns="0" bIns="0" rtlCol="0">
-            <a:spAutoFit/>
-          </a:bodyPr>
-          <a:lstStyle/>
-          <a:p>
-            <a:pPr algn="ctr"/>
-            <a:r>
-              <a:rPr lang="en-US" sz="900" dirty="0"/>
-              <a:t>PID = </a:t>
-            </a:r>
-            <a:r>
-              <a:rPr lang="en-US" sz="900" i="1" dirty="0"/>
-              <a:t>nn</a:t>
-            </a:r>
-            <a:endParaRPr lang="en-US" sz="900" dirty="0"/>
-          </a:p>
-        </p:txBody>
-      </p:sp>
       <p:cxnSp>
         <p:nvCxnSpPr>
           <p:cNvPr id="54" name="Straight Arrow Connector 81">
@@ -5836,7 +5651,7 @@
         </p:nvCxnSpPr>
         <p:spPr>
           <a:xfrm flipV="1">
-            <a:off x="1923152" y="5431299"/>
+            <a:off x="1923152" y="5494359"/>
             <a:ext cx="0" cy="231713"/>
           </a:xfrm>
           <a:prstGeom prst="straightConnector1">
@@ -5879,7 +5694,7 @@
         </p:nvCxnSpPr>
         <p:spPr>
           <a:xfrm flipV="1">
-            <a:off x="2559246" y="5563893"/>
+            <a:off x="2559246" y="5626953"/>
             <a:ext cx="2783339" cy="127000"/>
           </a:xfrm>
           <a:prstGeom prst="bentConnector4">
@@ -5911,49 +5726,172 @@
           </a:fontRef>
         </p:style>
       </p:cxnSp>
-      <p:cxnSp>
-        <p:nvCxnSpPr>
-          <p:cNvPr id="56" name="Straight Arrow Connector 75">
-            <a:extLst>
-              <a:ext uri="{FF2B5EF4-FFF2-40B4-BE49-F238E27FC236}">
-                <a16:creationId xmlns:a16="http://schemas.microsoft.com/office/drawing/2014/main" id="{9C121757-3808-A940-BD39-08E45C7F5C26}"/>
-              </a:ext>
-            </a:extLst>
-          </p:cNvPr>
-          <p:cNvCxnSpPr/>
-          <p:nvPr/>
-        </p:nvCxnSpPr>
-        <p:spPr>
-          <a:xfrm flipV="1">
-            <a:off x="7799058" y="5402169"/>
-            <a:ext cx="0" cy="210648"/>
-          </a:xfrm>
-          <a:prstGeom prst="straightConnector1">
-            <a:avLst/>
-          </a:prstGeom>
-          <a:ln w="19050">
-            <a:solidFill>
-              <a:schemeClr val="tx1"/>
-            </a:solidFill>
-            <a:headEnd type="none"/>
-            <a:tailEnd type="triangle"/>
+      <p:sp>
+        <p:nvSpPr>
+          <p:cNvPr id="57" name="TextBox 44">
+            <a:extLst>
+              <a:ext uri="{FF2B5EF4-FFF2-40B4-BE49-F238E27FC236}">
+                <a16:creationId xmlns:a16="http://schemas.microsoft.com/office/drawing/2014/main" id="{F975A8E7-D650-FA4E-891F-4AD4F16C83D8}"/>
+              </a:ext>
+            </a:extLst>
+          </p:cNvPr>
+          <p:cNvSpPr txBox="1"/>
+          <p:nvPr/>
+        </p:nvSpPr>
+        <p:spPr>
+          <a:xfrm>
+            <a:off x="1113994" y="3782302"/>
+            <a:ext cx="679752" cy="138499"/>
+          </a:xfrm>
+          <a:prstGeom prst="rect">
+            <a:avLst/>
+          </a:prstGeom>
+          <a:noFill/>
+          <a:ln>
+            <a:noFill/>
           </a:ln>
         </p:spPr>
-        <p:style>
-          <a:lnRef idx="1">
-            <a:schemeClr val="accent1"/>
-          </a:lnRef>
-          <a:fillRef idx="0">
-            <a:schemeClr val="accent1"/>
-          </a:fillRef>
-          <a:effectRef idx="0">
-            <a:schemeClr val="accent1"/>
-          </a:effectRef>
-          <a:fontRef idx="minor">
-            <a:schemeClr val="tx1"/>
-          </a:fontRef>
-        </p:style>
-      </p:cxnSp>
+        <p:txBody>
+          <a:bodyPr wrap="square" tIns="0" bIns="0" rtlCol="0">
+            <a:spAutoFit/>
+          </a:bodyPr>
+          <a:lstStyle/>
+          <a:p>
+            <a:pPr algn="ctr"/>
+            <a:r>
+              <a:rPr lang="en-US" sz="900" dirty="0"/>
+              <a:t>PUSI = 0</a:t>
+            </a:r>
+          </a:p>
+        </p:txBody>
+      </p:sp>
+      <p:sp>
+        <p:nvSpPr>
+          <p:cNvPr id="58" name="TextBox 76">
+            <a:extLst>
+              <a:ext uri="{FF2B5EF4-FFF2-40B4-BE49-F238E27FC236}">
+                <a16:creationId xmlns:a16="http://schemas.microsoft.com/office/drawing/2014/main" id="{15D4569A-6B2E-2348-B3A5-7F4D973FB3CA}"/>
+              </a:ext>
+            </a:extLst>
+          </p:cNvPr>
+          <p:cNvSpPr txBox="1"/>
+          <p:nvPr/>
+        </p:nvSpPr>
+        <p:spPr>
+          <a:xfrm>
+            <a:off x="1761531" y="3782193"/>
+            <a:ext cx="685250" cy="138499"/>
+          </a:xfrm>
+          <a:prstGeom prst="rect">
+            <a:avLst/>
+          </a:prstGeom>
+          <a:noFill/>
+          <a:ln>
+            <a:noFill/>
+          </a:ln>
+        </p:spPr>
+        <p:txBody>
+          <a:bodyPr wrap="square" tIns="0" bIns="0" rtlCol="0">
+            <a:spAutoFit/>
+          </a:bodyPr>
+          <a:lstStyle/>
+          <a:p>
+            <a:pPr algn="ctr"/>
+            <a:r>
+              <a:rPr lang="en-US" sz="900" dirty="0"/>
+              <a:t>PID = </a:t>
+            </a:r>
+            <a:r>
+              <a:rPr lang="en-US" sz="900" i="1" dirty="0"/>
+              <a:t>nn</a:t>
+            </a:r>
+            <a:endParaRPr lang="en-US" sz="900" dirty="0"/>
+          </a:p>
+        </p:txBody>
+      </p:sp>
+      <p:sp>
+        <p:nvSpPr>
+          <p:cNvPr id="59" name="TextBox 44">
+            <a:extLst>
+              <a:ext uri="{FF2B5EF4-FFF2-40B4-BE49-F238E27FC236}">
+                <a16:creationId xmlns:a16="http://schemas.microsoft.com/office/drawing/2014/main" id="{C31BC546-A321-2047-95AF-AD9B3497CA2A}"/>
+              </a:ext>
+            </a:extLst>
+          </p:cNvPr>
+          <p:cNvSpPr txBox="1"/>
+          <p:nvPr/>
+        </p:nvSpPr>
+        <p:spPr>
+          <a:xfrm>
+            <a:off x="1108744" y="5364106"/>
+            <a:ext cx="679752" cy="138499"/>
+          </a:xfrm>
+          <a:prstGeom prst="rect">
+            <a:avLst/>
+          </a:prstGeom>
+          <a:noFill/>
+          <a:ln>
+            <a:noFill/>
+          </a:ln>
+        </p:spPr>
+        <p:txBody>
+          <a:bodyPr wrap="square" tIns="0" bIns="0" rtlCol="0">
+            <a:spAutoFit/>
+          </a:bodyPr>
+          <a:lstStyle/>
+          <a:p>
+            <a:pPr algn="ctr"/>
+            <a:r>
+              <a:rPr lang="en-US" sz="900" dirty="0"/>
+              <a:t>PUSI = 0</a:t>
+            </a:r>
+          </a:p>
+        </p:txBody>
+      </p:sp>
+      <p:sp>
+        <p:nvSpPr>
+          <p:cNvPr id="60" name="TextBox 76">
+            <a:extLst>
+              <a:ext uri="{FF2B5EF4-FFF2-40B4-BE49-F238E27FC236}">
+                <a16:creationId xmlns:a16="http://schemas.microsoft.com/office/drawing/2014/main" id="{83B7AE3B-D4E4-5943-9E0A-78252D469905}"/>
+              </a:ext>
+            </a:extLst>
+          </p:cNvPr>
+          <p:cNvSpPr txBox="1"/>
+          <p:nvPr/>
+        </p:nvSpPr>
+        <p:spPr>
+          <a:xfrm>
+            <a:off x="1756281" y="5363997"/>
+            <a:ext cx="685250" cy="138499"/>
+          </a:xfrm>
+          <a:prstGeom prst="rect">
+            <a:avLst/>
+          </a:prstGeom>
+          <a:noFill/>
+          <a:ln>
+            <a:noFill/>
+          </a:ln>
+        </p:spPr>
+        <p:txBody>
+          <a:bodyPr wrap="square" tIns="0" bIns="0" rtlCol="0">
+            <a:spAutoFit/>
+          </a:bodyPr>
+          <a:lstStyle/>
+          <a:p>
+            <a:pPr algn="ctr"/>
+            <a:r>
+              <a:rPr lang="en-US" sz="900" dirty="0"/>
+              <a:t>PID = </a:t>
+            </a:r>
+            <a:r>
+              <a:rPr lang="en-US" sz="900" i="1" dirty="0"/>
+              <a:t>nn</a:t>
+            </a:r>
+            <a:endParaRPr lang="en-US" sz="900" dirty="0"/>
+          </a:p>
+        </p:txBody>
+      </p:sp>
     </p:spTree>
     <p:extLst>
       <p:ext uri="{BB962C8B-B14F-4D97-AF65-F5344CB8AC3E}">
@@ -5964,13 +5902,6 @@
   <p:clrMapOvr>
     <a:masterClrMapping/>
   </p:clrMapOvr>
-  <p:timing>
-    <p:tnLst>
-      <p:par>
-        <p:cTn id="1" dur="indefinite" restart="never" nodeType="tmRoot"/>
-      </p:par>
-    </p:tnLst>
-  </p:timing>
 </p:sld>
 </file>
 
@@ -7140,45 +7071,6 @@
       </p:sp>
       <p:sp>
         <p:nvSpPr>
-          <p:cNvPr id="17" name="TextBox 56">
-            <a:extLst>
-              <a:ext uri="{FF2B5EF4-FFF2-40B4-BE49-F238E27FC236}">
-                <a16:creationId xmlns:a16="http://schemas.microsoft.com/office/drawing/2014/main" id="{5E2B0725-C268-114A-AE22-38AD22ADF0BB}"/>
-              </a:ext>
-            </a:extLst>
-          </p:cNvPr>
-          <p:cNvSpPr txBox="1"/>
-          <p:nvPr/>
-        </p:nvSpPr>
-        <p:spPr>
-          <a:xfrm>
-            <a:off x="1081506" y="3715845"/>
-            <a:ext cx="617956" cy="138499"/>
-          </a:xfrm>
-          <a:prstGeom prst="rect">
-            <a:avLst/>
-          </a:prstGeom>
-          <a:noFill/>
-          <a:ln>
-            <a:noFill/>
-          </a:ln>
-        </p:spPr>
-        <p:txBody>
-          <a:bodyPr wrap="square" tIns="0" bIns="0" rtlCol="0">
-            <a:spAutoFit/>
-          </a:bodyPr>
-          <a:lstStyle/>
-          <a:p>
-            <a:pPr algn="ctr"/>
-            <a:r>
-              <a:rPr lang="en-US" sz="900" dirty="0"/>
-              <a:t>PUSI = 0</a:t>
-            </a:r>
-          </a:p>
-        </p:txBody>
-      </p:sp>
-      <p:sp>
-        <p:nvSpPr>
           <p:cNvPr id="18" name="TextBox 71">
             <a:extLst>
               <a:ext uri="{FF2B5EF4-FFF2-40B4-BE49-F238E27FC236}">
@@ -7347,50 +7239,6 @@
       </p:sp>
       <p:sp>
         <p:nvSpPr>
-          <p:cNvPr id="21" name="TextBox 78">
-            <a:extLst>
-              <a:ext uri="{FF2B5EF4-FFF2-40B4-BE49-F238E27FC236}">
-                <a16:creationId xmlns:a16="http://schemas.microsoft.com/office/drawing/2014/main" id="{FAD163EF-E526-CB42-B9FC-2494DEABE4EC}"/>
-              </a:ext>
-            </a:extLst>
-          </p:cNvPr>
-          <p:cNvSpPr txBox="1"/>
-          <p:nvPr/>
-        </p:nvSpPr>
-        <p:spPr>
-          <a:xfrm>
-            <a:off x="1863792" y="3712518"/>
-            <a:ext cx="624136" cy="127901"/>
-          </a:xfrm>
-          <a:prstGeom prst="rect">
-            <a:avLst/>
-          </a:prstGeom>
-          <a:noFill/>
-          <a:ln>
-            <a:noFill/>
-          </a:ln>
-        </p:spPr>
-        <p:txBody>
-          <a:bodyPr wrap="square" tIns="0" bIns="0" rtlCol="0">
-            <a:spAutoFit/>
-          </a:bodyPr>
-          <a:lstStyle/>
-          <a:p>
-            <a:pPr algn="ctr"/>
-            <a:r>
-              <a:rPr lang="en-US" sz="900" dirty="0"/>
-              <a:t>PID = </a:t>
-            </a:r>
-            <a:r>
-              <a:rPr lang="en-US" sz="900" i="1" dirty="0"/>
-              <a:t>nn</a:t>
-            </a:r>
-            <a:endParaRPr lang="en-US" sz="900" dirty="0"/>
-          </a:p>
-        </p:txBody>
-      </p:sp>
-      <p:sp>
-        <p:nvSpPr>
           <p:cNvPr id="22" name="Rectangle 21">
             <a:extLst>
               <a:ext uri="{FF2B5EF4-FFF2-40B4-BE49-F238E27FC236}">
@@ -7720,89 +7568,6 @@
               <a:rPr lang="en-US" sz="1100" dirty="0"/>
               <a:t>payload = 184 bytes</a:t>
             </a:r>
-          </a:p>
-        </p:txBody>
-      </p:sp>
-      <p:sp>
-        <p:nvSpPr>
-          <p:cNvPr id="29" name="TextBox 83">
-            <a:extLst>
-              <a:ext uri="{FF2B5EF4-FFF2-40B4-BE49-F238E27FC236}">
-                <a16:creationId xmlns:a16="http://schemas.microsoft.com/office/drawing/2014/main" id="{D6492197-9DCC-A448-A61C-56C9CDC812FA}"/>
-              </a:ext>
-            </a:extLst>
-          </p:cNvPr>
-          <p:cNvSpPr txBox="1"/>
-          <p:nvPr/>
-        </p:nvSpPr>
-        <p:spPr>
-          <a:xfrm>
-            <a:off x="1100969" y="1946712"/>
-            <a:ext cx="561778" cy="138499"/>
-          </a:xfrm>
-          <a:prstGeom prst="rect">
-            <a:avLst/>
-          </a:prstGeom>
-          <a:noFill/>
-          <a:ln>
-            <a:noFill/>
-          </a:ln>
-        </p:spPr>
-        <p:txBody>
-          <a:bodyPr wrap="square" tIns="0" bIns="0" rtlCol="0">
-            <a:spAutoFit/>
-          </a:bodyPr>
-          <a:lstStyle/>
-          <a:p>
-            <a:pPr algn="ctr"/>
-            <a:r>
-              <a:rPr lang="en-US" sz="900" dirty="0"/>
-              <a:t>PUSI = 1</a:t>
-            </a:r>
-          </a:p>
-        </p:txBody>
-      </p:sp>
-      <p:sp>
-        <p:nvSpPr>
-          <p:cNvPr id="30" name="TextBox 85">
-            <a:extLst>
-              <a:ext uri="{FF2B5EF4-FFF2-40B4-BE49-F238E27FC236}">
-                <a16:creationId xmlns:a16="http://schemas.microsoft.com/office/drawing/2014/main" id="{C552E604-942E-D342-AB25-00A6AD88B096}"/>
-              </a:ext>
-            </a:extLst>
-          </p:cNvPr>
-          <p:cNvSpPr txBox="1"/>
-          <p:nvPr/>
-        </p:nvSpPr>
-        <p:spPr>
-          <a:xfrm>
-            <a:off x="1861968" y="1960227"/>
-            <a:ext cx="617956" cy="138499"/>
-          </a:xfrm>
-          <a:prstGeom prst="rect">
-            <a:avLst/>
-          </a:prstGeom>
-          <a:noFill/>
-          <a:ln>
-            <a:noFill/>
-          </a:ln>
-        </p:spPr>
-        <p:txBody>
-          <a:bodyPr wrap="square" tIns="0" bIns="0" rtlCol="0">
-            <a:spAutoFit/>
-          </a:bodyPr>
-          <a:lstStyle/>
-          <a:p>
-            <a:pPr algn="ctr"/>
-            <a:r>
-              <a:rPr lang="en-US" sz="900" dirty="0"/>
-              <a:t>PID = </a:t>
-            </a:r>
-            <a:r>
-              <a:rPr lang="en-US" sz="900" i="1" dirty="0"/>
-              <a:t>nn</a:t>
-            </a:r>
-            <a:endParaRPr lang="en-US" sz="900" dirty="0"/>
           </a:p>
         </p:txBody>
       </p:sp>
@@ -7989,7 +7754,7 @@
         </p:nvSpPr>
         <p:spPr>
           <a:xfrm>
-            <a:off x="2219721" y="1811249"/>
+            <a:off x="2272271" y="1790229"/>
             <a:ext cx="2375249" cy="230832"/>
           </a:xfrm>
           <a:prstGeom prst="rect">
@@ -8404,7 +8169,7 @@
         </p:nvSpPr>
         <p:spPr>
           <a:xfrm>
-            <a:off x="1073117" y="5430012"/>
+            <a:off x="1125667" y="5366952"/>
             <a:ext cx="617956" cy="138499"/>
           </a:xfrm>
           <a:prstGeom prst="rect">
@@ -8443,8 +8208,8 @@
         </p:nvSpPr>
         <p:spPr>
           <a:xfrm>
-            <a:off x="1853194" y="5430012"/>
-            <a:ext cx="617956" cy="138499"/>
+            <a:off x="1731974" y="5373367"/>
+            <a:ext cx="697135" cy="138499"/>
           </a:xfrm>
           <a:prstGeom prst="rect">
             <a:avLst/>
@@ -8538,7 +8303,7 @@
         </p:nvSpPr>
         <p:spPr>
           <a:xfrm>
-            <a:off x="2463302" y="5307060"/>
+            <a:off x="2452792" y="5265020"/>
             <a:ext cx="2375249" cy="230832"/>
           </a:xfrm>
           <a:prstGeom prst="rect">
@@ -8963,7 +8728,7 @@
         </p:nvSpPr>
         <p:spPr>
           <a:xfrm>
-            <a:off x="6603449" y="5669080"/>
+            <a:off x="6519369" y="5669080"/>
             <a:ext cx="1427915" cy="261610"/>
           </a:xfrm>
           <a:prstGeom prst="rect">
@@ -9101,7 +8866,7 @@
         </p:nvSpPr>
         <p:spPr>
           <a:xfrm>
-            <a:off x="4907990" y="1921472"/>
+            <a:off x="4834420" y="1879432"/>
             <a:ext cx="561778" cy="138499"/>
           </a:xfrm>
           <a:prstGeom prst="rect">
@@ -9177,7 +8942,7 @@
         </p:nvSpPr>
         <p:spPr>
           <a:xfrm>
-            <a:off x="6563547" y="5355789"/>
+            <a:off x="6510997" y="5313749"/>
             <a:ext cx="679752" cy="138499"/>
           </a:xfrm>
           <a:prstGeom prst="rect">
@@ -9405,7 +9170,7 @@
         </p:nvSpPr>
         <p:spPr>
           <a:xfrm>
-            <a:off x="4320960" y="5373041"/>
+            <a:off x="4247390" y="5331001"/>
             <a:ext cx="673022" cy="138499"/>
           </a:xfrm>
           <a:prstGeom prst="rect">
@@ -9486,7 +9251,7 @@
         </p:nvSpPr>
         <p:spPr>
           <a:xfrm>
-            <a:off x="4822589" y="5308111"/>
+            <a:off x="4791059" y="5287091"/>
             <a:ext cx="1344712" cy="230832"/>
           </a:xfrm>
           <a:prstGeom prst="rect">
@@ -10167,7 +9932,7 @@
         </p:nvSpPr>
         <p:spPr>
           <a:xfrm>
-            <a:off x="7087117" y="5301904"/>
+            <a:off x="7055587" y="5280884"/>
             <a:ext cx="953500" cy="230832"/>
           </a:xfrm>
           <a:prstGeom prst="rect">
@@ -10188,6 +9953,172 @@
               <a:rPr lang="en-US" sz="900" dirty="0"/>
               <a:t>section size</a:t>
             </a:r>
+          </a:p>
+        </p:txBody>
+      </p:sp>
+      <p:sp>
+        <p:nvSpPr>
+          <p:cNvPr id="83" name="TextBox 109">
+            <a:extLst>
+              <a:ext uri="{FF2B5EF4-FFF2-40B4-BE49-F238E27FC236}">
+                <a16:creationId xmlns:a16="http://schemas.microsoft.com/office/drawing/2014/main" id="{7114C245-92E5-F641-AABD-735EA9030D3D}"/>
+              </a:ext>
+            </a:extLst>
+          </p:cNvPr>
+          <p:cNvSpPr txBox="1"/>
+          <p:nvPr/>
+        </p:nvSpPr>
+        <p:spPr>
+          <a:xfrm>
+            <a:off x="1125667" y="3616807"/>
+            <a:ext cx="617956" cy="138499"/>
+          </a:xfrm>
+          <a:prstGeom prst="rect">
+            <a:avLst/>
+          </a:prstGeom>
+          <a:noFill/>
+          <a:ln>
+            <a:noFill/>
+          </a:ln>
+        </p:spPr>
+        <p:txBody>
+          <a:bodyPr wrap="square" tIns="0" bIns="0" rtlCol="0">
+            <a:spAutoFit/>
+          </a:bodyPr>
+          <a:lstStyle/>
+          <a:p>
+            <a:pPr algn="ctr"/>
+            <a:r>
+              <a:rPr lang="en-US" sz="900" dirty="0"/>
+              <a:t>PUSI = 0</a:t>
+            </a:r>
+          </a:p>
+        </p:txBody>
+      </p:sp>
+      <p:sp>
+        <p:nvSpPr>
+          <p:cNvPr id="84" name="TextBox 111">
+            <a:extLst>
+              <a:ext uri="{FF2B5EF4-FFF2-40B4-BE49-F238E27FC236}">
+                <a16:creationId xmlns:a16="http://schemas.microsoft.com/office/drawing/2014/main" id="{745D082E-6981-A243-B1B9-56B25AFF21BE}"/>
+              </a:ext>
+            </a:extLst>
+          </p:cNvPr>
+          <p:cNvSpPr txBox="1"/>
+          <p:nvPr/>
+        </p:nvSpPr>
+        <p:spPr>
+          <a:xfrm>
+            <a:off x="1731974" y="3623222"/>
+            <a:ext cx="697135" cy="138499"/>
+          </a:xfrm>
+          <a:prstGeom prst="rect">
+            <a:avLst/>
+          </a:prstGeom>
+          <a:noFill/>
+          <a:ln>
+            <a:noFill/>
+          </a:ln>
+        </p:spPr>
+        <p:txBody>
+          <a:bodyPr wrap="square" tIns="0" bIns="0" rtlCol="0">
+            <a:spAutoFit/>
+          </a:bodyPr>
+          <a:lstStyle/>
+          <a:p>
+            <a:pPr algn="ctr"/>
+            <a:r>
+              <a:rPr lang="en-US" sz="900" dirty="0"/>
+              <a:t>PID = </a:t>
+            </a:r>
+            <a:r>
+              <a:rPr lang="en-US" sz="900" i="1" dirty="0"/>
+              <a:t>nn</a:t>
+            </a:r>
+            <a:endParaRPr lang="en-US" sz="900" dirty="0"/>
+          </a:p>
+        </p:txBody>
+      </p:sp>
+      <p:sp>
+        <p:nvSpPr>
+          <p:cNvPr id="85" name="TextBox 109">
+            <a:extLst>
+              <a:ext uri="{FF2B5EF4-FFF2-40B4-BE49-F238E27FC236}">
+                <a16:creationId xmlns:a16="http://schemas.microsoft.com/office/drawing/2014/main" id="{AB4A9543-E4C8-1945-97E2-6ED5C658378E}"/>
+              </a:ext>
+            </a:extLst>
+          </p:cNvPr>
+          <p:cNvSpPr txBox="1"/>
+          <p:nvPr/>
+        </p:nvSpPr>
+        <p:spPr>
+          <a:xfrm>
+            <a:off x="1125667" y="1866662"/>
+            <a:ext cx="617956" cy="138499"/>
+          </a:xfrm>
+          <a:prstGeom prst="rect">
+            <a:avLst/>
+          </a:prstGeom>
+          <a:noFill/>
+          <a:ln>
+            <a:noFill/>
+          </a:ln>
+        </p:spPr>
+        <p:txBody>
+          <a:bodyPr wrap="square" tIns="0" bIns="0" rtlCol="0">
+            <a:spAutoFit/>
+          </a:bodyPr>
+          <a:lstStyle/>
+          <a:p>
+            <a:pPr algn="ctr"/>
+            <a:r>
+              <a:rPr lang="en-US" sz="900" dirty="0"/>
+              <a:t>PUSI = 1</a:t>
+            </a:r>
+          </a:p>
+        </p:txBody>
+      </p:sp>
+      <p:sp>
+        <p:nvSpPr>
+          <p:cNvPr id="86" name="TextBox 111">
+            <a:extLst>
+              <a:ext uri="{FF2B5EF4-FFF2-40B4-BE49-F238E27FC236}">
+                <a16:creationId xmlns:a16="http://schemas.microsoft.com/office/drawing/2014/main" id="{FD177A4F-BB39-8E46-944A-009705DD2116}"/>
+              </a:ext>
+            </a:extLst>
+          </p:cNvPr>
+          <p:cNvSpPr txBox="1"/>
+          <p:nvPr/>
+        </p:nvSpPr>
+        <p:spPr>
+          <a:xfrm>
+            <a:off x="1731974" y="1873077"/>
+            <a:ext cx="697135" cy="138499"/>
+          </a:xfrm>
+          <a:prstGeom prst="rect">
+            <a:avLst/>
+          </a:prstGeom>
+          <a:noFill/>
+          <a:ln>
+            <a:noFill/>
+          </a:ln>
+        </p:spPr>
+        <p:txBody>
+          <a:bodyPr wrap="square" tIns="0" bIns="0" rtlCol="0">
+            <a:spAutoFit/>
+          </a:bodyPr>
+          <a:lstStyle/>
+          <a:p>
+            <a:pPr algn="ctr"/>
+            <a:r>
+              <a:rPr lang="en-US" sz="900" dirty="0"/>
+              <a:t>PID = </a:t>
+            </a:r>
+            <a:r>
+              <a:rPr lang="en-US" sz="900" i="1" dirty="0"/>
+              <a:t>nn</a:t>
+            </a:r>
+            <a:endParaRPr lang="en-US" sz="900" dirty="0"/>
           </a:p>
         </p:txBody>
       </p:sp>
@@ -11619,14 +11550,6 @@
           <a:lstStyle/>
           <a:p>
             <a:pPr algn="ctr"/>
-            <a:r>
-              <a:rPr lang="en-US" sz="1100" b="1" dirty="0">
-                <a:solidFill>
-                  <a:schemeClr val="tx1"/>
-                </a:solidFill>
-              </a:rPr>
-              <a:t/>
-            </a:r>
             <a:br>
               <a:rPr lang="en-US" sz="1100" b="1" dirty="0">
                 <a:solidFill>
@@ -15835,20 +15758,8 @@
           <a:lstStyle/>
           <a:p>
             <a:r>
-              <a:rPr lang="en-US" dirty="0" smtClean="0"/>
-              <a:t>MPEG </a:t>
-            </a:r>
-            <a:r>
               <a:rPr lang="en-US" dirty="0"/>
-              <a:t>t</a:t>
-            </a:r>
-            <a:r>
-              <a:rPr lang="en-US" dirty="0" smtClean="0"/>
-              <a:t>ransport </a:t>
-            </a:r>
-            <a:r>
-              <a:rPr lang="en-US" dirty="0"/>
-              <a:t>streams</a:t>
+              <a:t>MPEG transport streams</a:t>
             </a:r>
           </a:p>
           <a:p>
@@ -15886,11 +15797,7 @@
             <a:pPr lvl="1"/>
             <a:r>
               <a:rPr lang="en-US" dirty="0"/>
-              <a:t>MPEG, DVB, </a:t>
-            </a:r>
-            <a:r>
-              <a:rPr lang="en-US" dirty="0" smtClean="0"/>
-              <a:t>others</a:t>
+              <a:t>MPEG, DVB, others</a:t>
             </a:r>
             <a:endParaRPr lang="en-US" noProof="0" dirty="0"/>
           </a:p>
@@ -15906,13 +15813,6 @@
   <p:clrMapOvr>
     <a:masterClrMapping/>
   </p:clrMapOvr>
-  <p:timing>
-    <p:tnLst>
-      <p:par>
-        <p:cTn id="1" dur="indefinite" restart="never" nodeType="tmRoot"/>
-      </p:par>
-    </p:tnLst>
-  </p:timing>
 </p:sld>
 </file>
 
@@ -17492,15 +17392,7 @@
             </a:pPr>
             <a:r>
               <a:rPr lang="en-US" dirty="0"/>
-              <a:t>usually, all </a:t>
-            </a:r>
-            <a:r>
-              <a:rPr lang="en-US" dirty="0" smtClean="0"/>
-              <a:t>audio/video </a:t>
-            </a:r>
-            <a:r>
-              <a:rPr lang="en-US" dirty="0"/>
-              <a:t>streams of a service are in the same scrambling group</a:t>
+              <a:t>usually, all audio/video streams of a service are in the same scrambling group</a:t>
             </a:r>
           </a:p>
           <a:p>
@@ -18209,13 +18101,6 @@
   <p:clrMapOvr>
     <a:masterClrMapping/>
   </p:clrMapOvr>
-  <p:timing>
-    <p:tnLst>
-      <p:par>
-        <p:cTn id="1" dur="indefinite" restart="never" nodeType="tmRoot"/>
-      </p:par>
-    </p:tnLst>
-  </p:timing>
 </p:sld>
 </file>
 
@@ -19314,17 +19199,6 @@
                 <a:cs typeface="Arial" pitchFamily="34" charset="0"/>
               </a:rPr>
               <a:t>message</a:t>
-            </a:r>
-            <a:r>
-              <a:rPr lang="en-US" sz="1050" b="1" dirty="0">
-                <a:solidFill>
-                  <a:schemeClr val="bg1">
-                    <a:lumMod val="50000"/>
-                  </a:schemeClr>
-                </a:solidFill>
-                <a:cs typeface="Arial" pitchFamily="34" charset="0"/>
-              </a:rPr>
-              <a:t/>
             </a:r>
             <a:br>
               <a:rPr lang="en-US" sz="1050" b="1" dirty="0">
@@ -21817,13 +21691,6 @@
   <p:clrMapOvr>
     <a:masterClrMapping/>
   </p:clrMapOvr>
-  <p:timing>
-    <p:tnLst>
-      <p:par>
-        <p:cTn id="1" dur="indefinite" restart="never" nodeType="tmRoot"/>
-      </p:par>
-    </p:tnLst>
-  </p:timing>
 </p:sld>
 </file>
 
@@ -24835,13 +24702,8 @@
           <a:p>
             <a:r>
               <a:rPr lang="en-US" dirty="0"/>
-              <a:t>Scrambling synchronization : head-end </a:t>
-            </a:r>
-            <a:r>
-              <a:rPr lang="en-US" dirty="0" smtClean="0"/>
-              <a:t>timeline</a:t>
-            </a:r>
-            <a:endParaRPr lang="en-US" dirty="0"/>
+              <a:t>Scrambling synchronization : head-end timeline</a:t>
+            </a:r>
           </a:p>
         </p:txBody>
       </p:sp>
@@ -24855,13 +24717,6 @@
   <p:clrMapOvr>
     <a:masterClrMapping/>
   </p:clrMapOvr>
-  <p:timing>
-    <p:tnLst>
-      <p:par>
-        <p:cTn id="1" dur="indefinite" restart="never" nodeType="tmRoot"/>
-      </p:par>
-    </p:tnLst>
-  </p:timing>
 </p:sld>
 </file>
 
@@ -31528,13 +31383,6 @@
   <p:clrMapOvr>
     <a:masterClrMapping/>
   </p:clrMapOvr>
-  <p:timing>
-    <p:tnLst>
-      <p:par>
-        <p:cTn id="1" dur="indefinite" restart="never" nodeType="tmRoot"/>
-      </p:par>
-    </p:tnLst>
-  </p:timing>
 </p:sld>
 </file>
 
@@ -31810,13 +31658,6 @@
   <p:clrMapOvr>
     <a:masterClrMapping/>
   </p:clrMapOvr>
-  <p:timing>
-    <p:tnLst>
-      <p:par>
-        <p:cTn id="1" dur="indefinite" restart="never" nodeType="tmRoot"/>
-      </p:par>
-    </p:tnLst>
-  </p:timing>
 </p:sld>
 </file>
 
@@ -32069,13 +31910,6 @@
   <p:clrMapOvr>
     <a:masterClrMapping/>
   </p:clrMapOvr>
-  <p:timing>
-    <p:tnLst>
-      <p:par>
-        <p:cTn id="1" dur="indefinite" restart="never" nodeType="tmRoot"/>
-      </p:par>
-    </p:tnLst>
-  </p:timing>
 </p:sld>
 </file>
 
@@ -34067,13 +33901,6 @@
   <p:clrMapOvr>
     <a:masterClrMapping/>
   </p:clrMapOvr>
-  <p:timing>
-    <p:tnLst>
-      <p:par>
-        <p:cTn id="1" dur="indefinite" restart="never" nodeType="tmRoot"/>
-      </p:par>
-    </p:tnLst>
-  </p:timing>
 </p:sld>
 </file>
 
@@ -34410,14 +34237,14 @@
           <p:nvPr>
             <p:extLst>
               <p:ext uri="{D42A27DB-BD31-4B8C-83A1-F6EECF244321}">
-                <p14:modId xmlns:p14="http://schemas.microsoft.com/office/powerpoint/2010/main" val="515919697"/>
+                <p14:modId xmlns:p14="http://schemas.microsoft.com/office/powerpoint/2010/main" val="2817618371"/>
               </p:ext>
             </p:extLst>
           </p:nvPr>
         </p:nvGraphicFramePr>
         <p:xfrm>
           <a:off x="403123" y="1511439"/>
-          <a:ext cx="10745925" cy="4663440"/>
+          <a:ext cx="10745925" cy="5029200"/>
         </p:xfrm>
         <a:graphic>
           <a:graphicData uri="http://schemas.openxmlformats.org/drawingml/2006/table">
@@ -36649,6 +36476,183 @@
                   </a:ext>
                 </a:extLst>
               </a:tr>
+              <a:tr h="317551">
+                <a:tc>
+                  <a:txBody>
+                    <a:bodyPr/>
+                    <a:lstStyle/>
+                    <a:p>
+                      <a:r>
+                        <a:rPr lang="en-US" sz="1800" noProof="0" dirty="0"/>
+                        <a:t>MPEG-I</a:t>
+                      </a:r>
+                    </a:p>
+                  </a:txBody>
+                  <a:tcPr>
+                    <a:lnL>
+                      <a:noFill/>
+                    </a:lnL>
+                    <a:lnR>
+                      <a:noFill/>
+                    </a:lnR>
+                    <a:lnT>
+                      <a:noFill/>
+                    </a:lnT>
+                    <a:lnB w="25400" cmpd="sng">
+                      <a:noFill/>
+                    </a:lnB>
+                    <a:lnTlToBr w="12700" cmpd="sng">
+                      <a:noFill/>
+                      <a:prstDash val="solid"/>
+                    </a:lnTlToBr>
+                    <a:lnBlToTr w="12700" cmpd="sng">
+                      <a:noFill/>
+                      <a:prstDash val="solid"/>
+                    </a:lnBlToTr>
+                  </a:tcPr>
+                </a:tc>
+                <a:tc>
+                  <a:txBody>
+                    <a:bodyPr/>
+                    <a:lstStyle/>
+                    <a:p>
+                      <a:r>
+                        <a:rPr lang="en-US" sz="1800" noProof="0" dirty="0"/>
+                        <a:t>Video</a:t>
+                      </a:r>
+                    </a:p>
+                  </a:txBody>
+                  <a:tcPr>
+                    <a:lnL>
+                      <a:noFill/>
+                    </a:lnL>
+                    <a:lnR>
+                      <a:noFill/>
+                    </a:lnR>
+                    <a:lnT>
+                      <a:noFill/>
+                    </a:lnT>
+                    <a:lnB w="25400" cmpd="sng">
+                      <a:noFill/>
+                    </a:lnB>
+                    <a:lnTlToBr w="12700" cmpd="sng">
+                      <a:noFill/>
+                      <a:prstDash val="solid"/>
+                    </a:lnTlToBr>
+                    <a:lnBlToTr w="12700" cmpd="sng">
+                      <a:noFill/>
+                      <a:prstDash val="solid"/>
+                    </a:lnBlToTr>
+                  </a:tcPr>
+                </a:tc>
+                <a:tc>
+                  <a:txBody>
+                    <a:bodyPr/>
+                    <a:lstStyle/>
+                    <a:p>
+                      <a:r>
+                        <a:rPr lang="en-US" sz="1800" noProof="0" dirty="0"/>
+                        <a:t>23090-3</a:t>
+                      </a:r>
+                    </a:p>
+                  </a:txBody>
+                  <a:tcPr>
+                    <a:lnL>
+                      <a:noFill/>
+                    </a:lnL>
+                    <a:lnR>
+                      <a:noFill/>
+                    </a:lnR>
+                    <a:lnT>
+                      <a:noFill/>
+                    </a:lnT>
+                    <a:lnB w="25400" cmpd="sng">
+                      <a:noFill/>
+                    </a:lnB>
+                    <a:lnTlToBr w="12700" cmpd="sng">
+                      <a:noFill/>
+                      <a:prstDash val="solid"/>
+                    </a:lnTlToBr>
+                    <a:lnBlToTr w="12700" cmpd="sng">
+                      <a:noFill/>
+                      <a:prstDash val="solid"/>
+                    </a:lnBlToTr>
+                  </a:tcPr>
+                </a:tc>
+                <a:tc>
+                  <a:txBody>
+                    <a:bodyPr/>
+                    <a:lstStyle/>
+                    <a:p>
+                      <a:r>
+                        <a:rPr lang="en-US" sz="1800" noProof="0" dirty="0"/>
+                        <a:t>H.266</a:t>
+                      </a:r>
+                    </a:p>
+                  </a:txBody>
+                  <a:tcPr>
+                    <a:lnL>
+                      <a:noFill/>
+                    </a:lnL>
+                    <a:lnR>
+                      <a:noFill/>
+                    </a:lnR>
+                    <a:lnT>
+                      <a:noFill/>
+                    </a:lnT>
+                    <a:lnB w="25400" cmpd="sng">
+                      <a:noFill/>
+                    </a:lnB>
+                    <a:lnTlToBr w="12700" cmpd="sng">
+                      <a:noFill/>
+                      <a:prstDash val="solid"/>
+                    </a:lnTlToBr>
+                    <a:lnBlToTr w="12700" cmpd="sng">
+                      <a:noFill/>
+                      <a:prstDash val="solid"/>
+                    </a:lnBlToTr>
+                  </a:tcPr>
+                </a:tc>
+                <a:tc>
+                  <a:txBody>
+                    <a:bodyPr/>
+                    <a:lstStyle/>
+                    <a:p>
+                      <a:r>
+                        <a:rPr lang="en-US" sz="1800" noProof="0" dirty="0"/>
+                        <a:t>VVC (Versatile Video Coding)</a:t>
+                      </a:r>
+                    </a:p>
+                  </a:txBody>
+                  <a:tcPr>
+                    <a:lnL>
+                      <a:noFill/>
+                    </a:lnL>
+                    <a:lnR>
+                      <a:noFill/>
+                    </a:lnR>
+                    <a:lnT>
+                      <a:noFill/>
+                    </a:lnT>
+                    <a:lnB w="25400" cmpd="sng">
+                      <a:noFill/>
+                    </a:lnB>
+                    <a:lnTlToBr w="12700" cmpd="sng">
+                      <a:noFill/>
+                      <a:prstDash val="solid"/>
+                    </a:lnTlToBr>
+                    <a:lnBlToTr w="12700" cmpd="sng">
+                      <a:noFill/>
+                      <a:prstDash val="solid"/>
+                    </a:lnBlToTr>
+                  </a:tcPr>
+                </a:tc>
+                <a:extLst>
+                  <a:ext uri="{0D108BD9-81ED-4DB2-BD59-A6C34878D82A}">
+                    <a16:rowId xmlns:a16="http://schemas.microsoft.com/office/drawing/2014/main" val="890445195"/>
+                  </a:ext>
+                </a:extLst>
+              </a:tr>
             </a:tbl>
           </a:graphicData>
         </a:graphic>
@@ -36978,13 +36982,6 @@
   <p:clrMapOvr>
     <a:masterClrMapping/>
   </p:clrMapOvr>
-  <p:timing>
-    <p:tnLst>
-      <p:par>
-        <p:cTn id="1" dur="indefinite" restart="never" nodeType="tmRoot"/>
-      </p:par>
-    </p:tnLst>
-  </p:timing>
 </p:sld>
 </file>
 
@@ -39779,7 +39776,7 @@
         </p:nvSpPr>
         <p:spPr>
           <a:xfrm>
-            <a:off x="1226943" y="3700855"/>
+            <a:off x="1226943" y="3648305"/>
             <a:ext cx="4680520" cy="338554"/>
           </a:xfrm>
           <a:prstGeom prst="rect">
@@ -39829,7 +39826,7 @@
         </p:nvSpPr>
         <p:spPr>
           <a:xfrm>
-            <a:off x="1226943" y="5127765"/>
+            <a:off x="1226943" y="5106745"/>
             <a:ext cx="4680520" cy="338554"/>
           </a:xfrm>
           <a:prstGeom prst="rect">
@@ -39879,7 +39876,7 @@
         </p:nvSpPr>
         <p:spPr>
           <a:xfrm>
-            <a:off x="2286337" y="5401470"/>
+            <a:off x="2286337" y="5380450"/>
             <a:ext cx="1656184" cy="230832"/>
           </a:xfrm>
           <a:prstGeom prst="rect">
@@ -40104,7 +40101,7 @@
         </p:nvSpPr>
         <p:spPr>
           <a:xfrm>
-            <a:off x="1663631" y="5501959"/>
+            <a:off x="1737201" y="5438899"/>
             <a:ext cx="822500" cy="138499"/>
           </a:xfrm>
           <a:prstGeom prst="rect">
@@ -40186,7 +40183,7 @@
         </p:nvSpPr>
         <p:spPr>
           <a:xfrm>
-            <a:off x="1648905" y="4041206"/>
+            <a:off x="1722475" y="3978146"/>
             <a:ext cx="822500" cy="138499"/>
           </a:xfrm>
           <a:prstGeom prst="rect">
@@ -40310,13 +40307,6 @@
   <p:clrMapOvr>
     <a:masterClrMapping/>
   </p:clrMapOvr>
-  <p:timing>
-    <p:tnLst>
-      <p:par>
-        <p:cTn id="1" dur="indefinite" restart="never" nodeType="tmRoot"/>
-      </p:par>
-    </p:tnLst>
-  </p:timing>
 </p:sld>
 </file>
 
@@ -41946,13 +41936,6 @@
   <p:clrMapOvr>
     <a:masterClrMapping/>
   </p:clrMapOvr>
-  <p:timing>
-    <p:tnLst>
-      <p:par>
-        <p:cTn id="1" dur="indefinite" restart="never" nodeType="tmRoot"/>
-      </p:par>
-    </p:tnLst>
-  </p:timing>
 </p:sld>
 </file>
 
@@ -42195,13 +42178,6 @@
   <p:clrMapOvr>
     <a:masterClrMapping/>
   </p:clrMapOvr>
-  <p:timing>
-    <p:tnLst>
-      <p:par>
-        <p:cTn id="1" dur="indefinite" restart="never" nodeType="tmRoot"/>
-      </p:par>
-    </p:tnLst>
-  </p:timing>
 </p:sld>
 </file>
 
